--- a/docs/Presentation_TeamGamma.pptx
+++ b/docs/Presentation_TeamGamma.pptx
@@ -372,7 +372,7 @@
     </p:spTree>
     <p:extLst>
       <p:ext uri="{BB962C8B-B14F-4D97-AF65-F5344CB8AC3E}">
-        <p14:creationId xmlns="" xmlns:p14="http://schemas.microsoft.com/office/powerpoint/2010/main" val="2212999972"/>
+        <p14:creationId xmlns:p14="http://schemas.microsoft.com/office/powerpoint/2010/main" xmlns="" val="2212999972"/>
       </p:ext>
     </p:extLst>
   </p:cSld>
@@ -574,19 +574,7 @@
                 <a:ea typeface="+mn-ea"/>
                 <a:cs typeface="+mn-cs"/>
               </a:rPr>
-              <a:t>Present </a:t>
-            </a:r>
-            <a:r>
-              <a:rPr lang="en-US" sz="1200" kern="1200" dirty="0" smtClean="0">
-                <a:solidFill>
-                  <a:schemeClr val="tx1"/>
-                </a:solidFill>
-                <a:effectLst/>
-                <a:latin typeface="+mn-lt"/>
-                <a:ea typeface="+mn-ea"/>
-                <a:cs typeface="+mn-cs"/>
-              </a:rPr>
-              <a:t>the project idea, its scope, the stakeholders, the problems the system addresses, economic benefits, whether it is an existing system that is to be improved or a new idea. </a:t>
+              <a:t>Present the project idea, its scope, the stakeholders, the problems the system addresses, economic benefits, whether it is an existing system that is to be improved or a new idea. </a:t>
             </a:r>
             <a:r>
               <a:rPr lang="en-US" sz="1200" b="1" kern="1200" dirty="0" smtClean="0">
@@ -612,15 +600,6 @@
               </a:rPr>
               <a:t>. The content presented here is what you have submitted for assign1.  </a:t>
             </a:r>
-            <a:endParaRPr lang="en-US" sz="1200" kern="1200" dirty="0" smtClean="0">
-              <a:solidFill>
-                <a:schemeClr val="tx1"/>
-              </a:solidFill>
-              <a:effectLst/>
-              <a:latin typeface="+mn-lt"/>
-              <a:ea typeface="+mn-ea"/>
-              <a:cs typeface="+mn-cs"/>
-            </a:endParaRPr>
           </a:p>
           <a:p>
             <a:pPr marL="0" marR="0" lvl="0" indent="0" algn="l" defTabSz="457200" rtl="0" eaLnBrk="1" fontAlgn="auto" latinLnBrk="0" hangingPunct="1">
@@ -682,7 +661,7 @@
     </p:spTree>
     <p:extLst>
       <p:ext uri="{BB962C8B-B14F-4D97-AF65-F5344CB8AC3E}">
-        <p14:creationId xmlns="" xmlns:p14="http://schemas.microsoft.com/office/powerpoint/2010/main" val="385254405"/>
+        <p14:creationId xmlns:p14="http://schemas.microsoft.com/office/powerpoint/2010/main" xmlns="" val="385254405"/>
       </p:ext>
     </p:extLst>
   </p:cSld>
@@ -8075,18 +8054,9 @@
           </a:p>
           <a:p>
             <a:r>
-              <a:rPr lang="en-US" dirty="0" err="1" smtClean="0"/>
-              <a:t>Poornima</a:t>
-            </a:r>
-            <a:r>
               <a:rPr lang="en-US" dirty="0" smtClean="0"/>
-              <a:t> </a:t>
-            </a:r>
-            <a:r>
-              <a:rPr lang="en-US" dirty="0" err="1" smtClean="0"/>
-              <a:t>Ganesan</a:t>
-            </a:r>
-            <a:endParaRPr lang="en-US" dirty="0" smtClean="0"/>
+              <a:t>Poornima Ganesan</a:t>
+            </a:r>
           </a:p>
           <a:p>
             <a:r>
@@ -8115,7 +8085,7 @@
     </p:spTree>
     <p:extLst>
       <p:ext uri="{BB962C8B-B14F-4D97-AF65-F5344CB8AC3E}">
-        <p14:creationId xmlns="" xmlns:p14="http://schemas.microsoft.com/office/powerpoint/2010/main" val="3291486969"/>
+        <p14:creationId xmlns:p14="http://schemas.microsoft.com/office/powerpoint/2010/main" xmlns="" val="3291486969"/>
       </p:ext>
     </p:extLst>
   </p:cSld>
@@ -8232,7 +8202,7 @@
     </p:spTree>
     <p:extLst>
       <p:ext uri="{BB962C8B-B14F-4D97-AF65-F5344CB8AC3E}">
-        <p14:creationId xmlns="" xmlns:p14="http://schemas.microsoft.com/office/powerpoint/2010/main" val="1195116925"/>
+        <p14:creationId xmlns:p14="http://schemas.microsoft.com/office/powerpoint/2010/main" xmlns="" val="1195116925"/>
       </p:ext>
     </p:extLst>
   </p:cSld>
@@ -8408,7 +8378,7 @@
     </p:spTree>
     <p:extLst>
       <p:ext uri="{BB962C8B-B14F-4D97-AF65-F5344CB8AC3E}">
-        <p14:creationId xmlns="" xmlns:p14="http://schemas.microsoft.com/office/powerpoint/2010/main" val="3853707377"/>
+        <p14:creationId xmlns:p14="http://schemas.microsoft.com/office/powerpoint/2010/main" xmlns="" val="3853707377"/>
       </p:ext>
     </p:extLst>
   </p:cSld>
@@ -8852,7 +8822,7 @@
     </p:spTree>
     <p:extLst>
       <p:ext uri="{BB962C8B-B14F-4D97-AF65-F5344CB8AC3E}">
-        <p14:creationId xmlns="" xmlns:p14="http://schemas.microsoft.com/office/powerpoint/2010/main" val="1948700834"/>
+        <p14:creationId xmlns:p14="http://schemas.microsoft.com/office/powerpoint/2010/main" xmlns="" val="1948700834"/>
       </p:ext>
     </p:extLst>
   </p:cSld>
@@ -8968,8 +8938,13 @@
           <a:p>
             <a:r>
               <a:rPr lang="en-US" dirty="0" smtClean="0"/>
-              <a:t>Current System Status</a:t>
-            </a:r>
+              <a:t>Current System </a:t>
+            </a:r>
+            <a:r>
+              <a:rPr lang="en-US" dirty="0" smtClean="0"/>
+              <a:t>Status &amp; Velocity</a:t>
+            </a:r>
+            <a:endParaRPr lang="en-US" dirty="0" smtClean="0"/>
           </a:p>
           <a:p>
             <a:r>
@@ -8994,7 +8969,7 @@
     </p:spTree>
     <p:extLst>
       <p:ext uri="{BB962C8B-B14F-4D97-AF65-F5344CB8AC3E}">
-        <p14:creationId xmlns="" xmlns:p14="http://schemas.microsoft.com/office/powerpoint/2010/main" val="1633817389"/>
+        <p14:creationId xmlns:p14="http://schemas.microsoft.com/office/powerpoint/2010/main" xmlns="" val="1633817389"/>
       </p:ext>
     </p:extLst>
   </p:cSld>
@@ -9214,7 +9189,7 @@
           <a:blip r:embed="rId3" cstate="print">
             <a:extLst>
               <a:ext uri="{28A0092B-C50C-407E-A947-70E740481C1C}">
-                <a14:useLocalDpi xmlns="" xmlns:a14="http://schemas.microsoft.com/office/drawing/2010/main" val="0"/>
+                <a14:useLocalDpi xmlns:a14="http://schemas.microsoft.com/office/drawing/2010/main" xmlns="" val="0"/>
               </a:ext>
             </a:extLst>
           </a:blip>
@@ -9239,7 +9214,7 @@
     </p:spTree>
     <p:extLst>
       <p:ext uri="{BB962C8B-B14F-4D97-AF65-F5344CB8AC3E}">
-        <p14:creationId xmlns="" xmlns:p14="http://schemas.microsoft.com/office/powerpoint/2010/main" val="1668180396"/>
+        <p14:creationId xmlns:p14="http://schemas.microsoft.com/office/powerpoint/2010/main" xmlns="" val="1668180396"/>
       </p:ext>
     </p:extLst>
   </p:cSld>
@@ -9273,38 +9248,36 @@
           <a:chExt cx="0" cy="0"/>
         </a:xfrm>
       </p:grpSpPr>
-      <p:sp>
-        <p:nvSpPr>
-          <p:cNvPr id="2" name="Title 1"/>
-          <p:cNvSpPr>
-            <a:spLocks noGrp="1"/>
-          </p:cNvSpPr>
-          <p:nvPr>
-            <p:ph type="title"/>
-          </p:nvPr>
-        </p:nvSpPr>
-        <p:spPr>
+      <p:pic>
+        <p:nvPicPr>
+          <p:cNvPr id="14338" name="Picture 2" descr="http://1.bp.blogspot.com/-WDaDuF-55Ts/UEeR4724BXI/AAAAAAAAA-A/yEgGwYCJ-3w/s1600/demo.jpg"/>
+          <p:cNvPicPr>
+            <a:picLocks noChangeAspect="1" noChangeArrowheads="1"/>
+          </p:cNvPicPr>
+          <p:nvPr/>
+        </p:nvPicPr>
+        <p:blipFill>
+          <a:blip r:embed="rId3" cstate="print"/>
+          <a:srcRect/>
+          <a:stretch>
+            <a:fillRect/>
+          </a:stretch>
+        </p:blipFill>
+        <p:spPr bwMode="auto">
           <a:xfrm>
-            <a:off x="457199" y="914400"/>
-            <a:ext cx="6508377" cy="3020818"/>
+            <a:off x="1255954" y="1557497"/>
+            <a:ext cx="5361823" cy="3866441"/>
           </a:xfrm>
+          <a:prstGeom prst="rect">
+            <a:avLst/>
+          </a:prstGeom>
+          <a:noFill/>
         </p:spPr>
-        <p:txBody>
-          <a:bodyPr/>
-          <a:lstStyle/>
-          <a:p>
-            <a:r>
-              <a:rPr lang="en-US" dirty="0" smtClean="0"/>
-              <a:t>Demo……</a:t>
-            </a:r>
-            <a:endParaRPr lang="en-US" dirty="0"/>
-          </a:p>
-        </p:txBody>
-      </p:sp>
+      </p:pic>
     </p:spTree>
     <p:extLst>
       <p:ext uri="{BB962C8B-B14F-4D97-AF65-F5344CB8AC3E}">
-        <p14:creationId xmlns="" xmlns:p14="http://schemas.microsoft.com/office/powerpoint/2010/main" val="928388685"/>
+        <p14:creationId xmlns:p14="http://schemas.microsoft.com/office/powerpoint/2010/main" xmlns="" val="928388685"/>
       </p:ext>
     </p:extLst>
   </p:cSld>
@@ -9399,13 +9372,13 @@
             <p:ph idx="1"/>
             <p:extLst>
               <p:ext uri="{D42A27DB-BD31-4B8C-83A1-F6EECF244321}">
-                <p14:modId xmlns="" xmlns:p14="http://schemas.microsoft.com/office/powerpoint/2010/main" val="3988399231"/>
+                <p14:modId xmlns:p14="http://schemas.microsoft.com/office/powerpoint/2010/main" xmlns="" val="3988399231"/>
               </p:ext>
             </p:extLst>
           </p:nvPr>
         </p:nvGraphicFramePr>
         <p:xfrm>
-          <a:off x="321733" y="275691"/>
+          <a:off x="244243" y="275691"/>
           <a:ext cx="6874902" cy="6421416"/>
         </p:xfrm>
         <a:graphic>
@@ -10565,7 +10538,7 @@
     </p:spTree>
     <p:extLst>
       <p:ext uri="{BB962C8B-B14F-4D97-AF65-F5344CB8AC3E}">
-        <p14:creationId xmlns="" xmlns:p14="http://schemas.microsoft.com/office/powerpoint/2010/main" val="1530510290"/>
+        <p14:creationId xmlns:p14="http://schemas.microsoft.com/office/powerpoint/2010/main" xmlns="" val="1530510290"/>
       </p:ext>
     </p:extLst>
   </p:cSld>
@@ -10658,7 +10631,7 @@
     </p:spTree>
     <p:extLst>
       <p:ext uri="{BB962C8B-B14F-4D97-AF65-F5344CB8AC3E}">
-        <p14:creationId xmlns="" xmlns:p14="http://schemas.microsoft.com/office/powerpoint/2010/main" val="1138632541"/>
+        <p14:creationId xmlns:p14="http://schemas.microsoft.com/office/powerpoint/2010/main" xmlns="" val="1138632541"/>
       </p:ext>
     </p:extLst>
   </p:cSld>
@@ -10764,7 +10737,7 @@
     </p:spTree>
     <p:extLst>
       <p:ext uri="{BB962C8B-B14F-4D97-AF65-F5344CB8AC3E}">
-        <p14:creationId xmlns="" xmlns:p14="http://schemas.microsoft.com/office/powerpoint/2010/main" val="1418101890"/>
+        <p14:creationId xmlns:p14="http://schemas.microsoft.com/office/powerpoint/2010/main" xmlns="" val="1418101890"/>
       </p:ext>
     </p:extLst>
   </p:cSld>
@@ -10836,7 +10809,7 @@
             <p:ph idx="1"/>
             <p:extLst>
               <p:ext uri="{D42A27DB-BD31-4B8C-83A1-F6EECF244321}">
-                <p14:modId xmlns="" xmlns:p14="http://schemas.microsoft.com/office/powerpoint/2010/main" val="2952445889"/>
+                <p14:modId xmlns:p14="http://schemas.microsoft.com/office/powerpoint/2010/main" xmlns="" val="2952445889"/>
               </p:ext>
             </p:extLst>
           </p:nvPr>
@@ -11670,7 +11643,15 @@
             </a:pPr>
             <a:r>
               <a:rPr lang="en-US" sz="1600" dirty="0" smtClean="0"/>
-              <a:t> Implemented core functionality first </a:t>
+              <a:t> </a:t>
+            </a:r>
+            <a:r>
+              <a:rPr lang="en-US" sz="1600" b="1" dirty="0" smtClean="0">
+                <a:solidFill>
+                  <a:schemeClr val="accent1"/>
+                </a:solidFill>
+              </a:rPr>
+              <a:t>Implemented core functionality first </a:t>
             </a:r>
           </a:p>
           <a:p>
@@ -11719,7 +11700,11 @@
               <a:buChar char="§"/>
             </a:pPr>
             <a:r>
-              <a:rPr lang="en-US" sz="1600" dirty="0" smtClean="0"/>
+              <a:rPr lang="en-US" sz="1600" b="1" dirty="0" smtClean="0">
+                <a:solidFill>
+                  <a:schemeClr val="accent1"/>
+                </a:solidFill>
+              </a:rPr>
               <a:t>Roadmap for future releases</a:t>
             </a:r>
           </a:p>
@@ -11765,7 +11750,7 @@
     </p:spTree>
     <p:extLst>
       <p:ext uri="{BB962C8B-B14F-4D97-AF65-F5344CB8AC3E}">
-        <p14:creationId xmlns="" xmlns:p14="http://schemas.microsoft.com/office/powerpoint/2010/main" val="83792608"/>
+        <p14:creationId xmlns:p14="http://schemas.microsoft.com/office/powerpoint/2010/main" xmlns="" val="83792608"/>
       </p:ext>
     </p:extLst>
   </p:cSld>

--- a/docs/Presentation_TeamGamma.pptx
+++ b/docs/Presentation_TeamGamma.pptx
@@ -5,20 +5,19 @@
     <p:sldMasterId id="2147483660" r:id="rId1"/>
   </p:sldMasterIdLst>
   <p:notesMasterIdLst>
-    <p:notesMasterId r:id="rId13"/>
+    <p:notesMasterId r:id="rId12"/>
   </p:notesMasterIdLst>
   <p:sldIdLst>
     <p:sldId id="256" r:id="rId2"/>
-    <p:sldId id="266" r:id="rId3"/>
-    <p:sldId id="257" r:id="rId4"/>
-    <p:sldId id="258" r:id="rId5"/>
-    <p:sldId id="267" r:id="rId6"/>
-    <p:sldId id="259" r:id="rId7"/>
-    <p:sldId id="260" r:id="rId8"/>
-    <p:sldId id="264" r:id="rId9"/>
-    <p:sldId id="261" r:id="rId10"/>
-    <p:sldId id="265" r:id="rId11"/>
-    <p:sldId id="262" r:id="rId12"/>
+    <p:sldId id="257" r:id="rId3"/>
+    <p:sldId id="258" r:id="rId4"/>
+    <p:sldId id="267" r:id="rId5"/>
+    <p:sldId id="259" r:id="rId6"/>
+    <p:sldId id="260" r:id="rId7"/>
+    <p:sldId id="264" r:id="rId8"/>
+    <p:sldId id="261" r:id="rId9"/>
+    <p:sldId id="265" r:id="rId10"/>
+    <p:sldId id="262" r:id="rId11"/>
   </p:sldIdLst>
   <p:sldSz cx="9144000" cy="6858000" type="screen4x3"/>
   <p:notesSz cx="6858000" cy="9144000"/>
@@ -203,7 +202,7 @@
             <a:fld id="{12CDBA90-CDB2-9846-BC3C-C942DFE4778C}" type="datetimeFigureOut">
               <a:rPr lang="en-US" smtClean="0"/>
               <a:pPr/>
-              <a:t>11/24/2012</a:t>
+              <a:t>11/24/12</a:t>
             </a:fld>
             <a:endParaRPr lang="en-US"/>
           </a:p>
@@ -372,7 +371,7 @@
     </p:spTree>
     <p:extLst>
       <p:ext uri="{BB962C8B-B14F-4D97-AF65-F5344CB8AC3E}">
-        <p14:creationId xmlns:p14="http://schemas.microsoft.com/office/powerpoint/2010/main" xmlns="" val="2212999972"/>
+        <p14:creationId xmlns:p14="http://schemas.microsoft.com/office/powerpoint/2010/main" val="2212999972"/>
       </p:ext>
     </p:extLst>
   </p:cSld>
@@ -652,7 +651,7 @@
             <a:fld id="{3F37CFD5-E988-584D-85C3-029223A860C5}" type="slidenum">
               <a:rPr lang="en-US" smtClean="0"/>
               <a:pPr/>
-              <a:t>4</a:t>
+              <a:t>3</a:t>
             </a:fld>
             <a:endParaRPr lang="en-US"/>
           </a:p>
@@ -661,7 +660,7 @@
     </p:spTree>
     <p:extLst>
       <p:ext uri="{BB962C8B-B14F-4D97-AF65-F5344CB8AC3E}">
-        <p14:creationId xmlns:p14="http://schemas.microsoft.com/office/powerpoint/2010/main" xmlns="" val="385254405"/>
+        <p14:creationId xmlns:p14="http://schemas.microsoft.com/office/powerpoint/2010/main" val="385254405"/>
       </p:ext>
     </p:extLst>
   </p:cSld>
@@ -743,7 +742,7 @@
             <a:fld id="{3F37CFD5-E988-584D-85C3-029223A860C5}" type="slidenum">
               <a:rPr lang="en-US" smtClean="0"/>
               <a:pPr/>
-              <a:t>5</a:t>
+              <a:t>4</a:t>
             </a:fld>
             <a:endParaRPr lang="en-US"/>
           </a:p>
@@ -829,7 +828,7 @@
             <a:fld id="{3F37CFD5-E988-584D-85C3-029223A860C5}" type="slidenum">
               <a:rPr lang="en-US" smtClean="0"/>
               <a:pPr/>
-              <a:t>6</a:t>
+              <a:t>5</a:t>
             </a:fld>
             <a:endParaRPr lang="en-US"/>
           </a:p>
@@ -915,7 +914,7 @@
             <a:fld id="{3F37CFD5-E988-584D-85C3-029223A860C5}" type="slidenum">
               <a:rPr lang="en-US" smtClean="0"/>
               <a:pPr/>
-              <a:t>7</a:t>
+              <a:t>6</a:t>
             </a:fld>
             <a:endParaRPr lang="en-US"/>
           </a:p>
@@ -1001,7 +1000,7 @@
             <a:fld id="{3F37CFD5-E988-584D-85C3-029223A860C5}" type="slidenum">
               <a:rPr lang="en-US" smtClean="0"/>
               <a:pPr/>
-              <a:t>8</a:t>
+              <a:t>7</a:t>
             </a:fld>
             <a:endParaRPr lang="en-US"/>
           </a:p>
@@ -1087,7 +1086,7 @@
             <a:fld id="{3F37CFD5-E988-584D-85C3-029223A860C5}" type="slidenum">
               <a:rPr lang="en-US" smtClean="0"/>
               <a:pPr/>
-              <a:t>9</a:t>
+              <a:t>8</a:t>
             </a:fld>
             <a:endParaRPr lang="en-US"/>
           </a:p>
@@ -1173,7 +1172,7 @@
             <a:fld id="{3F37CFD5-E988-584D-85C3-029223A860C5}" type="slidenum">
               <a:rPr lang="en-US" smtClean="0"/>
               <a:pPr/>
-              <a:t>10</a:t>
+              <a:t>9</a:t>
             </a:fld>
             <a:endParaRPr lang="en-US"/>
           </a:p>
@@ -1279,7 +1278,7 @@
             <a:fld id="{3F37CFD5-E988-584D-85C3-029223A860C5}" type="slidenum">
               <a:rPr lang="en-US" smtClean="0"/>
               <a:pPr/>
-              <a:t>11</a:t>
+              <a:t>10</a:t>
             </a:fld>
             <a:endParaRPr lang="en-US"/>
           </a:p>
@@ -1605,7 +1604,7 @@
             <a:fld id="{B1A24CD3-204F-4468-8EE4-28A6668D006A}" type="datetimeFigureOut">
               <a:rPr lang="en-US" smtClean="0"/>
               <a:pPr/>
-              <a:t>11/24/2012</a:t>
+              <a:t>11/24/12</a:t>
             </a:fld>
             <a:endParaRPr lang="en-US"/>
           </a:p>
@@ -1893,7 +1892,7 @@
             <a:fld id="{B1A24CD3-204F-4468-8EE4-28A6668D006A}" type="datetimeFigureOut">
               <a:rPr lang="en-US" smtClean="0"/>
               <a:pPr/>
-              <a:t>11/24/2012</a:t>
+              <a:t>11/24/12</a:t>
             </a:fld>
             <a:endParaRPr lang="en-US"/>
           </a:p>
@@ -2317,7 +2316,7 @@
             <a:fld id="{B1A24CD3-204F-4468-8EE4-28A6668D006A}" type="datetimeFigureOut">
               <a:rPr lang="en-US" smtClean="0"/>
               <a:pPr/>
-              <a:t>11/24/2012</a:t>
+              <a:t>11/24/12</a:t>
             </a:fld>
             <a:endParaRPr lang="en-US"/>
           </a:p>
@@ -2736,7 +2735,7 @@
             <a:fld id="{B1A24CD3-204F-4468-8EE4-28A6668D006A}" type="datetimeFigureOut">
               <a:rPr lang="en-US" smtClean="0"/>
               <a:pPr/>
-              <a:t>11/24/2012</a:t>
+              <a:t>11/24/12</a:t>
             </a:fld>
             <a:endParaRPr lang="en-US"/>
           </a:p>
@@ -2871,7 +2870,7 @@
             <a:fld id="{B1A24CD3-204F-4468-8EE4-28A6668D006A}" type="datetimeFigureOut">
               <a:rPr lang="en-US" smtClean="0"/>
               <a:pPr/>
-              <a:t>11/24/2012</a:t>
+              <a:t>11/24/12</a:t>
             </a:fld>
             <a:endParaRPr lang="en-US"/>
           </a:p>
@@ -3195,7 +3194,7 @@
             <a:fld id="{B1A24CD3-204F-4468-8EE4-28A6668D006A}" type="datetimeFigureOut">
               <a:rPr lang="en-US" smtClean="0"/>
               <a:pPr/>
-              <a:t>11/24/2012</a:t>
+              <a:t>11/24/12</a:t>
             </a:fld>
             <a:endParaRPr lang="en-US"/>
           </a:p>
@@ -3441,7 +3440,7 @@
             <a:fld id="{B1A24CD3-204F-4468-8EE4-28A6668D006A}" type="datetimeFigureOut">
               <a:rPr lang="en-US" smtClean="0"/>
               <a:pPr/>
-              <a:t>11/24/2012</a:t>
+              <a:t>11/24/12</a:t>
             </a:fld>
             <a:endParaRPr lang="en-US"/>
           </a:p>
@@ -3781,7 +3780,7 @@
             <a:fld id="{B1A24CD3-204F-4468-8EE4-28A6668D006A}" type="datetimeFigureOut">
               <a:rPr lang="en-US" smtClean="0"/>
               <a:pPr/>
-              <a:t>11/24/2012</a:t>
+              <a:t>11/24/12</a:t>
             </a:fld>
             <a:endParaRPr lang="en-US"/>
           </a:p>
@@ -4083,7 +4082,7 @@
             <a:fld id="{B1A24CD3-204F-4468-8EE4-28A6668D006A}" type="datetimeFigureOut">
               <a:rPr lang="en-US" smtClean="0"/>
               <a:pPr/>
-              <a:t>11/24/2012</a:t>
+              <a:t>11/24/12</a:t>
             </a:fld>
             <a:endParaRPr lang="en-US"/>
           </a:p>
@@ -4492,7 +4491,7 @@
             <a:fld id="{B1A24CD3-204F-4468-8EE4-28A6668D006A}" type="datetimeFigureOut">
               <a:rPr lang="en-US" smtClean="0"/>
               <a:pPr/>
-              <a:t>11/24/2012</a:t>
+              <a:t>11/24/12</a:t>
             </a:fld>
             <a:endParaRPr lang="en-US"/>
           </a:p>
@@ -4716,7 +4715,7 @@
             <a:fld id="{B1A24CD3-204F-4468-8EE4-28A6668D006A}" type="datetimeFigureOut">
               <a:rPr lang="en-US" smtClean="0"/>
               <a:pPr/>
-              <a:t>11/24/2012</a:t>
+              <a:t>11/24/12</a:t>
             </a:fld>
             <a:endParaRPr lang="en-US"/>
           </a:p>
@@ -4935,7 +4934,7 @@
             <a:fld id="{B1A24CD3-204F-4468-8EE4-28A6668D006A}" type="datetimeFigureOut">
               <a:rPr lang="en-US" smtClean="0"/>
               <a:pPr/>
-              <a:t>11/24/2012</a:t>
+              <a:t>11/24/12</a:t>
             </a:fld>
             <a:endParaRPr lang="en-US"/>
           </a:p>
@@ -5242,7 +5241,7 @@
             <a:fld id="{B1A24CD3-204F-4468-8EE4-28A6668D006A}" type="datetimeFigureOut">
               <a:rPr lang="en-US" smtClean="0"/>
               <a:pPr/>
-              <a:t>11/24/2012</a:t>
+              <a:t>11/24/12</a:t>
             </a:fld>
             <a:endParaRPr lang="en-US"/>
           </a:p>
@@ -5571,7 +5570,7 @@
             <a:fld id="{B1A24CD3-204F-4468-8EE4-28A6668D006A}" type="datetimeFigureOut">
               <a:rPr lang="en-US" smtClean="0"/>
               <a:pPr/>
-              <a:t>11/24/2012</a:t>
+              <a:t>11/24/12</a:t>
             </a:fld>
             <a:endParaRPr lang="en-US"/>
           </a:p>
@@ -5908,7 +5907,7 @@
             <a:fld id="{B1A24CD3-204F-4468-8EE4-28A6668D006A}" type="datetimeFigureOut">
               <a:rPr lang="en-US" smtClean="0"/>
               <a:pPr/>
-              <a:t>11/24/2012</a:t>
+              <a:t>11/24/12</a:t>
             </a:fld>
             <a:endParaRPr lang="en-US"/>
           </a:p>
@@ -6534,7 +6533,7 @@
             <a:fld id="{B1A24CD3-204F-4468-8EE4-28A6668D006A}" type="datetimeFigureOut">
               <a:rPr lang="en-US" smtClean="0"/>
               <a:pPr/>
-              <a:t>11/24/2012</a:t>
+              <a:t>11/24/12</a:t>
             </a:fld>
             <a:endParaRPr lang="en-US"/>
           </a:p>
@@ -7023,7 +7022,7 @@
             <a:fld id="{B1A24CD3-204F-4468-8EE4-28A6668D006A}" type="datetimeFigureOut">
               <a:rPr lang="en-US" smtClean="0"/>
               <a:pPr/>
-              <a:t>11/24/2012</a:t>
+              <a:t>11/24/12</a:t>
             </a:fld>
             <a:endParaRPr lang="en-US"/>
           </a:p>
@@ -7273,7 +7272,7 @@
             <a:fld id="{B1A24CD3-204F-4468-8EE4-28A6668D006A}" type="datetimeFigureOut">
               <a:rPr lang="en-US" smtClean="0"/>
               <a:pPr/>
-              <a:t>11/24/2012</a:t>
+              <a:t>11/24/12</a:t>
             </a:fld>
             <a:endParaRPr lang="en-US"/>
           </a:p>
@@ -7571,7 +7570,7 @@
             <a:fld id="{B1A24CD3-204F-4468-8EE4-28A6668D006A}" type="datetimeFigureOut">
               <a:rPr lang="en-US" smtClean="0"/>
               <a:pPr/>
-              <a:t>11/24/2012</a:t>
+              <a:t>11/24/12</a:t>
             </a:fld>
             <a:endParaRPr lang="en-US"/>
           </a:p>
@@ -8085,7 +8084,7 @@
     </p:spTree>
     <p:extLst>
       <p:ext uri="{BB962C8B-B14F-4D97-AF65-F5344CB8AC3E}">
-        <p14:creationId xmlns:p14="http://schemas.microsoft.com/office/powerpoint/2010/main" xmlns="" val="3291486969"/>
+        <p14:creationId xmlns:p14="http://schemas.microsoft.com/office/powerpoint/2010/main" val="3291486969"/>
       </p:ext>
     </p:extLst>
   </p:cSld>
@@ -8095,7 +8094,7 @@
   <p:timing>
     <p:tnLst>
       <p:par>
-        <p:cTn id="1" dur="indefinite" restart="never" nodeType="tmRoot"/>
+        <p:cTn xmlns:p14="http://schemas.microsoft.com/office/powerpoint/2010/main" id="1" dur="indefinite" restart="never" nodeType="tmRoot"/>
       </p:par>
     </p:tnLst>
   </p:timing>
@@ -8131,8 +8130,8 @@
         </p:nvSpPr>
         <p:spPr>
           <a:xfrm>
-            <a:off x="457199" y="249855"/>
-            <a:ext cx="6508377" cy="874493"/>
+            <a:off x="7213467" y="558799"/>
+            <a:ext cx="2777068" cy="665767"/>
           </a:xfrm>
         </p:spPr>
         <p:txBody>
@@ -8140,10 +8139,18 @@
           <a:lstStyle/>
           <a:p>
             <a:r>
-              <a:rPr lang="en-US" dirty="0" smtClean="0"/>
-              <a:t>Project Velocity – </a:t>
-            </a:r>
-            <a:endParaRPr lang="en-US" dirty="0"/>
+              <a:rPr lang="en-US" sz="2200" dirty="0" smtClean="0">
+                <a:solidFill>
+                  <a:srgbClr val="FFFFFF"/>
+                </a:solidFill>
+              </a:rPr>
+              <a:t>Challenges</a:t>
+            </a:r>
+            <a:endParaRPr lang="en-US" sz="2200" dirty="0">
+              <a:solidFill>
+                <a:srgbClr val="FFFFFF"/>
+              </a:solidFill>
+            </a:endParaRPr>
           </a:p>
         </p:txBody>
       </p:sp>
@@ -8159,42 +8166,101 @@
         </p:nvSpPr>
         <p:spPr>
           <a:xfrm>
-            <a:off x="457199" y="1124348"/>
-            <a:ext cx="6508377" cy="5001815"/>
+            <a:off x="457199" y="462581"/>
+            <a:ext cx="6508377" cy="5223325"/>
           </a:xfrm>
         </p:spPr>
         <p:txBody>
-          <a:bodyPr/>
+          <a:bodyPr>
+            <a:normAutofit/>
+          </a:bodyPr>
           <a:lstStyle/>
           <a:p>
             <a:r>
-              <a:rPr lang="en-US" dirty="0" err="1" smtClean="0"/>
-              <a:t>Poorima</a:t>
-            </a:r>
-            <a:r>
               <a:rPr lang="en-US" dirty="0" smtClean="0"/>
-              <a:t> &amp; Sheila</a:t>
-            </a:r>
-          </a:p>
-          <a:p>
+              <a:t>Environmental</a:t>
+            </a:r>
+          </a:p>
+          <a:p>
+            <a:pPr lvl="1"/>
             <a:r>
               <a:rPr lang="en-US" dirty="0" smtClean="0"/>
-              <a:t>PLACEHOLDERS FOR 2 BURNDOWN CHARTS and velocity estimation</a:t>
+              <a:t>Host Database vs. Local instance</a:t>
             </a:r>
           </a:p>
           <a:p>
             <a:pPr lvl="1"/>
             <a:r>
               <a:rPr lang="en-US" dirty="0" smtClean="0"/>
-              <a:t>Agile estimation</a:t>
+              <a:t>Windows vs. Mac</a:t>
+            </a:r>
+          </a:p>
+          <a:p>
+            <a:r>
+              <a:rPr lang="en-US" dirty="0" smtClean="0"/>
+              <a:t>Technical</a:t>
             </a:r>
           </a:p>
           <a:p>
             <a:pPr lvl="1"/>
             <a:r>
+              <a:rPr lang="en-US" dirty="0"/>
+              <a:t>Hibernate for Object-Relational Mapping</a:t>
+            </a:r>
+          </a:p>
+          <a:p>
+            <a:pPr lvl="1"/>
+            <a:r>
               <a:rPr lang="en-US" dirty="0" smtClean="0"/>
-              <a:t>FP estimation</a:t>
-            </a:r>
+              <a:t>High (re)learning curve</a:t>
+            </a:r>
+          </a:p>
+          <a:p>
+            <a:pPr lvl="1"/>
+            <a:r>
+              <a:rPr lang="en-US" dirty="0" smtClean="0"/>
+              <a:t>Troubleshooting</a:t>
+            </a:r>
+          </a:p>
+          <a:p>
+            <a:pPr lvl="1"/>
+            <a:r>
+              <a:rPr lang="en-US" dirty="0" smtClean="0"/>
+              <a:t>Balancing collaboration with independence</a:t>
+            </a:r>
+          </a:p>
+          <a:p>
+            <a:r>
+              <a:rPr lang="en-US" dirty="0" smtClean="0"/>
+              <a:t>Process</a:t>
+            </a:r>
+          </a:p>
+          <a:p>
+            <a:pPr lvl="1"/>
+            <a:r>
+              <a:rPr lang="en-US" dirty="0" smtClean="0"/>
+              <a:t>Establish Configuration Management and Initial Training </a:t>
+            </a:r>
+          </a:p>
+          <a:p>
+            <a:pPr lvl="1"/>
+            <a:r>
+              <a:rPr lang="en-US" dirty="0" smtClean="0"/>
+              <a:t>Capturing and Communicating Issues</a:t>
+            </a:r>
+          </a:p>
+          <a:p>
+            <a:pPr lvl="1"/>
+            <a:r>
+              <a:rPr lang="en-US" dirty="0" smtClean="0"/>
+              <a:t>Modified Scrum – maintaining rhythm, balancing schedules</a:t>
+            </a:r>
+            <a:endParaRPr lang="en-US" dirty="0"/>
+          </a:p>
+          <a:p>
+            <a:pPr marL="0" indent="0">
+              <a:buNone/>
+            </a:pPr>
             <a:endParaRPr lang="en-US" dirty="0"/>
           </a:p>
         </p:txBody>
@@ -8202,7 +8268,7 @@
     </p:spTree>
     <p:extLst>
       <p:ext uri="{BB962C8B-B14F-4D97-AF65-F5344CB8AC3E}">
-        <p14:creationId xmlns:p14="http://schemas.microsoft.com/office/powerpoint/2010/main" xmlns="" val="1195116925"/>
+        <p14:creationId xmlns:p14="http://schemas.microsoft.com/office/powerpoint/2010/main" val="3853707377"/>
       </p:ext>
     </p:extLst>
   </p:cSld>
@@ -8212,183 +8278,7 @@
   <p:timing>
     <p:tnLst>
       <p:par>
-        <p:cTn id="1" dur="indefinite" restart="never" nodeType="tmRoot"/>
-      </p:par>
-    </p:tnLst>
-  </p:timing>
-</p:sld>
-</file>
-
-<file path=ppt/slides/slide11.xml><?xml version="1.0" encoding="utf-8"?>
-<p:sld xmlns:a="http://schemas.openxmlformats.org/drawingml/2006/main" xmlns:r="http://schemas.openxmlformats.org/officeDocument/2006/relationships" xmlns:p="http://schemas.openxmlformats.org/presentationml/2006/main">
-  <p:cSld>
-    <p:spTree>
-      <p:nvGrpSpPr>
-        <p:cNvPr id="1" name=""/>
-        <p:cNvGrpSpPr/>
-        <p:nvPr/>
-      </p:nvGrpSpPr>
-      <p:grpSpPr>
-        <a:xfrm>
-          <a:off x="0" y="0"/>
-          <a:ext cx="0" cy="0"/>
-          <a:chOff x="0" y="0"/>
-          <a:chExt cx="0" cy="0"/>
-        </a:xfrm>
-      </p:grpSpPr>
-      <p:sp>
-        <p:nvSpPr>
-          <p:cNvPr id="2" name="Title 1"/>
-          <p:cNvSpPr>
-            <a:spLocks noGrp="1"/>
-          </p:cNvSpPr>
-          <p:nvPr>
-            <p:ph type="title"/>
-          </p:nvPr>
-        </p:nvSpPr>
-        <p:spPr>
-          <a:xfrm>
-            <a:off x="457199" y="237072"/>
-            <a:ext cx="6508377" cy="665767"/>
-          </a:xfrm>
-        </p:spPr>
-        <p:txBody>
-          <a:bodyPr/>
-          <a:lstStyle/>
-          <a:p>
-            <a:r>
-              <a:rPr lang="en-US" dirty="0" smtClean="0"/>
-              <a:t>Challenges</a:t>
-            </a:r>
-            <a:endParaRPr lang="en-US" dirty="0"/>
-          </a:p>
-        </p:txBody>
-      </p:sp>
-      <p:sp>
-        <p:nvSpPr>
-          <p:cNvPr id="3" name="Content Placeholder 2"/>
-          <p:cNvSpPr>
-            <a:spLocks noGrp="1"/>
-          </p:cNvSpPr>
-          <p:nvPr>
-            <p:ph idx="1"/>
-          </p:nvPr>
-        </p:nvSpPr>
-        <p:spPr>
-          <a:xfrm>
-            <a:off x="457199" y="902839"/>
-            <a:ext cx="6508377" cy="5223325"/>
-          </a:xfrm>
-        </p:spPr>
-        <p:txBody>
-          <a:bodyPr>
-            <a:normAutofit/>
-          </a:bodyPr>
-          <a:lstStyle/>
-          <a:p>
-            <a:r>
-              <a:rPr lang="en-US" dirty="0" smtClean="0"/>
-              <a:t>Environmental</a:t>
-            </a:r>
-          </a:p>
-          <a:p>
-            <a:pPr lvl="1"/>
-            <a:r>
-              <a:rPr lang="en-US" dirty="0" smtClean="0"/>
-              <a:t>Host Database vs. Local instance</a:t>
-            </a:r>
-          </a:p>
-          <a:p>
-            <a:pPr lvl="1"/>
-            <a:r>
-              <a:rPr lang="en-US" dirty="0" smtClean="0"/>
-              <a:t>Windows vs. Mac</a:t>
-            </a:r>
-          </a:p>
-          <a:p>
-            <a:r>
-              <a:rPr lang="en-US" dirty="0" smtClean="0"/>
-              <a:t>Technical</a:t>
-            </a:r>
-          </a:p>
-          <a:p>
-            <a:pPr lvl="1"/>
-            <a:r>
-              <a:rPr lang="en-US" dirty="0"/>
-              <a:t>Hibernate for Object-Relational Mapping</a:t>
-            </a:r>
-          </a:p>
-          <a:p>
-            <a:pPr lvl="1"/>
-            <a:r>
-              <a:rPr lang="en-US" dirty="0" smtClean="0"/>
-              <a:t>High (re)learning curve</a:t>
-            </a:r>
-          </a:p>
-          <a:p>
-            <a:pPr lvl="1"/>
-            <a:r>
-              <a:rPr lang="en-US" dirty="0" smtClean="0"/>
-              <a:t>Troubleshooting</a:t>
-            </a:r>
-          </a:p>
-          <a:p>
-            <a:pPr lvl="1"/>
-            <a:r>
-              <a:rPr lang="en-US" dirty="0" smtClean="0"/>
-              <a:t>Balancing collaboration with independence</a:t>
-            </a:r>
-          </a:p>
-          <a:p>
-            <a:r>
-              <a:rPr lang="en-US" dirty="0" smtClean="0"/>
-              <a:t>Process</a:t>
-            </a:r>
-          </a:p>
-          <a:p>
-            <a:pPr lvl="1"/>
-            <a:r>
-              <a:rPr lang="en-US" dirty="0" smtClean="0"/>
-              <a:t>Establish Configuration Management and Initial Training </a:t>
-            </a:r>
-          </a:p>
-          <a:p>
-            <a:pPr lvl="1"/>
-            <a:r>
-              <a:rPr lang="en-US" dirty="0" smtClean="0"/>
-              <a:t>Capturing and Communicating Issues</a:t>
-            </a:r>
-          </a:p>
-          <a:p>
-            <a:pPr lvl="1"/>
-            <a:r>
-              <a:rPr lang="en-US" dirty="0" smtClean="0"/>
-              <a:t>Modified Scrum – maintaining rhythm, balancing schedules</a:t>
-            </a:r>
-            <a:endParaRPr lang="en-US" dirty="0"/>
-          </a:p>
-          <a:p>
-            <a:pPr marL="0" indent="0">
-              <a:buNone/>
-            </a:pPr>
-            <a:endParaRPr lang="en-US" dirty="0"/>
-          </a:p>
-        </p:txBody>
-      </p:sp>
-    </p:spTree>
-    <p:extLst>
-      <p:ext uri="{BB962C8B-B14F-4D97-AF65-F5344CB8AC3E}">
-        <p14:creationId xmlns:p14="http://schemas.microsoft.com/office/powerpoint/2010/main" xmlns="" val="3853707377"/>
-      </p:ext>
-    </p:extLst>
-  </p:cSld>
-  <p:clrMapOvr>
-    <a:masterClrMapping/>
-  </p:clrMapOvr>
-  <p:timing>
-    <p:tnLst>
-      <p:par>
-        <p:cTn id="1" dur="indefinite" restart="never" nodeType="tmRoot"/>
+        <p:cTn xmlns:p14="http://schemas.microsoft.com/office/powerpoint/2010/main" id="1" dur="indefinite" restart="never" nodeType="tmRoot"/>
       </p:par>
     </p:tnLst>
   </p:timing>
@@ -8414,415 +8304,113 @@
       </p:grpSpPr>
       <p:sp>
         <p:nvSpPr>
-          <p:cNvPr id="3" name="Content Placeholder 2"/>
-          <p:cNvSpPr>
-            <a:spLocks noGrp="1"/>
-          </p:cNvSpPr>
-          <p:nvPr>
-            <p:ph idx="1"/>
+          <p:cNvPr id="2" name="Title 1"/>
+          <p:cNvSpPr>
+            <a:spLocks noGrp="1"/>
+          </p:cNvSpPr>
+          <p:nvPr>
+            <p:ph type="title"/>
           </p:nvPr>
         </p:nvSpPr>
         <p:spPr>
           <a:xfrm>
-            <a:off x="5231168" y="2525652"/>
-            <a:ext cx="1828103" cy="1974191"/>
+            <a:off x="7324724" y="914400"/>
+            <a:ext cx="1447801" cy="512541"/>
           </a:xfrm>
         </p:spPr>
         <p:txBody>
           <a:bodyPr/>
           <a:lstStyle/>
           <a:p>
-            <a:pPr marL="228600" lvl="1" indent="0">
-              <a:buNone/>
-            </a:pPr>
-            <a:r>
-              <a:rPr lang="en-US" sz="1400" dirty="0">
+            <a:r>
+              <a:rPr lang="en-US" sz="2400" dirty="0" smtClean="0">
                 <a:solidFill>
-                  <a:srgbClr val="000000"/>
+                  <a:schemeClr val="bg1"/>
                 </a:solidFill>
               </a:rPr>
-              <a:t>Budget</a:t>
-            </a:r>
-          </a:p>
-          <a:p>
-            <a:pPr marL="228600" lvl="1" indent="0">
-              <a:buNone/>
-            </a:pPr>
-            <a:r>
-              <a:rPr lang="en-US" sz="1400" dirty="0">
-                <a:solidFill>
-                  <a:srgbClr val="000000"/>
-                </a:solidFill>
-              </a:rPr>
-              <a:t>Work</a:t>
-            </a:r>
-          </a:p>
-          <a:p>
-            <a:pPr marL="228600" lvl="1" indent="0">
-              <a:buNone/>
-            </a:pPr>
-            <a:r>
-              <a:rPr lang="en-US" sz="1400" dirty="0">
-                <a:solidFill>
-                  <a:srgbClr val="000000"/>
-                </a:solidFill>
-              </a:rPr>
-              <a:t>Family</a:t>
-            </a:r>
-          </a:p>
-          <a:p>
-            <a:pPr marL="228600" lvl="1" indent="0">
-              <a:buNone/>
-            </a:pPr>
-            <a:r>
-              <a:rPr lang="en-US" sz="1400" dirty="0" smtClean="0">
-                <a:solidFill>
-                  <a:srgbClr val="000000"/>
-                </a:solidFill>
-              </a:rPr>
-              <a:t>Travel</a:t>
-            </a:r>
-            <a:endParaRPr lang="en-US" sz="1400" dirty="0">
+              <a:t>Agenda</a:t>
+            </a:r>
+            <a:endParaRPr lang="en-US" sz="2400" dirty="0">
               <a:solidFill>
-                <a:srgbClr val="000000"/>
+                <a:schemeClr val="bg1"/>
               </a:solidFill>
             </a:endParaRPr>
           </a:p>
-          <a:p>
-            <a:pPr marL="228600" lvl="1" indent="0">
-              <a:buNone/>
-            </a:pPr>
-            <a:r>
-              <a:rPr lang="en-US" sz="1400" dirty="0">
-                <a:solidFill>
-                  <a:srgbClr val="000000"/>
-                </a:solidFill>
-              </a:rPr>
-              <a:t>Time Constraints</a:t>
-            </a:r>
-          </a:p>
-          <a:p>
-            <a:pPr marL="0" indent="0">
-              <a:buNone/>
-            </a:pPr>
-            <a:endParaRPr lang="en-US" dirty="0">
-              <a:solidFill>
-                <a:srgbClr val="000000"/>
-              </a:solidFill>
-            </a:endParaRPr>
-          </a:p>
-        </p:txBody>
-      </p:sp>
-      <p:sp>
-        <p:nvSpPr>
-          <p:cNvPr id="4" name="TextBox 3"/>
-          <p:cNvSpPr txBox="1"/>
-          <p:nvPr/>
+        </p:txBody>
+      </p:sp>
+      <p:sp>
+        <p:nvSpPr>
+          <p:cNvPr id="3" name="Content Placeholder 2"/>
+          <p:cNvSpPr>
+            <a:spLocks noGrp="1"/>
+          </p:cNvSpPr>
+          <p:nvPr>
+            <p:ph idx="1"/>
+          </p:nvPr>
         </p:nvSpPr>
         <p:spPr>
           <a:xfrm>
-            <a:off x="5021618" y="2167489"/>
-            <a:ext cx="2037653" cy="369332"/>
+            <a:off x="457199" y="1186812"/>
+            <a:ext cx="6508377" cy="4939351"/>
           </a:xfrm>
-          <a:prstGeom prst="rect">
-            <a:avLst/>
-          </a:prstGeom>
-          <a:noFill/>
         </p:spPr>
         <p:txBody>
-          <a:bodyPr wrap="square" rtlCol="0">
-            <a:spAutoFit/>
-          </a:bodyPr>
+          <a:bodyPr/>
           <a:lstStyle/>
           <a:p>
             <a:r>
-              <a:rPr lang="en-US" dirty="0" smtClean="0">
-                <a:solidFill>
-                  <a:schemeClr val="accent1"/>
-                </a:solidFill>
-              </a:rPr>
-              <a:t>Items Addressed</a:t>
-            </a:r>
-            <a:endParaRPr lang="en-US" dirty="0">
-              <a:solidFill>
-                <a:schemeClr val="accent1"/>
-              </a:solidFill>
-            </a:endParaRPr>
-          </a:p>
-        </p:txBody>
-      </p:sp>
-      <p:sp>
-        <p:nvSpPr>
-          <p:cNvPr id="6" name="Right Arrow 5"/>
-          <p:cNvSpPr/>
-          <p:nvPr/>
-        </p:nvSpPr>
-        <p:spPr>
-          <a:xfrm>
-            <a:off x="2734915" y="2779083"/>
-            <a:ext cx="2458481" cy="1579172"/>
-          </a:xfrm>
-          <a:prstGeom prst="rightArrow">
-            <a:avLst/>
-          </a:prstGeom>
-          <a:solidFill>
-            <a:schemeClr val="tx2">
-              <a:lumMod val="60000"/>
-              <a:lumOff val="40000"/>
-            </a:schemeClr>
-          </a:solidFill>
-        </p:spPr>
-        <p:style>
-          <a:lnRef idx="1">
-            <a:schemeClr val="accent1"/>
-          </a:lnRef>
-          <a:fillRef idx="3">
-            <a:schemeClr val="accent1"/>
-          </a:fillRef>
-          <a:effectRef idx="2">
-            <a:schemeClr val="accent1"/>
-          </a:effectRef>
-          <a:fontRef idx="minor">
-            <a:schemeClr val="lt1"/>
-          </a:fontRef>
-        </p:style>
-        <p:txBody>
-          <a:bodyPr rtlCol="0" anchor="ctr"/>
-          <a:lstStyle/>
-          <a:p>
-            <a:pPr algn="ctr"/>
-            <a:endParaRPr lang="en-US"/>
-          </a:p>
-        </p:txBody>
-      </p:sp>
-      <p:sp>
-        <p:nvSpPr>
-          <p:cNvPr id="7" name="TextBox 6"/>
-          <p:cNvSpPr txBox="1"/>
-          <p:nvPr/>
-        </p:nvSpPr>
-        <p:spPr>
-          <a:xfrm>
-            <a:off x="146620" y="2588540"/>
-            <a:ext cx="2751456" cy="1769715"/>
-          </a:xfrm>
-          <a:prstGeom prst="rect">
-            <a:avLst/>
-          </a:prstGeom>
-          <a:noFill/>
-        </p:spPr>
-        <p:txBody>
-          <a:bodyPr wrap="square" rtlCol="0">
-            <a:spAutoFit/>
-          </a:bodyPr>
-          <a:lstStyle/>
-          <a:p>
-            <a:pPr marL="228600" lvl="1">
-              <a:spcBef>
-                <a:spcPts val="600"/>
-              </a:spcBef>
-              <a:buClr>
-                <a:schemeClr val="accent1">
-                  <a:lumMod val="50000"/>
-                </a:schemeClr>
-              </a:buClr>
-              <a:buSzPct val="100000"/>
-            </a:pPr>
-            <a:r>
-              <a:rPr lang="en-US" sz="1400" dirty="0"/>
-              <a:t>Supplemental costs</a:t>
-            </a:r>
-          </a:p>
-          <a:p>
-            <a:pPr marL="228600" lvl="1">
-              <a:spcBef>
-                <a:spcPts val="600"/>
-              </a:spcBef>
-              <a:buClr>
-                <a:schemeClr val="accent1">
-                  <a:lumMod val="50000"/>
-                </a:schemeClr>
-              </a:buClr>
-              <a:buSzPct val="100000"/>
-            </a:pPr>
-            <a:r>
-              <a:rPr lang="en-US" sz="1400" dirty="0"/>
-              <a:t>Momentum of coursework</a:t>
-            </a:r>
-          </a:p>
-          <a:p>
-            <a:pPr marL="228600" lvl="1">
-              <a:spcBef>
-                <a:spcPts val="600"/>
-              </a:spcBef>
-              <a:buClr>
-                <a:schemeClr val="accent1">
-                  <a:lumMod val="50000"/>
-                </a:schemeClr>
-              </a:buClr>
-              <a:buSzPct val="100000"/>
-            </a:pPr>
-            <a:r>
-              <a:rPr lang="en-US" sz="1400" dirty="0"/>
-              <a:t>Method of teaching</a:t>
-            </a:r>
-          </a:p>
-          <a:p>
-            <a:pPr marL="228600" lvl="1">
-              <a:spcBef>
-                <a:spcPts val="600"/>
-              </a:spcBef>
-              <a:buClr>
-                <a:schemeClr val="accent1">
-                  <a:lumMod val="50000"/>
-                </a:schemeClr>
-              </a:buClr>
-              <a:buSzPct val="100000"/>
-            </a:pPr>
-            <a:r>
-              <a:rPr lang="en-US" sz="1400" dirty="0"/>
-              <a:t>Reviews</a:t>
-            </a:r>
-          </a:p>
-          <a:p>
-            <a:pPr marL="228600" lvl="1">
-              <a:spcBef>
-                <a:spcPts val="600"/>
-              </a:spcBef>
-              <a:buClr>
-                <a:schemeClr val="accent1">
-                  <a:lumMod val="50000"/>
-                </a:schemeClr>
-              </a:buClr>
-              <a:buSzPct val="100000"/>
-            </a:pPr>
-            <a:r>
-              <a:rPr lang="en-US" sz="1400" dirty="0"/>
-              <a:t>Availability</a:t>
-            </a:r>
-          </a:p>
-          <a:p>
-            <a:pPr marL="228600" lvl="1">
-              <a:spcBef>
-                <a:spcPts val="600"/>
-              </a:spcBef>
-              <a:buClr>
-                <a:schemeClr val="accent1">
-                  <a:lumMod val="50000"/>
-                </a:schemeClr>
-              </a:buClr>
-              <a:buSzPct val="100000"/>
-            </a:pPr>
-            <a:r>
-              <a:rPr lang="en-US" sz="1400" dirty="0"/>
-              <a:t>Special </a:t>
-            </a:r>
-            <a:r>
-              <a:rPr lang="en-US" sz="1400" dirty="0" err="1" smtClean="0"/>
-              <a:t>Reqs</a:t>
-            </a:r>
-            <a:endParaRPr lang="en-US" sz="1400" dirty="0"/>
-          </a:p>
-        </p:txBody>
-      </p:sp>
-      <p:sp>
-        <p:nvSpPr>
-          <p:cNvPr id="8" name="TextBox 7"/>
-          <p:cNvSpPr txBox="1"/>
-          <p:nvPr/>
-        </p:nvSpPr>
-        <p:spPr>
-          <a:xfrm>
-            <a:off x="2734915" y="3141866"/>
-            <a:ext cx="2588731" cy="830997"/>
-          </a:xfrm>
-          <a:prstGeom prst="rect">
-            <a:avLst/>
-          </a:prstGeom>
-          <a:noFill/>
-        </p:spPr>
-        <p:txBody>
-          <a:bodyPr wrap="square" rtlCol="0">
-            <a:spAutoFit/>
-          </a:bodyPr>
-          <a:lstStyle/>
-          <a:p>
-            <a:r>
-              <a:rPr lang="en-US" sz="1200" dirty="0" smtClean="0"/>
-              <a:t>Course Search</a:t>
-            </a:r>
-          </a:p>
-          <a:p>
-            <a:r>
-              <a:rPr lang="en-US" sz="1200" dirty="0" smtClean="0"/>
-              <a:t>Course Reviews</a:t>
-            </a:r>
-          </a:p>
-          <a:p>
-            <a:r>
-              <a:rPr lang="en-US" sz="1200" dirty="0" smtClean="0"/>
-              <a:t>Strategic Planning: </a:t>
-            </a:r>
-          </a:p>
-          <a:p>
-            <a:r>
-              <a:rPr lang="en-US" sz="1200" dirty="0" smtClean="0"/>
-              <a:t>   Program of Studies</a:t>
-            </a:r>
-            <a:endParaRPr lang="en-US" sz="1200" dirty="0"/>
-          </a:p>
-        </p:txBody>
-      </p:sp>
-      <p:sp>
-        <p:nvSpPr>
-          <p:cNvPr id="9" name="TextBox 8"/>
-          <p:cNvSpPr txBox="1"/>
-          <p:nvPr/>
-        </p:nvSpPr>
-        <p:spPr>
-          <a:xfrm>
-            <a:off x="146620" y="2230377"/>
-            <a:ext cx="3158489" cy="369332"/>
-          </a:xfrm>
-          <a:prstGeom prst="rect">
-            <a:avLst/>
-          </a:prstGeom>
-          <a:noFill/>
-        </p:spPr>
-        <p:txBody>
-          <a:bodyPr wrap="square" rtlCol="0">
-            <a:spAutoFit/>
-          </a:bodyPr>
-          <a:lstStyle/>
-          <a:p>
-            <a:r>
-              <a:rPr lang="en-US" dirty="0"/>
-              <a:t> </a:t>
-            </a:r>
-            <a:r>
               <a:rPr lang="en-US" dirty="0" smtClean="0"/>
-              <a:t>      </a:t>
-            </a:r>
-            <a:r>
-              <a:rPr lang="en-US" dirty="0" smtClean="0">
-                <a:solidFill>
-                  <a:schemeClr val="accent1"/>
-                </a:solidFill>
-              </a:rPr>
-              <a:t>Factors</a:t>
-            </a:r>
-            <a:endParaRPr lang="en-US" dirty="0">
-              <a:solidFill>
-                <a:schemeClr val="accent1"/>
-              </a:solidFill>
-            </a:endParaRPr>
+              <a:t>Overview</a:t>
+            </a:r>
+          </a:p>
+          <a:p>
+            <a:r>
+              <a:rPr lang="en-US" dirty="0" smtClean="0"/>
+              <a:t>Demo</a:t>
+            </a:r>
+          </a:p>
+          <a:p>
+            <a:r>
+              <a:rPr lang="en-US" dirty="0" smtClean="0"/>
+              <a:t>Implemented User Stories</a:t>
+            </a:r>
+          </a:p>
+          <a:p>
+            <a:r>
+              <a:rPr lang="en-US" dirty="0" smtClean="0"/>
+              <a:t>Architecture Diagram</a:t>
+            </a:r>
+          </a:p>
+          <a:p>
+            <a:r>
+              <a:rPr lang="en-US" dirty="0" smtClean="0"/>
+              <a:t>Current System Status &amp; Velocity</a:t>
+            </a:r>
+          </a:p>
+          <a:p>
+            <a:r>
+              <a:rPr lang="en-US" dirty="0" smtClean="0"/>
+              <a:t>Challenges</a:t>
+            </a:r>
+          </a:p>
+          <a:p>
+            <a:endParaRPr lang="en-US" dirty="0" smtClean="0"/>
+          </a:p>
+          <a:p>
+            <a:endParaRPr lang="en-US" dirty="0" smtClean="0"/>
+          </a:p>
+          <a:p>
+            <a:endParaRPr lang="en-US" dirty="0" smtClean="0"/>
+          </a:p>
+          <a:p>
+            <a:endParaRPr lang="en-US" dirty="0"/>
           </a:p>
         </p:txBody>
       </p:sp>
     </p:spTree>
     <p:extLst>
       <p:ext uri="{BB962C8B-B14F-4D97-AF65-F5344CB8AC3E}">
-        <p14:creationId xmlns:p14="http://schemas.microsoft.com/office/powerpoint/2010/main" xmlns="" val="1948700834"/>
+        <p14:creationId xmlns:p14="http://schemas.microsoft.com/office/powerpoint/2010/main" val="1633817389"/>
       </p:ext>
     </p:extLst>
   </p:cSld>
@@ -8832,7 +8420,7 @@
   <p:timing>
     <p:tnLst>
       <p:par>
-        <p:cTn id="1" dur="indefinite" restart="never" nodeType="tmRoot"/>
+        <p:cTn xmlns:p14="http://schemas.microsoft.com/office/powerpoint/2010/main" id="1" dur="indefinite" restart="never" nodeType="tmRoot"/>
       </p:par>
     </p:tnLst>
   </p:timing>
@@ -8868,153 +8456,6 @@
         </p:nvSpPr>
         <p:spPr>
           <a:xfrm>
-            <a:off x="7324724" y="914400"/>
-            <a:ext cx="1447801" cy="512541"/>
-          </a:xfrm>
-        </p:spPr>
-        <p:txBody>
-          <a:bodyPr/>
-          <a:lstStyle/>
-          <a:p>
-            <a:r>
-              <a:rPr lang="en-US" sz="2400" dirty="0" smtClean="0">
-                <a:solidFill>
-                  <a:schemeClr val="bg1"/>
-                </a:solidFill>
-              </a:rPr>
-              <a:t>Agenda</a:t>
-            </a:r>
-            <a:endParaRPr lang="en-US" sz="2400" dirty="0">
-              <a:solidFill>
-                <a:schemeClr val="bg1"/>
-              </a:solidFill>
-            </a:endParaRPr>
-          </a:p>
-        </p:txBody>
-      </p:sp>
-      <p:sp>
-        <p:nvSpPr>
-          <p:cNvPr id="3" name="Content Placeholder 2"/>
-          <p:cNvSpPr>
-            <a:spLocks noGrp="1"/>
-          </p:cNvSpPr>
-          <p:nvPr>
-            <p:ph idx="1"/>
-          </p:nvPr>
-        </p:nvSpPr>
-        <p:spPr>
-          <a:xfrm>
-            <a:off x="457199" y="1186812"/>
-            <a:ext cx="6508377" cy="4939351"/>
-          </a:xfrm>
-        </p:spPr>
-        <p:txBody>
-          <a:bodyPr/>
-          <a:lstStyle/>
-          <a:p>
-            <a:r>
-              <a:rPr lang="en-US" dirty="0" smtClean="0"/>
-              <a:t>Overview</a:t>
-            </a:r>
-          </a:p>
-          <a:p>
-            <a:r>
-              <a:rPr lang="en-US" dirty="0" smtClean="0"/>
-              <a:t>Demo</a:t>
-            </a:r>
-          </a:p>
-          <a:p>
-            <a:r>
-              <a:rPr lang="en-US" dirty="0" smtClean="0"/>
-              <a:t>Implemented User Stories</a:t>
-            </a:r>
-          </a:p>
-          <a:p>
-            <a:r>
-              <a:rPr lang="en-US" dirty="0" smtClean="0"/>
-              <a:t>Architecture Diagram</a:t>
-            </a:r>
-          </a:p>
-          <a:p>
-            <a:r>
-              <a:rPr lang="en-US" dirty="0" smtClean="0"/>
-              <a:t>Current System </a:t>
-            </a:r>
-            <a:r>
-              <a:rPr lang="en-US" dirty="0" smtClean="0"/>
-              <a:t>Status &amp; Velocity</a:t>
-            </a:r>
-            <a:endParaRPr lang="en-US" dirty="0" smtClean="0"/>
-          </a:p>
-          <a:p>
-            <a:r>
-              <a:rPr lang="en-US" dirty="0" smtClean="0"/>
-              <a:t>Challenges</a:t>
-            </a:r>
-          </a:p>
-          <a:p>
-            <a:endParaRPr lang="en-US" dirty="0" smtClean="0"/>
-          </a:p>
-          <a:p>
-            <a:endParaRPr lang="en-US" dirty="0" smtClean="0"/>
-          </a:p>
-          <a:p>
-            <a:endParaRPr lang="en-US" dirty="0" smtClean="0"/>
-          </a:p>
-          <a:p>
-            <a:endParaRPr lang="en-US" dirty="0"/>
-          </a:p>
-        </p:txBody>
-      </p:sp>
-    </p:spTree>
-    <p:extLst>
-      <p:ext uri="{BB962C8B-B14F-4D97-AF65-F5344CB8AC3E}">
-        <p14:creationId xmlns:p14="http://schemas.microsoft.com/office/powerpoint/2010/main" xmlns="" val="1633817389"/>
-      </p:ext>
-    </p:extLst>
-  </p:cSld>
-  <p:clrMapOvr>
-    <a:masterClrMapping/>
-  </p:clrMapOvr>
-  <p:timing>
-    <p:tnLst>
-      <p:par>
-        <p:cTn id="1" dur="indefinite" restart="never" nodeType="tmRoot"/>
-      </p:par>
-    </p:tnLst>
-  </p:timing>
-</p:sld>
-</file>
-
-<file path=ppt/slides/slide4.xml><?xml version="1.0" encoding="utf-8"?>
-<p:sld xmlns:a="http://schemas.openxmlformats.org/drawingml/2006/main" xmlns:r="http://schemas.openxmlformats.org/officeDocument/2006/relationships" xmlns:p="http://schemas.openxmlformats.org/presentationml/2006/main">
-  <p:cSld>
-    <p:spTree>
-      <p:nvGrpSpPr>
-        <p:cNvPr id="1" name=""/>
-        <p:cNvGrpSpPr/>
-        <p:nvPr/>
-      </p:nvGrpSpPr>
-      <p:grpSpPr>
-        <a:xfrm>
-          <a:off x="0" y="0"/>
-          <a:ext cx="0" cy="0"/>
-          <a:chOff x="0" y="0"/>
-          <a:chExt cx="0" cy="0"/>
-        </a:xfrm>
-      </p:grpSpPr>
-      <p:sp>
-        <p:nvSpPr>
-          <p:cNvPr id="2" name="Title 1"/>
-          <p:cNvSpPr>
-            <a:spLocks noGrp="1"/>
-          </p:cNvSpPr>
-          <p:nvPr>
-            <p:ph type="title"/>
-          </p:nvPr>
-        </p:nvSpPr>
-        <p:spPr>
-          <a:xfrm>
             <a:off x="7315114" y="498582"/>
             <a:ext cx="4002243" cy="1177818"/>
           </a:xfrm>
@@ -9077,7 +8518,7 @@
           <a:lstStyle/>
           <a:p>
             <a:r>
-              <a:rPr lang="en-US" dirty="0" smtClean="0"/>
+              <a:rPr lang="en-US" sz="1900" dirty="0" smtClean="0"/>
               <a:t>Re-conceptualization of the ‘classic’ course planning </a:t>
             </a:r>
           </a:p>
@@ -9086,19 +8527,27 @@
               <a:buNone/>
             </a:pPr>
             <a:r>
-              <a:rPr lang="en-US" sz="2100" dirty="0"/>
+              <a:rPr lang="en-US" sz="1900" dirty="0"/>
               <a:t>system</a:t>
             </a:r>
           </a:p>
           <a:p>
             <a:r>
-              <a:rPr lang="en-US" dirty="0" smtClean="0"/>
-              <a:t>One-stop course planning system for ambitious and strategically focused student</a:t>
-            </a:r>
-          </a:p>
-          <a:p>
-            <a:r>
-              <a:rPr lang="en-US" dirty="0" smtClean="0"/>
+              <a:rPr lang="en-US" sz="1900" dirty="0" smtClean="0"/>
+              <a:t>One-stop course planning system for ambitious and </a:t>
+            </a:r>
+            <a:r>
+              <a:rPr lang="en-US" sz="1900" dirty="0" smtClean="0"/>
+              <a:t>      strategically </a:t>
+            </a:r>
+            <a:r>
+              <a:rPr lang="en-US" sz="1900" dirty="0" smtClean="0"/>
+              <a:t>focused student</a:t>
+            </a:r>
+          </a:p>
+          <a:p>
+            <a:r>
+              <a:rPr lang="en-US" sz="1900" dirty="0" smtClean="0"/>
               <a:t>Aimed to help SCU students balance all their responsibilities through planning tools</a:t>
             </a:r>
           </a:p>
@@ -9122,56 +8571,56 @@
           </a:p>
           <a:p>
             <a:r>
-              <a:rPr lang="en-US" dirty="0" smtClean="0"/>
+              <a:rPr lang="en-US" sz="1900" dirty="0" smtClean="0"/>
               <a:t>Stakeholders</a:t>
             </a:r>
           </a:p>
           <a:p>
             <a:pPr lvl="1"/>
             <a:r>
-              <a:rPr lang="en-US" dirty="0" smtClean="0"/>
+              <a:rPr lang="en-US" sz="1900" dirty="0" smtClean="0"/>
               <a:t>Team Gamma</a:t>
             </a:r>
           </a:p>
           <a:p>
             <a:pPr lvl="1"/>
             <a:r>
-              <a:rPr lang="en-US" dirty="0" smtClean="0"/>
+              <a:rPr lang="en-US" sz="1900" dirty="0" smtClean="0"/>
               <a:t>SCU: Students and Departments </a:t>
             </a:r>
             <a:r>
-              <a:rPr lang="en-US" dirty="0"/>
+              <a:rPr lang="en-US" sz="1900" dirty="0"/>
               <a:t>(</a:t>
             </a:r>
             <a:r>
-              <a:rPr lang="en-US" dirty="0" smtClean="0"/>
+              <a:rPr lang="en-US" sz="1900" dirty="0" smtClean="0"/>
               <a:t>Programs and Financial)</a:t>
             </a:r>
           </a:p>
           <a:p>
             <a:pPr lvl="1"/>
             <a:r>
-              <a:rPr lang="en-US" dirty="0" smtClean="0"/>
+              <a:rPr lang="en-US" sz="1900" dirty="0" smtClean="0"/>
               <a:t>Advertisers</a:t>
             </a:r>
           </a:p>
           <a:p>
             <a:r>
-              <a:rPr lang="en-US" dirty="0" smtClean="0"/>
+              <a:rPr lang="en-US" sz="1900" dirty="0" smtClean="0"/>
               <a:t>Economic benefits</a:t>
             </a:r>
           </a:p>
           <a:p>
             <a:pPr lvl="1"/>
             <a:r>
-              <a:rPr lang="en-US" dirty="0" smtClean="0"/>
+              <a:rPr lang="en-US" sz="1900" dirty="0" smtClean="0"/>
               <a:t>Reduced Educational Cost for Students</a:t>
             </a:r>
           </a:p>
           <a:p>
             <a:pPr lvl="1"/>
             <a:r>
-              <a:rPr lang="en-US" dirty="0" smtClean="0"/>
+              <a:rPr lang="en-US" sz="1900" dirty="0" smtClean="0"/>
               <a:t>Increased revenue to SCU, from SCU business advertisements</a:t>
             </a:r>
           </a:p>
@@ -9179,27 +8628,27 @@
       </p:sp>
       <p:pic>
         <p:nvPicPr>
-          <p:cNvPr id="6" name="Picture 5" descr="Slide02.jpg"/>
+          <p:cNvPr id="4" name="Picture 3" descr="Slide02.jpg"/>
           <p:cNvPicPr>
             <a:picLocks noChangeAspect="1"/>
           </p:cNvPicPr>
           <p:nvPr/>
         </p:nvPicPr>
         <p:blipFill rotWithShape="1">
-          <a:blip r:embed="rId3" cstate="print">
+          <a:blip r:embed="rId3">
             <a:extLst>
               <a:ext uri="{28A0092B-C50C-407E-A947-70E740481C1C}">
-                <a14:useLocalDpi xmlns:a14="http://schemas.microsoft.com/office/drawing/2010/main" xmlns="" val="0"/>
+                <a14:useLocalDpi xmlns:a14="http://schemas.microsoft.com/office/drawing/2010/main" val="0"/>
               </a:ext>
             </a:extLst>
           </a:blip>
-          <a:srcRect t="28249" r="15780" b="39703"/>
+          <a:srcRect l="3148" t="30864" r="21481" b="35062"/>
           <a:stretch/>
         </p:blipFill>
         <p:spPr>
           <a:xfrm>
-            <a:off x="1219113" y="2495550"/>
-            <a:ext cx="6096001" cy="1676400"/>
+            <a:off x="846667" y="2506133"/>
+            <a:ext cx="6197600" cy="1490133"/>
           </a:xfrm>
           <a:prstGeom prst="rect">
             <a:avLst/>
@@ -9214,7 +8663,7 @@
     </p:spTree>
     <p:extLst>
       <p:ext uri="{BB962C8B-B14F-4D97-AF65-F5344CB8AC3E}">
-        <p14:creationId xmlns:p14="http://schemas.microsoft.com/office/powerpoint/2010/main" xmlns="" val="1668180396"/>
+        <p14:creationId xmlns:p14="http://schemas.microsoft.com/office/powerpoint/2010/main" val="1668180396"/>
       </p:ext>
     </p:extLst>
   </p:cSld>
@@ -9224,14 +8673,14 @@
   <p:timing>
     <p:tnLst>
       <p:par>
-        <p:cTn id="1" dur="indefinite" restart="never" nodeType="tmRoot"/>
+        <p:cTn xmlns:p14="http://schemas.microsoft.com/office/powerpoint/2010/main" id="1" dur="indefinite" restart="never" nodeType="tmRoot"/>
       </p:par>
     </p:tnLst>
   </p:timing>
 </p:sld>
 </file>
 
-<file path=ppt/slides/slide5.xml><?xml version="1.0" encoding="utf-8"?>
+<file path=ppt/slides/slide4.xml><?xml version="1.0" encoding="utf-8"?>
 <p:sld xmlns:a="http://schemas.openxmlformats.org/drawingml/2006/main" xmlns:r="http://schemas.openxmlformats.org/officeDocument/2006/relationships" xmlns:p="http://schemas.openxmlformats.org/presentationml/2006/main">
   <p:cSld>
     <p:spTree>
@@ -9277,7 +8726,7 @@
     </p:spTree>
     <p:extLst>
       <p:ext uri="{BB962C8B-B14F-4D97-AF65-F5344CB8AC3E}">
-        <p14:creationId xmlns:p14="http://schemas.microsoft.com/office/powerpoint/2010/main" xmlns="" val="928388685"/>
+        <p14:creationId xmlns:p14="http://schemas.microsoft.com/office/powerpoint/2010/main" val="928388685"/>
       </p:ext>
     </p:extLst>
   </p:cSld>
@@ -9287,14 +8736,14 @@
   <p:timing>
     <p:tnLst>
       <p:par>
-        <p:cTn id="1" dur="indefinite" restart="never" nodeType="tmRoot"/>
+        <p:cTn xmlns:p14="http://schemas.microsoft.com/office/powerpoint/2010/main" id="1" dur="indefinite" restart="never" nodeType="tmRoot"/>
       </p:par>
     </p:tnLst>
   </p:timing>
 </p:sld>
 </file>
 
-<file path=ppt/slides/slide6.xml><?xml version="1.0" encoding="utf-8"?>
+<file path=ppt/slides/slide5.xml><?xml version="1.0" encoding="utf-8"?>
 <p:sld xmlns:a="http://schemas.openxmlformats.org/drawingml/2006/main" xmlns:r="http://schemas.openxmlformats.org/officeDocument/2006/relationships" xmlns:p="http://schemas.openxmlformats.org/presentationml/2006/main">
   <p:cSld>
     <p:spTree>
@@ -9372,7 +8821,7 @@
             <p:ph idx="1"/>
             <p:extLst>
               <p:ext uri="{D42A27DB-BD31-4B8C-83A1-F6EECF244321}">
-                <p14:modId xmlns:p14="http://schemas.microsoft.com/office/powerpoint/2010/main" xmlns="" val="3988399231"/>
+                <p14:modId xmlns:p14="http://schemas.microsoft.com/office/powerpoint/2010/main" val="3988399231"/>
               </p:ext>
             </p:extLst>
           </p:nvPr>
@@ -10538,7 +9987,7 @@
     </p:spTree>
     <p:extLst>
       <p:ext uri="{BB962C8B-B14F-4D97-AF65-F5344CB8AC3E}">
-        <p14:creationId xmlns:p14="http://schemas.microsoft.com/office/powerpoint/2010/main" xmlns="" val="1530510290"/>
+        <p14:creationId xmlns:p14="http://schemas.microsoft.com/office/powerpoint/2010/main" val="1530510290"/>
       </p:ext>
     </p:extLst>
   </p:cSld>
@@ -10548,7 +9997,123 @@
   <p:timing>
     <p:tnLst>
       <p:par>
-        <p:cTn id="1" dur="indefinite" restart="never" nodeType="tmRoot"/>
+        <p:cTn xmlns:p14="http://schemas.microsoft.com/office/powerpoint/2010/main" id="1" dur="indefinite" restart="never" nodeType="tmRoot"/>
+      </p:par>
+    </p:tnLst>
+  </p:timing>
+</p:sld>
+</file>
+
+<file path=ppt/slides/slide6.xml><?xml version="1.0" encoding="utf-8"?>
+<p:sld xmlns:a="http://schemas.openxmlformats.org/drawingml/2006/main" xmlns:r="http://schemas.openxmlformats.org/officeDocument/2006/relationships" xmlns:p="http://schemas.openxmlformats.org/presentationml/2006/main">
+  <p:cSld>
+    <p:spTree>
+      <p:nvGrpSpPr>
+        <p:cNvPr id="1" name=""/>
+        <p:cNvGrpSpPr/>
+        <p:nvPr/>
+      </p:nvGrpSpPr>
+      <p:grpSpPr>
+        <a:xfrm>
+          <a:off x="0" y="0"/>
+          <a:ext cx="0" cy="0"/>
+          <a:chOff x="0" y="0"/>
+          <a:chExt cx="0" cy="0"/>
+        </a:xfrm>
+      </p:grpSpPr>
+      <p:sp>
+        <p:nvSpPr>
+          <p:cNvPr id="2" name="Title 1"/>
+          <p:cNvSpPr>
+            <a:spLocks noGrp="1"/>
+          </p:cNvSpPr>
+          <p:nvPr>
+            <p:ph type="title"/>
+          </p:nvPr>
+        </p:nvSpPr>
+        <p:spPr>
+          <a:xfrm>
+            <a:off x="7196606" y="291498"/>
+            <a:ext cx="3335866" cy="916135"/>
+          </a:xfrm>
+        </p:spPr>
+        <p:txBody>
+          <a:bodyPr/>
+          <a:lstStyle/>
+          <a:p>
+            <a:r>
+              <a:rPr lang="en-US" sz="2000" dirty="0" smtClean="0">
+                <a:solidFill>
+                  <a:srgbClr val="FFFFFF"/>
+                </a:solidFill>
+              </a:rPr>
+              <a:t>Architecture </a:t>
+            </a:r>
+            <a:br>
+              <a:rPr lang="en-US" sz="2000" dirty="0" smtClean="0">
+                <a:solidFill>
+                  <a:srgbClr val="FFFFFF"/>
+                </a:solidFill>
+              </a:rPr>
+            </a:br>
+            <a:r>
+              <a:rPr lang="en-US" sz="2000" dirty="0" smtClean="0">
+                <a:solidFill>
+                  <a:srgbClr val="FFFFFF"/>
+                </a:solidFill>
+              </a:rPr>
+              <a:t>Diagram</a:t>
+            </a:r>
+            <a:endParaRPr lang="en-US" sz="2000" dirty="0">
+              <a:solidFill>
+                <a:srgbClr val="FFFFFF"/>
+              </a:solidFill>
+            </a:endParaRPr>
+          </a:p>
+        </p:txBody>
+      </p:sp>
+      <p:sp>
+        <p:nvSpPr>
+          <p:cNvPr id="3" name="Content Placeholder 2"/>
+          <p:cNvSpPr>
+            <a:spLocks noGrp="1"/>
+          </p:cNvSpPr>
+          <p:nvPr>
+            <p:ph idx="1"/>
+          </p:nvPr>
+        </p:nvSpPr>
+        <p:spPr>
+          <a:xfrm>
+            <a:off x="457199" y="1207634"/>
+            <a:ext cx="6508377" cy="4918530"/>
+          </a:xfrm>
+        </p:spPr>
+        <p:txBody>
+          <a:bodyPr/>
+          <a:lstStyle/>
+          <a:p>
+            <a:r>
+              <a:rPr lang="en-US" dirty="0" smtClean="0"/>
+              <a:t>Component diagram goes here (Sheila)</a:t>
+            </a:r>
+            <a:endParaRPr lang="en-US" dirty="0"/>
+          </a:p>
+        </p:txBody>
+      </p:sp>
+    </p:spTree>
+    <p:extLst>
+      <p:ext uri="{BB962C8B-B14F-4D97-AF65-F5344CB8AC3E}">
+        <p14:creationId xmlns:p14="http://schemas.microsoft.com/office/powerpoint/2010/main" val="1138632541"/>
+      </p:ext>
+    </p:extLst>
+  </p:cSld>
+  <p:clrMapOvr>
+    <a:masterClrMapping/>
+  </p:clrMapOvr>
+  <p:timing>
+    <p:tnLst>
+      <p:par>
+        <p:cTn xmlns:p14="http://schemas.microsoft.com/office/powerpoint/2010/main" id="1" dur="indefinite" restart="never" nodeType="tmRoot"/>
       </p:par>
     </p:tnLst>
   </p:timing>
@@ -10574,34 +10139,6 @@
       </p:grpSpPr>
       <p:sp>
         <p:nvSpPr>
-          <p:cNvPr id="2" name="Title 1"/>
-          <p:cNvSpPr>
-            <a:spLocks noGrp="1"/>
-          </p:cNvSpPr>
-          <p:nvPr>
-            <p:ph type="title"/>
-          </p:nvPr>
-        </p:nvSpPr>
-        <p:spPr>
-          <a:xfrm>
-            <a:off x="457199" y="291498"/>
-            <a:ext cx="6508377" cy="916135"/>
-          </a:xfrm>
-        </p:spPr>
-        <p:txBody>
-          <a:bodyPr/>
-          <a:lstStyle/>
-          <a:p>
-            <a:r>
-              <a:rPr lang="en-US" dirty="0" smtClean="0"/>
-              <a:t>Architecture Diagram</a:t>
-            </a:r>
-            <a:endParaRPr lang="en-US" dirty="0"/>
-          </a:p>
-        </p:txBody>
-      </p:sp>
-      <p:sp>
-        <p:nvSpPr>
           <p:cNvPr id="3" name="Content Placeholder 2"/>
           <p:cNvSpPr>
             <a:spLocks noGrp="1"/>
@@ -10622,16 +10159,234 @@
           <a:p>
             <a:r>
               <a:rPr lang="en-US" dirty="0" smtClean="0"/>
-              <a:t>Component diagram goes here (Sheila)</a:t>
+              <a:t>Table showing user stories, components developed for the story, name against each component (Poornima)</a:t>
+            </a:r>
+          </a:p>
+          <a:p>
+            <a:r>
+              <a:rPr lang="en-US" dirty="0" smtClean="0"/>
+              <a:t>Side box showing scrum roles (Shradha)</a:t>
+            </a:r>
+          </a:p>
+        </p:txBody>
+      </p:sp>
+      <p:sp>
+        <p:nvSpPr>
+          <p:cNvPr id="4" name="Rectangle 3"/>
+          <p:cNvSpPr/>
+          <p:nvPr/>
+        </p:nvSpPr>
+        <p:spPr>
+          <a:xfrm>
+            <a:off x="7281235" y="548952"/>
+            <a:ext cx="4572000" cy="1200329"/>
+          </a:xfrm>
+          <a:prstGeom prst="rect">
+            <a:avLst/>
+          </a:prstGeom>
+        </p:spPr>
+        <p:txBody>
+          <a:bodyPr>
+            <a:spAutoFit/>
+          </a:bodyPr>
+          <a:lstStyle/>
+          <a:p>
+            <a:r>
+              <a:rPr lang="en-US" dirty="0">
+                <a:solidFill>
+                  <a:srgbClr val="FFFFFF"/>
+                </a:solidFill>
+              </a:rPr>
+              <a:t>Architecture </a:t>
+            </a:r>
+            <a:br>
+              <a:rPr lang="en-US" dirty="0">
+                <a:solidFill>
+                  <a:srgbClr val="FFFFFF"/>
+                </a:solidFill>
+              </a:rPr>
+            </a:br>
+            <a:r>
+              <a:rPr lang="en-US" dirty="0" smtClean="0">
+                <a:solidFill>
+                  <a:srgbClr val="FFFFFF"/>
+                </a:solidFill>
+              </a:rPr>
+              <a:t>Diagram</a:t>
+            </a:r>
+          </a:p>
+          <a:p>
+            <a:endParaRPr lang="en-US" dirty="0">
+              <a:solidFill>
+                <a:srgbClr val="FFFFFF"/>
+              </a:solidFill>
+            </a:endParaRPr>
+          </a:p>
+          <a:p>
+            <a:r>
+              <a:rPr lang="en-US" dirty="0" smtClean="0">
+                <a:solidFill>
+                  <a:srgbClr val="FFFFFF"/>
+                </a:solidFill>
+              </a:rPr>
+              <a:t>(cont.)</a:t>
             </a:r>
             <a:endParaRPr lang="en-US" dirty="0"/>
+          </a:p>
+        </p:txBody>
+      </p:sp>
+      <p:sp>
+        <p:nvSpPr>
+          <p:cNvPr id="6" name="TextBox 5"/>
+          <p:cNvSpPr txBox="1"/>
+          <p:nvPr/>
+        </p:nvSpPr>
+        <p:spPr>
+          <a:xfrm>
+            <a:off x="5757333" y="3606801"/>
+            <a:ext cx="2997200" cy="2031325"/>
+          </a:xfrm>
+          <a:prstGeom prst="rect">
+            <a:avLst/>
+          </a:prstGeom>
+          <a:noFill/>
+          <a:ln>
+            <a:solidFill>
+              <a:schemeClr val="accent1"/>
+            </a:solidFill>
+          </a:ln>
+          <a:effectLst>
+            <a:glow rad="101600">
+              <a:schemeClr val="accent1">
+                <a:alpha val="75000"/>
+              </a:schemeClr>
+            </a:glow>
+          </a:effectLst>
+          <a:scene3d>
+            <a:camera prst="orthographicFront"/>
+            <a:lightRig rig="threePt" dir="t"/>
+          </a:scene3d>
+          <a:sp3d>
+            <a:bevelT w="152400" h="50800" prst="softRound"/>
+          </a:sp3d>
+        </p:spPr>
+        <p:txBody>
+          <a:bodyPr wrap="square" rtlCol="0">
+            <a:spAutoFit/>
+          </a:bodyPr>
+          <a:lstStyle/>
+          <a:p>
+            <a:r>
+              <a:rPr lang="en-US" dirty="0" smtClean="0">
+                <a:solidFill>
+                  <a:srgbClr val="FFFFFF"/>
+                </a:solidFill>
+              </a:rPr>
+              <a:t>     </a:t>
+            </a:r>
+            <a:r>
+              <a:rPr lang="en-US" u="sng" dirty="0" smtClean="0">
+                <a:solidFill>
+                  <a:srgbClr val="FFFFFF"/>
+                </a:solidFill>
+              </a:rPr>
+              <a:t>  </a:t>
+            </a:r>
+            <a:r>
+              <a:rPr lang="en-US" u="sng" dirty="0" smtClean="0">
+                <a:solidFill>
+                  <a:schemeClr val="accent1"/>
+                </a:solidFill>
+              </a:rPr>
+              <a:t> SCRUM ROLES</a:t>
+            </a:r>
+          </a:p>
+          <a:p>
+            <a:endParaRPr lang="en-US" dirty="0">
+              <a:solidFill>
+                <a:schemeClr val="accent1"/>
+              </a:solidFill>
+            </a:endParaRPr>
+          </a:p>
+          <a:p>
+            <a:r>
+              <a:rPr lang="en-US" dirty="0" smtClean="0">
+                <a:solidFill>
+                  <a:schemeClr val="accent1"/>
+                </a:solidFill>
+              </a:rPr>
+              <a:t>Scrum Master: </a:t>
+            </a:r>
+            <a:r>
+              <a:rPr lang="en-US" dirty="0" err="1" smtClean="0">
+                <a:solidFill>
+                  <a:schemeClr val="accent1"/>
+                </a:solidFill>
+              </a:rPr>
+              <a:t>Poornima</a:t>
+            </a:r>
+            <a:endParaRPr lang="en-US" dirty="0" smtClean="0">
+              <a:solidFill>
+                <a:schemeClr val="accent1"/>
+              </a:solidFill>
+            </a:endParaRPr>
+          </a:p>
+          <a:p>
+            <a:r>
+              <a:rPr lang="en-US" dirty="0" smtClean="0">
+                <a:solidFill>
+                  <a:schemeClr val="accent1"/>
+                </a:solidFill>
+              </a:rPr>
+              <a:t>Product Owner: Shradha</a:t>
+            </a:r>
+          </a:p>
+          <a:p>
+            <a:r>
+              <a:rPr lang="en-US" dirty="0" smtClean="0">
+                <a:solidFill>
+                  <a:schemeClr val="accent1"/>
+                </a:solidFill>
+              </a:rPr>
+              <a:t>Team: All</a:t>
+            </a:r>
+            <a:endParaRPr lang="en-US" dirty="0">
+              <a:solidFill>
+                <a:schemeClr val="accent1"/>
+              </a:solidFill>
+            </a:endParaRPr>
+          </a:p>
+          <a:p>
+            <a:r>
+              <a:rPr lang="en-US" dirty="0" smtClean="0">
+                <a:solidFill>
+                  <a:schemeClr val="accent1"/>
+                </a:solidFill>
+              </a:rPr>
+              <a:t>-------------------------------------</a:t>
+            </a:r>
+          </a:p>
+          <a:p>
+            <a:r>
+              <a:rPr lang="en-US" dirty="0" smtClean="0">
+                <a:solidFill>
+                  <a:schemeClr val="accent1"/>
+                </a:solidFill>
+              </a:rPr>
+              <a:t>Customer: Sheila</a:t>
+            </a:r>
+            <a:endParaRPr lang="en-US" dirty="0">
+              <a:solidFill>
+                <a:schemeClr val="accent1"/>
+              </a:solidFill>
+            </a:endParaRPr>
           </a:p>
         </p:txBody>
       </p:sp>
     </p:spTree>
     <p:extLst>
       <p:ext uri="{BB962C8B-B14F-4D97-AF65-F5344CB8AC3E}">
-        <p14:creationId xmlns:p14="http://schemas.microsoft.com/office/powerpoint/2010/main" xmlns="" val="1138632541"/>
+        <p14:creationId xmlns:p14="http://schemas.microsoft.com/office/powerpoint/2010/main" val="1418101890"/>
       </p:ext>
     </p:extLst>
   </p:cSld>
@@ -10641,7 +10396,7 @@
   <p:timing>
     <p:tnLst>
       <p:par>
-        <p:cTn id="1" dur="indefinite" restart="never" nodeType="tmRoot"/>
+        <p:cTn xmlns:p14="http://schemas.microsoft.com/office/powerpoint/2010/main" id="1" dur="indefinite" restart="never" nodeType="tmRoot"/>
       </p:par>
     </p:tnLst>
   </p:timing>
@@ -10677,8 +10432,8 @@
         </p:nvSpPr>
         <p:spPr>
           <a:xfrm>
-            <a:off x="457199" y="291498"/>
-            <a:ext cx="6508377" cy="916135"/>
+            <a:off x="7331998" y="876376"/>
+            <a:ext cx="3166534" cy="874493"/>
           </a:xfrm>
         </p:spPr>
         <p:txBody>
@@ -10686,116 +10441,56 @@
           <a:lstStyle/>
           <a:p>
             <a:r>
-              <a:rPr lang="en-US" dirty="0" smtClean="0"/>
-              <a:t>Architecture Diagram (</a:t>
-            </a:r>
-            <a:r>
-              <a:rPr lang="en-US" dirty="0" err="1" smtClean="0"/>
-              <a:t>cont</a:t>
-            </a:r>
-            <a:r>
-              <a:rPr lang="en-US" dirty="0" smtClean="0"/>
-              <a:t>)</a:t>
-            </a:r>
-            <a:endParaRPr lang="en-US" dirty="0"/>
-          </a:p>
-        </p:txBody>
-      </p:sp>
-      <p:sp>
-        <p:nvSpPr>
-          <p:cNvPr id="3" name="Content Placeholder 2"/>
-          <p:cNvSpPr>
-            <a:spLocks noGrp="1"/>
-          </p:cNvSpPr>
-          <p:nvPr>
-            <p:ph idx="1"/>
-          </p:nvPr>
-        </p:nvSpPr>
-        <p:spPr>
-          <a:xfrm>
-            <a:off x="457199" y="1207634"/>
-            <a:ext cx="6508377" cy="4918530"/>
-          </a:xfrm>
-        </p:spPr>
-        <p:txBody>
-          <a:bodyPr/>
-          <a:lstStyle/>
-          <a:p>
-            <a:r>
-              <a:rPr lang="en-US" dirty="0" smtClean="0"/>
-              <a:t>Table showing user stories, components developed for the story, name against each component (Poornima)</a:t>
-            </a:r>
-          </a:p>
-          <a:p>
-            <a:r>
-              <a:rPr lang="en-US" dirty="0" smtClean="0"/>
-              <a:t>Side box showing scrum roles (Shradha)</a:t>
-            </a:r>
-          </a:p>
-        </p:txBody>
-      </p:sp>
-    </p:spTree>
-    <p:extLst>
-      <p:ext uri="{BB962C8B-B14F-4D97-AF65-F5344CB8AC3E}">
-        <p14:creationId xmlns:p14="http://schemas.microsoft.com/office/powerpoint/2010/main" xmlns="" val="1418101890"/>
-      </p:ext>
-    </p:extLst>
-  </p:cSld>
-  <p:clrMapOvr>
-    <a:masterClrMapping/>
-  </p:clrMapOvr>
-  <p:timing>
-    <p:tnLst>
-      <p:par>
-        <p:cTn id="1" dur="indefinite" restart="never" nodeType="tmRoot"/>
-      </p:par>
-    </p:tnLst>
-  </p:timing>
-</p:sld>
-</file>
-
-<file path=ppt/slides/slide9.xml><?xml version="1.0" encoding="utf-8"?>
-<p:sld xmlns:a="http://schemas.openxmlformats.org/drawingml/2006/main" xmlns:r="http://schemas.openxmlformats.org/officeDocument/2006/relationships" xmlns:p="http://schemas.openxmlformats.org/presentationml/2006/main">
-  <p:cSld>
-    <p:spTree>
-      <p:nvGrpSpPr>
-        <p:cNvPr id="1" name=""/>
-        <p:cNvGrpSpPr/>
-        <p:nvPr/>
-      </p:nvGrpSpPr>
-      <p:grpSpPr>
-        <a:xfrm>
-          <a:off x="0" y="0"/>
-          <a:ext cx="0" cy="0"/>
-          <a:chOff x="0" y="0"/>
-          <a:chExt cx="0" cy="0"/>
-        </a:xfrm>
-      </p:grpSpPr>
-      <p:sp>
-        <p:nvSpPr>
-          <p:cNvPr id="2" name="Title 1"/>
-          <p:cNvSpPr>
-            <a:spLocks noGrp="1"/>
-          </p:cNvSpPr>
-          <p:nvPr>
-            <p:ph type="title"/>
-          </p:nvPr>
-        </p:nvSpPr>
-        <p:spPr>
-          <a:xfrm>
-            <a:off x="457199" y="-21073"/>
-            <a:ext cx="6508377" cy="874493"/>
-          </a:xfrm>
-        </p:spPr>
-        <p:txBody>
-          <a:bodyPr/>
-          <a:lstStyle/>
-          <a:p>
-            <a:r>
-              <a:rPr lang="en-US" dirty="0" smtClean="0"/>
-              <a:t>Current System Status</a:t>
-            </a:r>
-            <a:endParaRPr lang="en-US" dirty="0"/>
+              <a:rPr lang="en-US" sz="2400" dirty="0" smtClean="0">
+                <a:solidFill>
+                  <a:srgbClr val="FFFFFF"/>
+                </a:solidFill>
+              </a:rPr>
+              <a:t>Current </a:t>
+            </a:r>
+            <a:r>
+              <a:rPr lang="en-US" sz="2400" dirty="0" smtClean="0">
+                <a:solidFill>
+                  <a:srgbClr val="FFFFFF"/>
+                </a:solidFill>
+              </a:rPr>
+              <a:t/>
+            </a:r>
+            <a:br>
+              <a:rPr lang="en-US" sz="2400" dirty="0" smtClean="0">
+                <a:solidFill>
+                  <a:srgbClr val="FFFFFF"/>
+                </a:solidFill>
+              </a:rPr>
+            </a:br>
+            <a:r>
+              <a:rPr lang="en-US" sz="2400" dirty="0" smtClean="0">
+                <a:solidFill>
+                  <a:srgbClr val="FFFFFF"/>
+                </a:solidFill>
+              </a:rPr>
+              <a:t>System </a:t>
+            </a:r>
+            <a:br>
+              <a:rPr lang="en-US" sz="2400" dirty="0" smtClean="0">
+                <a:solidFill>
+                  <a:srgbClr val="FFFFFF"/>
+                </a:solidFill>
+              </a:rPr>
+            </a:br>
+            <a:r>
+              <a:rPr lang="en-US" sz="2400" dirty="0" smtClean="0">
+                <a:solidFill>
+                  <a:srgbClr val="FFFFFF"/>
+                </a:solidFill>
+              </a:rPr>
+              <a:t>Status</a:t>
+            </a:r>
+            <a:endParaRPr lang="en-US" sz="2400" dirty="0">
+              <a:solidFill>
+                <a:srgbClr val="FFFFFF"/>
+              </a:solidFill>
+            </a:endParaRPr>
           </a:p>
         </p:txBody>
       </p:sp>
@@ -10809,14 +10504,14 @@
             <p:ph idx="1"/>
             <p:extLst>
               <p:ext uri="{D42A27DB-BD31-4B8C-83A1-F6EECF244321}">
-                <p14:modId xmlns:p14="http://schemas.microsoft.com/office/powerpoint/2010/main" xmlns="" val="2952445889"/>
+                <p14:modId xmlns:p14="http://schemas.microsoft.com/office/powerpoint/2010/main" val="2952445889"/>
               </p:ext>
             </p:extLst>
           </p:nvPr>
         </p:nvGraphicFramePr>
         <p:xfrm>
           <a:off x="254000" y="3251162"/>
-          <a:ext cx="8686799" cy="3353717"/>
+          <a:ext cx="8686799" cy="3353716"/>
         </p:xfrm>
         <a:graphic>
           <a:graphicData uri="http://schemas.openxmlformats.org/drawingml/2006/table">
@@ -11623,7 +11318,7 @@
         </p:nvSpPr>
         <p:spPr>
           <a:xfrm>
-            <a:off x="254000" y="785283"/>
+            <a:off x="254000" y="328092"/>
             <a:ext cx="6908800" cy="2616101"/>
           </a:xfrm>
           <a:prstGeom prst="rect">
@@ -11750,7 +11445,7 @@
     </p:spTree>
     <p:extLst>
       <p:ext uri="{BB962C8B-B14F-4D97-AF65-F5344CB8AC3E}">
-        <p14:creationId xmlns:p14="http://schemas.microsoft.com/office/powerpoint/2010/main" xmlns="" val="83792608"/>
+        <p14:creationId xmlns:p14="http://schemas.microsoft.com/office/powerpoint/2010/main" val="83792608"/>
       </p:ext>
     </p:extLst>
   </p:cSld>
@@ -11760,7 +11455,155 @@
   <p:timing>
     <p:tnLst>
       <p:par>
-        <p:cTn id="1" dur="indefinite" restart="never" nodeType="tmRoot"/>
+        <p:cTn xmlns:p14="http://schemas.microsoft.com/office/powerpoint/2010/main" id="1" dur="indefinite" restart="never" nodeType="tmRoot"/>
+      </p:par>
+    </p:tnLst>
+  </p:timing>
+</p:sld>
+</file>
+
+<file path=ppt/slides/slide9.xml><?xml version="1.0" encoding="utf-8"?>
+<p:sld xmlns:a="http://schemas.openxmlformats.org/drawingml/2006/main" xmlns:r="http://schemas.openxmlformats.org/officeDocument/2006/relationships" xmlns:p="http://schemas.openxmlformats.org/presentationml/2006/main">
+  <p:cSld>
+    <p:spTree>
+      <p:nvGrpSpPr>
+        <p:cNvPr id="1" name=""/>
+        <p:cNvGrpSpPr/>
+        <p:nvPr/>
+      </p:nvGrpSpPr>
+      <p:grpSpPr>
+        <a:xfrm>
+          <a:off x="0" y="0"/>
+          <a:ext cx="0" cy="0"/>
+          <a:chOff x="0" y="0"/>
+          <a:chExt cx="0" cy="0"/>
+        </a:xfrm>
+      </p:grpSpPr>
+      <p:sp>
+        <p:nvSpPr>
+          <p:cNvPr id="2" name="Title 1"/>
+          <p:cNvSpPr>
+            <a:spLocks noGrp="1"/>
+          </p:cNvSpPr>
+          <p:nvPr>
+            <p:ph type="title"/>
+          </p:nvPr>
+        </p:nvSpPr>
+        <p:spPr>
+          <a:xfrm>
+            <a:off x="7382796" y="605448"/>
+            <a:ext cx="2387601" cy="874493"/>
+          </a:xfrm>
+        </p:spPr>
+        <p:txBody>
+          <a:bodyPr/>
+          <a:lstStyle/>
+          <a:p>
+            <a:r>
+              <a:rPr lang="en-US" sz="2400" dirty="0" smtClean="0">
+                <a:solidFill>
+                  <a:srgbClr val="FFFFFF"/>
+                </a:solidFill>
+              </a:rPr>
+              <a:t>Project </a:t>
+            </a:r>
+            <a:r>
+              <a:rPr lang="en-US" sz="2400" dirty="0" smtClean="0">
+                <a:solidFill>
+                  <a:srgbClr val="FFFFFF"/>
+                </a:solidFill>
+              </a:rPr>
+              <a:t/>
+            </a:r>
+            <a:br>
+              <a:rPr lang="en-US" sz="2400" dirty="0" smtClean="0">
+                <a:solidFill>
+                  <a:srgbClr val="FFFFFF"/>
+                </a:solidFill>
+              </a:rPr>
+            </a:br>
+            <a:r>
+              <a:rPr lang="en-US" sz="2400" dirty="0" smtClean="0">
+                <a:solidFill>
+                  <a:srgbClr val="FFFFFF"/>
+                </a:solidFill>
+              </a:rPr>
+              <a:t>Velocity </a:t>
+            </a:r>
+            <a:endParaRPr lang="en-US" sz="2400" dirty="0">
+              <a:solidFill>
+                <a:srgbClr val="FFFFFF"/>
+              </a:solidFill>
+            </a:endParaRPr>
+          </a:p>
+        </p:txBody>
+      </p:sp>
+      <p:sp>
+        <p:nvSpPr>
+          <p:cNvPr id="3" name="Content Placeholder 2"/>
+          <p:cNvSpPr>
+            <a:spLocks noGrp="1"/>
+          </p:cNvSpPr>
+          <p:nvPr>
+            <p:ph idx="1"/>
+          </p:nvPr>
+        </p:nvSpPr>
+        <p:spPr>
+          <a:xfrm>
+            <a:off x="457199" y="1124348"/>
+            <a:ext cx="6508377" cy="5001815"/>
+          </a:xfrm>
+        </p:spPr>
+        <p:txBody>
+          <a:bodyPr/>
+          <a:lstStyle/>
+          <a:p>
+            <a:r>
+              <a:rPr lang="en-US" dirty="0" err="1" smtClean="0"/>
+              <a:t>Poorima</a:t>
+            </a:r>
+            <a:r>
+              <a:rPr lang="en-US" dirty="0" smtClean="0"/>
+              <a:t> &amp; Sheila</a:t>
+            </a:r>
+          </a:p>
+          <a:p>
+            <a:r>
+              <a:rPr lang="en-US" dirty="0" smtClean="0"/>
+              <a:t>PLACEHOLDERS FOR 2 BURNDOWN CHARTS and velocity estimation</a:t>
+            </a:r>
+          </a:p>
+          <a:p>
+            <a:pPr lvl="1"/>
+            <a:r>
+              <a:rPr lang="en-US" dirty="0" smtClean="0"/>
+              <a:t>Agile estimation</a:t>
+            </a:r>
+          </a:p>
+          <a:p>
+            <a:pPr lvl="1"/>
+            <a:r>
+              <a:rPr lang="en-US" dirty="0" smtClean="0"/>
+              <a:t>FP estimation</a:t>
+            </a:r>
+            <a:endParaRPr lang="en-US" dirty="0"/>
+          </a:p>
+        </p:txBody>
+      </p:sp>
+    </p:spTree>
+    <p:extLst>
+      <p:ext uri="{BB962C8B-B14F-4D97-AF65-F5344CB8AC3E}">
+        <p14:creationId xmlns:p14="http://schemas.microsoft.com/office/powerpoint/2010/main" val="1195116925"/>
+      </p:ext>
+    </p:extLst>
+  </p:cSld>
+  <p:clrMapOvr>
+    <a:masterClrMapping/>
+  </p:clrMapOvr>
+  <p:timing>
+    <p:tnLst>
+      <p:par>
+        <p:cTn xmlns:p14="http://schemas.microsoft.com/office/powerpoint/2010/main" id="1" dur="indefinite" restart="never" nodeType="tmRoot"/>
       </p:par>
     </p:tnLst>
   </p:timing>

--- a/docs/Presentation_TeamGamma.pptx
+++ b/docs/Presentation_TeamGamma.pptx
@@ -119,6 +119,1058 @@
 </p:presentation>
 </file>
 
+<file path=ppt/charts/chart1.xml><?xml version="1.0" encoding="utf-8"?>
+<c:chartSpace xmlns:c="http://schemas.openxmlformats.org/drawingml/2006/chart" xmlns:a="http://schemas.openxmlformats.org/drawingml/2006/main" xmlns:r="http://schemas.openxmlformats.org/officeDocument/2006/relationships">
+  <c:lang val="en-US"/>
+  <c:chart>
+    <c:title>
+      <c:tx>
+        <c:rich>
+          <a:bodyPr/>
+          <a:lstStyle/>
+          <a:p>
+            <a:pPr>
+              <a:defRPr/>
+            </a:pPr>
+            <a:r>
+              <a:rPr lang="en-US"/>
+              <a:t>Sprint 1 Burndown Chart</a:t>
+            </a:r>
+          </a:p>
+        </c:rich>
+      </c:tx>
+      <c:layout/>
+      <c:spPr>
+        <a:noFill/>
+        <a:ln w="25400">
+          <a:noFill/>
+        </a:ln>
+      </c:spPr>
+    </c:title>
+    <c:plotArea>
+      <c:layout>
+        <c:manualLayout>
+          <c:layoutTarget val="inner"/>
+          <c:xMode val="edge"/>
+          <c:yMode val="edge"/>
+          <c:x val="0.12857427475030966"/>
+          <c:y val="0.13847709714251821"/>
+          <c:w val="0.8161094219658187"/>
+          <c:h val="0.7355285674036508"/>
+        </c:manualLayout>
+      </c:layout>
+      <c:lineChart>
+        <c:grouping val="standard"/>
+        <c:ser>
+          <c:idx val="0"/>
+          <c:order val="0"/>
+          <c:tx>
+            <c:strRef>
+              <c:f>'S1 - Burndown Chart'!$B$3</c:f>
+              <c:strCache>
+                <c:ptCount val="1"/>
+                <c:pt idx="0">
+                  <c:v>Planned remaining (hrs)</c:v>
+                </c:pt>
+              </c:strCache>
+            </c:strRef>
+          </c:tx>
+          <c:spPr>
+            <a:ln w="25400">
+              <a:solidFill>
+                <a:srgbClr val="3366FF"/>
+              </a:solidFill>
+              <a:prstDash val="solid"/>
+            </a:ln>
+          </c:spPr>
+          <c:marker>
+            <c:symbol val="circle"/>
+            <c:size val="5"/>
+            <c:spPr>
+              <a:solidFill>
+                <a:srgbClr val="3366CC"/>
+              </a:solidFill>
+              <a:ln>
+                <a:solidFill>
+                  <a:srgbClr val="3366FF"/>
+                </a:solidFill>
+                <a:prstDash val="solid"/>
+              </a:ln>
+            </c:spPr>
+          </c:marker>
+          <c:cat>
+            <c:numRef>
+              <c:f>'S1 - Burndown Chart'!$A$4:$A$24</c:f>
+              <c:numCache>
+                <c:formatCode>General</c:formatCode>
+                <c:ptCount val="21"/>
+                <c:pt idx="0">
+                  <c:v>1</c:v>
+                </c:pt>
+                <c:pt idx="1">
+                  <c:v>2</c:v>
+                </c:pt>
+                <c:pt idx="2">
+                  <c:v>3</c:v>
+                </c:pt>
+                <c:pt idx="3">
+                  <c:v>4</c:v>
+                </c:pt>
+                <c:pt idx="4">
+                  <c:v>5</c:v>
+                </c:pt>
+                <c:pt idx="5">
+                  <c:v>6</c:v>
+                </c:pt>
+                <c:pt idx="6">
+                  <c:v>7</c:v>
+                </c:pt>
+                <c:pt idx="7">
+                  <c:v>8</c:v>
+                </c:pt>
+                <c:pt idx="8">
+                  <c:v>9</c:v>
+                </c:pt>
+                <c:pt idx="9">
+                  <c:v>10</c:v>
+                </c:pt>
+                <c:pt idx="10">
+                  <c:v>11</c:v>
+                </c:pt>
+                <c:pt idx="11">
+                  <c:v>12</c:v>
+                </c:pt>
+                <c:pt idx="12">
+                  <c:v>13</c:v>
+                </c:pt>
+                <c:pt idx="13">
+                  <c:v>14</c:v>
+                </c:pt>
+                <c:pt idx="14">
+                  <c:v>15</c:v>
+                </c:pt>
+                <c:pt idx="15">
+                  <c:v>16</c:v>
+                </c:pt>
+                <c:pt idx="16">
+                  <c:v>17</c:v>
+                </c:pt>
+                <c:pt idx="17">
+                  <c:v>18</c:v>
+                </c:pt>
+                <c:pt idx="18">
+                  <c:v>19</c:v>
+                </c:pt>
+                <c:pt idx="19">
+                  <c:v>20</c:v>
+                </c:pt>
+                <c:pt idx="20">
+                  <c:v>21</c:v>
+                </c:pt>
+              </c:numCache>
+            </c:numRef>
+          </c:cat>
+          <c:val>
+            <c:numRef>
+              <c:f>'S1 - Burndown Chart'!$B$4:$B$24</c:f>
+              <c:numCache>
+                <c:formatCode>0.00</c:formatCode>
+                <c:ptCount val="21"/>
+                <c:pt idx="0">
+                  <c:v>37</c:v>
+                </c:pt>
+                <c:pt idx="1">
+                  <c:v>35.238095238095241</c:v>
+                </c:pt>
+                <c:pt idx="2">
+                  <c:v>33.476190476190474</c:v>
+                </c:pt>
+                <c:pt idx="3">
+                  <c:v>31.714285714285715</c:v>
+                </c:pt>
+                <c:pt idx="4">
+                  <c:v>29.952380952380953</c:v>
+                </c:pt>
+                <c:pt idx="5">
+                  <c:v>28.19047619047619</c:v>
+                </c:pt>
+                <c:pt idx="6">
+                  <c:v>26.428571428571431</c:v>
+                </c:pt>
+                <c:pt idx="7">
+                  <c:v>24.666666666666668</c:v>
+                </c:pt>
+                <c:pt idx="8">
+                  <c:v>22.904761904761905</c:v>
+                </c:pt>
+                <c:pt idx="9">
+                  <c:v>21.142857142857142</c:v>
+                </c:pt>
+                <c:pt idx="10">
+                  <c:v>19.38095238095238</c:v>
+                </c:pt>
+                <c:pt idx="11">
+                  <c:v>17.61904761904762</c:v>
+                </c:pt>
+                <c:pt idx="12">
+                  <c:v>15.857142857142858</c:v>
+                </c:pt>
+                <c:pt idx="13">
+                  <c:v>14.095238095238095</c:v>
+                </c:pt>
+                <c:pt idx="14">
+                  <c:v>12.333333333333336</c:v>
+                </c:pt>
+                <c:pt idx="15">
+                  <c:v>10.571428571428573</c:v>
+                </c:pt>
+                <c:pt idx="16">
+                  <c:v>8.8095238095238102</c:v>
+                </c:pt>
+                <c:pt idx="17">
+                  <c:v>7.0476190476190474</c:v>
+                </c:pt>
+                <c:pt idx="18">
+                  <c:v>5.2857142857142847</c:v>
+                </c:pt>
+                <c:pt idx="19">
+                  <c:v>3.5238095238095255</c:v>
+                </c:pt>
+                <c:pt idx="20">
+                  <c:v>1.7619047619047592</c:v>
+                </c:pt>
+              </c:numCache>
+            </c:numRef>
+          </c:val>
+        </c:ser>
+        <c:ser>
+          <c:idx val="1"/>
+          <c:order val="1"/>
+          <c:tx>
+            <c:strRef>
+              <c:f>'S1 - Burndown Chart'!$C$3</c:f>
+              <c:strCache>
+                <c:ptCount val="1"/>
+                <c:pt idx="0">
+                  <c:v>Actual remaining (hrs)</c:v>
+                </c:pt>
+              </c:strCache>
+            </c:strRef>
+          </c:tx>
+          <c:spPr>
+            <a:ln w="25400">
+              <a:solidFill>
+                <a:srgbClr val="FF6600"/>
+              </a:solidFill>
+              <a:prstDash val="solid"/>
+            </a:ln>
+          </c:spPr>
+          <c:marker>
+            <c:symbol val="circle"/>
+            <c:size val="5"/>
+            <c:spPr>
+              <a:solidFill>
+                <a:srgbClr val="DC3912"/>
+              </a:solidFill>
+              <a:ln>
+                <a:solidFill>
+                  <a:srgbClr val="FF6600"/>
+                </a:solidFill>
+                <a:prstDash val="solid"/>
+              </a:ln>
+            </c:spPr>
+          </c:marker>
+          <c:cat>
+            <c:numRef>
+              <c:f>'S1 - Burndown Chart'!$A$4:$A$24</c:f>
+              <c:numCache>
+                <c:formatCode>General</c:formatCode>
+                <c:ptCount val="21"/>
+                <c:pt idx="0">
+                  <c:v>1</c:v>
+                </c:pt>
+                <c:pt idx="1">
+                  <c:v>2</c:v>
+                </c:pt>
+                <c:pt idx="2">
+                  <c:v>3</c:v>
+                </c:pt>
+                <c:pt idx="3">
+                  <c:v>4</c:v>
+                </c:pt>
+                <c:pt idx="4">
+                  <c:v>5</c:v>
+                </c:pt>
+                <c:pt idx="5">
+                  <c:v>6</c:v>
+                </c:pt>
+                <c:pt idx="6">
+                  <c:v>7</c:v>
+                </c:pt>
+                <c:pt idx="7">
+                  <c:v>8</c:v>
+                </c:pt>
+                <c:pt idx="8">
+                  <c:v>9</c:v>
+                </c:pt>
+                <c:pt idx="9">
+                  <c:v>10</c:v>
+                </c:pt>
+                <c:pt idx="10">
+                  <c:v>11</c:v>
+                </c:pt>
+                <c:pt idx="11">
+                  <c:v>12</c:v>
+                </c:pt>
+                <c:pt idx="12">
+                  <c:v>13</c:v>
+                </c:pt>
+                <c:pt idx="13">
+                  <c:v>14</c:v>
+                </c:pt>
+                <c:pt idx="14">
+                  <c:v>15</c:v>
+                </c:pt>
+                <c:pt idx="15">
+                  <c:v>16</c:v>
+                </c:pt>
+                <c:pt idx="16">
+                  <c:v>17</c:v>
+                </c:pt>
+                <c:pt idx="17">
+                  <c:v>18</c:v>
+                </c:pt>
+                <c:pt idx="18">
+                  <c:v>19</c:v>
+                </c:pt>
+                <c:pt idx="19">
+                  <c:v>20</c:v>
+                </c:pt>
+                <c:pt idx="20">
+                  <c:v>21</c:v>
+                </c:pt>
+              </c:numCache>
+            </c:numRef>
+          </c:cat>
+          <c:val>
+            <c:numRef>
+              <c:f>'S1 - Burndown Chart'!$C$4:$C$24</c:f>
+              <c:numCache>
+                <c:formatCode>0.00</c:formatCode>
+                <c:ptCount val="21"/>
+                <c:pt idx="0">
+                  <c:v>37</c:v>
+                </c:pt>
+                <c:pt idx="1">
+                  <c:v>36</c:v>
+                </c:pt>
+                <c:pt idx="2">
+                  <c:v>35</c:v>
+                </c:pt>
+                <c:pt idx="3">
+                  <c:v>33</c:v>
+                </c:pt>
+                <c:pt idx="4">
+                  <c:v>38</c:v>
+                </c:pt>
+                <c:pt idx="5">
+                  <c:v>33</c:v>
+                </c:pt>
+                <c:pt idx="6">
+                  <c:v>29</c:v>
+                </c:pt>
+                <c:pt idx="7">
+                  <c:v>27</c:v>
+                </c:pt>
+                <c:pt idx="8">
+                  <c:v>27</c:v>
+                </c:pt>
+                <c:pt idx="9">
+                  <c:v>25</c:v>
+                </c:pt>
+                <c:pt idx="10">
+                  <c:v>23</c:v>
+                </c:pt>
+                <c:pt idx="11">
+                  <c:v>21</c:v>
+                </c:pt>
+                <c:pt idx="12">
+                  <c:v>17</c:v>
+                </c:pt>
+                <c:pt idx="13">
+                  <c:v>15</c:v>
+                </c:pt>
+                <c:pt idx="14">
+                  <c:v>12</c:v>
+                </c:pt>
+                <c:pt idx="15">
+                  <c:v>10</c:v>
+                </c:pt>
+                <c:pt idx="16">
+                  <c:v>7</c:v>
+                </c:pt>
+                <c:pt idx="17">
+                  <c:v>4</c:v>
+                </c:pt>
+                <c:pt idx="18">
+                  <c:v>1</c:v>
+                </c:pt>
+                <c:pt idx="19">
+                  <c:v>0</c:v>
+                </c:pt>
+                <c:pt idx="20">
+                  <c:v>0</c:v>
+                </c:pt>
+              </c:numCache>
+            </c:numRef>
+          </c:val>
+        </c:ser>
+        <c:marker val="1"/>
+        <c:axId val="116890624"/>
+        <c:axId val="118081024"/>
+      </c:lineChart>
+      <c:catAx>
+        <c:axId val="116890624"/>
+        <c:scaling>
+          <c:orientation val="minMax"/>
+        </c:scaling>
+        <c:axPos val="b"/>
+        <c:title>
+          <c:tx>
+            <c:rich>
+              <a:bodyPr/>
+              <a:lstStyle/>
+              <a:p>
+                <a:pPr>
+                  <a:defRPr/>
+                </a:pPr>
+                <a:r>
+                  <a:rPr lang="en-US"/>
+                  <a:t>Beginning of day</a:t>
+                </a:r>
+              </a:p>
+            </c:rich>
+          </c:tx>
+          <c:layout/>
+          <c:spPr>
+            <a:noFill/>
+            <a:ln w="25400">
+              <a:noFill/>
+            </a:ln>
+          </c:spPr>
+        </c:title>
+        <c:numFmt formatCode="General" sourceLinked="1"/>
+        <c:tickLblPos val="nextTo"/>
+        <c:spPr>
+          <a:ln w="3175">
+            <a:solidFill>
+              <a:srgbClr val="808080"/>
+            </a:solidFill>
+            <a:prstDash val="solid"/>
+          </a:ln>
+        </c:spPr>
+        <c:txPr>
+          <a:bodyPr/>
+          <a:lstStyle/>
+          <a:p>
+            <a:pPr>
+              <a:defRPr/>
+            </a:pPr>
+            <a:endParaRPr lang="en-US"/>
+          </a:p>
+        </c:txPr>
+        <c:crossAx val="118081024"/>
+        <c:crosses val="autoZero"/>
+        <c:lblAlgn val="ctr"/>
+        <c:lblOffset val="100"/>
+      </c:catAx>
+      <c:valAx>
+        <c:axId val="118081024"/>
+        <c:scaling>
+          <c:orientation val="minMax"/>
+        </c:scaling>
+        <c:axPos val="l"/>
+        <c:majorGridlines>
+          <c:spPr>
+            <a:ln w="3175">
+              <a:solidFill>
+                <a:srgbClr val="808080"/>
+              </a:solidFill>
+              <a:prstDash val="solid"/>
+            </a:ln>
+          </c:spPr>
+        </c:majorGridlines>
+        <c:title>
+          <c:tx>
+            <c:rich>
+              <a:bodyPr/>
+              <a:lstStyle/>
+              <a:p>
+                <a:pPr>
+                  <a:defRPr/>
+                </a:pPr>
+                <a:r>
+                  <a:rPr lang="en-US"/>
+                  <a:t>Total remaining hr</a:t>
+                </a:r>
+              </a:p>
+            </c:rich>
+          </c:tx>
+          <c:layout/>
+          <c:spPr>
+            <a:noFill/>
+            <a:ln w="25400">
+              <a:noFill/>
+            </a:ln>
+          </c:spPr>
+        </c:title>
+        <c:numFmt formatCode="0.00" sourceLinked="1"/>
+        <c:tickLblPos val="nextTo"/>
+        <c:spPr>
+          <a:ln w="9525">
+            <a:noFill/>
+          </a:ln>
+        </c:spPr>
+        <c:txPr>
+          <a:bodyPr/>
+          <a:lstStyle/>
+          <a:p>
+            <a:pPr>
+              <a:defRPr/>
+            </a:pPr>
+            <a:endParaRPr lang="en-US"/>
+          </a:p>
+        </c:txPr>
+        <c:crossAx val="116890624"/>
+        <c:crosses val="autoZero"/>
+        <c:crossBetween val="between"/>
+      </c:valAx>
+      <c:spPr>
+        <a:solidFill>
+          <a:srgbClr val="FFFFFF"/>
+        </a:solidFill>
+        <a:ln w="25400">
+          <a:noFill/>
+        </a:ln>
+      </c:spPr>
+    </c:plotArea>
+    <c:legend>
+      <c:legendPos val="r"/>
+      <c:layout>
+        <c:manualLayout>
+          <c:xMode val="edge"/>
+          <c:yMode val="edge"/>
+          <c:x val="0.32274203640021698"/>
+          <c:y val="0.16282690960484819"/>
+          <c:w val="0.67480013709640119"/>
+          <c:h val="5.8526850766982677E-2"/>
+        </c:manualLayout>
+      </c:layout>
+      <c:spPr>
+        <a:noFill/>
+        <a:ln w="25400">
+          <a:noFill/>
+        </a:ln>
+      </c:spPr>
+    </c:legend>
+    <c:dispBlanksAs val="gap"/>
+  </c:chart>
+  <c:spPr>
+    <a:solidFill>
+      <a:srgbClr val="FFFFFF"/>
+    </a:solidFill>
+    <a:ln w="3175">
+      <a:solidFill>
+        <a:srgbClr val="808080"/>
+      </a:solidFill>
+      <a:prstDash val="solid"/>
+    </a:ln>
+  </c:spPr>
+  <c:externalData r:id="rId1"/>
+</c:chartSpace>
+</file>
+
+<file path=ppt/charts/chart2.xml><?xml version="1.0" encoding="utf-8"?>
+<c:chartSpace xmlns:c="http://schemas.openxmlformats.org/drawingml/2006/chart" xmlns:a="http://schemas.openxmlformats.org/drawingml/2006/main" xmlns:r="http://schemas.openxmlformats.org/officeDocument/2006/relationships">
+  <c:lang val="en-US"/>
+  <c:chart>
+    <c:title>
+      <c:tx>
+        <c:rich>
+          <a:bodyPr/>
+          <a:lstStyle/>
+          <a:p>
+            <a:pPr>
+              <a:defRPr/>
+            </a:pPr>
+            <a:r>
+              <a:rPr lang="en-US"/>
+              <a:t>Sprint 2 Burndown Chart</a:t>
+            </a:r>
+          </a:p>
+        </c:rich>
+      </c:tx>
+      <c:layout/>
+      <c:spPr>
+        <a:noFill/>
+        <a:ln w="25400">
+          <a:noFill/>
+        </a:ln>
+      </c:spPr>
+    </c:title>
+    <c:plotArea>
+      <c:layout>
+        <c:manualLayout>
+          <c:layoutTarget val="inner"/>
+          <c:xMode val="edge"/>
+          <c:yMode val="edge"/>
+          <c:x val="8.2706842827444768E-2"/>
+          <c:y val="0.17674418604651174"/>
+          <c:w val="0.89661736428843497"/>
+          <c:h val="0.59534883720930254"/>
+        </c:manualLayout>
+      </c:layout>
+      <c:lineChart>
+        <c:grouping val="standard"/>
+        <c:ser>
+          <c:idx val="0"/>
+          <c:order val="0"/>
+          <c:tx>
+            <c:strRef>
+              <c:f>'S2 - Burndown Chart'!$B$3</c:f>
+              <c:strCache>
+                <c:ptCount val="1"/>
+                <c:pt idx="0">
+                  <c:v>Planned remaining (hrs)</c:v>
+                </c:pt>
+              </c:strCache>
+            </c:strRef>
+          </c:tx>
+          <c:spPr>
+            <a:ln w="25400">
+              <a:solidFill>
+                <a:srgbClr val="3366FF"/>
+              </a:solidFill>
+              <a:prstDash val="solid"/>
+            </a:ln>
+          </c:spPr>
+          <c:marker>
+            <c:symbol val="circle"/>
+            <c:size val="5"/>
+            <c:spPr>
+              <a:solidFill>
+                <a:srgbClr val="3366CC"/>
+              </a:solidFill>
+              <a:ln>
+                <a:solidFill>
+                  <a:srgbClr val="3366FF"/>
+                </a:solidFill>
+                <a:prstDash val="solid"/>
+              </a:ln>
+            </c:spPr>
+          </c:marker>
+          <c:cat>
+            <c:numRef>
+              <c:f>'S2 - Burndown Chart'!$A$4:$A$17</c:f>
+              <c:numCache>
+                <c:formatCode>General</c:formatCode>
+                <c:ptCount val="14"/>
+                <c:pt idx="0">
+                  <c:v>1</c:v>
+                </c:pt>
+                <c:pt idx="1">
+                  <c:v>2</c:v>
+                </c:pt>
+                <c:pt idx="2">
+                  <c:v>3</c:v>
+                </c:pt>
+                <c:pt idx="3">
+                  <c:v>4</c:v>
+                </c:pt>
+                <c:pt idx="4">
+                  <c:v>5</c:v>
+                </c:pt>
+                <c:pt idx="5">
+                  <c:v>6</c:v>
+                </c:pt>
+                <c:pt idx="6">
+                  <c:v>7</c:v>
+                </c:pt>
+                <c:pt idx="7">
+                  <c:v>8</c:v>
+                </c:pt>
+                <c:pt idx="8">
+                  <c:v>9</c:v>
+                </c:pt>
+                <c:pt idx="9">
+                  <c:v>10</c:v>
+                </c:pt>
+                <c:pt idx="10">
+                  <c:v>11</c:v>
+                </c:pt>
+                <c:pt idx="11">
+                  <c:v>12</c:v>
+                </c:pt>
+                <c:pt idx="12">
+                  <c:v>13</c:v>
+                </c:pt>
+                <c:pt idx="13">
+                  <c:v>14</c:v>
+                </c:pt>
+              </c:numCache>
+            </c:numRef>
+          </c:cat>
+          <c:val>
+            <c:numRef>
+              <c:f>'S2 - Burndown Chart'!$B$4:$B$17</c:f>
+              <c:numCache>
+                <c:formatCode>General</c:formatCode>
+                <c:ptCount val="14"/>
+                <c:pt idx="0">
+                  <c:v>39</c:v>
+                </c:pt>
+                <c:pt idx="1">
+                  <c:v>36.214285714285715</c:v>
+                </c:pt>
+                <c:pt idx="2">
+                  <c:v>33.428571428571431</c:v>
+                </c:pt>
+                <c:pt idx="3">
+                  <c:v>30.642857142857142</c:v>
+                </c:pt>
+                <c:pt idx="4">
+                  <c:v>27.857142857142858</c:v>
+                </c:pt>
+                <c:pt idx="5">
+                  <c:v>25.071428571428573</c:v>
+                </c:pt>
+                <c:pt idx="6">
+                  <c:v>22.285714285714285</c:v>
+                </c:pt>
+                <c:pt idx="7">
+                  <c:v>19.5</c:v>
+                </c:pt>
+                <c:pt idx="8">
+                  <c:v>16.714285714285715</c:v>
+                </c:pt>
+                <c:pt idx="9">
+                  <c:v>13.928571428571431</c:v>
+                </c:pt>
+                <c:pt idx="10">
+                  <c:v>11.142857142857146</c:v>
+                </c:pt>
+                <c:pt idx="11">
+                  <c:v>8.3571428571428577</c:v>
+                </c:pt>
+                <c:pt idx="12">
+                  <c:v>5.5714285714285694</c:v>
+                </c:pt>
+                <c:pt idx="13">
+                  <c:v>2.7857142857142847</c:v>
+                </c:pt>
+              </c:numCache>
+            </c:numRef>
+          </c:val>
+        </c:ser>
+        <c:ser>
+          <c:idx val="1"/>
+          <c:order val="1"/>
+          <c:tx>
+            <c:strRef>
+              <c:f>'S2 - Burndown Chart'!$C$3</c:f>
+              <c:strCache>
+                <c:ptCount val="1"/>
+                <c:pt idx="0">
+                  <c:v>Actual remaining (hrs)</c:v>
+                </c:pt>
+              </c:strCache>
+            </c:strRef>
+          </c:tx>
+          <c:spPr>
+            <a:ln w="25400">
+              <a:solidFill>
+                <a:srgbClr val="FF6600"/>
+              </a:solidFill>
+              <a:prstDash val="solid"/>
+            </a:ln>
+          </c:spPr>
+          <c:marker>
+            <c:symbol val="circle"/>
+            <c:size val="5"/>
+            <c:spPr>
+              <a:solidFill>
+                <a:srgbClr val="DC3912"/>
+              </a:solidFill>
+              <a:ln>
+                <a:solidFill>
+                  <a:srgbClr val="FF6600"/>
+                </a:solidFill>
+                <a:prstDash val="solid"/>
+              </a:ln>
+            </c:spPr>
+          </c:marker>
+          <c:cat>
+            <c:numRef>
+              <c:f>'S2 - Burndown Chart'!$A$4:$A$17</c:f>
+              <c:numCache>
+                <c:formatCode>General</c:formatCode>
+                <c:ptCount val="14"/>
+                <c:pt idx="0">
+                  <c:v>1</c:v>
+                </c:pt>
+                <c:pt idx="1">
+                  <c:v>2</c:v>
+                </c:pt>
+                <c:pt idx="2">
+                  <c:v>3</c:v>
+                </c:pt>
+                <c:pt idx="3">
+                  <c:v>4</c:v>
+                </c:pt>
+                <c:pt idx="4">
+                  <c:v>5</c:v>
+                </c:pt>
+                <c:pt idx="5">
+                  <c:v>6</c:v>
+                </c:pt>
+                <c:pt idx="6">
+                  <c:v>7</c:v>
+                </c:pt>
+                <c:pt idx="7">
+                  <c:v>8</c:v>
+                </c:pt>
+                <c:pt idx="8">
+                  <c:v>9</c:v>
+                </c:pt>
+                <c:pt idx="9">
+                  <c:v>10</c:v>
+                </c:pt>
+                <c:pt idx="10">
+                  <c:v>11</c:v>
+                </c:pt>
+                <c:pt idx="11">
+                  <c:v>12</c:v>
+                </c:pt>
+                <c:pt idx="12">
+                  <c:v>13</c:v>
+                </c:pt>
+                <c:pt idx="13">
+                  <c:v>14</c:v>
+                </c:pt>
+              </c:numCache>
+            </c:numRef>
+          </c:cat>
+          <c:val>
+            <c:numRef>
+              <c:f>'S2 - Burndown Chart'!$C$4:$C$17</c:f>
+              <c:numCache>
+                <c:formatCode>General</c:formatCode>
+                <c:ptCount val="14"/>
+                <c:pt idx="0">
+                  <c:v>39</c:v>
+                </c:pt>
+                <c:pt idx="1">
+                  <c:v>37</c:v>
+                </c:pt>
+                <c:pt idx="2">
+                  <c:v>33</c:v>
+                </c:pt>
+                <c:pt idx="3">
+                  <c:v>31.5</c:v>
+                </c:pt>
+                <c:pt idx="4">
+                  <c:v>29.5</c:v>
+                </c:pt>
+                <c:pt idx="5">
+                  <c:v>27</c:v>
+                </c:pt>
+                <c:pt idx="6">
+                  <c:v>23</c:v>
+                </c:pt>
+                <c:pt idx="7">
+                  <c:v>19</c:v>
+                </c:pt>
+                <c:pt idx="8">
+                  <c:v>19.5</c:v>
+                </c:pt>
+                <c:pt idx="9">
+                  <c:v>14.5</c:v>
+                </c:pt>
+                <c:pt idx="10">
+                  <c:v>10.5</c:v>
+                </c:pt>
+                <c:pt idx="11">
+                  <c:v>8</c:v>
+                </c:pt>
+                <c:pt idx="12">
+                  <c:v>2</c:v>
+                </c:pt>
+                <c:pt idx="13">
+                  <c:v>0</c:v>
+                </c:pt>
+              </c:numCache>
+            </c:numRef>
+          </c:val>
+        </c:ser>
+        <c:marker val="1"/>
+        <c:axId val="122593664"/>
+        <c:axId val="122596352"/>
+      </c:lineChart>
+      <c:catAx>
+        <c:axId val="122593664"/>
+        <c:scaling>
+          <c:orientation val="minMax"/>
+        </c:scaling>
+        <c:axPos val="b"/>
+        <c:title>
+          <c:tx>
+            <c:rich>
+              <a:bodyPr/>
+              <a:lstStyle/>
+              <a:p>
+                <a:pPr>
+                  <a:defRPr/>
+                </a:pPr>
+                <a:r>
+                  <a:rPr lang="en-US"/>
+                  <a:t>Beginning of day</a:t>
+                </a:r>
+              </a:p>
+            </c:rich>
+          </c:tx>
+          <c:layout/>
+          <c:spPr>
+            <a:noFill/>
+            <a:ln w="25400">
+              <a:noFill/>
+            </a:ln>
+          </c:spPr>
+        </c:title>
+        <c:numFmt formatCode="General" sourceLinked="1"/>
+        <c:tickLblPos val="nextTo"/>
+        <c:spPr>
+          <a:ln w="3175">
+            <a:solidFill>
+              <a:srgbClr val="808080"/>
+            </a:solidFill>
+            <a:prstDash val="solid"/>
+          </a:ln>
+        </c:spPr>
+        <c:txPr>
+          <a:bodyPr/>
+          <a:lstStyle/>
+          <a:p>
+            <a:pPr>
+              <a:defRPr/>
+            </a:pPr>
+            <a:endParaRPr lang="en-US"/>
+          </a:p>
+        </c:txPr>
+        <c:crossAx val="122596352"/>
+        <c:crosses val="autoZero"/>
+        <c:lblAlgn val="ctr"/>
+        <c:lblOffset val="100"/>
+      </c:catAx>
+      <c:valAx>
+        <c:axId val="122596352"/>
+        <c:scaling>
+          <c:orientation val="minMax"/>
+        </c:scaling>
+        <c:axPos val="l"/>
+        <c:majorGridlines>
+          <c:spPr>
+            <a:ln w="3175">
+              <a:solidFill>
+                <a:srgbClr val="808080"/>
+              </a:solidFill>
+              <a:prstDash val="solid"/>
+            </a:ln>
+          </c:spPr>
+        </c:majorGridlines>
+        <c:title>
+          <c:tx>
+            <c:rich>
+              <a:bodyPr/>
+              <a:lstStyle/>
+              <a:p>
+                <a:pPr>
+                  <a:defRPr/>
+                </a:pPr>
+                <a:r>
+                  <a:rPr lang="en-US"/>
+                  <a:t>Total remaining hr</a:t>
+                </a:r>
+              </a:p>
+            </c:rich>
+          </c:tx>
+          <c:layout/>
+          <c:spPr>
+            <a:noFill/>
+            <a:ln w="25400">
+              <a:noFill/>
+            </a:ln>
+          </c:spPr>
+        </c:title>
+        <c:numFmt formatCode="General" sourceLinked="1"/>
+        <c:tickLblPos val="nextTo"/>
+        <c:spPr>
+          <a:ln w="9525">
+            <a:noFill/>
+          </a:ln>
+        </c:spPr>
+        <c:txPr>
+          <a:bodyPr/>
+          <a:lstStyle/>
+          <a:p>
+            <a:pPr>
+              <a:defRPr/>
+            </a:pPr>
+            <a:endParaRPr lang="en-US"/>
+          </a:p>
+        </c:txPr>
+        <c:crossAx val="122593664"/>
+        <c:crosses val="autoZero"/>
+        <c:crossBetween val="between"/>
+      </c:valAx>
+      <c:spPr>
+        <a:solidFill>
+          <a:srgbClr val="FFFFFF"/>
+        </a:solidFill>
+        <a:ln w="25400">
+          <a:noFill/>
+        </a:ln>
+      </c:spPr>
+    </c:plotArea>
+    <c:legend>
+      <c:legendPos val="r"/>
+      <c:layout>
+        <c:manualLayout>
+          <c:xMode val="edge"/>
+          <c:yMode val="edge"/>
+          <c:x val="0.2936936936936938"/>
+          <c:y val="0.18035428177637527"/>
+          <c:w val="0.6705068989528169"/>
+          <c:h val="5.2135193525473911E-2"/>
+        </c:manualLayout>
+      </c:layout>
+    </c:legend>
+    <c:dispBlanksAs val="gap"/>
+  </c:chart>
+  <c:spPr>
+    <a:solidFill>
+      <a:srgbClr val="FFFFFF"/>
+    </a:solidFill>
+    <a:ln w="3175">
+      <a:solidFill>
+        <a:srgbClr val="808080"/>
+      </a:solidFill>
+      <a:prstDash val="solid"/>
+    </a:ln>
+  </c:spPr>
+  <c:externalData r:id="rId1"/>
+</c:chartSpace>
+</file>
+
 <file path=ppt/notesMasters/notesMaster1.xml><?xml version="1.0" encoding="utf-8"?>
 <p:notesMaster xmlns:a="http://schemas.openxmlformats.org/drawingml/2006/main" xmlns:r="http://schemas.openxmlformats.org/officeDocument/2006/relationships" xmlns:p="http://schemas.openxmlformats.org/presentationml/2006/main">
   <p:cSld>
@@ -168,7 +1220,7 @@
             </a:lvl1pPr>
           </a:lstStyle>
           <a:p>
-            <a:endParaRPr lang="en-US"/>
+            <a:endParaRPr lang="en-US" dirty="0"/>
           </a:p>
         </p:txBody>
       </p:sp>
@@ -202,9 +1254,9 @@
             <a:fld id="{12CDBA90-CDB2-9846-BC3C-C942DFE4778C}" type="datetimeFigureOut">
               <a:rPr lang="en-US" smtClean="0"/>
               <a:pPr/>
-              <a:t>11/24/12</a:t>
+              <a:t>11/25/2012</a:t>
             </a:fld>
-            <a:endParaRPr lang="en-US"/>
+            <a:endParaRPr lang="en-US" dirty="0"/>
           </a:p>
         </p:txBody>
       </p:sp>
@@ -237,7 +1289,7 @@
           <a:bodyPr vert="horz" lIns="91440" tIns="45720" rIns="91440" bIns="45720" rtlCol="0" anchor="ctr"/>
           <a:lstStyle/>
           <a:p>
-            <a:endParaRPr lang="en-US"/>
+            <a:endParaRPr lang="en-US" dirty="0"/>
           </a:p>
         </p:txBody>
       </p:sp>
@@ -328,7 +1380,7 @@
             </a:lvl1pPr>
           </a:lstStyle>
           <a:p>
-            <a:endParaRPr lang="en-US"/>
+            <a:endParaRPr lang="en-US" dirty="0"/>
           </a:p>
         </p:txBody>
       </p:sp>
@@ -364,14 +1416,14 @@
               <a:pPr/>
               <a:t>‹#›</a:t>
             </a:fld>
-            <a:endParaRPr lang="en-US"/>
+            <a:endParaRPr lang="en-US" dirty="0"/>
           </a:p>
         </p:txBody>
       </p:sp>
     </p:spTree>
     <p:extLst>
       <p:ext uri="{BB962C8B-B14F-4D97-AF65-F5344CB8AC3E}">
-        <p14:creationId xmlns:p14="http://schemas.microsoft.com/office/powerpoint/2010/main" val="2212999972"/>
+        <p14:creationId xmlns="" xmlns:p14="http://schemas.microsoft.com/office/powerpoint/2010/main" val="2212999972"/>
       </p:ext>
     </p:extLst>
   </p:cSld>
@@ -653,14 +1705,14 @@
               <a:pPr/>
               <a:t>3</a:t>
             </a:fld>
-            <a:endParaRPr lang="en-US"/>
+            <a:endParaRPr lang="en-US" dirty="0"/>
           </a:p>
         </p:txBody>
       </p:sp>
     </p:spTree>
     <p:extLst>
       <p:ext uri="{BB962C8B-B14F-4D97-AF65-F5344CB8AC3E}">
-        <p14:creationId xmlns:p14="http://schemas.microsoft.com/office/powerpoint/2010/main" val="385254405"/>
+        <p14:creationId xmlns="" xmlns:p14="http://schemas.microsoft.com/office/powerpoint/2010/main" val="385254405"/>
       </p:ext>
     </p:extLst>
   </p:cSld>
@@ -744,7 +1796,7 @@
               <a:pPr/>
               <a:t>4</a:t>
             </a:fld>
-            <a:endParaRPr lang="en-US"/>
+            <a:endParaRPr lang="en-US" dirty="0"/>
           </a:p>
         </p:txBody>
       </p:sp>
@@ -830,7 +1882,7 @@
               <a:pPr/>
               <a:t>5</a:t>
             </a:fld>
-            <a:endParaRPr lang="en-US"/>
+            <a:endParaRPr lang="en-US" dirty="0"/>
           </a:p>
         </p:txBody>
       </p:sp>
@@ -916,7 +1968,7 @@
               <a:pPr/>
               <a:t>6</a:t>
             </a:fld>
-            <a:endParaRPr lang="en-US"/>
+            <a:endParaRPr lang="en-US" dirty="0"/>
           </a:p>
         </p:txBody>
       </p:sp>
@@ -1002,7 +2054,7 @@
               <a:pPr/>
               <a:t>7</a:t>
             </a:fld>
-            <a:endParaRPr lang="en-US"/>
+            <a:endParaRPr lang="en-US" dirty="0"/>
           </a:p>
         </p:txBody>
       </p:sp>
@@ -1088,7 +2140,7 @@
               <a:pPr/>
               <a:t>8</a:t>
             </a:fld>
-            <a:endParaRPr lang="en-US"/>
+            <a:endParaRPr lang="en-US" dirty="0"/>
           </a:p>
         </p:txBody>
       </p:sp>
@@ -1174,7 +2226,7 @@
               <a:pPr/>
               <a:t>9</a:t>
             </a:fld>
-            <a:endParaRPr lang="en-US"/>
+            <a:endParaRPr lang="en-US" dirty="0"/>
           </a:p>
         </p:txBody>
       </p:sp>
@@ -1250,11 +2302,7 @@
           <a:p>
             <a:r>
               <a:rPr lang="en-US" baseline="0" dirty="0" smtClean="0"/>
-              <a:t>Technical </a:t>
-            </a:r>
-            <a:r>
-              <a:rPr lang="en-US" baseline="0" smtClean="0"/>
-              <a:t>- Poornima</a:t>
+              <a:t>Technical - Poornima</a:t>
             </a:r>
             <a:endParaRPr lang="en-US" dirty="0" smtClean="0"/>
           </a:p>
@@ -1280,7 +2328,7 @@
               <a:pPr/>
               <a:t>10</a:t>
             </a:fld>
-            <a:endParaRPr lang="en-US"/>
+            <a:endParaRPr lang="en-US" dirty="0"/>
           </a:p>
         </p:txBody>
       </p:sp>
@@ -1348,7 +2396,7 @@
           <a:lstStyle/>
           <a:p>
             <a:pPr algn="ctr"/>
-            <a:endParaRPr/>
+            <a:endParaRPr dirty="0"/>
           </a:p>
         </p:txBody>
       </p:sp>
@@ -1391,7 +2439,7 @@
           <a:lstStyle/>
           <a:p>
             <a:pPr algn="ctr"/>
-            <a:endParaRPr/>
+            <a:endParaRPr dirty="0"/>
           </a:p>
         </p:txBody>
       </p:sp>
@@ -1604,9 +2652,9 @@
             <a:fld id="{B1A24CD3-204F-4468-8EE4-28A6668D006A}" type="datetimeFigureOut">
               <a:rPr lang="en-US" smtClean="0"/>
               <a:pPr/>
-              <a:t>11/24/12</a:t>
+              <a:t>11/25/2012</a:t>
             </a:fld>
-            <a:endParaRPr lang="en-US"/>
+            <a:endParaRPr lang="en-US" dirty="0"/>
           </a:p>
         </p:txBody>
       </p:sp>
@@ -1644,7 +2692,7 @@
             </a:lvl1pPr>
           </a:lstStyle>
           <a:p>
-            <a:endParaRPr lang="en-US"/>
+            <a:endParaRPr lang="en-US" dirty="0"/>
           </a:p>
         </p:txBody>
       </p:sp>
@@ -1687,7 +2735,7 @@
               <a:pPr/>
               <a:t>‹#›</a:t>
             </a:fld>
-            <a:endParaRPr lang="en-US"/>
+            <a:endParaRPr lang="en-US" dirty="0"/>
           </a:p>
         </p:txBody>
       </p:sp>
@@ -1755,7 +2803,7 @@
           <a:lstStyle/>
           <a:p>
             <a:pPr algn="ctr"/>
-            <a:endParaRPr/>
+            <a:endParaRPr dirty="0"/>
           </a:p>
         </p:txBody>
       </p:sp>
@@ -1892,9 +2940,9 @@
             <a:fld id="{B1A24CD3-204F-4468-8EE4-28A6668D006A}" type="datetimeFigureOut">
               <a:rPr lang="en-US" smtClean="0"/>
               <a:pPr/>
-              <a:t>11/24/12</a:t>
+              <a:t>11/25/2012</a:t>
             </a:fld>
-            <a:endParaRPr lang="en-US"/>
+            <a:endParaRPr lang="en-US" dirty="0"/>
           </a:p>
         </p:txBody>
       </p:sp>
@@ -1913,7 +2961,7 @@
           <a:bodyPr/>
           <a:lstStyle/>
           <a:p>
-            <a:endParaRPr lang="en-US"/>
+            <a:endParaRPr lang="en-US" dirty="0"/>
           </a:p>
         </p:txBody>
       </p:sp>
@@ -1937,7 +2985,7 @@
               <a:pPr/>
               <a:t>‹#›</a:t>
             </a:fld>
-            <a:endParaRPr lang="en-US"/>
+            <a:endParaRPr lang="en-US" dirty="0"/>
           </a:p>
         </p:txBody>
       </p:sp>
@@ -2179,7 +3227,7 @@
           <a:lstStyle/>
           <a:p>
             <a:pPr algn="ctr"/>
-            <a:endParaRPr/>
+            <a:endParaRPr dirty="0"/>
           </a:p>
         </p:txBody>
       </p:sp>
@@ -2316,9 +3364,9 @@
             <a:fld id="{B1A24CD3-204F-4468-8EE4-28A6668D006A}" type="datetimeFigureOut">
               <a:rPr lang="en-US" smtClean="0"/>
               <a:pPr/>
-              <a:t>11/24/12</a:t>
+              <a:t>11/25/2012</a:t>
             </a:fld>
-            <a:endParaRPr lang="en-US"/>
+            <a:endParaRPr lang="en-US" dirty="0"/>
           </a:p>
         </p:txBody>
       </p:sp>
@@ -2337,7 +3385,7 @@
           <a:bodyPr/>
           <a:lstStyle/>
           <a:p>
-            <a:endParaRPr lang="en-US"/>
+            <a:endParaRPr lang="en-US" dirty="0"/>
           </a:p>
         </p:txBody>
       </p:sp>
@@ -2361,7 +3409,7 @@
               <a:pPr/>
               <a:t>‹#›</a:t>
             </a:fld>
-            <a:endParaRPr lang="en-US"/>
+            <a:endParaRPr lang="en-US" dirty="0"/>
           </a:p>
         </p:txBody>
       </p:sp>
@@ -2690,7 +3738,7 @@
           <a:lstStyle/>
           <a:p>
             <a:pPr algn="ctr"/>
-            <a:endParaRPr/>
+            <a:endParaRPr dirty="0"/>
           </a:p>
         </p:txBody>
       </p:sp>
@@ -2735,9 +3783,9 @@
             <a:fld id="{B1A24CD3-204F-4468-8EE4-28A6668D006A}" type="datetimeFigureOut">
               <a:rPr lang="en-US" smtClean="0"/>
               <a:pPr/>
-              <a:t>11/24/12</a:t>
+              <a:t>11/25/2012</a:t>
             </a:fld>
-            <a:endParaRPr lang="en-US"/>
+            <a:endParaRPr lang="en-US" dirty="0"/>
           </a:p>
         </p:txBody>
       </p:sp>
@@ -2756,7 +3804,7 @@
           <a:bodyPr/>
           <a:lstStyle/>
           <a:p>
-            <a:endParaRPr lang="en-US"/>
+            <a:endParaRPr lang="en-US" dirty="0"/>
           </a:p>
         </p:txBody>
       </p:sp>
@@ -2780,7 +3828,7 @@
               <a:pPr/>
               <a:t>‹#›</a:t>
             </a:fld>
-            <a:endParaRPr lang="en-US"/>
+            <a:endParaRPr lang="en-US" dirty="0"/>
           </a:p>
         </p:txBody>
       </p:sp>
@@ -2848,7 +3896,7 @@
           <a:lstStyle/>
           <a:p>
             <a:pPr algn="ctr"/>
-            <a:endParaRPr/>
+            <a:endParaRPr dirty="0"/>
           </a:p>
         </p:txBody>
       </p:sp>
@@ -2870,9 +3918,9 @@
             <a:fld id="{B1A24CD3-204F-4468-8EE4-28A6668D006A}" type="datetimeFigureOut">
               <a:rPr lang="en-US" smtClean="0"/>
               <a:pPr/>
-              <a:t>11/24/12</a:t>
+              <a:t>11/25/2012</a:t>
             </a:fld>
-            <a:endParaRPr lang="en-US"/>
+            <a:endParaRPr lang="en-US" dirty="0"/>
           </a:p>
         </p:txBody>
       </p:sp>
@@ -2891,7 +3939,7 @@
           <a:bodyPr/>
           <a:lstStyle/>
           <a:p>
-            <a:endParaRPr lang="en-US"/>
+            <a:endParaRPr lang="en-US" dirty="0"/>
           </a:p>
         </p:txBody>
       </p:sp>
@@ -2915,7 +3963,7 @@
               <a:pPr/>
               <a:t>‹#›</a:t>
             </a:fld>
-            <a:endParaRPr lang="en-US"/>
+            <a:endParaRPr lang="en-US" dirty="0"/>
           </a:p>
         </p:txBody>
       </p:sp>
@@ -2983,7 +4031,7 @@
           <a:lstStyle/>
           <a:p>
             <a:pPr algn="ctr"/>
-            <a:endParaRPr/>
+            <a:endParaRPr dirty="0"/>
           </a:p>
         </p:txBody>
       </p:sp>
@@ -3194,9 +4242,9 @@
             <a:fld id="{B1A24CD3-204F-4468-8EE4-28A6668D006A}" type="datetimeFigureOut">
               <a:rPr lang="en-US" smtClean="0"/>
               <a:pPr/>
-              <a:t>11/24/12</a:t>
+              <a:t>11/25/2012</a:t>
             </a:fld>
-            <a:endParaRPr lang="en-US"/>
+            <a:endParaRPr lang="en-US" dirty="0"/>
           </a:p>
         </p:txBody>
       </p:sp>
@@ -3215,7 +4263,7 @@
           <a:bodyPr/>
           <a:lstStyle/>
           <a:p>
-            <a:endParaRPr lang="en-US"/>
+            <a:endParaRPr lang="en-US" dirty="0"/>
           </a:p>
         </p:txBody>
       </p:sp>
@@ -3239,7 +4287,7 @@
               <a:pPr/>
               <a:t>‹#›</a:t>
             </a:fld>
-            <a:endParaRPr lang="en-US"/>
+            <a:endParaRPr lang="en-US" dirty="0"/>
           </a:p>
         </p:txBody>
       </p:sp>
@@ -3307,7 +4355,7 @@
           <a:lstStyle/>
           <a:p>
             <a:pPr algn="ctr"/>
-            <a:endParaRPr/>
+            <a:endParaRPr dirty="0"/>
           </a:p>
         </p:txBody>
       </p:sp>
@@ -3440,9 +4488,9 @@
             <a:fld id="{B1A24CD3-204F-4468-8EE4-28A6668D006A}" type="datetimeFigureOut">
               <a:rPr lang="en-US" smtClean="0"/>
               <a:pPr/>
-              <a:t>11/24/12</a:t>
+              <a:t>11/25/2012</a:t>
             </a:fld>
-            <a:endParaRPr lang="en-US"/>
+            <a:endParaRPr lang="en-US" dirty="0"/>
           </a:p>
         </p:txBody>
       </p:sp>
@@ -3466,7 +4514,7 @@
           <a:bodyPr/>
           <a:lstStyle/>
           <a:p>
-            <a:endParaRPr lang="en-US"/>
+            <a:endParaRPr lang="en-US" dirty="0"/>
           </a:p>
         </p:txBody>
       </p:sp>
@@ -3490,7 +4538,7 @@
               <a:pPr/>
               <a:t>‹#›</a:t>
             </a:fld>
-            <a:endParaRPr lang="en-US"/>
+            <a:endParaRPr lang="en-US" dirty="0"/>
           </a:p>
         </p:txBody>
       </p:sp>
@@ -3520,10 +4568,10 @@
           </a:lstStyle>
           <a:p>
             <a:r>
-              <a:rPr lang="en-US" smtClean="0"/>
+              <a:rPr lang="en-US" dirty="0" smtClean="0"/>
               <a:t>Drag picture to placeholder or click icon to add</a:t>
             </a:r>
-            <a:endParaRPr/>
+            <a:endParaRPr dirty="0"/>
           </a:p>
         </p:txBody>
       </p:sp>
@@ -3591,7 +4639,7 @@
           <a:lstStyle/>
           <a:p>
             <a:pPr algn="ctr"/>
-            <a:endParaRPr/>
+            <a:endParaRPr dirty="0"/>
           </a:p>
         </p:txBody>
       </p:sp>
@@ -3685,10 +4733,10 @@
           </a:lstStyle>
           <a:p>
             <a:r>
-              <a:rPr lang="en-US" smtClean="0"/>
+              <a:rPr lang="en-US" dirty="0" smtClean="0"/>
               <a:t>Drag picture to placeholder or click icon to add</a:t>
             </a:r>
-            <a:endParaRPr/>
+            <a:endParaRPr dirty="0"/>
           </a:p>
         </p:txBody>
       </p:sp>
@@ -3780,9 +4828,9 @@
             <a:fld id="{B1A24CD3-204F-4468-8EE4-28A6668D006A}" type="datetimeFigureOut">
               <a:rPr lang="en-US" smtClean="0"/>
               <a:pPr/>
-              <a:t>11/24/12</a:t>
+              <a:t>11/25/2012</a:t>
             </a:fld>
-            <a:endParaRPr lang="en-US"/>
+            <a:endParaRPr lang="en-US" dirty="0"/>
           </a:p>
         </p:txBody>
       </p:sp>
@@ -3801,7 +4849,7 @@
           <a:bodyPr/>
           <a:lstStyle/>
           <a:p>
-            <a:endParaRPr lang="en-US"/>
+            <a:endParaRPr lang="en-US" dirty="0"/>
           </a:p>
         </p:txBody>
       </p:sp>
@@ -3825,7 +4873,7 @@
               <a:pPr/>
               <a:t>‹#›</a:t>
             </a:fld>
-            <a:endParaRPr lang="en-US"/>
+            <a:endParaRPr lang="en-US" dirty="0"/>
           </a:p>
         </p:txBody>
       </p:sp>
@@ -3893,7 +4941,7 @@
           <a:lstStyle/>
           <a:p>
             <a:pPr algn="ctr"/>
-            <a:endParaRPr/>
+            <a:endParaRPr dirty="0"/>
           </a:p>
         </p:txBody>
       </p:sp>
@@ -3987,10 +5035,10 @@
           </a:lstStyle>
           <a:p>
             <a:r>
-              <a:rPr lang="en-US" smtClean="0"/>
+              <a:rPr lang="en-US" dirty="0" smtClean="0"/>
               <a:t>Drag picture to placeholder or click icon to add</a:t>
             </a:r>
-            <a:endParaRPr/>
+            <a:endParaRPr dirty="0"/>
           </a:p>
         </p:txBody>
       </p:sp>
@@ -4082,9 +5130,9 @@
             <a:fld id="{B1A24CD3-204F-4468-8EE4-28A6668D006A}" type="datetimeFigureOut">
               <a:rPr lang="en-US" smtClean="0"/>
               <a:pPr/>
-              <a:t>11/24/12</a:t>
+              <a:t>11/25/2012</a:t>
             </a:fld>
-            <a:endParaRPr lang="en-US"/>
+            <a:endParaRPr lang="en-US" dirty="0"/>
           </a:p>
         </p:txBody>
       </p:sp>
@@ -4103,7 +5151,7 @@
           <a:bodyPr/>
           <a:lstStyle/>
           <a:p>
-            <a:endParaRPr lang="en-US"/>
+            <a:endParaRPr lang="en-US" dirty="0"/>
           </a:p>
         </p:txBody>
       </p:sp>
@@ -4127,7 +5175,7 @@
               <a:pPr/>
               <a:t>‹#›</a:t>
             </a:fld>
-            <a:endParaRPr lang="en-US"/>
+            <a:endParaRPr lang="en-US" dirty="0"/>
           </a:p>
         </p:txBody>
       </p:sp>
@@ -4189,10 +5237,10 @@
           </a:lstStyle>
           <a:p>
             <a:r>
-              <a:rPr lang="en-US" smtClean="0"/>
+              <a:rPr lang="en-US" dirty="0" smtClean="0"/>
               <a:t>Drag picture to placeholder or click icon to add</a:t>
             </a:r>
-            <a:endParaRPr/>
+            <a:endParaRPr dirty="0"/>
           </a:p>
         </p:txBody>
       </p:sp>
@@ -4254,10 +5302,10 @@
           </a:lstStyle>
           <a:p>
             <a:r>
-              <a:rPr lang="en-US" smtClean="0"/>
+              <a:rPr lang="en-US" dirty="0" smtClean="0"/>
               <a:t>Drag picture to placeholder or click icon to add</a:t>
             </a:r>
-            <a:endParaRPr/>
+            <a:endParaRPr dirty="0"/>
           </a:p>
         </p:txBody>
       </p:sp>
@@ -4319,10 +5367,10 @@
           </a:lstStyle>
           <a:p>
             <a:r>
-              <a:rPr lang="en-US" smtClean="0"/>
+              <a:rPr lang="en-US" dirty="0" smtClean="0"/>
               <a:t>Drag picture to placeholder or click icon to add</a:t>
             </a:r>
-            <a:endParaRPr/>
+            <a:endParaRPr dirty="0"/>
           </a:p>
         </p:txBody>
       </p:sp>
@@ -4390,7 +5438,7 @@
           <a:lstStyle/>
           <a:p>
             <a:pPr algn="ctr"/>
-            <a:endParaRPr/>
+            <a:endParaRPr dirty="0"/>
           </a:p>
         </p:txBody>
       </p:sp>
@@ -4491,9 +5539,9 @@
             <a:fld id="{B1A24CD3-204F-4468-8EE4-28A6668D006A}" type="datetimeFigureOut">
               <a:rPr lang="en-US" smtClean="0"/>
               <a:pPr/>
-              <a:t>11/24/12</a:t>
+              <a:t>11/25/2012</a:t>
             </a:fld>
-            <a:endParaRPr lang="en-US"/>
+            <a:endParaRPr lang="en-US" dirty="0"/>
           </a:p>
         </p:txBody>
       </p:sp>
@@ -4512,7 +5560,7 @@
           <a:bodyPr/>
           <a:lstStyle/>
           <a:p>
-            <a:endParaRPr lang="en-US"/>
+            <a:endParaRPr lang="en-US" dirty="0"/>
           </a:p>
         </p:txBody>
       </p:sp>
@@ -4536,7 +5584,7 @@
               <a:pPr/>
               <a:t>‹#›</a:t>
             </a:fld>
-            <a:endParaRPr lang="en-US"/>
+            <a:endParaRPr lang="en-US" dirty="0"/>
           </a:p>
         </p:txBody>
       </p:sp>
@@ -4604,7 +5652,7 @@
           <a:lstStyle/>
           <a:p>
             <a:pPr algn="ctr"/>
-            <a:endParaRPr/>
+            <a:endParaRPr dirty="0"/>
           </a:p>
         </p:txBody>
       </p:sp>
@@ -4715,9 +5763,9 @@
             <a:fld id="{B1A24CD3-204F-4468-8EE4-28A6668D006A}" type="datetimeFigureOut">
               <a:rPr lang="en-US" smtClean="0"/>
               <a:pPr/>
-              <a:t>11/24/12</a:t>
+              <a:t>11/25/2012</a:t>
             </a:fld>
-            <a:endParaRPr lang="en-US"/>
+            <a:endParaRPr lang="en-US" dirty="0"/>
           </a:p>
         </p:txBody>
       </p:sp>
@@ -4736,7 +5784,7 @@
           <a:bodyPr/>
           <a:lstStyle/>
           <a:p>
-            <a:endParaRPr lang="en-US"/>
+            <a:endParaRPr lang="en-US" dirty="0"/>
           </a:p>
         </p:txBody>
       </p:sp>
@@ -4760,7 +5808,7 @@
               <a:pPr/>
               <a:t>‹#›</a:t>
             </a:fld>
-            <a:endParaRPr lang="en-US"/>
+            <a:endParaRPr lang="en-US" dirty="0"/>
           </a:p>
         </p:txBody>
       </p:sp>
@@ -4828,7 +5876,7 @@
           <a:lstStyle/>
           <a:p>
             <a:pPr algn="ctr"/>
-            <a:endParaRPr/>
+            <a:endParaRPr dirty="0"/>
           </a:p>
         </p:txBody>
       </p:sp>
@@ -4934,9 +5982,9 @@
             <a:fld id="{B1A24CD3-204F-4468-8EE4-28A6668D006A}" type="datetimeFigureOut">
               <a:rPr lang="en-US" smtClean="0"/>
               <a:pPr/>
-              <a:t>11/24/12</a:t>
+              <a:t>11/25/2012</a:t>
             </a:fld>
-            <a:endParaRPr lang="en-US"/>
+            <a:endParaRPr lang="en-US" dirty="0"/>
           </a:p>
         </p:txBody>
       </p:sp>
@@ -4955,7 +6003,7 @@
           <a:bodyPr/>
           <a:lstStyle/>
           <a:p>
-            <a:endParaRPr lang="en-US"/>
+            <a:endParaRPr lang="en-US" dirty="0"/>
           </a:p>
         </p:txBody>
       </p:sp>
@@ -4979,7 +6027,7 @@
               <a:pPr/>
               <a:t>‹#›</a:t>
             </a:fld>
-            <a:endParaRPr lang="en-US"/>
+            <a:endParaRPr lang="en-US" dirty="0"/>
           </a:p>
         </p:txBody>
       </p:sp>
@@ -5047,7 +6095,7 @@
           <a:lstStyle/>
           <a:p>
             <a:pPr algn="ctr"/>
-            <a:endParaRPr/>
+            <a:endParaRPr dirty="0"/>
           </a:p>
         </p:txBody>
       </p:sp>
@@ -5241,9 +6289,9 @@
             <a:fld id="{B1A24CD3-204F-4468-8EE4-28A6668D006A}" type="datetimeFigureOut">
               <a:rPr lang="en-US" smtClean="0"/>
               <a:pPr/>
-              <a:t>11/24/12</a:t>
+              <a:t>11/25/2012</a:t>
             </a:fld>
-            <a:endParaRPr lang="en-US"/>
+            <a:endParaRPr lang="en-US" dirty="0"/>
           </a:p>
         </p:txBody>
       </p:sp>
@@ -5267,7 +6315,7 @@
           <a:bodyPr/>
           <a:lstStyle/>
           <a:p>
-            <a:endParaRPr lang="en-US"/>
+            <a:endParaRPr lang="en-US" dirty="0"/>
           </a:p>
         </p:txBody>
       </p:sp>
@@ -5310,7 +6358,7 @@
               <a:pPr/>
               <a:t>‹#›</a:t>
             </a:fld>
-            <a:endParaRPr lang="en-US"/>
+            <a:endParaRPr lang="en-US" dirty="0"/>
           </a:p>
         </p:txBody>
       </p:sp>
@@ -5340,10 +6388,10 @@
           </a:lstStyle>
           <a:p>
             <a:r>
-              <a:rPr lang="en-US" smtClean="0"/>
+              <a:rPr lang="en-US" dirty="0" smtClean="0"/>
               <a:t>Drag picture to placeholder or click icon to add</a:t>
             </a:r>
-            <a:endParaRPr/>
+            <a:endParaRPr dirty="0"/>
           </a:p>
         </p:txBody>
       </p:sp>
@@ -5386,7 +6434,7 @@
           <a:lstStyle/>
           <a:p>
             <a:pPr algn="ctr"/>
-            <a:endParaRPr/>
+            <a:endParaRPr dirty="0"/>
           </a:p>
         </p:txBody>
       </p:sp>
@@ -5454,7 +6502,7 @@
           <a:lstStyle/>
           <a:p>
             <a:pPr algn="ctr"/>
-            <a:endParaRPr/>
+            <a:endParaRPr dirty="0"/>
           </a:p>
         </p:txBody>
       </p:sp>
@@ -5570,9 +6618,9 @@
             <a:fld id="{B1A24CD3-204F-4468-8EE4-28A6668D006A}" type="datetimeFigureOut">
               <a:rPr lang="en-US" smtClean="0"/>
               <a:pPr/>
-              <a:t>11/24/12</a:t>
+              <a:t>11/25/2012</a:t>
             </a:fld>
-            <a:endParaRPr lang="en-US"/>
+            <a:endParaRPr lang="en-US" dirty="0"/>
           </a:p>
         </p:txBody>
       </p:sp>
@@ -5596,7 +6644,7 @@
           <a:bodyPr/>
           <a:lstStyle/>
           <a:p>
-            <a:endParaRPr lang="en-US"/>
+            <a:endParaRPr lang="en-US" dirty="0"/>
           </a:p>
         </p:txBody>
       </p:sp>
@@ -5625,7 +6673,7 @@
               <a:pPr/>
               <a:t>‹#›</a:t>
             </a:fld>
-            <a:endParaRPr lang="en-US"/>
+            <a:endParaRPr lang="en-US" dirty="0"/>
           </a:p>
         </p:txBody>
       </p:sp>
@@ -5655,10 +6703,10 @@
           </a:lstStyle>
           <a:p>
             <a:r>
-              <a:rPr lang="en-US" smtClean="0"/>
+              <a:rPr lang="en-US" dirty="0" smtClean="0"/>
               <a:t>Drag picture to placeholder or click icon to add</a:t>
             </a:r>
-            <a:endParaRPr/>
+            <a:endParaRPr dirty="0"/>
           </a:p>
         </p:txBody>
       </p:sp>
@@ -5726,7 +6774,7 @@
           <a:lstStyle/>
           <a:p>
             <a:pPr algn="ctr"/>
-            <a:endParaRPr/>
+            <a:endParaRPr dirty="0"/>
           </a:p>
         </p:txBody>
       </p:sp>
@@ -5907,9 +6955,9 @@
             <a:fld id="{B1A24CD3-204F-4468-8EE4-28A6668D006A}" type="datetimeFigureOut">
               <a:rPr lang="en-US" smtClean="0"/>
               <a:pPr/>
-              <a:t>11/24/12</a:t>
+              <a:t>11/25/2012</a:t>
             </a:fld>
-            <a:endParaRPr lang="en-US"/>
+            <a:endParaRPr lang="en-US" dirty="0"/>
           </a:p>
         </p:txBody>
       </p:sp>
@@ -5933,7 +6981,7 @@
           <a:bodyPr/>
           <a:lstStyle/>
           <a:p>
-            <a:endParaRPr lang="en-US"/>
+            <a:endParaRPr lang="en-US" dirty="0"/>
           </a:p>
         </p:txBody>
       </p:sp>
@@ -5957,7 +7005,7 @@
               <a:pPr/>
               <a:t>‹#›</a:t>
             </a:fld>
-            <a:endParaRPr lang="en-US"/>
+            <a:endParaRPr lang="en-US" dirty="0"/>
           </a:p>
         </p:txBody>
       </p:sp>
@@ -6025,7 +7073,7 @@
           <a:lstStyle/>
           <a:p>
             <a:pPr algn="ctr"/>
-            <a:endParaRPr/>
+            <a:endParaRPr dirty="0"/>
           </a:p>
         </p:txBody>
       </p:sp>
@@ -6208,7 +7256,7 @@
               <a:pPr/>
               <a:t>‹#›</a:t>
             </a:fld>
-            <a:endParaRPr lang="en-US"/>
+            <a:endParaRPr lang="en-US" dirty="0"/>
           </a:p>
         </p:txBody>
       </p:sp>
@@ -6238,10 +7286,10 @@
           </a:lstStyle>
           <a:p>
             <a:r>
-              <a:rPr lang="en-US" smtClean="0"/>
+              <a:rPr lang="en-US" dirty="0" smtClean="0"/>
               <a:t>Drag picture to placeholder or click icon to add</a:t>
             </a:r>
-            <a:endParaRPr/>
+            <a:endParaRPr dirty="0"/>
           </a:p>
         </p:txBody>
       </p:sp>
@@ -6309,7 +7357,7 @@
           <a:lstStyle/>
           <a:p>
             <a:pPr algn="ctr"/>
-            <a:endParaRPr/>
+            <a:endParaRPr dirty="0"/>
           </a:p>
         </p:txBody>
       </p:sp>
@@ -6533,9 +7581,9 @@
             <a:fld id="{B1A24CD3-204F-4468-8EE4-28A6668D006A}" type="datetimeFigureOut">
               <a:rPr lang="en-US" smtClean="0"/>
               <a:pPr/>
-              <a:t>11/24/12</a:t>
+              <a:t>11/25/2012</a:t>
             </a:fld>
-            <a:endParaRPr lang="en-US"/>
+            <a:endParaRPr lang="en-US" dirty="0"/>
           </a:p>
         </p:txBody>
       </p:sp>
@@ -6554,7 +7602,7 @@
           <a:bodyPr/>
           <a:lstStyle/>
           <a:p>
-            <a:endParaRPr lang="en-US"/>
+            <a:endParaRPr lang="en-US" dirty="0"/>
           </a:p>
         </p:txBody>
       </p:sp>
@@ -6578,7 +7626,7 @@
               <a:pPr/>
               <a:t>‹#›</a:t>
             </a:fld>
-            <a:endParaRPr lang="en-US"/>
+            <a:endParaRPr lang="en-US" dirty="0"/>
           </a:p>
         </p:txBody>
       </p:sp>
@@ -6646,7 +7694,7 @@
           <a:lstStyle/>
           <a:p>
             <a:pPr algn="ctr"/>
-            <a:endParaRPr/>
+            <a:endParaRPr dirty="0"/>
           </a:p>
         </p:txBody>
       </p:sp>
@@ -7022,9 +8070,9 @@
             <a:fld id="{B1A24CD3-204F-4468-8EE4-28A6668D006A}" type="datetimeFigureOut">
               <a:rPr lang="en-US" smtClean="0"/>
               <a:pPr/>
-              <a:t>11/24/12</a:t>
+              <a:t>11/25/2012</a:t>
             </a:fld>
-            <a:endParaRPr lang="en-US"/>
+            <a:endParaRPr lang="en-US" dirty="0"/>
           </a:p>
         </p:txBody>
       </p:sp>
@@ -7043,7 +8091,7 @@
           <a:bodyPr/>
           <a:lstStyle/>
           <a:p>
-            <a:endParaRPr lang="en-US"/>
+            <a:endParaRPr lang="en-US" dirty="0"/>
           </a:p>
         </p:txBody>
       </p:sp>
@@ -7067,7 +8115,7 @@
               <a:pPr/>
               <a:t>‹#›</a:t>
             </a:fld>
-            <a:endParaRPr lang="en-US"/>
+            <a:endParaRPr lang="en-US" dirty="0"/>
           </a:p>
         </p:txBody>
       </p:sp>
@@ -7135,7 +8183,7 @@
           <a:lstStyle/>
           <a:p>
             <a:pPr algn="ctr"/>
-            <a:endParaRPr/>
+            <a:endParaRPr dirty="0"/>
           </a:p>
         </p:txBody>
       </p:sp>
@@ -7272,9 +8320,9 @@
             <a:fld id="{B1A24CD3-204F-4468-8EE4-28A6668D006A}" type="datetimeFigureOut">
               <a:rPr lang="en-US" smtClean="0"/>
               <a:pPr/>
-              <a:t>11/24/12</a:t>
+              <a:t>11/25/2012</a:t>
             </a:fld>
-            <a:endParaRPr lang="en-US"/>
+            <a:endParaRPr lang="en-US" dirty="0"/>
           </a:p>
         </p:txBody>
       </p:sp>
@@ -7293,7 +8341,7 @@
           <a:bodyPr/>
           <a:lstStyle/>
           <a:p>
-            <a:endParaRPr lang="en-US"/>
+            <a:endParaRPr lang="en-US" dirty="0"/>
           </a:p>
         </p:txBody>
       </p:sp>
@@ -7317,7 +8365,7 @@
               <a:pPr/>
               <a:t>‹#›</a:t>
             </a:fld>
-            <a:endParaRPr lang="en-US"/>
+            <a:endParaRPr lang="en-US" dirty="0"/>
           </a:p>
         </p:txBody>
       </p:sp>
@@ -7570,9 +8618,9 @@
             <a:fld id="{B1A24CD3-204F-4468-8EE4-28A6668D006A}" type="datetimeFigureOut">
               <a:rPr lang="en-US" smtClean="0"/>
               <a:pPr/>
-              <a:t>11/24/12</a:t>
+              <a:t>11/25/2012</a:t>
             </a:fld>
-            <a:endParaRPr lang="en-US"/>
+            <a:endParaRPr lang="en-US" dirty="0"/>
           </a:p>
         </p:txBody>
       </p:sp>
@@ -7610,7 +8658,7 @@
             </a:lvl1pPr>
           </a:lstStyle>
           <a:p>
-            <a:endParaRPr lang="en-US"/>
+            <a:endParaRPr lang="en-US" dirty="0"/>
           </a:p>
         </p:txBody>
       </p:sp>
@@ -7650,7 +8698,7 @@
               <a:pPr/>
               <a:t>‹#›</a:t>
             </a:fld>
-            <a:endParaRPr lang="en-US"/>
+            <a:endParaRPr lang="en-US" dirty="0"/>
           </a:p>
         </p:txBody>
       </p:sp>
@@ -8038,7 +9086,7 @@
         </p:nvSpPr>
         <p:spPr>
           <a:xfrm>
-            <a:off x="1727836" y="4848225"/>
+            <a:off x="1727836" y="4518991"/>
             <a:ext cx="6931532" cy="1600200"/>
           </a:xfrm>
         </p:spPr>
@@ -8084,7 +9132,7 @@
     </p:spTree>
     <p:extLst>
       <p:ext uri="{BB962C8B-B14F-4D97-AF65-F5344CB8AC3E}">
-        <p14:creationId xmlns:p14="http://schemas.microsoft.com/office/powerpoint/2010/main" val="3291486969"/>
+        <p14:creationId xmlns="" xmlns:p14="http://schemas.microsoft.com/office/powerpoint/2010/main" val="3291486969"/>
       </p:ext>
     </p:extLst>
   </p:cSld>
@@ -8094,7 +9142,7 @@
   <p:timing>
     <p:tnLst>
       <p:par>
-        <p:cTn xmlns:p14="http://schemas.microsoft.com/office/powerpoint/2010/main" id="1" dur="indefinite" restart="never" nodeType="tmRoot"/>
+        <p:cTn id="1" dur="indefinite" restart="never" nodeType="tmRoot"/>
       </p:par>
     </p:tnLst>
   </p:timing>
@@ -8130,7 +9178,7 @@
         </p:nvSpPr>
         <p:spPr>
           <a:xfrm>
-            <a:off x="7213467" y="558799"/>
+            <a:off x="7213467" y="891682"/>
             <a:ext cx="2777068" cy="665767"/>
           </a:xfrm>
         </p:spPr>
@@ -8166,7 +9214,7 @@
         </p:nvSpPr>
         <p:spPr>
           <a:xfrm>
-            <a:off x="457199" y="462581"/>
+            <a:off x="457199" y="424070"/>
             <a:ext cx="6508377" cy="5223325"/>
           </a:xfrm>
         </p:spPr>
@@ -8177,7 +9225,11 @@
           <a:lstStyle/>
           <a:p>
             <a:r>
-              <a:rPr lang="en-US" dirty="0" smtClean="0"/>
+              <a:rPr lang="en-US" b="1" dirty="0" smtClean="0">
+                <a:solidFill>
+                  <a:schemeClr val="accent1"/>
+                </a:solidFill>
+              </a:rPr>
               <a:t>Environmental</a:t>
             </a:r>
           </a:p>
@@ -8197,7 +9249,11 @@
           </a:p>
           <a:p>
             <a:r>
-              <a:rPr lang="en-US" dirty="0" smtClean="0"/>
+              <a:rPr lang="en-US" b="1" dirty="0" smtClean="0">
+                <a:solidFill>
+                  <a:schemeClr val="accent1"/>
+                </a:solidFill>
+              </a:rPr>
               <a:t>Technical</a:t>
             </a:r>
           </a:p>
@@ -8231,7 +9287,11 @@
           </a:p>
           <a:p>
             <a:r>
-              <a:rPr lang="en-US" dirty="0" smtClean="0"/>
+              <a:rPr lang="en-US" b="1" dirty="0" smtClean="0">
+                <a:solidFill>
+                  <a:schemeClr val="accent1"/>
+                </a:solidFill>
+              </a:rPr>
               <a:t>Process</a:t>
             </a:r>
           </a:p>
@@ -8268,7 +9328,7 @@
     </p:spTree>
     <p:extLst>
       <p:ext uri="{BB962C8B-B14F-4D97-AF65-F5344CB8AC3E}">
-        <p14:creationId xmlns:p14="http://schemas.microsoft.com/office/powerpoint/2010/main" val="3853707377"/>
+        <p14:creationId xmlns="" xmlns:p14="http://schemas.microsoft.com/office/powerpoint/2010/main" val="3853707377"/>
       </p:ext>
     </p:extLst>
   </p:cSld>
@@ -8278,7 +9338,7 @@
   <p:timing>
     <p:tnLst>
       <p:par>
-        <p:cTn xmlns:p14="http://schemas.microsoft.com/office/powerpoint/2010/main" id="1" dur="indefinite" restart="never" nodeType="tmRoot"/>
+        <p:cTn id="1" dur="indefinite" restart="never" nodeType="tmRoot"/>
       </p:par>
     </p:tnLst>
   </p:timing>
@@ -8410,7 +9470,7 @@
     </p:spTree>
     <p:extLst>
       <p:ext uri="{BB962C8B-B14F-4D97-AF65-F5344CB8AC3E}">
-        <p14:creationId xmlns:p14="http://schemas.microsoft.com/office/powerpoint/2010/main" val="1633817389"/>
+        <p14:creationId xmlns="" xmlns:p14="http://schemas.microsoft.com/office/powerpoint/2010/main" val="1633817389"/>
       </p:ext>
     </p:extLst>
   </p:cSld>
@@ -8420,7 +9480,7 @@
   <p:timing>
     <p:tnLst>
       <p:par>
-        <p:cTn xmlns:p14="http://schemas.microsoft.com/office/powerpoint/2010/main" id="1" dur="indefinite" restart="never" nodeType="tmRoot"/>
+        <p:cTn id="1" dur="indefinite" restart="never" nodeType="tmRoot"/>
       </p:par>
     </p:tnLst>
   </p:timing>
@@ -8456,8 +9516,8 @@
         </p:nvSpPr>
         <p:spPr>
           <a:xfrm>
-            <a:off x="7315114" y="498582"/>
-            <a:ext cx="4002243" cy="1177818"/>
+            <a:off x="7268620" y="774914"/>
+            <a:ext cx="2324831" cy="901485"/>
           </a:xfrm>
         </p:spPr>
         <p:txBody>
@@ -8465,7 +9525,7 @@
           <a:lstStyle/>
           <a:p>
             <a:r>
-              <a:rPr lang="en-US" sz="1800" dirty="0" smtClean="0">
+              <a:rPr lang="en-US" sz="2000" dirty="0" smtClean="0">
                 <a:solidFill>
                   <a:schemeClr val="bg1"/>
                 </a:solidFill>
@@ -8473,21 +9533,21 @@
               <a:t>Schedu-elp </a:t>
             </a:r>
             <a:br>
-              <a:rPr lang="en-US" sz="1800" dirty="0" smtClean="0">
+              <a:rPr lang="en-US" sz="2000" dirty="0" smtClean="0">
                 <a:solidFill>
                   <a:schemeClr val="bg1"/>
                 </a:solidFill>
               </a:rPr>
             </a:br>
             <a:r>
-              <a:rPr lang="en-US" sz="1800" dirty="0" smtClean="0">
+              <a:rPr lang="en-US" sz="2000" dirty="0" smtClean="0">
                 <a:solidFill>
                   <a:schemeClr val="bg1"/>
                 </a:solidFill>
               </a:rPr>
               <a:t>Overview</a:t>
             </a:r>
-            <a:endParaRPr lang="en-US" sz="1800" dirty="0">
+            <a:endParaRPr lang="en-US" sz="2000" dirty="0">
               <a:solidFill>
                 <a:schemeClr val="bg1"/>
               </a:solidFill>
@@ -8507,47 +9567,43 @@
         </p:nvSpPr>
         <p:spPr>
           <a:xfrm>
-            <a:off x="457198" y="338668"/>
-            <a:ext cx="7755469" cy="6383866"/>
+            <a:off x="255720" y="338668"/>
+            <a:ext cx="7012900" cy="2172057"/>
           </a:xfrm>
         </p:spPr>
         <p:txBody>
           <a:bodyPr>
-            <a:normAutofit fontScale="92500" lnSpcReduction="10000"/>
+            <a:noAutofit/>
           </a:bodyPr>
           <a:lstStyle/>
           <a:p>
             <a:r>
-              <a:rPr lang="en-US" sz="1900" dirty="0" smtClean="0"/>
-              <a:t>Re-conceptualization of the ‘classic’ course planning </a:t>
-            </a:r>
-          </a:p>
-          <a:p>
-            <a:pPr marL="228600" lvl="1" indent="0">
-              <a:buNone/>
-            </a:pPr>
-            <a:r>
-              <a:rPr lang="en-US" sz="1900" dirty="0"/>
-              <a:t>system</a:t>
-            </a:r>
-          </a:p>
-          <a:p>
-            <a:r>
-              <a:rPr lang="en-US" sz="1900" dirty="0" smtClean="0"/>
+              <a:rPr lang="en-US" sz="1700" dirty="0" smtClean="0"/>
+              <a:t>Re-conceptualization of the ‘classic’ course </a:t>
+            </a:r>
+            <a:r>
+              <a:rPr lang="en-US" sz="1700" dirty="0" smtClean="0"/>
+              <a:t>planning system</a:t>
+            </a:r>
+            <a:endParaRPr lang="en-US" sz="1700" dirty="0"/>
+          </a:p>
+          <a:p>
+            <a:r>
+              <a:rPr lang="en-US" sz="1700" dirty="0" smtClean="0"/>
               <a:t>One-stop course planning system for ambitious and </a:t>
             </a:r>
             <a:r>
-              <a:rPr lang="en-US" sz="1900" dirty="0" smtClean="0"/>
-              <a:t>      strategically </a:t>
-            </a:r>
-            <a:r>
-              <a:rPr lang="en-US" sz="1900" dirty="0" smtClean="0"/>
+              <a:rPr lang="en-US" sz="1700" dirty="0" smtClean="0"/>
+              <a:t>strategically </a:t>
+            </a:r>
+            <a:r>
+              <a:rPr lang="en-US" sz="1700" dirty="0" smtClean="0"/>
               <a:t>focused student</a:t>
             </a:r>
           </a:p>
           <a:p>
             <a:r>
-              <a:rPr lang="en-US" sz="1900" dirty="0" smtClean="0"/>
+              <a:rPr lang="en-US" sz="1700" dirty="0" smtClean="0"/>
               <a:t>Aimed to help SCU students balance all their responsibilities through planning tools</a:t>
             </a:r>
           </a:p>
@@ -8555,74 +9611,19 @@
             <a:pPr marL="0" indent="0">
               <a:buNone/>
             </a:pPr>
-            <a:endParaRPr lang="en-US" dirty="0" smtClean="0"/>
+            <a:endParaRPr lang="en-US" sz="1700" dirty="0" smtClean="0"/>
           </a:p>
           <a:p>
             <a:pPr marL="0" indent="0">
               <a:buNone/>
             </a:pPr>
-            <a:endParaRPr lang="en-US" dirty="0"/>
+            <a:endParaRPr lang="en-US" sz="1700" dirty="0"/>
           </a:p>
           <a:p>
             <a:pPr marL="0" indent="0">
               <a:buNone/>
             </a:pPr>
-            <a:endParaRPr lang="en-US" dirty="0" smtClean="0"/>
-          </a:p>
-          <a:p>
-            <a:r>
-              <a:rPr lang="en-US" sz="1900" dirty="0" smtClean="0"/>
-              <a:t>Stakeholders</a:t>
-            </a:r>
-          </a:p>
-          <a:p>
-            <a:pPr lvl="1"/>
-            <a:r>
-              <a:rPr lang="en-US" sz="1900" dirty="0" smtClean="0"/>
-              <a:t>Team Gamma</a:t>
-            </a:r>
-          </a:p>
-          <a:p>
-            <a:pPr lvl="1"/>
-            <a:r>
-              <a:rPr lang="en-US" sz="1900" dirty="0" smtClean="0"/>
-              <a:t>SCU: Students and Departments </a:t>
-            </a:r>
-            <a:r>
-              <a:rPr lang="en-US" sz="1900" dirty="0"/>
-              <a:t>(</a:t>
-            </a:r>
-            <a:r>
-              <a:rPr lang="en-US" sz="1900" dirty="0" smtClean="0"/>
-              <a:t>Programs and Financial)</a:t>
-            </a:r>
-          </a:p>
-          <a:p>
-            <a:pPr lvl="1"/>
-            <a:r>
-              <a:rPr lang="en-US" sz="1900" dirty="0" smtClean="0"/>
-              <a:t>Advertisers</a:t>
-            </a:r>
-          </a:p>
-          <a:p>
-            <a:r>
-              <a:rPr lang="en-US" sz="1900" dirty="0" smtClean="0"/>
-              <a:t>Economic benefits</a:t>
-            </a:r>
-          </a:p>
-          <a:p>
-            <a:pPr lvl="1"/>
-            <a:r>
-              <a:rPr lang="en-US" sz="1900" dirty="0" smtClean="0"/>
-              <a:t>Reduced Educational Cost for Students</a:t>
-            </a:r>
-          </a:p>
-          <a:p>
-            <a:pPr lvl="1"/>
-            <a:r>
-              <a:rPr lang="en-US" sz="1900" dirty="0" smtClean="0"/>
-              <a:t>Increased revenue to SCU, from SCU business advertisements</a:t>
-            </a:r>
+            <a:endParaRPr lang="en-US" sz="1700" dirty="0" smtClean="0"/>
           </a:p>
         </p:txBody>
       </p:sp>
@@ -8635,10 +9636,10 @@
           <p:nvPr/>
         </p:nvPicPr>
         <p:blipFill rotWithShape="1">
-          <a:blip r:embed="rId3">
+          <a:blip r:embed="rId3" cstate="print">
             <a:extLst>
               <a:ext uri="{28A0092B-C50C-407E-A947-70E740481C1C}">
-                <a14:useLocalDpi xmlns:a14="http://schemas.microsoft.com/office/drawing/2010/main" val="0"/>
+                <a14:useLocalDpi xmlns="" xmlns:a14="http://schemas.microsoft.com/office/drawing/2010/main" val="0"/>
               </a:ext>
             </a:extLst>
           </a:blip>
@@ -8647,8 +9648,8 @@
         </p:blipFill>
         <p:spPr>
           <a:xfrm>
-            <a:off x="846667" y="2506133"/>
-            <a:ext cx="6197600" cy="1490133"/>
+            <a:off x="767159" y="2231756"/>
+            <a:ext cx="6083091" cy="1962908"/>
           </a:xfrm>
           <a:prstGeom prst="rect">
             <a:avLst/>
@@ -8660,10 +9661,277 @@
           </a:ln>
         </p:spPr>
       </p:pic>
+      <p:sp>
+        <p:nvSpPr>
+          <p:cNvPr id="5" name="Content Placeholder 2"/>
+          <p:cNvSpPr txBox="1">
+            <a:spLocks/>
+          </p:cNvSpPr>
+          <p:nvPr/>
+        </p:nvSpPr>
+        <p:spPr>
+          <a:xfrm>
+            <a:off x="408120" y="4194664"/>
+            <a:ext cx="8549900" cy="2663336"/>
+          </a:xfrm>
+          <a:prstGeom prst="rect">
+            <a:avLst/>
+          </a:prstGeom>
+        </p:spPr>
+        <p:txBody>
+          <a:bodyPr vert="horz" lIns="91440" tIns="45720" rIns="91440" bIns="45720" rtlCol="0">
+            <a:noAutofit/>
+          </a:bodyPr>
+          <a:lstStyle/>
+          <a:p>
+            <a:pPr marL="228600" lvl="0" indent="-228600">
+              <a:spcBef>
+                <a:spcPts val="600"/>
+              </a:spcBef>
+              <a:buClr>
+                <a:schemeClr val="accent1"/>
+              </a:buClr>
+              <a:buSzPct val="100000"/>
+              <a:buFont typeface="Wingdings 2" pitchFamily="18" charset="2"/>
+              <a:buChar char="¡"/>
+            </a:pPr>
+            <a:r>
+              <a:rPr lang="en-US" sz="1700" b="1" dirty="0" smtClean="0">
+                <a:solidFill>
+                  <a:schemeClr val="accent1"/>
+                </a:solidFill>
+              </a:rPr>
+              <a:t>Stakeholders</a:t>
+            </a:r>
+          </a:p>
+          <a:p>
+            <a:pPr marL="685800" lvl="1" indent="-228600">
+              <a:spcBef>
+                <a:spcPts val="600"/>
+              </a:spcBef>
+              <a:buClr>
+                <a:schemeClr val="accent1"/>
+              </a:buClr>
+              <a:buSzPct val="100000"/>
+              <a:buFont typeface="Wingdings 2" pitchFamily="18" charset="2"/>
+              <a:buChar char="¡"/>
+            </a:pPr>
+            <a:r>
+              <a:rPr lang="en-US" sz="1700" dirty="0" smtClean="0">
+                <a:solidFill>
+                  <a:schemeClr val="tx2"/>
+                </a:solidFill>
+              </a:rPr>
+              <a:t>Team Gamma</a:t>
+            </a:r>
+          </a:p>
+          <a:p>
+            <a:pPr marL="685800" lvl="1" indent="-228600">
+              <a:spcBef>
+                <a:spcPts val="600"/>
+              </a:spcBef>
+              <a:buClr>
+                <a:schemeClr val="accent1"/>
+              </a:buClr>
+              <a:buSzPct val="100000"/>
+              <a:buFont typeface="Wingdings 2" pitchFamily="18" charset="2"/>
+              <a:buChar char="¡"/>
+            </a:pPr>
+            <a:r>
+              <a:rPr lang="en-US" sz="1700" dirty="0" smtClean="0">
+                <a:solidFill>
+                  <a:schemeClr val="tx2"/>
+                </a:solidFill>
+              </a:rPr>
+              <a:t>SCU: Students and Departments (Programs and Financial)</a:t>
+            </a:r>
+          </a:p>
+          <a:p>
+            <a:pPr marL="685800" lvl="1" indent="-228600">
+              <a:spcBef>
+                <a:spcPts val="600"/>
+              </a:spcBef>
+              <a:buClr>
+                <a:schemeClr val="accent1"/>
+              </a:buClr>
+              <a:buSzPct val="100000"/>
+              <a:buFont typeface="Wingdings 2" pitchFamily="18" charset="2"/>
+              <a:buChar char="¡"/>
+            </a:pPr>
+            <a:r>
+              <a:rPr lang="en-US" sz="1700" dirty="0" smtClean="0">
+                <a:solidFill>
+                  <a:schemeClr val="tx2"/>
+                </a:solidFill>
+              </a:rPr>
+              <a:t>Advertisers</a:t>
+            </a:r>
+          </a:p>
+          <a:p>
+            <a:pPr marL="228600" lvl="0" indent="-228600">
+              <a:spcBef>
+                <a:spcPts val="600"/>
+              </a:spcBef>
+              <a:buClr>
+                <a:schemeClr val="accent1"/>
+              </a:buClr>
+              <a:buSzPct val="100000"/>
+              <a:buFont typeface="Wingdings 2" pitchFamily="18" charset="2"/>
+              <a:buChar char="¡"/>
+            </a:pPr>
+            <a:r>
+              <a:rPr lang="en-US" sz="1700" b="1" dirty="0" smtClean="0">
+                <a:solidFill>
+                  <a:schemeClr val="accent1"/>
+                </a:solidFill>
+              </a:rPr>
+              <a:t>Economic benefits</a:t>
+            </a:r>
+          </a:p>
+          <a:p>
+            <a:pPr marL="685800" lvl="1" indent="-228600">
+              <a:spcBef>
+                <a:spcPts val="600"/>
+              </a:spcBef>
+              <a:buClr>
+                <a:schemeClr val="accent1"/>
+              </a:buClr>
+              <a:buSzPct val="100000"/>
+              <a:buFont typeface="Wingdings 2" pitchFamily="18" charset="2"/>
+              <a:buChar char="¡"/>
+            </a:pPr>
+            <a:r>
+              <a:rPr lang="en-US" sz="1700" dirty="0" smtClean="0">
+                <a:solidFill>
+                  <a:schemeClr val="tx2"/>
+                </a:solidFill>
+              </a:rPr>
+              <a:t>Reduced Educational Cost for Students</a:t>
+            </a:r>
+          </a:p>
+          <a:p>
+            <a:pPr marL="685800" lvl="1" indent="-228600">
+              <a:spcBef>
+                <a:spcPts val="600"/>
+              </a:spcBef>
+              <a:buClr>
+                <a:schemeClr val="accent1"/>
+              </a:buClr>
+              <a:buSzPct val="100000"/>
+              <a:buFont typeface="Wingdings 2" pitchFamily="18" charset="2"/>
+              <a:buChar char="¡"/>
+            </a:pPr>
+            <a:r>
+              <a:rPr lang="en-US" sz="1700" dirty="0" smtClean="0">
+                <a:solidFill>
+                  <a:schemeClr val="tx2"/>
+                </a:solidFill>
+              </a:rPr>
+              <a:t>Increased revenue to SCU, from SCU business advertisements</a:t>
+            </a:r>
+          </a:p>
+          <a:p>
+            <a:pPr marL="0" marR="0" lvl="0" indent="0" algn="l" defTabSz="914400" rtl="0" eaLnBrk="1" fontAlgn="auto" latinLnBrk="0" hangingPunct="1">
+              <a:spcBef>
+                <a:spcPts val="600"/>
+              </a:spcBef>
+              <a:spcAft>
+                <a:spcPts val="0"/>
+              </a:spcAft>
+              <a:buClr>
+                <a:schemeClr val="accent1"/>
+              </a:buClr>
+              <a:buSzPct val="100000"/>
+              <a:buFont typeface="Wingdings 2" pitchFamily="18" charset="2"/>
+              <a:buNone/>
+              <a:tabLst/>
+              <a:defRPr/>
+            </a:pPr>
+            <a:endParaRPr kumimoji="0" lang="en-US" sz="1700" b="0" i="0" u="none" strike="noStrike" kern="1200" cap="none" spc="0" normalizeH="0" baseline="0" noProof="0" dirty="0" smtClean="0">
+              <a:ln>
+                <a:noFill/>
+              </a:ln>
+              <a:solidFill>
+                <a:schemeClr val="tx2"/>
+              </a:solidFill>
+              <a:effectLst/>
+              <a:uLnTx/>
+              <a:uFillTx/>
+              <a:latin typeface="+mn-lt"/>
+              <a:ea typeface="+mn-ea"/>
+              <a:cs typeface="+mn-cs"/>
+            </a:endParaRPr>
+          </a:p>
+          <a:p>
+            <a:pPr marL="0" marR="0" lvl="0" indent="0" algn="l" defTabSz="914400" rtl="0" eaLnBrk="1" fontAlgn="auto" latinLnBrk="0" hangingPunct="1">
+              <a:spcBef>
+                <a:spcPts val="600"/>
+              </a:spcBef>
+              <a:spcAft>
+                <a:spcPts val="0"/>
+              </a:spcAft>
+              <a:buClr>
+                <a:schemeClr val="accent1"/>
+              </a:buClr>
+              <a:buSzPct val="100000"/>
+              <a:buFont typeface="Wingdings 2" pitchFamily="18" charset="2"/>
+              <a:buNone/>
+              <a:tabLst/>
+              <a:defRPr/>
+            </a:pPr>
+            <a:endParaRPr kumimoji="0" lang="en-US" sz="1700" b="0" i="0" u="none" strike="noStrike" kern="1200" cap="none" spc="0" normalizeH="0" baseline="0" noProof="0" dirty="0" smtClean="0">
+              <a:ln>
+                <a:noFill/>
+              </a:ln>
+              <a:solidFill>
+                <a:schemeClr val="tx2"/>
+              </a:solidFill>
+              <a:effectLst/>
+              <a:uLnTx/>
+              <a:uFillTx/>
+              <a:latin typeface="+mn-lt"/>
+              <a:ea typeface="+mn-ea"/>
+              <a:cs typeface="+mn-cs"/>
+            </a:endParaRPr>
+          </a:p>
+          <a:p>
+            <a:pPr marL="0" marR="0" lvl="0" indent="0" algn="l" defTabSz="914400" rtl="0" eaLnBrk="1" fontAlgn="auto" latinLnBrk="0" hangingPunct="1">
+              <a:spcBef>
+                <a:spcPts val="600"/>
+              </a:spcBef>
+              <a:spcAft>
+                <a:spcPts val="0"/>
+              </a:spcAft>
+              <a:buClr>
+                <a:schemeClr val="accent1"/>
+              </a:buClr>
+              <a:buSzPct val="100000"/>
+              <a:buFont typeface="Wingdings 2" pitchFamily="18" charset="2"/>
+              <a:buNone/>
+              <a:tabLst/>
+              <a:defRPr/>
+            </a:pPr>
+            <a:endParaRPr kumimoji="0" lang="en-US" sz="1700" b="0" i="0" u="none" strike="noStrike" kern="1200" cap="none" spc="0" normalizeH="0" baseline="0" noProof="0" dirty="0" smtClean="0">
+              <a:ln>
+                <a:noFill/>
+              </a:ln>
+              <a:solidFill>
+                <a:schemeClr val="tx2"/>
+              </a:solidFill>
+              <a:effectLst/>
+              <a:uLnTx/>
+              <a:uFillTx/>
+              <a:latin typeface="+mn-lt"/>
+              <a:ea typeface="+mn-ea"/>
+              <a:cs typeface="+mn-cs"/>
+            </a:endParaRPr>
+          </a:p>
+        </p:txBody>
+      </p:sp>
     </p:spTree>
     <p:extLst>
       <p:ext uri="{BB962C8B-B14F-4D97-AF65-F5344CB8AC3E}">
-        <p14:creationId xmlns:p14="http://schemas.microsoft.com/office/powerpoint/2010/main" val="1668180396"/>
+        <p14:creationId xmlns="" xmlns:p14="http://schemas.microsoft.com/office/powerpoint/2010/main" val="1668180396"/>
       </p:ext>
     </p:extLst>
   </p:cSld>
@@ -8673,7 +9941,7 @@
   <p:timing>
     <p:tnLst>
       <p:par>
-        <p:cTn xmlns:p14="http://schemas.microsoft.com/office/powerpoint/2010/main" id="1" dur="indefinite" restart="never" nodeType="tmRoot"/>
+        <p:cTn id="1" dur="indefinite" restart="never" nodeType="tmRoot"/>
       </p:par>
     </p:tnLst>
   </p:timing>
@@ -8726,7 +9994,7 @@
     </p:spTree>
     <p:extLst>
       <p:ext uri="{BB962C8B-B14F-4D97-AF65-F5344CB8AC3E}">
-        <p14:creationId xmlns:p14="http://schemas.microsoft.com/office/powerpoint/2010/main" val="928388685"/>
+        <p14:creationId xmlns="" xmlns:p14="http://schemas.microsoft.com/office/powerpoint/2010/main" val="928388685"/>
       </p:ext>
     </p:extLst>
   </p:cSld>
@@ -8736,7 +10004,7 @@
   <p:timing>
     <p:tnLst>
       <p:par>
-        <p:cTn xmlns:p14="http://schemas.microsoft.com/office/powerpoint/2010/main" id="1" dur="indefinite" restart="never" nodeType="tmRoot"/>
+        <p:cTn id="1" dur="indefinite" restart="never" nodeType="tmRoot"/>
       </p:par>
     </p:tnLst>
   </p:timing>
@@ -8772,8 +10040,8 @@
         </p:nvSpPr>
         <p:spPr>
           <a:xfrm>
-            <a:off x="7196635" y="863591"/>
-            <a:ext cx="3234267" cy="596908"/>
+            <a:off x="7398109" y="836908"/>
+            <a:ext cx="1637399" cy="856065"/>
           </a:xfrm>
         </p:spPr>
         <p:txBody>
@@ -8781,7 +10049,7 @@
           <a:lstStyle/>
           <a:p>
             <a:r>
-              <a:rPr lang="en-US" dirty="0" smtClean="0">
+              <a:rPr lang="en-US" sz="2400" dirty="0" smtClean="0">
                 <a:solidFill>
                   <a:srgbClr val="FFFFFF"/>
                 </a:solidFill>
@@ -8789,21 +10057,21 @@
               <a:t>User </a:t>
             </a:r>
             <a:br>
-              <a:rPr lang="en-US" dirty="0" smtClean="0">
+              <a:rPr lang="en-US" sz="2400" dirty="0" smtClean="0">
                 <a:solidFill>
                   <a:srgbClr val="FFFFFF"/>
                 </a:solidFill>
               </a:rPr>
             </a:br>
             <a:r>
-              <a:rPr lang="en-US" dirty="0" smtClean="0">
+              <a:rPr lang="en-US" sz="2400" dirty="0" smtClean="0">
                 <a:solidFill>
                   <a:srgbClr val="FFFFFF"/>
                 </a:solidFill>
               </a:rPr>
               <a:t>Stories</a:t>
             </a:r>
-            <a:endParaRPr lang="en-US" dirty="0">
+            <a:endParaRPr lang="en-US" sz="2400" dirty="0">
               <a:solidFill>
                 <a:srgbClr val="FFFFFF"/>
               </a:solidFill>
@@ -8821,14 +10089,14 @@
             <p:ph idx="1"/>
             <p:extLst>
               <p:ext uri="{D42A27DB-BD31-4B8C-83A1-F6EECF244321}">
-                <p14:modId xmlns:p14="http://schemas.microsoft.com/office/powerpoint/2010/main" val="3988399231"/>
+                <p14:modId xmlns="" xmlns:p14="http://schemas.microsoft.com/office/powerpoint/2010/main" val="3988399231"/>
               </p:ext>
             </p:extLst>
           </p:nvPr>
         </p:nvGraphicFramePr>
         <p:xfrm>
-          <a:off x="244243" y="275691"/>
-          <a:ext cx="6874902" cy="6421416"/>
+          <a:off x="244243" y="213699"/>
+          <a:ext cx="6874902" cy="6454500"/>
         </p:xfrm>
         <a:graphic>
           <a:graphicData uri="http://schemas.openxmlformats.org/drawingml/2006/table">
@@ -8891,7 +10159,7 @@
                     <a:lstStyle/>
                     <a:p>
                       <a:r>
-                        <a:rPr lang="en-US" sz="1100" kern="1200" dirty="0" smtClean="0">
+                        <a:rPr lang="en-US" sz="1200" kern="1200" dirty="0" smtClean="0">
                           <a:solidFill>
                             <a:schemeClr val="dk1"/>
                           </a:solidFill>
@@ -8903,7 +10171,7 @@
                         <a:t>View the Schedu-elp Home Page</a:t>
                       </a:r>
                       <a:r>
-                        <a:rPr lang="en-US" sz="1100" kern="1200" baseline="0" dirty="0" smtClean="0">
+                        <a:rPr lang="en-US" sz="1200" kern="1200" baseline="0" dirty="0" smtClean="0">
                           <a:solidFill>
                             <a:schemeClr val="dk1"/>
                           </a:solidFill>
@@ -8915,7 +10183,7 @@
                         <a:t> </a:t>
                       </a:r>
                       <a:r>
-                        <a:rPr lang="en-US" sz="1100" kern="1200" dirty="0" smtClean="0">
+                        <a:rPr lang="en-US" sz="1200" kern="1200" dirty="0" smtClean="0">
                           <a:solidFill>
                             <a:schemeClr val="dk1"/>
                           </a:solidFill>
@@ -8927,12 +10195,12 @@
                         <a:t> read an overview of the Schedu-elp system.</a:t>
                       </a:r>
                       <a:r>
-                        <a:rPr lang="en-US" sz="1100" dirty="0" smtClean="0">
+                        <a:rPr lang="en-US" sz="1200" dirty="0" smtClean="0">
                           <a:effectLst/>
                         </a:rPr>
                         <a:t> </a:t>
                       </a:r>
-                      <a:endParaRPr lang="en-US" sz="1100" dirty="0"/>
+                      <a:endParaRPr lang="en-US" sz="1200" dirty="0"/>
                     </a:p>
                   </a:txBody>
                   <a:tcPr/>
@@ -8970,7 +10238,7 @@
                         </a:spcAft>
                       </a:pPr>
                       <a:r>
-                        <a:rPr lang="en-US" sz="1100" dirty="0" smtClean="0">
+                        <a:rPr lang="en-US" sz="1200" dirty="0" smtClean="0">
                           <a:solidFill>
                             <a:srgbClr val="000000"/>
                           </a:solidFill>
@@ -8982,7 +10250,7 @@
                         <a:t>Sign </a:t>
                       </a:r>
                       <a:r>
-                        <a:rPr lang="en-US" sz="1100" dirty="0">
+                        <a:rPr lang="en-US" sz="1200" dirty="0">
                           <a:solidFill>
                             <a:srgbClr val="000000"/>
                           </a:solidFill>
@@ -8994,7 +10262,7 @@
                         <a:t>in to the Schedu-elp </a:t>
                       </a:r>
                       <a:r>
-                        <a:rPr lang="en-US" sz="1100" dirty="0" smtClean="0">
+                        <a:rPr lang="en-US" sz="1200" dirty="0" smtClean="0">
                           <a:solidFill>
                             <a:srgbClr val="000000"/>
                           </a:solidFill>
@@ -9006,7 +10274,7 @@
                         <a:t>system;</a:t>
                       </a:r>
                       <a:r>
-                        <a:rPr lang="en-US" sz="1100" baseline="0" dirty="0" smtClean="0">
+                        <a:rPr lang="en-US" sz="1200" baseline="0" dirty="0" smtClean="0">
                           <a:solidFill>
                             <a:srgbClr val="000000"/>
                           </a:solidFill>
@@ -9018,7 +10286,7 @@
                         <a:t> </a:t>
                       </a:r>
                       <a:r>
-                        <a:rPr lang="en-US" sz="1100" dirty="0" smtClean="0">
+                        <a:rPr lang="en-US" sz="1200" dirty="0" smtClean="0">
                           <a:solidFill>
                             <a:srgbClr val="000000"/>
                           </a:solidFill>
@@ -9030,7 +10298,7 @@
                         <a:t>create </a:t>
                       </a:r>
                       <a:r>
-                        <a:rPr lang="en-US" sz="1100" dirty="0">
+                        <a:rPr lang="en-US" sz="1200" dirty="0">
                           <a:solidFill>
                             <a:srgbClr val="000000"/>
                           </a:solidFill>
@@ -9041,7 +10309,7 @@
                         </a:rPr>
                         <a:t>and access my profile.</a:t>
                       </a:r>
-                      <a:endParaRPr lang="en-US" sz="1100" dirty="0">
+                      <a:endParaRPr lang="en-US" sz="1200" dirty="0">
                         <a:solidFill>
                           <a:srgbClr val="000000"/>
                         </a:solidFill>
@@ -9087,7 +10355,7 @@
                         </a:spcAft>
                       </a:pPr>
                       <a:r>
-                        <a:rPr lang="en-US" sz="1100" dirty="0" smtClean="0">
+                        <a:rPr lang="en-US" sz="1200" dirty="0" smtClean="0">
                           <a:solidFill>
                             <a:srgbClr val="000000"/>
                           </a:solidFill>
@@ -9099,7 +10367,7 @@
                         <a:t>Sign out of </a:t>
                       </a:r>
                       <a:r>
-                        <a:rPr lang="en-US" sz="1100" dirty="0">
+                        <a:rPr lang="en-US" sz="1200" dirty="0">
                           <a:solidFill>
                             <a:srgbClr val="000000"/>
                           </a:solidFill>
@@ -9111,7 +10379,7 @@
                         <a:t>the Schedu-elp </a:t>
                       </a:r>
                       <a:r>
-                        <a:rPr lang="en-US" sz="1100" dirty="0" smtClean="0">
+                        <a:rPr lang="en-US" sz="1200" dirty="0" smtClean="0">
                           <a:solidFill>
                             <a:srgbClr val="000000"/>
                           </a:solidFill>
@@ -9122,7 +10390,7 @@
                         </a:rPr>
                         <a:t>system</a:t>
                       </a:r>
-                      <a:endParaRPr lang="en-US" sz="1100" dirty="0">
+                      <a:endParaRPr lang="en-US" sz="1200" dirty="0">
                         <a:solidFill>
                           <a:srgbClr val="000000"/>
                         </a:solidFill>
@@ -9168,7 +10436,7 @@
                         </a:spcAft>
                       </a:pPr>
                       <a:r>
-                        <a:rPr lang="en-US" sz="1100" dirty="0" smtClean="0">
+                        <a:rPr lang="en-US" sz="1200" dirty="0" smtClean="0">
                           <a:solidFill>
                             <a:srgbClr val="000000"/>
                           </a:solidFill>
@@ -9180,7 +10448,7 @@
                         <a:t>Search for </a:t>
                       </a:r>
                       <a:r>
-                        <a:rPr lang="en-US" sz="1100" dirty="0">
+                        <a:rPr lang="en-US" sz="1200" dirty="0">
                           <a:solidFill>
                             <a:srgbClr val="000000"/>
                           </a:solidFill>
@@ -9192,7 +10460,7 @@
                         <a:t>available courses by inputting the course </a:t>
                       </a:r>
                       <a:r>
-                        <a:rPr lang="en-US" sz="1100" dirty="0" smtClean="0">
+                        <a:rPr lang="en-US" sz="1200" dirty="0" smtClean="0">
                           <a:solidFill>
                             <a:srgbClr val="000000"/>
                           </a:solidFill>
@@ -9204,7 +10472,7 @@
                         <a:t>name;</a:t>
                       </a:r>
                       <a:r>
-                        <a:rPr lang="en-US" sz="1100" baseline="0" dirty="0" smtClean="0">
+                        <a:rPr lang="en-US" sz="1200" baseline="0" dirty="0" smtClean="0">
                           <a:solidFill>
                             <a:srgbClr val="000000"/>
                           </a:solidFill>
@@ -9216,7 +10484,7 @@
                         <a:t> </a:t>
                       </a:r>
                       <a:r>
-                        <a:rPr lang="en-US" sz="1100" dirty="0" smtClean="0">
+                        <a:rPr lang="en-US" sz="1200" dirty="0" smtClean="0">
                           <a:solidFill>
                             <a:srgbClr val="000000"/>
                           </a:solidFill>
@@ -9228,7 +10496,7 @@
                         <a:t>view </a:t>
                       </a:r>
                       <a:r>
-                        <a:rPr lang="en-US" sz="1100" dirty="0">
+                        <a:rPr lang="en-US" sz="1200" dirty="0">
                           <a:solidFill>
                             <a:srgbClr val="000000"/>
                           </a:solidFill>
@@ -9239,7 +10507,7 @@
                         </a:rPr>
                         <a:t>the details of that course.</a:t>
                       </a:r>
-                      <a:endParaRPr lang="en-US" sz="1100" dirty="0">
+                      <a:endParaRPr lang="en-US" sz="1200" dirty="0">
                         <a:solidFill>
                           <a:srgbClr val="000000"/>
                         </a:solidFill>
@@ -9288,7 +10556,7 @@
                         </a:spcAft>
                       </a:pPr>
                       <a:r>
-                        <a:rPr lang="en-US" sz="1100" dirty="0" smtClean="0">
+                        <a:rPr lang="en-US" sz="1200" dirty="0" smtClean="0">
                           <a:solidFill>
                             <a:srgbClr val="000000"/>
                           </a:solidFill>
@@ -9300,7 +10568,7 @@
                         <a:t>Search </a:t>
                       </a:r>
                       <a:r>
-                        <a:rPr lang="en-US" sz="1100" dirty="0">
+                        <a:rPr lang="en-US" sz="1200" dirty="0">
                           <a:solidFill>
                             <a:srgbClr val="000000"/>
                           </a:solidFill>
@@ -9312,7 +10580,7 @@
                         <a:t>for available courses by inputting the course </a:t>
                       </a:r>
                       <a:r>
-                        <a:rPr lang="en-US" sz="1100" dirty="0" smtClean="0">
+                        <a:rPr lang="en-US" sz="1200" dirty="0" smtClean="0">
                           <a:solidFill>
                             <a:srgbClr val="000000"/>
                           </a:solidFill>
@@ -9324,7 +10592,7 @@
                         <a:t>number;</a:t>
                       </a:r>
                       <a:r>
-                        <a:rPr lang="en-US" sz="1100" baseline="0" dirty="0" smtClean="0">
+                        <a:rPr lang="en-US" sz="1200" baseline="0" dirty="0" smtClean="0">
                           <a:solidFill>
                             <a:srgbClr val="000000"/>
                           </a:solidFill>
@@ -9336,7 +10604,7 @@
                         <a:t> </a:t>
                       </a:r>
                       <a:r>
-                        <a:rPr lang="en-US" sz="1100" dirty="0" smtClean="0">
+                        <a:rPr lang="en-US" sz="1200" dirty="0" smtClean="0">
                           <a:solidFill>
                             <a:srgbClr val="000000"/>
                           </a:solidFill>
@@ -9348,7 +10616,7 @@
                         <a:t>view </a:t>
                       </a:r>
                       <a:r>
-                        <a:rPr lang="en-US" sz="1100" dirty="0">
+                        <a:rPr lang="en-US" sz="1200" dirty="0">
                           <a:solidFill>
                             <a:srgbClr val="000000"/>
                           </a:solidFill>
@@ -9359,7 +10627,7 @@
                         </a:rPr>
                         <a:t>the details of that course.</a:t>
                       </a:r>
-                      <a:endParaRPr lang="en-US" sz="1100" dirty="0">
+                      <a:endParaRPr lang="en-US" sz="1200" dirty="0">
                         <a:solidFill>
                           <a:srgbClr val="000000"/>
                         </a:solidFill>
@@ -9423,7 +10691,7 @@
                         </a:spcAft>
                       </a:pPr>
                       <a:r>
-                        <a:rPr lang="en-US" sz="1100" dirty="0" smtClean="0">
+                        <a:rPr lang="en-US" sz="1200" dirty="0" smtClean="0">
                           <a:solidFill>
                             <a:srgbClr val="000000"/>
                           </a:solidFill>
@@ -9435,7 +10703,7 @@
                         <a:t>Search for </a:t>
                       </a:r>
                       <a:r>
-                        <a:rPr lang="en-US" sz="1100" dirty="0">
+                        <a:rPr lang="en-US" sz="1200" dirty="0">
                           <a:solidFill>
                             <a:srgbClr val="000000"/>
                           </a:solidFill>
@@ -9447,7 +10715,7 @@
                         <a:t>available courses by inputting preferred scheduling days and </a:t>
                       </a:r>
                       <a:r>
-                        <a:rPr lang="en-US" sz="1100" dirty="0" smtClean="0">
+                        <a:rPr lang="en-US" sz="1200" dirty="0" smtClean="0">
                           <a:solidFill>
                             <a:srgbClr val="000000"/>
                           </a:solidFill>
@@ -9459,7 +10727,7 @@
                         <a:t>times;</a:t>
                       </a:r>
                       <a:r>
-                        <a:rPr lang="en-US" sz="1100" baseline="0" dirty="0" smtClean="0">
+                        <a:rPr lang="en-US" sz="1200" baseline="0" dirty="0" smtClean="0">
                           <a:solidFill>
                             <a:srgbClr val="000000"/>
                           </a:solidFill>
@@ -9471,7 +10739,7 @@
                         <a:t> </a:t>
                       </a:r>
                       <a:r>
-                        <a:rPr lang="en-US" sz="1100" dirty="0" smtClean="0">
+                        <a:rPr lang="en-US" sz="1200" dirty="0" smtClean="0">
                           <a:solidFill>
                             <a:srgbClr val="000000"/>
                           </a:solidFill>
@@ -9483,7 +10751,7 @@
                         <a:t>find </a:t>
                       </a:r>
                       <a:r>
-                        <a:rPr lang="en-US" sz="1100" dirty="0">
+                        <a:rPr lang="en-US" sz="1200" dirty="0">
                           <a:solidFill>
                             <a:srgbClr val="000000"/>
                           </a:solidFill>
@@ -9495,7 +10763,7 @@
                         <a:t>a class that is scheduled </a:t>
                       </a:r>
                       <a:r>
-                        <a:rPr lang="en-US" sz="1100" dirty="0" smtClean="0">
+                        <a:rPr lang="en-US" sz="1200" dirty="0" smtClean="0">
                           <a:solidFill>
                             <a:srgbClr val="000000"/>
                           </a:solidFill>
@@ -9507,7 +10775,7 @@
                         <a:t>during </a:t>
                       </a:r>
                       <a:r>
-                        <a:rPr lang="en-US" sz="1100" dirty="0">
+                        <a:rPr lang="en-US" sz="1200" dirty="0">
                           <a:solidFill>
                             <a:srgbClr val="000000"/>
                           </a:solidFill>
@@ -9518,7 +10786,7 @@
                         </a:rPr>
                         <a:t>available times.</a:t>
                       </a:r>
-                      <a:endParaRPr lang="en-US" sz="1100" dirty="0">
+                      <a:endParaRPr lang="en-US" sz="1200" dirty="0">
                         <a:solidFill>
                           <a:srgbClr val="000000"/>
                         </a:solidFill>
@@ -9570,7 +10838,7 @@
                         <a:defRPr/>
                       </a:pPr>
                       <a:r>
-                        <a:rPr lang="en-US" sz="1100" dirty="0" smtClean="0">
+                        <a:rPr lang="en-US" sz="1200" dirty="0" smtClean="0">
                           <a:solidFill>
                             <a:srgbClr val="000000"/>
                           </a:solidFill>
@@ -9582,7 +10850,7 @@
                         <a:t>Access contact information;</a:t>
                       </a:r>
                       <a:r>
-                        <a:rPr lang="en-US" sz="1100" baseline="0" dirty="0" smtClean="0">
+                        <a:rPr lang="en-US" sz="1200" baseline="0" dirty="0" smtClean="0">
                           <a:solidFill>
                             <a:srgbClr val="000000"/>
                           </a:solidFill>
@@ -9594,7 +10862,7 @@
                         <a:t> </a:t>
                       </a:r>
                       <a:r>
-                        <a:rPr lang="en-US" sz="1100" dirty="0" smtClean="0">
+                        <a:rPr lang="en-US" sz="1200" dirty="0" smtClean="0">
                           <a:solidFill>
                             <a:srgbClr val="000000"/>
                           </a:solidFill>
@@ -9606,7 +10874,7 @@
                         <a:t>communicate methods for</a:t>
                       </a:r>
                       <a:r>
-                        <a:rPr lang="en-US" sz="1100" baseline="0" dirty="0" smtClean="0">
+                        <a:rPr lang="en-US" sz="1200" baseline="0" dirty="0" smtClean="0">
                           <a:solidFill>
                             <a:srgbClr val="000000"/>
                           </a:solidFill>
@@ -9617,7 +10885,7 @@
                         </a:rPr>
                         <a:t> help</a:t>
                       </a:r>
-                      <a:endParaRPr lang="en-US" sz="1100" dirty="0" smtClean="0">
+                      <a:endParaRPr lang="en-US" sz="1200" dirty="0" smtClean="0">
                         <a:solidFill>
                           <a:srgbClr val="000000"/>
                         </a:solidFill>
@@ -9652,7 +10920,7 @@
                     <a:lstStyle/>
                     <a:p>
                       <a:r>
-                        <a:rPr lang="en-US" sz="1100" kern="1200" dirty="0" smtClean="0">
+                        <a:rPr lang="en-US" sz="1200" kern="1200" dirty="0" smtClean="0">
                           <a:solidFill>
                             <a:schemeClr val="dk1"/>
                           </a:solidFill>
@@ -9664,7 +10932,7 @@
                         <a:t>Add a course to POS;</a:t>
                       </a:r>
                       <a:r>
-                        <a:rPr lang="en-US" sz="1100" kern="1200" baseline="0" dirty="0" smtClean="0">
+                        <a:rPr lang="en-US" sz="1200" kern="1200" baseline="0" dirty="0" smtClean="0">
                           <a:solidFill>
                             <a:schemeClr val="dk1"/>
                           </a:solidFill>
@@ -9676,7 +10944,7 @@
                         <a:t> </a:t>
                       </a:r>
                       <a:r>
-                        <a:rPr lang="en-US" sz="1100" kern="1200" dirty="0" smtClean="0">
+                        <a:rPr lang="en-US" sz="1200" kern="1200" dirty="0" smtClean="0">
                           <a:solidFill>
                             <a:schemeClr val="dk1"/>
                           </a:solidFill>
@@ -9688,12 +10956,12 @@
                         <a:t>create a plan for graduate studies.</a:t>
                       </a:r>
                       <a:r>
-                        <a:rPr lang="en-US" sz="1100" dirty="0" smtClean="0">
+                        <a:rPr lang="en-US" sz="1200" dirty="0" smtClean="0">
                           <a:effectLst/>
                         </a:rPr>
                         <a:t> </a:t>
                       </a:r>
-                      <a:endParaRPr lang="en-US" sz="1100" dirty="0"/>
+                      <a:endParaRPr lang="en-US" sz="1200" dirty="0"/>
                     </a:p>
                   </a:txBody>
                   <a:tcPr/>
@@ -9720,7 +10988,7 @@
                     <a:lstStyle/>
                     <a:p>
                       <a:r>
-                        <a:rPr lang="en-US" sz="1100" kern="1200" dirty="0" smtClean="0">
+                        <a:rPr lang="en-US" sz="1200" kern="1200" dirty="0" smtClean="0">
                           <a:solidFill>
                             <a:schemeClr val="dk1"/>
                           </a:solidFill>
@@ -9732,7 +11000,7 @@
                         <a:t>View POS online;</a:t>
                       </a:r>
                       <a:r>
-                        <a:rPr lang="en-US" sz="1100" kern="1200" baseline="0" dirty="0" smtClean="0">
+                        <a:rPr lang="en-US" sz="1200" kern="1200" baseline="0" dirty="0" smtClean="0">
                           <a:solidFill>
                             <a:schemeClr val="dk1"/>
                           </a:solidFill>
@@ -9744,7 +11012,7 @@
                         <a:t> </a:t>
                       </a:r>
                       <a:r>
-                        <a:rPr lang="en-US" sz="1100" kern="1200" dirty="0" smtClean="0">
+                        <a:rPr lang="en-US" sz="1200" kern="1200" dirty="0" smtClean="0">
                           <a:solidFill>
                             <a:schemeClr val="dk1"/>
                           </a:solidFill>
@@ -9755,7 +11023,7 @@
                         </a:rPr>
                         <a:t>verify added courses</a:t>
                       </a:r>
-                      <a:endParaRPr lang="en-US" sz="1100" dirty="0"/>
+                      <a:endParaRPr lang="en-US" sz="1200" dirty="0"/>
                     </a:p>
                   </a:txBody>
                   <a:tcPr/>
@@ -9793,7 +11061,7 @@
                         </a:spcAft>
                       </a:pPr>
                       <a:r>
-                        <a:rPr lang="en-US" sz="1100" kern="1200" dirty="0" smtClean="0">
+                        <a:rPr lang="en-US" sz="1200" kern="1200" dirty="0" smtClean="0">
                           <a:solidFill>
                             <a:schemeClr val="dk1"/>
                           </a:solidFill>
@@ -9805,7 +11073,7 @@
                         <a:t>Post a review for a specific course;</a:t>
                       </a:r>
                       <a:r>
-                        <a:rPr lang="en-US" sz="1100" kern="1200" baseline="0" dirty="0" smtClean="0">
+                        <a:rPr lang="en-US" sz="1200" kern="1200" baseline="0" dirty="0" smtClean="0">
                           <a:solidFill>
                             <a:schemeClr val="dk1"/>
                           </a:solidFill>
@@ -9817,7 +11085,7 @@
                         <a:t> </a:t>
                       </a:r>
                       <a:r>
-                        <a:rPr lang="en-US" sz="1100" kern="1200" dirty="0" smtClean="0">
+                        <a:rPr lang="en-US" sz="1200" kern="1200" dirty="0" smtClean="0">
                           <a:solidFill>
                             <a:schemeClr val="dk1"/>
                           </a:solidFill>
@@ -9828,7 +11096,7 @@
                         </a:rPr>
                         <a:t>share course experience</a:t>
                       </a:r>
-                      <a:endParaRPr lang="en-US" sz="1100" dirty="0">
+                      <a:endParaRPr lang="en-US" sz="1200" dirty="0">
                         <a:solidFill>
                           <a:srgbClr val="000000"/>
                         </a:solidFill>
@@ -9874,7 +11142,7 @@
                         </a:spcAft>
                       </a:pPr>
                       <a:r>
-                        <a:rPr lang="en-US" sz="1100" kern="1200" dirty="0" smtClean="0">
+                        <a:rPr lang="en-US" sz="1200" kern="1200" dirty="0" smtClean="0">
                           <a:solidFill>
                             <a:schemeClr val="dk1"/>
                           </a:solidFill>
@@ -9885,7 +11153,7 @@
                         </a:rPr>
                         <a:t>View all reviews for a specific course</a:t>
                       </a:r>
-                      <a:endParaRPr lang="en-US" sz="1100" dirty="0">
+                      <a:endParaRPr lang="en-US" sz="1200" dirty="0">
                         <a:solidFill>
                           <a:srgbClr val="000000"/>
                         </a:solidFill>
@@ -9931,7 +11199,7 @@
                         </a:spcAft>
                       </a:pPr>
                       <a:r>
-                        <a:rPr lang="en-US" sz="1100" dirty="0" smtClean="0">
+                        <a:rPr lang="en-US" sz="1200" dirty="0" smtClean="0">
                           <a:solidFill>
                             <a:srgbClr val="000000"/>
                           </a:solidFill>
@@ -9943,7 +11211,7 @@
                         <a:t>View a </a:t>
                       </a:r>
                       <a:r>
-                        <a:rPr lang="en-US" sz="1100" dirty="0">
+                        <a:rPr lang="en-US" sz="1200" dirty="0">
                           <a:solidFill>
                             <a:srgbClr val="000000"/>
                           </a:solidFill>
@@ -9955,7 +11223,7 @@
                         <a:t>list of frequently asked </a:t>
                       </a:r>
                       <a:r>
-                        <a:rPr lang="en-US" sz="1100" dirty="0" smtClean="0">
+                        <a:rPr lang="en-US" sz="1200" dirty="0" smtClean="0">
                           <a:solidFill>
                             <a:srgbClr val="000000"/>
                           </a:solidFill>
@@ -9966,7 +11234,7 @@
                         </a:rPr>
                         <a:t>questions</a:t>
                       </a:r>
-                      <a:endParaRPr lang="en-US" sz="1100" dirty="0">
+                      <a:endParaRPr lang="en-US" sz="1200" dirty="0">
                         <a:solidFill>
                           <a:srgbClr val="000000"/>
                         </a:solidFill>
@@ -9987,7 +11255,7 @@
     </p:spTree>
     <p:extLst>
       <p:ext uri="{BB962C8B-B14F-4D97-AF65-F5344CB8AC3E}">
-        <p14:creationId xmlns:p14="http://schemas.microsoft.com/office/powerpoint/2010/main" val="1530510290"/>
+        <p14:creationId xmlns="" xmlns:p14="http://schemas.microsoft.com/office/powerpoint/2010/main" val="1530510290"/>
       </p:ext>
     </p:extLst>
   </p:cSld>
@@ -9997,7 +11265,7 @@
   <p:timing>
     <p:tnLst>
       <p:par>
-        <p:cTn xmlns:p14="http://schemas.microsoft.com/office/powerpoint/2010/main" id="1" dur="indefinite" restart="never" nodeType="tmRoot"/>
+        <p:cTn id="1" dur="indefinite" restart="never" nodeType="tmRoot"/>
       </p:par>
     </p:tnLst>
   </p:timing>
@@ -10033,8 +11301,8 @@
         </p:nvSpPr>
         <p:spPr>
           <a:xfrm>
-            <a:off x="7196606" y="291498"/>
-            <a:ext cx="3335866" cy="916135"/>
+            <a:off x="7349006" y="749565"/>
+            <a:ext cx="1947394" cy="916135"/>
           </a:xfrm>
         </p:spPr>
         <p:txBody>
@@ -10042,29 +11310,14 @@
           <a:lstStyle/>
           <a:p>
             <a:r>
-              <a:rPr lang="en-US" sz="2000" dirty="0" smtClean="0">
+              <a:rPr lang="en-US" sz="1800" dirty="0" smtClean="0">
                 <a:solidFill>
                   <a:srgbClr val="FFFFFF"/>
                 </a:solidFill>
               </a:rPr>
-              <a:t>Architecture </a:t>
-            </a:r>
-            <a:br>
-              <a:rPr lang="en-US" sz="2000" dirty="0" smtClean="0">
-                <a:solidFill>
-                  <a:srgbClr val="FFFFFF"/>
-                </a:solidFill>
-              </a:rPr>
-            </a:br>
-            <a:r>
-              <a:rPr lang="en-US" sz="2000" dirty="0" smtClean="0">
-                <a:solidFill>
-                  <a:srgbClr val="FFFFFF"/>
-                </a:solidFill>
-              </a:rPr>
-              <a:t>Diagram</a:t>
-            </a:r>
-            <a:endParaRPr lang="en-US" sz="2000" dirty="0">
+              <a:t>Schedu-elp Architecture</a:t>
+            </a:r>
+            <a:endParaRPr lang="en-US" sz="1800" dirty="0">
               <a:solidFill>
                 <a:srgbClr val="FFFFFF"/>
               </a:solidFill>
@@ -10072,38 +11325,36 @@
           </a:p>
         </p:txBody>
       </p:sp>
-      <p:sp>
-        <p:nvSpPr>
-          <p:cNvPr id="3" name="Content Placeholder 2"/>
-          <p:cNvSpPr>
-            <a:spLocks noGrp="1"/>
-          </p:cNvSpPr>
-          <p:nvPr>
-            <p:ph idx="1"/>
-          </p:nvPr>
-        </p:nvSpPr>
-        <p:spPr>
+      <p:pic>
+        <p:nvPicPr>
+          <p:cNvPr id="10244" name="Picture 4" descr="C:\poori\scu\courses\fall2\sw_engr\project\Component Diagram.jpg"/>
+          <p:cNvPicPr>
+            <a:picLocks noChangeAspect="1" noChangeArrowheads="1"/>
+          </p:cNvPicPr>
+          <p:nvPr/>
+        </p:nvPicPr>
+        <p:blipFill>
+          <a:blip r:embed="rId3" cstate="print"/>
+          <a:srcRect/>
+          <a:stretch>
+            <a:fillRect/>
+          </a:stretch>
+        </p:blipFill>
+        <p:spPr bwMode="auto">
           <a:xfrm>
-            <a:off x="457199" y="1207634"/>
-            <a:ext cx="6508377" cy="4918530"/>
+            <a:off x="-80963" y="-53008"/>
+            <a:ext cx="7444740" cy="7132320"/>
           </a:xfrm>
+          <a:prstGeom prst="rect">
+            <a:avLst/>
+          </a:prstGeom>
+          <a:noFill/>
         </p:spPr>
-        <p:txBody>
-          <a:bodyPr/>
-          <a:lstStyle/>
-          <a:p>
-            <a:r>
-              <a:rPr lang="en-US" dirty="0" smtClean="0"/>
-              <a:t>Component diagram goes here (Sheila)</a:t>
-            </a:r>
-            <a:endParaRPr lang="en-US" dirty="0"/>
-          </a:p>
-        </p:txBody>
-      </p:sp>
+      </p:pic>
     </p:spTree>
     <p:extLst>
       <p:ext uri="{BB962C8B-B14F-4D97-AF65-F5344CB8AC3E}">
-        <p14:creationId xmlns:p14="http://schemas.microsoft.com/office/powerpoint/2010/main" val="1138632541"/>
+        <p14:creationId xmlns="" xmlns:p14="http://schemas.microsoft.com/office/powerpoint/2010/main" val="1138632541"/>
       </p:ext>
     </p:extLst>
   </p:cSld>
@@ -10113,7 +11364,7 @@
   <p:timing>
     <p:tnLst>
       <p:par>
-        <p:cTn xmlns:p14="http://schemas.microsoft.com/office/powerpoint/2010/main" id="1" dur="indefinite" restart="never" nodeType="tmRoot"/>
+        <p:cTn id="1" dur="indefinite" restart="never" nodeType="tmRoot"/>
       </p:par>
     </p:tnLst>
   </p:timing>
@@ -10139,84 +11390,34 @@
       </p:grpSpPr>
       <p:sp>
         <p:nvSpPr>
-          <p:cNvPr id="3" name="Content Placeholder 2"/>
-          <p:cNvSpPr>
-            <a:spLocks noGrp="1"/>
-          </p:cNvSpPr>
-          <p:nvPr>
-            <p:ph idx="1"/>
-          </p:nvPr>
-        </p:nvSpPr>
-        <p:spPr>
-          <a:xfrm>
-            <a:off x="457199" y="1207634"/>
-            <a:ext cx="6508377" cy="4918530"/>
-          </a:xfrm>
-        </p:spPr>
-        <p:txBody>
-          <a:bodyPr/>
-          <a:lstStyle/>
-          <a:p>
-            <a:r>
-              <a:rPr lang="en-US" dirty="0" smtClean="0"/>
-              <a:t>Table showing user stories, components developed for the story, name against each component (Poornima)</a:t>
-            </a:r>
-          </a:p>
-          <a:p>
-            <a:r>
-              <a:rPr lang="en-US" dirty="0" smtClean="0"/>
-              <a:t>Side box showing scrum roles (Shradha)</a:t>
-            </a:r>
-          </a:p>
-        </p:txBody>
-      </p:sp>
-      <p:sp>
-        <p:nvSpPr>
           <p:cNvPr id="4" name="Rectangle 3"/>
           <p:cNvSpPr/>
           <p:nvPr/>
         </p:nvSpPr>
         <p:spPr>
           <a:xfrm>
-            <a:off x="7281235" y="548952"/>
-            <a:ext cx="4572000" cy="1200329"/>
+            <a:off x="7219243" y="745969"/>
+            <a:ext cx="1862765" cy="1015663"/>
           </a:xfrm>
           <a:prstGeom prst="rect">
             <a:avLst/>
           </a:prstGeom>
         </p:spPr>
         <p:txBody>
-          <a:bodyPr>
+          <a:bodyPr wrap="square">
             <a:spAutoFit/>
           </a:bodyPr>
           <a:lstStyle/>
           <a:p>
             <a:r>
-              <a:rPr lang="en-US" dirty="0">
+              <a:rPr lang="en-US" sz="2000" dirty="0" smtClean="0">
                 <a:solidFill>
                   <a:srgbClr val="FFFFFF"/>
                 </a:solidFill>
               </a:rPr>
-              <a:t>Architecture </a:t>
-            </a:r>
-            <a:br>
-              <a:rPr lang="en-US" dirty="0">
-                <a:solidFill>
-                  <a:srgbClr val="FFFFFF"/>
-                </a:solidFill>
-              </a:rPr>
-            </a:br>
-            <a:r>
-              <a:rPr lang="en-US" dirty="0" smtClean="0">
-                <a:solidFill>
-                  <a:srgbClr val="FFFFFF"/>
-                </a:solidFill>
-              </a:rPr>
-              <a:t>Diagram</a:t>
-            </a:r>
-          </a:p>
-          <a:p>
-            <a:endParaRPr lang="en-US" dirty="0">
+              <a:t>Schedu-elp Architecture</a:t>
+            </a:r>
+            <a:endParaRPr lang="en-US" sz="2000" dirty="0">
               <a:solidFill>
                 <a:srgbClr val="FFFFFF"/>
               </a:solidFill>
@@ -10224,14 +11425,14 @@
           </a:p>
           <a:p>
             <a:r>
-              <a:rPr lang="en-US" dirty="0" smtClean="0">
+              <a:rPr lang="en-US" sz="2000" dirty="0" smtClean="0">
                 <a:solidFill>
                   <a:srgbClr val="FFFFFF"/>
                 </a:solidFill>
               </a:rPr>
               <a:t>(cont.)</a:t>
             </a:r>
-            <a:endParaRPr lang="en-US" dirty="0"/>
+            <a:endParaRPr lang="en-US" sz="2000" dirty="0"/>
           </a:p>
         </p:txBody>
       </p:sp>
@@ -10243,7 +11444,7 @@
         </p:nvSpPr>
         <p:spPr>
           <a:xfrm>
-            <a:off x="5757333" y="3606801"/>
+            <a:off x="357808" y="225287"/>
             <a:ext cx="2997200" cy="2031325"/>
           </a:xfrm>
           <a:prstGeom prst="rect">
@@ -10277,7 +11478,7 @@
           <a:lstStyle/>
           <a:p>
             <a:r>
-              <a:rPr lang="en-US" dirty="0" smtClean="0">
+              <a:rPr lang="en-US" b="1" dirty="0" smtClean="0">
                 <a:solidFill>
                   <a:srgbClr val="FFFFFF"/>
                 </a:solidFill>
@@ -10285,7 +11486,7 @@
               <a:t>     </a:t>
             </a:r>
             <a:r>
-              <a:rPr lang="en-US" u="sng" dirty="0" smtClean="0">
+              <a:rPr lang="en-US" b="1" u="sng" dirty="0" smtClean="0">
                 <a:solidFill>
                   <a:srgbClr val="FFFFFF"/>
                 </a:solidFill>
@@ -10293,12 +11494,12 @@
               <a:t>  </a:t>
             </a:r>
             <a:r>
-              <a:rPr lang="en-US" u="sng" dirty="0" smtClean="0">
+              <a:rPr lang="en-US" b="1" u="sng" dirty="0" smtClean="0">
                 <a:solidFill>
                   <a:schemeClr val="accent1"/>
                 </a:solidFill>
               </a:rPr>
-              <a:t> SCRUM ROLES</a:t>
+              <a:t>SCRUM ROLES</a:t>
             </a:r>
           </a:p>
           <a:p>
@@ -10318,18 +11519,13 @@
               <a:t>Scrum Master: </a:t>
             </a:r>
             <a:r>
-              <a:rPr lang="en-US" dirty="0" err="1" smtClean="0">
+              <a:rPr lang="en-US" dirty="0" smtClean="0">
                 <a:solidFill>
-                  <a:schemeClr val="accent1"/>
+                  <a:schemeClr val="tx2"/>
                 </a:solidFill>
               </a:rPr>
               <a:t>Poornima</a:t>
             </a:r>
-            <a:endParaRPr lang="en-US" dirty="0" smtClean="0">
-              <a:solidFill>
-                <a:schemeClr val="accent1"/>
-              </a:solidFill>
-            </a:endParaRPr>
           </a:p>
           <a:p>
             <a:r>
@@ -10338,7 +11534,15 @@
                   <a:schemeClr val="accent1"/>
                 </a:solidFill>
               </a:rPr>
-              <a:t>Product Owner: Shradha</a:t>
+              <a:t>Product Owner: </a:t>
+            </a:r>
+            <a:r>
+              <a:rPr lang="en-US" dirty="0" smtClean="0">
+                <a:solidFill>
+                  <a:schemeClr val="tx2"/>
+                </a:solidFill>
+              </a:rPr>
+              <a:t>Shradha</a:t>
             </a:r>
           </a:p>
           <a:p>
@@ -10348,11 +11552,19 @@
                   <a:schemeClr val="accent1"/>
                 </a:solidFill>
               </a:rPr>
-              <a:t>Team: All</a:t>
+              <a:t>Team: </a:t>
+            </a:r>
+            <a:r>
+              <a:rPr lang="en-US" dirty="0" smtClean="0">
+                <a:solidFill>
+                  <a:schemeClr val="tx2"/>
+                </a:solidFill>
+              </a:rPr>
+              <a:t>All</a:t>
             </a:r>
             <a:endParaRPr lang="en-US" dirty="0">
               <a:solidFill>
-                <a:schemeClr val="accent1"/>
+                <a:schemeClr val="tx2"/>
               </a:solidFill>
             </a:endParaRPr>
           </a:p>
@@ -10363,7 +11575,7 @@
                   <a:schemeClr val="accent1"/>
                 </a:solidFill>
               </a:rPr>
-              <a:t>-------------------------------------</a:t>
+              <a:t>------------------------------------</a:t>
             </a:r>
           </a:p>
           <a:p>
@@ -10373,20 +11585,1428 @@
                   <a:schemeClr val="accent1"/>
                 </a:solidFill>
               </a:rPr>
-              <a:t>Customer: Sheila</a:t>
+              <a:t>Customer: </a:t>
+            </a:r>
+            <a:r>
+              <a:rPr lang="en-US" dirty="0" smtClean="0">
+                <a:solidFill>
+                  <a:schemeClr val="tx2"/>
+                </a:solidFill>
+              </a:rPr>
+              <a:t>Sheila</a:t>
             </a:r>
             <a:endParaRPr lang="en-US" dirty="0">
               <a:solidFill>
-                <a:schemeClr val="accent1"/>
+                <a:schemeClr val="tx2"/>
               </a:solidFill>
             </a:endParaRPr>
           </a:p>
         </p:txBody>
       </p:sp>
+      <p:graphicFrame>
+        <p:nvGraphicFramePr>
+          <p:cNvPr id="9" name="Content Placeholder 3"/>
+          <p:cNvGraphicFramePr>
+            <a:graphicFrameLocks noGrp="1"/>
+          </p:cNvGraphicFramePr>
+          <p:nvPr>
+            <p:ph idx="1"/>
+            <p:extLst>
+              <p:ext uri="{D42A27DB-BD31-4B8C-83A1-F6EECF244321}">
+                <p14:modId xmlns="" xmlns:p14="http://schemas.microsoft.com/office/powerpoint/2010/main" val="2952445889"/>
+              </p:ext>
+            </p:extLst>
+          </p:nvPr>
+        </p:nvGraphicFramePr>
+        <p:xfrm>
+          <a:off x="357808" y="2517912"/>
+          <a:ext cx="8295863" cy="3463445"/>
+        </p:xfrm>
+        <a:graphic>
+          <a:graphicData uri="http://schemas.openxmlformats.org/drawingml/2006/table">
+            <a:tbl>
+              <a:tblPr firstRow="1" bandRow="1">
+                <a:tableStyleId>{5C22544A-7EE6-4342-B048-85BDC9FD1C3A}</a:tableStyleId>
+              </a:tblPr>
+              <a:tblGrid>
+                <a:gridCol w="2600757"/>
+                <a:gridCol w="3085645"/>
+                <a:gridCol w="2609461"/>
+              </a:tblGrid>
+              <a:tr h="317512">
+                <a:tc>
+                  <a:txBody>
+                    <a:bodyPr/>
+                    <a:lstStyle/>
+                    <a:p>
+                      <a:pPr algn="ctr"/>
+                      <a:r>
+                        <a:rPr lang="en-US" sz="1600" dirty="0" smtClean="0">
+                          <a:latin typeface="+mn-lt"/>
+                        </a:rPr>
+                        <a:t>Functionality</a:t>
+                      </a:r>
+                      <a:endParaRPr lang="en-US" sz="1600" dirty="0">
+                        <a:latin typeface="+mn-lt"/>
+                      </a:endParaRPr>
+                    </a:p>
+                  </a:txBody>
+                  <a:tcPr/>
+                </a:tc>
+                <a:tc>
+                  <a:txBody>
+                    <a:bodyPr/>
+                    <a:lstStyle/>
+                    <a:p>
+                      <a:pPr algn="ctr"/>
+                      <a:r>
+                        <a:rPr lang="en-US" sz="1600" dirty="0" smtClean="0">
+                          <a:latin typeface="+mn-lt"/>
+                        </a:rPr>
+                        <a:t>Components</a:t>
+                      </a:r>
+                      <a:endParaRPr lang="en-US" sz="1600" dirty="0">
+                        <a:latin typeface="+mn-lt"/>
+                      </a:endParaRPr>
+                    </a:p>
+                  </a:txBody>
+                  <a:tcPr/>
+                </a:tc>
+                <a:tc>
+                  <a:txBody>
+                    <a:bodyPr/>
+                    <a:lstStyle/>
+                    <a:p>
+                      <a:pPr algn="ctr"/>
+                      <a:r>
+                        <a:rPr lang="en-US" sz="1600" dirty="0" smtClean="0">
+                          <a:latin typeface="+mn-lt"/>
+                        </a:rPr>
+                        <a:t>Developer(s)</a:t>
+                      </a:r>
+                      <a:endParaRPr lang="en-US" sz="1600" dirty="0">
+                        <a:latin typeface="+mn-lt"/>
+                      </a:endParaRPr>
+                    </a:p>
+                  </a:txBody>
+                  <a:tcPr/>
+                </a:tc>
+              </a:tr>
+              <a:tr h="286643">
+                <a:tc>
+                  <a:txBody>
+                    <a:bodyPr/>
+                    <a:lstStyle/>
+                    <a:p>
+                      <a:pPr marL="0" marR="0" algn="l">
+                        <a:lnSpc>
+                          <a:spcPct val="115000"/>
+                        </a:lnSpc>
+                        <a:spcBef>
+                          <a:spcPts val="0"/>
+                        </a:spcBef>
+                        <a:spcAft>
+                          <a:spcPts val="0"/>
+                        </a:spcAft>
+                      </a:pPr>
+                      <a:r>
+                        <a:rPr lang="en-US" sz="1600" b="1" dirty="0" smtClean="0">
+                          <a:solidFill>
+                            <a:srgbClr val="000000"/>
+                          </a:solidFill>
+                          <a:effectLst/>
+                          <a:latin typeface="+mn-lt"/>
+                          <a:ea typeface="Arial"/>
+                          <a:cs typeface="Arial"/>
+                        </a:rPr>
+                        <a:t>Schedu-el</a:t>
+                      </a:r>
+                      <a:r>
+                        <a:rPr lang="en-US" sz="1600" b="1" baseline="0" dirty="0" smtClean="0">
+                          <a:solidFill>
+                            <a:srgbClr val="000000"/>
+                          </a:solidFill>
+                          <a:effectLst/>
+                          <a:latin typeface="+mn-lt"/>
+                          <a:ea typeface="Arial"/>
+                          <a:cs typeface="Arial"/>
+                        </a:rPr>
+                        <a:t>p Home Page</a:t>
+                      </a:r>
+                      <a:endParaRPr lang="en-US" sz="1600" b="1" dirty="0">
+                        <a:solidFill>
+                          <a:srgbClr val="000000"/>
+                        </a:solidFill>
+                        <a:effectLst/>
+                        <a:latin typeface="+mn-lt"/>
+                        <a:ea typeface="Arial"/>
+                        <a:cs typeface="Arial"/>
+                      </a:endParaRPr>
+                    </a:p>
+                  </a:txBody>
+                  <a:tcPr marL="68580" marR="68580" marT="0" marB="0" anchor="ctr"/>
+                </a:tc>
+                <a:tc>
+                  <a:txBody>
+                    <a:bodyPr/>
+                    <a:lstStyle/>
+                    <a:p>
+                      <a:pPr marL="0" marR="0" algn="l">
+                        <a:lnSpc>
+                          <a:spcPct val="115000"/>
+                        </a:lnSpc>
+                        <a:spcBef>
+                          <a:spcPts val="0"/>
+                        </a:spcBef>
+                        <a:spcAft>
+                          <a:spcPts val="0"/>
+                        </a:spcAft>
+                      </a:pPr>
+                      <a:r>
+                        <a:rPr lang="en-US" sz="1600" b="0" dirty="0" smtClean="0">
+                          <a:solidFill>
+                            <a:srgbClr val="000000"/>
+                          </a:solidFill>
+                          <a:effectLst/>
+                          <a:latin typeface="+mn-lt"/>
+                          <a:ea typeface="Times New Roman"/>
+                          <a:cs typeface="Arial"/>
+                        </a:rPr>
+                        <a:t>Home Page UI</a:t>
+                      </a:r>
+                      <a:endParaRPr lang="en-US" sz="1600" b="0" dirty="0">
+                        <a:solidFill>
+                          <a:srgbClr val="000000"/>
+                        </a:solidFill>
+                        <a:effectLst/>
+                        <a:latin typeface="+mn-lt"/>
+                        <a:ea typeface="Arial"/>
+                        <a:cs typeface="Arial"/>
+                      </a:endParaRPr>
+                    </a:p>
+                  </a:txBody>
+                  <a:tcPr marL="68580" marR="68580" marT="0" marB="0" anchor="ctr"/>
+                </a:tc>
+                <a:tc>
+                  <a:txBody>
+                    <a:bodyPr/>
+                    <a:lstStyle/>
+                    <a:p>
+                      <a:pPr marL="0" marR="0" algn="l">
+                        <a:lnSpc>
+                          <a:spcPct val="115000"/>
+                        </a:lnSpc>
+                        <a:spcBef>
+                          <a:spcPts val="0"/>
+                        </a:spcBef>
+                        <a:spcAft>
+                          <a:spcPts val="0"/>
+                        </a:spcAft>
+                      </a:pPr>
+                      <a:r>
+                        <a:rPr lang="en-US" sz="1600" b="0" dirty="0" smtClean="0">
+                          <a:solidFill>
+                            <a:srgbClr val="000000"/>
+                          </a:solidFill>
+                          <a:effectLst/>
+                          <a:latin typeface="+mn-lt"/>
+                          <a:ea typeface="Arial"/>
+                          <a:cs typeface="Arial"/>
+                        </a:rPr>
+                        <a:t>Shradha</a:t>
+                      </a:r>
+                      <a:endParaRPr lang="en-US" sz="1600" b="0" dirty="0">
+                        <a:solidFill>
+                          <a:srgbClr val="000000"/>
+                        </a:solidFill>
+                        <a:effectLst/>
+                        <a:latin typeface="+mn-lt"/>
+                        <a:ea typeface="Arial"/>
+                        <a:cs typeface="Arial"/>
+                      </a:endParaRPr>
+                    </a:p>
+                  </a:txBody>
+                  <a:tcPr marL="68580" marR="68580" marT="0" marB="0" anchor="ctr"/>
+                </a:tc>
+              </a:tr>
+              <a:tr h="286643">
+                <a:tc>
+                  <a:txBody>
+                    <a:bodyPr/>
+                    <a:lstStyle/>
+                    <a:p>
+                      <a:pPr marL="0" marR="0" algn="l">
+                        <a:lnSpc>
+                          <a:spcPct val="115000"/>
+                        </a:lnSpc>
+                        <a:spcBef>
+                          <a:spcPts val="0"/>
+                        </a:spcBef>
+                        <a:spcAft>
+                          <a:spcPts val="0"/>
+                        </a:spcAft>
+                      </a:pPr>
+                      <a:r>
+                        <a:rPr lang="en-US" sz="1600" b="1" dirty="0" smtClean="0">
+                          <a:solidFill>
+                            <a:srgbClr val="000000"/>
+                          </a:solidFill>
+                          <a:effectLst/>
+                          <a:latin typeface="+mn-lt"/>
+                          <a:ea typeface="Arial"/>
+                          <a:cs typeface="Arial"/>
+                        </a:rPr>
+                        <a:t>FAQ</a:t>
+                      </a:r>
+                      <a:endParaRPr lang="en-US" sz="1600" b="1" dirty="0">
+                        <a:solidFill>
+                          <a:srgbClr val="000000"/>
+                        </a:solidFill>
+                        <a:effectLst/>
+                        <a:latin typeface="+mn-lt"/>
+                        <a:ea typeface="Arial"/>
+                        <a:cs typeface="Arial"/>
+                      </a:endParaRPr>
+                    </a:p>
+                  </a:txBody>
+                  <a:tcPr marL="68580" marR="68580" marT="0" marB="0" anchor="ctr"/>
+                </a:tc>
+                <a:tc>
+                  <a:txBody>
+                    <a:bodyPr/>
+                    <a:lstStyle/>
+                    <a:p>
+                      <a:pPr marL="0" marR="0" algn="l">
+                        <a:lnSpc>
+                          <a:spcPct val="115000"/>
+                        </a:lnSpc>
+                        <a:spcBef>
+                          <a:spcPts val="0"/>
+                        </a:spcBef>
+                        <a:spcAft>
+                          <a:spcPts val="0"/>
+                        </a:spcAft>
+                      </a:pPr>
+                      <a:r>
+                        <a:rPr lang="en-US" sz="1600" dirty="0" smtClean="0">
+                          <a:solidFill>
+                            <a:srgbClr val="000000"/>
+                          </a:solidFill>
+                          <a:effectLst/>
+                          <a:latin typeface="+mn-lt"/>
+                          <a:ea typeface="Times New Roman"/>
+                          <a:cs typeface="Arial"/>
+                        </a:rPr>
+                        <a:t>FAQ UI</a:t>
+                      </a:r>
+                      <a:endParaRPr lang="en-US" sz="1600" dirty="0">
+                        <a:solidFill>
+                          <a:srgbClr val="000000"/>
+                        </a:solidFill>
+                        <a:effectLst/>
+                        <a:latin typeface="+mn-lt"/>
+                        <a:ea typeface="Arial"/>
+                        <a:cs typeface="Arial"/>
+                      </a:endParaRPr>
+                    </a:p>
+                  </a:txBody>
+                  <a:tcPr marL="68580" marR="68580" marT="0" marB="0" anchor="ctr"/>
+                </a:tc>
+                <a:tc>
+                  <a:txBody>
+                    <a:bodyPr/>
+                    <a:lstStyle/>
+                    <a:p>
+                      <a:pPr marL="0" marR="0" algn="l">
+                        <a:lnSpc>
+                          <a:spcPct val="115000"/>
+                        </a:lnSpc>
+                        <a:spcBef>
+                          <a:spcPts val="0"/>
+                        </a:spcBef>
+                        <a:spcAft>
+                          <a:spcPts val="0"/>
+                        </a:spcAft>
+                      </a:pPr>
+                      <a:r>
+                        <a:rPr lang="en-US" sz="1600" dirty="0" smtClean="0">
+                          <a:solidFill>
+                            <a:srgbClr val="000000"/>
+                          </a:solidFill>
+                          <a:effectLst/>
+                          <a:latin typeface="+mn-lt"/>
+                          <a:ea typeface="Arial"/>
+                          <a:cs typeface="Arial"/>
+                        </a:rPr>
+                        <a:t>Sheila</a:t>
+                      </a:r>
+                      <a:endParaRPr lang="en-US" sz="1600" dirty="0">
+                        <a:solidFill>
+                          <a:srgbClr val="000000"/>
+                        </a:solidFill>
+                        <a:effectLst/>
+                        <a:latin typeface="+mn-lt"/>
+                        <a:ea typeface="Arial"/>
+                        <a:cs typeface="Arial"/>
+                      </a:endParaRPr>
+                    </a:p>
+                  </a:txBody>
+                  <a:tcPr marL="68580" marR="68580" marT="0" marB="0" anchor="ctr"/>
+                </a:tc>
+              </a:tr>
+              <a:tr h="286643">
+                <a:tc>
+                  <a:txBody>
+                    <a:bodyPr/>
+                    <a:lstStyle/>
+                    <a:p>
+                      <a:pPr marL="0" marR="0" algn="l">
+                        <a:lnSpc>
+                          <a:spcPct val="115000"/>
+                        </a:lnSpc>
+                        <a:spcBef>
+                          <a:spcPts val="0"/>
+                        </a:spcBef>
+                        <a:spcAft>
+                          <a:spcPts val="0"/>
+                        </a:spcAft>
+                      </a:pPr>
+                      <a:r>
+                        <a:rPr lang="en-US" sz="1600" b="1" dirty="0" smtClean="0">
+                          <a:solidFill>
+                            <a:srgbClr val="000000"/>
+                          </a:solidFill>
+                          <a:effectLst/>
+                          <a:latin typeface="+mn-lt"/>
+                          <a:ea typeface="Times New Roman"/>
+                          <a:cs typeface="Arial"/>
+                        </a:rPr>
+                        <a:t>Course Search</a:t>
+                      </a:r>
+                      <a:endParaRPr lang="en-US" sz="1600" b="1" dirty="0">
+                        <a:solidFill>
+                          <a:srgbClr val="000000"/>
+                        </a:solidFill>
+                        <a:effectLst/>
+                        <a:latin typeface="+mn-lt"/>
+                        <a:ea typeface="Arial"/>
+                        <a:cs typeface="Arial"/>
+                      </a:endParaRPr>
+                    </a:p>
+                  </a:txBody>
+                  <a:tcPr marL="68580" marR="68580" marT="0" marB="0" anchor="ctr"/>
+                </a:tc>
+                <a:tc>
+                  <a:txBody>
+                    <a:bodyPr/>
+                    <a:lstStyle/>
+                    <a:p>
+                      <a:pPr marL="0" marR="0" algn="l">
+                        <a:lnSpc>
+                          <a:spcPct val="115000"/>
+                        </a:lnSpc>
+                        <a:spcBef>
+                          <a:spcPts val="0"/>
+                        </a:spcBef>
+                        <a:spcAft>
+                          <a:spcPts val="0"/>
+                        </a:spcAft>
+                      </a:pPr>
+                      <a:r>
+                        <a:rPr lang="en-US" sz="1600" b="0" dirty="0" smtClean="0">
+                          <a:solidFill>
+                            <a:srgbClr val="000000"/>
+                          </a:solidFill>
+                          <a:effectLst/>
+                          <a:latin typeface="+mn-lt"/>
+                          <a:ea typeface="Times New Roman"/>
+                          <a:cs typeface="Arial"/>
+                        </a:rPr>
+                        <a:t>UI, </a:t>
+                      </a:r>
+                      <a:r>
+                        <a:rPr lang="en-US" sz="1600" b="0" dirty="0" err="1" smtClean="0">
+                          <a:solidFill>
+                            <a:srgbClr val="000000"/>
+                          </a:solidFill>
+                          <a:effectLst/>
+                          <a:latin typeface="+mn-lt"/>
+                          <a:ea typeface="Times New Roman"/>
+                          <a:cs typeface="Arial"/>
+                        </a:rPr>
+                        <a:t>SearchService</a:t>
+                      </a:r>
+                      <a:r>
+                        <a:rPr lang="en-US" sz="1600" b="0" dirty="0" smtClean="0">
+                          <a:solidFill>
+                            <a:srgbClr val="000000"/>
+                          </a:solidFill>
+                          <a:effectLst/>
+                          <a:latin typeface="+mn-lt"/>
+                          <a:ea typeface="Times New Roman"/>
+                          <a:cs typeface="Arial"/>
+                        </a:rPr>
+                        <a:t>,</a:t>
+                      </a:r>
+                      <a:r>
+                        <a:rPr lang="en-US" sz="1600" b="0" baseline="0" dirty="0" smtClean="0">
+                          <a:solidFill>
+                            <a:srgbClr val="000000"/>
+                          </a:solidFill>
+                          <a:effectLst/>
+                          <a:latin typeface="+mn-lt"/>
+                          <a:ea typeface="Times New Roman"/>
+                          <a:cs typeface="Arial"/>
+                        </a:rPr>
+                        <a:t> Course</a:t>
+                      </a:r>
+                      <a:endParaRPr lang="en-US" sz="1600" b="0" dirty="0">
+                        <a:solidFill>
+                          <a:srgbClr val="000000"/>
+                        </a:solidFill>
+                        <a:effectLst/>
+                        <a:latin typeface="+mn-lt"/>
+                        <a:ea typeface="Arial"/>
+                        <a:cs typeface="Arial"/>
+                      </a:endParaRPr>
+                    </a:p>
+                  </a:txBody>
+                  <a:tcPr marL="68580" marR="68580" marT="0" marB="0" anchor="ctr"/>
+                </a:tc>
+                <a:tc>
+                  <a:txBody>
+                    <a:bodyPr/>
+                    <a:lstStyle/>
+                    <a:p>
+                      <a:pPr marL="0" marR="0" algn="l">
+                        <a:lnSpc>
+                          <a:spcPct val="115000"/>
+                        </a:lnSpc>
+                        <a:spcBef>
+                          <a:spcPts val="0"/>
+                        </a:spcBef>
+                        <a:spcAft>
+                          <a:spcPts val="0"/>
+                        </a:spcAft>
+                      </a:pPr>
+                      <a:r>
+                        <a:rPr lang="en-US" sz="1600" b="0" dirty="0" smtClean="0">
+                          <a:solidFill>
+                            <a:srgbClr val="000000"/>
+                          </a:solidFill>
+                          <a:effectLst/>
+                          <a:latin typeface="+mn-lt"/>
+                          <a:ea typeface="Arial"/>
+                          <a:cs typeface="Arial"/>
+                        </a:rPr>
+                        <a:t>Poornima</a:t>
+                      </a:r>
+                      <a:endParaRPr lang="en-US" sz="1600" b="0" dirty="0">
+                        <a:solidFill>
+                          <a:srgbClr val="000000"/>
+                        </a:solidFill>
+                        <a:effectLst/>
+                        <a:latin typeface="+mn-lt"/>
+                        <a:ea typeface="Arial"/>
+                        <a:cs typeface="Arial"/>
+                      </a:endParaRPr>
+                    </a:p>
+                  </a:txBody>
+                  <a:tcPr marL="68580" marR="68580" marT="0" marB="0" anchor="ctr"/>
+                </a:tc>
+              </a:tr>
+              <a:tr h="286643">
+                <a:tc>
+                  <a:txBody>
+                    <a:bodyPr/>
+                    <a:lstStyle/>
+                    <a:p>
+                      <a:pPr marL="0" marR="0" algn="l">
+                        <a:lnSpc>
+                          <a:spcPct val="115000"/>
+                        </a:lnSpc>
+                        <a:spcBef>
+                          <a:spcPts val="0"/>
+                        </a:spcBef>
+                        <a:spcAft>
+                          <a:spcPts val="0"/>
+                        </a:spcAft>
+                      </a:pPr>
+                      <a:r>
+                        <a:rPr lang="en-US" sz="1600" b="1" dirty="0" smtClean="0">
+                          <a:solidFill>
+                            <a:srgbClr val="000000"/>
+                          </a:solidFill>
+                          <a:effectLst/>
+                          <a:latin typeface="+mn-lt"/>
+                          <a:ea typeface="Times New Roman"/>
+                          <a:cs typeface="Arial"/>
+                        </a:rPr>
+                        <a:t>Course Review</a:t>
+                      </a:r>
+                      <a:endParaRPr lang="en-US" sz="1600" b="1" dirty="0">
+                        <a:solidFill>
+                          <a:srgbClr val="000000"/>
+                        </a:solidFill>
+                        <a:effectLst/>
+                        <a:latin typeface="+mn-lt"/>
+                        <a:ea typeface="Arial"/>
+                        <a:cs typeface="Arial"/>
+                      </a:endParaRPr>
+                    </a:p>
+                  </a:txBody>
+                  <a:tcPr marL="68580" marR="68580" marT="0" marB="0" anchor="ctr"/>
+                </a:tc>
+                <a:tc>
+                  <a:txBody>
+                    <a:bodyPr/>
+                    <a:lstStyle/>
+                    <a:p>
+                      <a:pPr marL="0" marR="0" algn="l">
+                        <a:lnSpc>
+                          <a:spcPct val="115000"/>
+                        </a:lnSpc>
+                        <a:spcBef>
+                          <a:spcPts val="0"/>
+                        </a:spcBef>
+                        <a:spcAft>
+                          <a:spcPts val="0"/>
+                        </a:spcAft>
+                      </a:pPr>
+                      <a:r>
+                        <a:rPr lang="en-US" sz="1600" dirty="0" smtClean="0">
+                          <a:solidFill>
+                            <a:srgbClr val="000000"/>
+                          </a:solidFill>
+                          <a:effectLst/>
+                          <a:latin typeface="+mn-lt"/>
+                          <a:ea typeface="Times New Roman"/>
+                          <a:cs typeface="Arial"/>
+                        </a:rPr>
+                        <a:t>UI, </a:t>
+                      </a:r>
+                      <a:r>
+                        <a:rPr lang="en-US" sz="1600" dirty="0" err="1" smtClean="0">
+                          <a:solidFill>
+                            <a:srgbClr val="000000"/>
+                          </a:solidFill>
+                          <a:effectLst/>
+                          <a:latin typeface="+mn-lt"/>
+                          <a:ea typeface="Times New Roman"/>
+                          <a:cs typeface="Arial"/>
+                        </a:rPr>
+                        <a:t>ReviewService</a:t>
+                      </a:r>
+                      <a:r>
+                        <a:rPr lang="en-US" sz="1600" dirty="0" smtClean="0">
+                          <a:solidFill>
+                            <a:srgbClr val="000000"/>
+                          </a:solidFill>
+                          <a:effectLst/>
+                          <a:latin typeface="+mn-lt"/>
+                          <a:ea typeface="Times New Roman"/>
+                          <a:cs typeface="Arial"/>
+                        </a:rPr>
+                        <a:t>,</a:t>
+                      </a:r>
+                      <a:r>
+                        <a:rPr lang="en-US" sz="1600" baseline="0" dirty="0" smtClean="0">
+                          <a:solidFill>
+                            <a:srgbClr val="000000"/>
+                          </a:solidFill>
+                          <a:effectLst/>
+                          <a:latin typeface="+mn-lt"/>
+                          <a:ea typeface="Times New Roman"/>
+                          <a:cs typeface="Arial"/>
+                        </a:rPr>
+                        <a:t> Review</a:t>
+                      </a:r>
+                      <a:endParaRPr lang="en-US" sz="1600" dirty="0">
+                        <a:solidFill>
+                          <a:srgbClr val="000000"/>
+                        </a:solidFill>
+                        <a:effectLst/>
+                        <a:latin typeface="+mn-lt"/>
+                        <a:ea typeface="Arial"/>
+                        <a:cs typeface="Arial"/>
+                      </a:endParaRPr>
+                    </a:p>
+                  </a:txBody>
+                  <a:tcPr marL="68580" marR="68580" marT="0" marB="0" anchor="ctr"/>
+                </a:tc>
+                <a:tc>
+                  <a:txBody>
+                    <a:bodyPr/>
+                    <a:lstStyle/>
+                    <a:p>
+                      <a:pPr marL="0" marR="0" algn="l">
+                        <a:lnSpc>
+                          <a:spcPct val="115000"/>
+                        </a:lnSpc>
+                        <a:spcBef>
+                          <a:spcPts val="0"/>
+                        </a:spcBef>
+                        <a:spcAft>
+                          <a:spcPts val="0"/>
+                        </a:spcAft>
+                      </a:pPr>
+                      <a:r>
+                        <a:rPr lang="en-US" sz="1600" dirty="0" smtClean="0">
+                          <a:solidFill>
+                            <a:srgbClr val="000000"/>
+                          </a:solidFill>
+                          <a:effectLst/>
+                          <a:latin typeface="+mn-lt"/>
+                          <a:ea typeface="Arial"/>
+                          <a:cs typeface="Arial"/>
+                        </a:rPr>
+                        <a:t>Shradha</a:t>
+                      </a:r>
+                      <a:endParaRPr lang="en-US" sz="1600" dirty="0">
+                        <a:solidFill>
+                          <a:srgbClr val="000000"/>
+                        </a:solidFill>
+                        <a:effectLst/>
+                        <a:latin typeface="+mn-lt"/>
+                        <a:ea typeface="Arial"/>
+                        <a:cs typeface="Arial"/>
+                      </a:endParaRPr>
+                    </a:p>
+                  </a:txBody>
+                  <a:tcPr marL="68580" marR="68580" marT="0" marB="0" anchor="ctr"/>
+                </a:tc>
+              </a:tr>
+              <a:tr h="286643">
+                <a:tc>
+                  <a:txBody>
+                    <a:bodyPr/>
+                    <a:lstStyle/>
+                    <a:p>
+                      <a:pPr marL="0" marR="0" algn="l">
+                        <a:lnSpc>
+                          <a:spcPct val="115000"/>
+                        </a:lnSpc>
+                        <a:spcBef>
+                          <a:spcPts val="0"/>
+                        </a:spcBef>
+                        <a:spcAft>
+                          <a:spcPts val="0"/>
+                        </a:spcAft>
+                      </a:pPr>
+                      <a:r>
+                        <a:rPr lang="en-US" sz="1600" b="1" dirty="0" smtClean="0">
+                          <a:solidFill>
+                            <a:srgbClr val="000000"/>
+                          </a:solidFill>
+                          <a:effectLst/>
+                          <a:latin typeface="+mn-lt"/>
+                          <a:ea typeface="Times New Roman"/>
+                          <a:cs typeface="Arial"/>
+                        </a:rPr>
+                        <a:t>Program of Studies</a:t>
+                      </a:r>
+                      <a:endParaRPr lang="en-US" sz="1600" b="1" dirty="0">
+                        <a:solidFill>
+                          <a:srgbClr val="000000"/>
+                        </a:solidFill>
+                        <a:effectLst/>
+                        <a:latin typeface="+mn-lt"/>
+                        <a:ea typeface="Arial"/>
+                        <a:cs typeface="Arial"/>
+                      </a:endParaRPr>
+                    </a:p>
+                  </a:txBody>
+                  <a:tcPr marL="68580" marR="68580" marT="0" marB="0" anchor="ctr"/>
+                </a:tc>
+                <a:tc>
+                  <a:txBody>
+                    <a:bodyPr/>
+                    <a:lstStyle/>
+                    <a:p>
+                      <a:pPr marL="0" marR="0" algn="l">
+                        <a:lnSpc>
+                          <a:spcPct val="115000"/>
+                        </a:lnSpc>
+                        <a:spcBef>
+                          <a:spcPts val="0"/>
+                        </a:spcBef>
+                        <a:spcAft>
+                          <a:spcPts val="0"/>
+                        </a:spcAft>
+                      </a:pPr>
+                      <a:r>
+                        <a:rPr lang="en-US" sz="1600" b="0" dirty="0" smtClean="0">
+                          <a:solidFill>
+                            <a:srgbClr val="000000"/>
+                          </a:solidFill>
+                          <a:effectLst/>
+                          <a:latin typeface="+mn-lt"/>
+                          <a:ea typeface="Times New Roman"/>
+                          <a:cs typeface="Arial"/>
+                        </a:rPr>
+                        <a:t>UI, </a:t>
+                      </a:r>
+                      <a:r>
+                        <a:rPr lang="en-US" sz="1600" b="0" dirty="0" err="1" smtClean="0">
+                          <a:solidFill>
+                            <a:srgbClr val="000000"/>
+                          </a:solidFill>
+                          <a:effectLst/>
+                          <a:latin typeface="+mn-lt"/>
+                          <a:ea typeface="Times New Roman"/>
+                          <a:cs typeface="Arial"/>
+                        </a:rPr>
+                        <a:t>POSService</a:t>
+                      </a:r>
+                      <a:r>
+                        <a:rPr lang="en-US" sz="1600" b="0" dirty="0" smtClean="0">
+                          <a:solidFill>
+                            <a:srgbClr val="000000"/>
+                          </a:solidFill>
+                          <a:effectLst/>
+                          <a:latin typeface="+mn-lt"/>
+                          <a:ea typeface="Times New Roman"/>
+                          <a:cs typeface="Arial"/>
+                        </a:rPr>
+                        <a:t>, Course, </a:t>
+                      </a:r>
+                      <a:r>
+                        <a:rPr lang="en-US" sz="1600" b="0" dirty="0" err="1" smtClean="0">
+                          <a:solidFill>
+                            <a:srgbClr val="000000"/>
+                          </a:solidFill>
+                          <a:effectLst/>
+                          <a:latin typeface="+mn-lt"/>
+                          <a:ea typeface="Times New Roman"/>
+                          <a:cs typeface="Arial"/>
+                        </a:rPr>
+                        <a:t>CourseSchedule</a:t>
+                      </a:r>
+                      <a:r>
+                        <a:rPr lang="en-US" sz="1600" b="0" dirty="0" smtClean="0">
+                          <a:solidFill>
+                            <a:srgbClr val="000000"/>
+                          </a:solidFill>
+                          <a:effectLst/>
+                          <a:latin typeface="+mn-lt"/>
+                          <a:ea typeface="Times New Roman"/>
+                          <a:cs typeface="Arial"/>
+                        </a:rPr>
+                        <a:t>, Student</a:t>
+                      </a:r>
+                      <a:endParaRPr lang="en-US" sz="1600" b="0" dirty="0">
+                        <a:solidFill>
+                          <a:srgbClr val="000000"/>
+                        </a:solidFill>
+                        <a:effectLst/>
+                        <a:latin typeface="+mn-lt"/>
+                        <a:ea typeface="Arial"/>
+                        <a:cs typeface="Arial"/>
+                      </a:endParaRPr>
+                    </a:p>
+                  </a:txBody>
+                  <a:tcPr marL="68580" marR="68580" marT="0" marB="0" anchor="ctr"/>
+                </a:tc>
+                <a:tc>
+                  <a:txBody>
+                    <a:bodyPr/>
+                    <a:lstStyle/>
+                    <a:p>
+                      <a:pPr marL="0" marR="0" algn="l">
+                        <a:lnSpc>
+                          <a:spcPct val="115000"/>
+                        </a:lnSpc>
+                        <a:spcBef>
+                          <a:spcPts val="0"/>
+                        </a:spcBef>
+                        <a:spcAft>
+                          <a:spcPts val="0"/>
+                        </a:spcAft>
+                      </a:pPr>
+                      <a:r>
+                        <a:rPr lang="en-US" sz="1600" b="0" dirty="0" smtClean="0">
+                          <a:solidFill>
+                            <a:srgbClr val="000000"/>
+                          </a:solidFill>
+                          <a:effectLst/>
+                          <a:latin typeface="+mn-lt"/>
+                          <a:ea typeface="Arial"/>
+                          <a:cs typeface="Arial"/>
+                        </a:rPr>
+                        <a:t>Poornima, Sheila</a:t>
+                      </a:r>
+                      <a:endParaRPr lang="en-US" sz="1600" b="0" dirty="0">
+                        <a:solidFill>
+                          <a:srgbClr val="000000"/>
+                        </a:solidFill>
+                        <a:effectLst/>
+                        <a:latin typeface="+mn-lt"/>
+                        <a:ea typeface="Arial"/>
+                        <a:cs typeface="Arial"/>
+                      </a:endParaRPr>
+                    </a:p>
+                  </a:txBody>
+                  <a:tcPr marL="68580" marR="68580" marT="0" marB="0" anchor="ctr"/>
+                </a:tc>
+              </a:tr>
+              <a:tr h="286643">
+                <a:tc>
+                  <a:txBody>
+                    <a:bodyPr/>
+                    <a:lstStyle/>
+                    <a:p>
+                      <a:pPr marL="0" marR="0" algn="l">
+                        <a:lnSpc>
+                          <a:spcPct val="115000"/>
+                        </a:lnSpc>
+                        <a:spcBef>
+                          <a:spcPts val="0"/>
+                        </a:spcBef>
+                        <a:spcAft>
+                          <a:spcPts val="0"/>
+                        </a:spcAft>
+                      </a:pPr>
+                      <a:r>
+                        <a:rPr lang="en-US" sz="1600" b="1" dirty="0" smtClean="0">
+                          <a:solidFill>
+                            <a:srgbClr val="000000"/>
+                          </a:solidFill>
+                          <a:effectLst/>
+                          <a:latin typeface="+mn-lt"/>
+                          <a:ea typeface="Times New Roman"/>
+                          <a:cs typeface="Arial"/>
+                        </a:rPr>
+                        <a:t>Student</a:t>
+                      </a:r>
+                      <a:r>
+                        <a:rPr lang="en-US" sz="1600" b="1" baseline="0" dirty="0" smtClean="0">
+                          <a:solidFill>
+                            <a:srgbClr val="000000"/>
+                          </a:solidFill>
+                          <a:effectLst/>
+                          <a:latin typeface="+mn-lt"/>
+                          <a:ea typeface="Times New Roman"/>
+                          <a:cs typeface="Arial"/>
+                        </a:rPr>
+                        <a:t> Sign in /Sign out</a:t>
+                      </a:r>
+                      <a:endParaRPr lang="en-US" sz="1600" b="1" dirty="0">
+                        <a:solidFill>
+                          <a:srgbClr val="000000"/>
+                        </a:solidFill>
+                        <a:effectLst/>
+                        <a:latin typeface="+mn-lt"/>
+                        <a:ea typeface="Arial"/>
+                        <a:cs typeface="Arial"/>
+                      </a:endParaRPr>
+                    </a:p>
+                  </a:txBody>
+                  <a:tcPr marL="68580" marR="68580" marT="0" marB="0" anchor="ctr"/>
+                </a:tc>
+                <a:tc>
+                  <a:txBody>
+                    <a:bodyPr/>
+                    <a:lstStyle/>
+                    <a:p>
+                      <a:pPr marL="0" marR="0" algn="l">
+                        <a:lnSpc>
+                          <a:spcPct val="115000"/>
+                        </a:lnSpc>
+                        <a:spcBef>
+                          <a:spcPts val="0"/>
+                        </a:spcBef>
+                        <a:spcAft>
+                          <a:spcPts val="0"/>
+                        </a:spcAft>
+                      </a:pPr>
+                      <a:r>
+                        <a:rPr lang="en-US" sz="1600" dirty="0" smtClean="0">
+                          <a:solidFill>
+                            <a:srgbClr val="000000"/>
+                          </a:solidFill>
+                          <a:effectLst/>
+                          <a:latin typeface="+mn-lt"/>
+                          <a:ea typeface="Times New Roman"/>
+                          <a:cs typeface="Arial"/>
+                        </a:rPr>
+                        <a:t>UI, </a:t>
+                      </a:r>
+                      <a:r>
+                        <a:rPr lang="en-US" sz="1600" dirty="0" err="1" smtClean="0">
+                          <a:solidFill>
+                            <a:srgbClr val="000000"/>
+                          </a:solidFill>
+                          <a:effectLst/>
+                          <a:latin typeface="+mn-lt"/>
+                          <a:ea typeface="Times New Roman"/>
+                          <a:cs typeface="Arial"/>
+                        </a:rPr>
+                        <a:t>LoginService</a:t>
+                      </a:r>
+                      <a:r>
+                        <a:rPr lang="en-US" sz="1600" dirty="0" smtClean="0">
+                          <a:solidFill>
+                            <a:srgbClr val="000000"/>
+                          </a:solidFill>
+                          <a:effectLst/>
+                          <a:latin typeface="+mn-lt"/>
+                          <a:ea typeface="Times New Roman"/>
+                          <a:cs typeface="Arial"/>
+                        </a:rPr>
+                        <a:t>, Student</a:t>
+                      </a:r>
+                      <a:endParaRPr lang="en-US" sz="1600" dirty="0">
+                        <a:solidFill>
+                          <a:srgbClr val="000000"/>
+                        </a:solidFill>
+                        <a:effectLst/>
+                        <a:latin typeface="+mn-lt"/>
+                        <a:ea typeface="Arial"/>
+                        <a:cs typeface="Arial"/>
+                      </a:endParaRPr>
+                    </a:p>
+                  </a:txBody>
+                  <a:tcPr marL="68580" marR="68580" marT="0" marB="0" anchor="ctr"/>
+                </a:tc>
+                <a:tc>
+                  <a:txBody>
+                    <a:bodyPr/>
+                    <a:lstStyle/>
+                    <a:p>
+                      <a:pPr marL="0" marR="0" algn="l">
+                        <a:lnSpc>
+                          <a:spcPct val="115000"/>
+                        </a:lnSpc>
+                        <a:spcBef>
+                          <a:spcPts val="0"/>
+                        </a:spcBef>
+                        <a:spcAft>
+                          <a:spcPts val="0"/>
+                        </a:spcAft>
+                      </a:pPr>
+                      <a:r>
+                        <a:rPr lang="en-US" sz="1600" dirty="0" smtClean="0">
+                          <a:solidFill>
+                            <a:srgbClr val="000000"/>
+                          </a:solidFill>
+                          <a:effectLst/>
+                          <a:latin typeface="+mn-lt"/>
+                          <a:ea typeface="Arial"/>
+                          <a:cs typeface="Arial"/>
+                        </a:rPr>
+                        <a:t>Poornima </a:t>
+                      </a:r>
+                      <a:endParaRPr lang="en-US" sz="1600" dirty="0">
+                        <a:solidFill>
+                          <a:srgbClr val="000000"/>
+                        </a:solidFill>
+                        <a:effectLst/>
+                        <a:latin typeface="+mn-lt"/>
+                        <a:ea typeface="Arial"/>
+                        <a:cs typeface="Arial"/>
+                      </a:endParaRPr>
+                    </a:p>
+                  </a:txBody>
+                  <a:tcPr marL="68580" marR="68580" marT="0" marB="0" anchor="ctr"/>
+                </a:tc>
+              </a:tr>
+              <a:tr h="286643">
+                <a:tc>
+                  <a:txBody>
+                    <a:bodyPr/>
+                    <a:lstStyle/>
+                    <a:p>
+                      <a:pPr marL="0" marR="0" algn="l">
+                        <a:lnSpc>
+                          <a:spcPct val="115000"/>
+                        </a:lnSpc>
+                        <a:spcBef>
+                          <a:spcPts val="0"/>
+                        </a:spcBef>
+                        <a:spcAft>
+                          <a:spcPts val="0"/>
+                        </a:spcAft>
+                      </a:pPr>
+                      <a:r>
+                        <a:rPr lang="en-US" sz="1600" b="1" dirty="0" smtClean="0">
+                          <a:solidFill>
+                            <a:srgbClr val="000000"/>
+                          </a:solidFill>
+                          <a:effectLst/>
+                          <a:latin typeface="+mn-lt"/>
+                          <a:ea typeface="Times New Roman"/>
+                          <a:cs typeface="Arial"/>
+                        </a:rPr>
+                        <a:t>Cross</a:t>
+                      </a:r>
+                      <a:r>
+                        <a:rPr lang="en-US" sz="1600" b="1" baseline="0" dirty="0" smtClean="0">
+                          <a:solidFill>
+                            <a:srgbClr val="000000"/>
+                          </a:solidFill>
+                          <a:effectLst/>
+                          <a:latin typeface="+mn-lt"/>
+                          <a:ea typeface="Times New Roman"/>
+                          <a:cs typeface="Arial"/>
+                        </a:rPr>
+                        <a:t> Cutting Concerns</a:t>
+                      </a:r>
+                      <a:endParaRPr lang="en-US" sz="1600" b="1" dirty="0">
+                        <a:solidFill>
+                          <a:srgbClr val="000000"/>
+                        </a:solidFill>
+                        <a:effectLst/>
+                        <a:latin typeface="+mn-lt"/>
+                        <a:ea typeface="Arial"/>
+                        <a:cs typeface="Arial"/>
+                      </a:endParaRPr>
+                    </a:p>
+                  </a:txBody>
+                  <a:tcPr marL="68580" marR="68580" marT="0" marB="0" anchor="ctr"/>
+                </a:tc>
+                <a:tc>
+                  <a:txBody>
+                    <a:bodyPr/>
+                    <a:lstStyle/>
+                    <a:p>
+                      <a:pPr marL="0" marR="0" algn="l">
+                        <a:lnSpc>
+                          <a:spcPct val="115000"/>
+                        </a:lnSpc>
+                        <a:spcBef>
+                          <a:spcPts val="0"/>
+                        </a:spcBef>
+                        <a:spcAft>
+                          <a:spcPts val="0"/>
+                        </a:spcAft>
+                      </a:pPr>
+                      <a:r>
+                        <a:rPr lang="en-US" sz="1600" dirty="0" smtClean="0">
+                          <a:solidFill>
+                            <a:srgbClr val="000000"/>
+                          </a:solidFill>
+                          <a:effectLst/>
+                          <a:latin typeface="+mn-lt"/>
+                          <a:ea typeface="Times New Roman"/>
+                          <a:cs typeface="Arial"/>
+                        </a:rPr>
+                        <a:t>Security, Transaction Mgmt</a:t>
+                      </a:r>
+                      <a:endParaRPr lang="en-US" sz="1600" dirty="0">
+                        <a:solidFill>
+                          <a:srgbClr val="000000"/>
+                        </a:solidFill>
+                        <a:effectLst/>
+                        <a:latin typeface="+mn-lt"/>
+                        <a:ea typeface="Arial"/>
+                        <a:cs typeface="Arial"/>
+                      </a:endParaRPr>
+                    </a:p>
+                  </a:txBody>
+                  <a:tcPr marL="68580" marR="68580" marT="0" marB="0" anchor="ctr"/>
+                </a:tc>
+                <a:tc>
+                  <a:txBody>
+                    <a:bodyPr/>
+                    <a:lstStyle/>
+                    <a:p>
+                      <a:pPr marL="0" marR="0" algn="l">
+                        <a:lnSpc>
+                          <a:spcPct val="115000"/>
+                        </a:lnSpc>
+                        <a:spcBef>
+                          <a:spcPts val="0"/>
+                        </a:spcBef>
+                        <a:spcAft>
+                          <a:spcPts val="0"/>
+                        </a:spcAft>
+                      </a:pPr>
+                      <a:r>
+                        <a:rPr lang="en-US" sz="1600" dirty="0" smtClean="0">
+                          <a:solidFill>
+                            <a:srgbClr val="000000"/>
+                          </a:solidFill>
+                          <a:effectLst/>
+                          <a:latin typeface="+mn-lt"/>
+                          <a:ea typeface="Arial"/>
+                          <a:cs typeface="Arial"/>
+                        </a:rPr>
+                        <a:t>Adapted from Spring</a:t>
+                      </a:r>
+                      <a:r>
+                        <a:rPr lang="en-US" sz="1600" baseline="0" dirty="0" smtClean="0">
+                          <a:solidFill>
+                            <a:srgbClr val="000000"/>
+                          </a:solidFill>
+                          <a:effectLst/>
+                          <a:latin typeface="+mn-lt"/>
+                          <a:ea typeface="Arial"/>
+                          <a:cs typeface="Arial"/>
+                        </a:rPr>
+                        <a:t> framework (</a:t>
+                      </a:r>
+                      <a:r>
+                        <a:rPr lang="en-US" sz="1600" baseline="0" dirty="0" err="1" smtClean="0">
+                          <a:solidFill>
+                            <a:srgbClr val="000000"/>
+                          </a:solidFill>
+                          <a:effectLst/>
+                          <a:latin typeface="+mn-lt"/>
+                          <a:ea typeface="Arial"/>
+                          <a:cs typeface="Arial"/>
+                        </a:rPr>
+                        <a:t>AspectJ</a:t>
+                      </a:r>
+                      <a:r>
+                        <a:rPr lang="en-US" sz="1600" baseline="0" dirty="0" smtClean="0">
+                          <a:solidFill>
+                            <a:srgbClr val="000000"/>
+                          </a:solidFill>
+                          <a:effectLst/>
+                          <a:latin typeface="+mn-lt"/>
+                          <a:ea typeface="Arial"/>
+                          <a:cs typeface="Arial"/>
+                        </a:rPr>
+                        <a:t>)</a:t>
+                      </a:r>
+                      <a:endParaRPr lang="en-US" sz="1600" dirty="0">
+                        <a:solidFill>
+                          <a:srgbClr val="000000"/>
+                        </a:solidFill>
+                        <a:effectLst/>
+                        <a:latin typeface="+mn-lt"/>
+                        <a:ea typeface="Arial"/>
+                        <a:cs typeface="Arial"/>
+                      </a:endParaRPr>
+                    </a:p>
+                  </a:txBody>
+                  <a:tcPr marL="68580" marR="68580" marT="0" marB="0" anchor="ctr"/>
+                </a:tc>
+              </a:tr>
+              <a:tr h="286643">
+                <a:tc rowSpan="2">
+                  <a:txBody>
+                    <a:bodyPr/>
+                    <a:lstStyle/>
+                    <a:p>
+                      <a:r>
+                        <a:rPr lang="en-US" b="1" dirty="0" smtClean="0"/>
+                        <a:t>Data Access</a:t>
+                      </a:r>
+                      <a:endParaRPr lang="en-US" b="1" dirty="0"/>
+                    </a:p>
+                  </a:txBody>
+                  <a:tcPr marL="68580" marR="68580" marT="0" marB="0" anchor="ctr"/>
+                </a:tc>
+                <a:tc>
+                  <a:txBody>
+                    <a:bodyPr/>
+                    <a:lstStyle/>
+                    <a:p>
+                      <a:pPr marL="0" marR="0" algn="l">
+                        <a:lnSpc>
+                          <a:spcPct val="115000"/>
+                        </a:lnSpc>
+                        <a:spcBef>
+                          <a:spcPts val="0"/>
+                        </a:spcBef>
+                        <a:spcAft>
+                          <a:spcPts val="0"/>
+                        </a:spcAft>
+                      </a:pPr>
+                      <a:r>
+                        <a:rPr lang="en-US" sz="1600" b="0" dirty="0" err="1" smtClean="0">
+                          <a:solidFill>
+                            <a:srgbClr val="000000"/>
+                          </a:solidFill>
+                          <a:effectLst/>
+                          <a:latin typeface="+mn-lt"/>
+                          <a:ea typeface="Times New Roman"/>
+                          <a:cs typeface="Arial"/>
+                        </a:rPr>
+                        <a:t>Scheduelp</a:t>
+                      </a:r>
+                      <a:r>
+                        <a:rPr lang="en-US" sz="1600" b="0" baseline="0" dirty="0" smtClean="0">
+                          <a:solidFill>
+                            <a:srgbClr val="000000"/>
+                          </a:solidFill>
+                          <a:effectLst/>
+                          <a:latin typeface="+mn-lt"/>
+                          <a:ea typeface="Times New Roman"/>
+                          <a:cs typeface="Arial"/>
+                        </a:rPr>
+                        <a:t> DB</a:t>
+                      </a:r>
+                      <a:endParaRPr lang="en-US" sz="1600" b="0" dirty="0">
+                        <a:solidFill>
+                          <a:srgbClr val="000000"/>
+                        </a:solidFill>
+                        <a:effectLst/>
+                        <a:latin typeface="+mn-lt"/>
+                        <a:ea typeface="Arial"/>
+                        <a:cs typeface="Arial"/>
+                      </a:endParaRPr>
+                    </a:p>
+                  </a:txBody>
+                  <a:tcPr marL="68580" marR="68580" marT="0" marB="0" anchor="ctr"/>
+                </a:tc>
+                <a:tc>
+                  <a:txBody>
+                    <a:bodyPr/>
+                    <a:lstStyle/>
+                    <a:p>
+                      <a:pPr marL="0" marR="0" algn="l">
+                        <a:lnSpc>
+                          <a:spcPct val="115000"/>
+                        </a:lnSpc>
+                        <a:spcBef>
+                          <a:spcPts val="0"/>
+                        </a:spcBef>
+                        <a:spcAft>
+                          <a:spcPts val="0"/>
+                        </a:spcAft>
+                      </a:pPr>
+                      <a:r>
+                        <a:rPr lang="en-US" sz="1600" dirty="0" smtClean="0">
+                          <a:solidFill>
+                            <a:srgbClr val="000000"/>
+                          </a:solidFill>
+                          <a:effectLst/>
+                          <a:latin typeface="+mn-lt"/>
+                          <a:ea typeface="Arial"/>
+                          <a:cs typeface="Arial"/>
+                        </a:rPr>
+                        <a:t>All</a:t>
+                      </a:r>
+                      <a:endParaRPr lang="en-US" sz="1600" dirty="0">
+                        <a:solidFill>
+                          <a:srgbClr val="000000"/>
+                        </a:solidFill>
+                        <a:effectLst/>
+                        <a:latin typeface="+mn-lt"/>
+                        <a:ea typeface="Arial"/>
+                        <a:cs typeface="Arial"/>
+                      </a:endParaRPr>
+                    </a:p>
+                  </a:txBody>
+                  <a:tcPr marL="68580" marR="68580" marT="0" marB="0" anchor="ctr"/>
+                </a:tc>
+              </a:tr>
+              <a:tr h="286643">
+                <a:tc vMerge="1">
+                  <a:txBody>
+                    <a:bodyPr/>
+                    <a:lstStyle/>
+                    <a:p>
+                      <a:endParaRPr lang="en-US" dirty="0"/>
+                    </a:p>
+                  </a:txBody>
+                  <a:tcPr marL="68580" marR="68580" marT="0" marB="0" anchor="ctr"/>
+                </a:tc>
+                <a:tc>
+                  <a:txBody>
+                    <a:bodyPr/>
+                    <a:lstStyle/>
+                    <a:p>
+                      <a:pPr marL="0" marR="0" algn="l">
+                        <a:lnSpc>
+                          <a:spcPct val="115000"/>
+                        </a:lnSpc>
+                        <a:spcBef>
+                          <a:spcPts val="0"/>
+                        </a:spcBef>
+                        <a:spcAft>
+                          <a:spcPts val="0"/>
+                        </a:spcAft>
+                      </a:pPr>
+                      <a:r>
+                        <a:rPr lang="en-US" sz="1600" b="0" dirty="0" err="1" smtClean="0">
+                          <a:solidFill>
+                            <a:srgbClr val="000000"/>
+                          </a:solidFill>
+                          <a:effectLst/>
+                          <a:latin typeface="+mn-lt"/>
+                          <a:ea typeface="Times New Roman"/>
+                          <a:cs typeface="Arial"/>
+                        </a:rPr>
+                        <a:t>Scheduelp</a:t>
+                      </a:r>
+                      <a:r>
+                        <a:rPr lang="en-US" sz="1600" b="0" dirty="0" smtClean="0">
+                          <a:solidFill>
+                            <a:srgbClr val="000000"/>
+                          </a:solidFill>
+                          <a:effectLst/>
+                          <a:latin typeface="+mn-lt"/>
+                          <a:ea typeface="Times New Roman"/>
+                          <a:cs typeface="Arial"/>
+                        </a:rPr>
+                        <a:t> DAO</a:t>
+                      </a:r>
+                      <a:endParaRPr lang="en-US" sz="1600" b="0" dirty="0">
+                        <a:solidFill>
+                          <a:srgbClr val="000000"/>
+                        </a:solidFill>
+                        <a:effectLst/>
+                        <a:latin typeface="+mn-lt"/>
+                        <a:ea typeface="Arial"/>
+                        <a:cs typeface="Arial"/>
+                      </a:endParaRPr>
+                    </a:p>
+                  </a:txBody>
+                  <a:tcPr marL="68580" marR="68580" marT="0" marB="0" anchor="ctr"/>
+                </a:tc>
+                <a:tc>
+                  <a:txBody>
+                    <a:bodyPr/>
+                    <a:lstStyle/>
+                    <a:p>
+                      <a:pPr marL="0" marR="0" algn="l">
+                        <a:lnSpc>
+                          <a:spcPct val="115000"/>
+                        </a:lnSpc>
+                        <a:spcBef>
+                          <a:spcPts val="0"/>
+                        </a:spcBef>
+                        <a:spcAft>
+                          <a:spcPts val="0"/>
+                        </a:spcAft>
+                      </a:pPr>
+                      <a:r>
+                        <a:rPr lang="en-US" sz="1600" dirty="0" smtClean="0">
+                          <a:solidFill>
+                            <a:srgbClr val="000000"/>
+                          </a:solidFill>
+                          <a:effectLst/>
+                          <a:latin typeface="+mn-lt"/>
+                          <a:ea typeface="Arial"/>
+                          <a:cs typeface="Arial"/>
+                        </a:rPr>
+                        <a:t>All</a:t>
+                      </a:r>
+                      <a:endParaRPr lang="en-US" sz="1600" dirty="0">
+                        <a:solidFill>
+                          <a:srgbClr val="000000"/>
+                        </a:solidFill>
+                        <a:effectLst/>
+                        <a:latin typeface="+mn-lt"/>
+                        <a:ea typeface="Arial"/>
+                        <a:cs typeface="Arial"/>
+                      </a:endParaRPr>
+                    </a:p>
+                  </a:txBody>
+                  <a:tcPr marL="68580" marR="68580" marT="0" marB="0" anchor="ctr"/>
+                </a:tc>
+              </a:tr>
+            </a:tbl>
+          </a:graphicData>
+        </a:graphic>
+      </p:graphicFrame>
     </p:spTree>
     <p:extLst>
       <p:ext uri="{BB962C8B-B14F-4D97-AF65-F5344CB8AC3E}">
-        <p14:creationId xmlns:p14="http://schemas.microsoft.com/office/powerpoint/2010/main" val="1418101890"/>
+        <p14:creationId xmlns="" xmlns:p14="http://schemas.microsoft.com/office/powerpoint/2010/main" val="1418101890"/>
       </p:ext>
     </p:extLst>
   </p:cSld>
@@ -10396,7 +13016,7 @@
   <p:timing>
     <p:tnLst>
       <p:par>
-        <p:cTn xmlns:p14="http://schemas.microsoft.com/office/powerpoint/2010/main" id="1" dur="indefinite" restart="never" nodeType="tmRoot"/>
+        <p:cTn id="1" dur="indefinite" restart="never" nodeType="tmRoot"/>
       </p:par>
     </p:tnLst>
   </p:timing>
@@ -10432,8 +13052,8 @@
         </p:nvSpPr>
         <p:spPr>
           <a:xfrm>
-            <a:off x="7331998" y="876376"/>
-            <a:ext cx="3166534" cy="874493"/>
+            <a:off x="7331998" y="557940"/>
+            <a:ext cx="3166534" cy="1192930"/>
           </a:xfrm>
         </p:spPr>
         <p:txBody>
@@ -10504,14 +13124,14 @@
             <p:ph idx="1"/>
             <p:extLst>
               <p:ext uri="{D42A27DB-BD31-4B8C-83A1-F6EECF244321}">
-                <p14:modId xmlns:p14="http://schemas.microsoft.com/office/powerpoint/2010/main" val="2952445889"/>
+                <p14:modId xmlns="" xmlns:p14="http://schemas.microsoft.com/office/powerpoint/2010/main" val="2952445889"/>
               </p:ext>
             </p:extLst>
           </p:nvPr>
         </p:nvGraphicFramePr>
         <p:xfrm>
-          <a:off x="254000" y="3251162"/>
-          <a:ext cx="8686799" cy="3353716"/>
+          <a:off x="254000" y="2944678"/>
+          <a:ext cx="8686799" cy="3194090"/>
         </p:xfrm>
         <a:graphic>
           <a:graphicData uri="http://schemas.openxmlformats.org/drawingml/2006/table">
@@ -10520,8 +13140,8 @@
                 <a:tableStyleId>{5C22544A-7EE6-4342-B048-85BDC9FD1C3A}</a:tableStyleId>
               </a:tblPr>
               <a:tblGrid>
-                <a:gridCol w="4462628"/>
-                <a:gridCol w="4224171"/>
+                <a:gridCol w="4426488"/>
+                <a:gridCol w="4260311"/>
               </a:tblGrid>
               <a:tr h="317512">
                 <a:tc gridSpan="2">
@@ -10531,10 +13151,20 @@
                     <a:p>
                       <a:pPr algn="ctr"/>
                       <a:r>
-                        <a:rPr lang="en-US" dirty="0" smtClean="0"/>
-                        <a:t>User Stories</a:t>
+                        <a:rPr lang="en-US" sz="1300" dirty="0" smtClean="0">
+                          <a:latin typeface="+mn-lt"/>
+                        </a:rPr>
+                        <a:t>Product</a:t>
                       </a:r>
-                      <a:endParaRPr lang="en-US" dirty="0"/>
+                      <a:r>
+                        <a:rPr lang="en-US" sz="1300" baseline="0" dirty="0" smtClean="0">
+                          <a:latin typeface="+mn-lt"/>
+                        </a:rPr>
+                        <a:t> Backlog</a:t>
+                      </a:r>
+                      <a:endParaRPr lang="en-US" sz="1300" dirty="0">
+                        <a:latin typeface="+mn-lt"/>
+                      </a:endParaRPr>
                     </a:p>
                   </a:txBody>
                   <a:tcPr/>
@@ -10568,23 +13198,23 @@
                         </a:spcAft>
                       </a:pPr>
                       <a:r>
-                        <a:rPr lang="en-US" sz="1100" dirty="0">
+                        <a:rPr lang="en-US" sz="1300" dirty="0">
                           <a:solidFill>
                             <a:srgbClr val="000000"/>
                           </a:solidFill>
                           <a:effectLst/>
-                          <a:latin typeface="Arial"/>
+                          <a:latin typeface="+mn-lt"/>
                           <a:ea typeface="Times New Roman"/>
                           <a:cs typeface="Arial"/>
                         </a:rPr>
                         <a:t>US001 - Access the Schedu-elp Home Page</a:t>
                       </a:r>
-                      <a:endParaRPr lang="en-US" sz="1100" dirty="0">
+                      <a:endParaRPr lang="en-US" sz="1300" dirty="0">
                         <a:solidFill>
                           <a:srgbClr val="000000"/>
                         </a:solidFill>
                         <a:effectLst/>
-                        <a:latin typeface="Times New Roman"/>
+                        <a:latin typeface="+mn-lt"/>
                         <a:ea typeface="Arial"/>
                         <a:cs typeface="Arial"/>
                       </a:endParaRPr>
@@ -10609,23 +13239,23 @@
                         </a:spcAft>
                       </a:pPr>
                       <a:r>
-                        <a:rPr lang="en-US" sz="1400" b="1" dirty="0">
+                        <a:rPr lang="en-US" sz="1300" b="1" dirty="0">
                           <a:solidFill>
                             <a:srgbClr val="000000"/>
                           </a:solidFill>
                           <a:effectLst/>
-                          <a:latin typeface="Arial"/>
+                          <a:latin typeface="+mn-lt"/>
                           <a:ea typeface="Times New Roman"/>
                           <a:cs typeface="Arial"/>
                         </a:rPr>
                         <a:t>US010 – Search Courses by Program Special Requirement</a:t>
                       </a:r>
-                      <a:endParaRPr lang="en-US" sz="1400" b="1" dirty="0">
+                      <a:endParaRPr lang="en-US" sz="1300" b="1" dirty="0">
                         <a:solidFill>
                           <a:srgbClr val="000000"/>
                         </a:solidFill>
                         <a:effectLst/>
-                        <a:latin typeface="Times New Roman"/>
+                        <a:latin typeface="+mn-lt"/>
                         <a:ea typeface="Arial"/>
                         <a:cs typeface="Arial"/>
                       </a:endParaRPr>
@@ -10652,23 +13282,23 @@
                         </a:spcAft>
                       </a:pPr>
                       <a:r>
-                        <a:rPr lang="en-US" sz="1100" dirty="0">
+                        <a:rPr lang="en-US" sz="1300" dirty="0">
                           <a:solidFill>
                             <a:srgbClr val="000000"/>
                           </a:solidFill>
                           <a:effectLst/>
-                          <a:latin typeface="Arial"/>
+                          <a:latin typeface="+mn-lt"/>
                           <a:ea typeface="Times New Roman"/>
                           <a:cs typeface="Arial"/>
                         </a:rPr>
                         <a:t>US002 – Sign-in to Schedu-elp</a:t>
                       </a:r>
-                      <a:endParaRPr lang="en-US" sz="1100" dirty="0">
+                      <a:endParaRPr lang="en-US" sz="1300" dirty="0">
                         <a:solidFill>
                           <a:srgbClr val="000000"/>
                         </a:solidFill>
                         <a:effectLst/>
-                        <a:latin typeface="Times New Roman"/>
+                        <a:latin typeface="+mn-lt"/>
                         <a:ea typeface="Arial"/>
                         <a:cs typeface="Arial"/>
                       </a:endParaRPr>
@@ -10693,23 +13323,23 @@
                         </a:spcAft>
                       </a:pPr>
                       <a:r>
-                        <a:rPr lang="en-US" sz="1100">
+                        <a:rPr lang="en-US" sz="1300" dirty="0">
                           <a:solidFill>
                             <a:srgbClr val="000000"/>
                           </a:solidFill>
                           <a:effectLst/>
-                          <a:latin typeface="Arial"/>
+                          <a:latin typeface="+mn-lt"/>
                           <a:ea typeface="Times New Roman"/>
                           <a:cs typeface="Arial"/>
                         </a:rPr>
                         <a:t>US011 – Add a Course to Program of Studies</a:t>
                       </a:r>
-                      <a:endParaRPr lang="en-US" sz="1100">
+                      <a:endParaRPr lang="en-US" sz="1300" dirty="0">
                         <a:solidFill>
                           <a:srgbClr val="000000"/>
                         </a:solidFill>
                         <a:effectLst/>
-                        <a:latin typeface="Times New Roman"/>
+                        <a:latin typeface="+mn-lt"/>
                         <a:ea typeface="Arial"/>
                         <a:cs typeface="Arial"/>
                       </a:endParaRPr>
@@ -10736,23 +13366,23 @@
                         </a:spcAft>
                       </a:pPr>
                       <a:r>
-                        <a:rPr lang="en-US" sz="1100" dirty="0">
+                        <a:rPr lang="en-US" sz="1300" dirty="0">
                           <a:solidFill>
                             <a:srgbClr val="000000"/>
                           </a:solidFill>
                           <a:effectLst/>
-                          <a:latin typeface="Arial"/>
+                          <a:latin typeface="+mn-lt"/>
                           <a:ea typeface="Times New Roman"/>
                           <a:cs typeface="Arial"/>
                         </a:rPr>
                         <a:t>US003 – Sign-out of Schedu-elp</a:t>
                       </a:r>
-                      <a:endParaRPr lang="en-US" sz="1100" dirty="0">
+                      <a:endParaRPr lang="en-US" sz="1300" dirty="0">
                         <a:solidFill>
                           <a:srgbClr val="000000"/>
                         </a:solidFill>
                         <a:effectLst/>
-                        <a:latin typeface="Times New Roman"/>
+                        <a:latin typeface="+mn-lt"/>
                         <a:ea typeface="Arial"/>
                         <a:cs typeface="Arial"/>
                       </a:endParaRPr>
@@ -10777,23 +13407,23 @@
                         </a:spcAft>
                       </a:pPr>
                       <a:r>
-                        <a:rPr lang="en-US" sz="1400" b="1" dirty="0">
+                        <a:rPr lang="en-US" sz="1300" b="1" dirty="0">
                           <a:solidFill>
                             <a:srgbClr val="000000"/>
                           </a:solidFill>
                           <a:effectLst/>
-                          <a:latin typeface="Arial"/>
+                          <a:latin typeface="+mn-lt"/>
                           <a:ea typeface="Times New Roman"/>
                           <a:cs typeface="Arial"/>
                         </a:rPr>
                         <a:t>US012 – Remove a Course from Program of Studies</a:t>
                       </a:r>
-                      <a:endParaRPr lang="en-US" sz="1400" b="1" dirty="0">
+                      <a:endParaRPr lang="en-US" sz="1300" b="1" dirty="0">
                         <a:solidFill>
                           <a:srgbClr val="000000"/>
                         </a:solidFill>
                         <a:effectLst/>
-                        <a:latin typeface="Times New Roman"/>
+                        <a:latin typeface="+mn-lt"/>
                         <a:ea typeface="Arial"/>
                         <a:cs typeface="Arial"/>
                       </a:endParaRPr>
@@ -10820,23 +13450,23 @@
                         </a:spcAft>
                       </a:pPr>
                       <a:r>
-                        <a:rPr lang="en-US" sz="1400" b="1" dirty="0">
+                        <a:rPr lang="en-US" sz="1300" b="1" dirty="0">
                           <a:solidFill>
                             <a:srgbClr val="000000"/>
                           </a:solidFill>
                           <a:effectLst/>
-                          <a:latin typeface="Arial"/>
+                          <a:latin typeface="+mn-lt"/>
                           <a:ea typeface="Times New Roman"/>
                           <a:cs typeface="Arial"/>
                         </a:rPr>
                         <a:t>US004 – Access Link to Advertisers’ Websites</a:t>
                       </a:r>
-                      <a:endParaRPr lang="en-US" sz="1400" b="1" dirty="0">
+                      <a:endParaRPr lang="en-US" sz="1300" b="1" dirty="0">
                         <a:solidFill>
                           <a:srgbClr val="000000"/>
                         </a:solidFill>
                         <a:effectLst/>
-                        <a:latin typeface="Times New Roman"/>
+                        <a:latin typeface="+mn-lt"/>
                         <a:ea typeface="Arial"/>
                         <a:cs typeface="Arial"/>
                       </a:endParaRPr>
@@ -10861,23 +13491,23 @@
                         </a:spcAft>
                       </a:pPr>
                       <a:r>
-                        <a:rPr lang="en-US" sz="1100" dirty="0">
+                        <a:rPr lang="en-US" sz="1300" dirty="0">
                           <a:solidFill>
                             <a:srgbClr val="000000"/>
                           </a:solidFill>
                           <a:effectLst/>
-                          <a:latin typeface="Arial"/>
+                          <a:latin typeface="+mn-lt"/>
                           <a:ea typeface="Times New Roman"/>
                           <a:cs typeface="Arial"/>
                         </a:rPr>
                         <a:t>US013 – View Program of Studies</a:t>
                       </a:r>
-                      <a:endParaRPr lang="en-US" sz="1100" dirty="0">
+                      <a:endParaRPr lang="en-US" sz="1300" dirty="0">
                         <a:solidFill>
                           <a:srgbClr val="000000"/>
                         </a:solidFill>
                         <a:effectLst/>
-                        <a:latin typeface="Times New Roman"/>
+                        <a:latin typeface="+mn-lt"/>
                         <a:ea typeface="Arial"/>
                         <a:cs typeface="Arial"/>
                       </a:endParaRPr>
@@ -10904,23 +13534,23 @@
                         </a:spcAft>
                       </a:pPr>
                       <a:r>
-                        <a:rPr lang="en-US" sz="1100">
+                        <a:rPr lang="en-US" sz="1300" dirty="0">
                           <a:solidFill>
                             <a:srgbClr val="000000"/>
                           </a:solidFill>
                           <a:effectLst/>
-                          <a:latin typeface="Arial"/>
+                          <a:latin typeface="+mn-lt"/>
                           <a:ea typeface="Times New Roman"/>
                           <a:cs typeface="Arial"/>
                         </a:rPr>
                         <a:t>US005 – Search Courses by Course Name</a:t>
                       </a:r>
-                      <a:endParaRPr lang="en-US" sz="1100">
+                      <a:endParaRPr lang="en-US" sz="1300" dirty="0">
                         <a:solidFill>
                           <a:srgbClr val="000000"/>
                         </a:solidFill>
                         <a:effectLst/>
-                        <a:latin typeface="Times New Roman"/>
+                        <a:latin typeface="+mn-lt"/>
                         <a:ea typeface="Arial"/>
                         <a:cs typeface="Arial"/>
                       </a:endParaRPr>
@@ -10945,23 +13575,23 @@
                         </a:spcAft>
                       </a:pPr>
                       <a:r>
-                        <a:rPr lang="en-US" sz="1400" b="1" dirty="0">
+                        <a:rPr lang="en-US" sz="1300" b="1" dirty="0">
                           <a:solidFill>
                             <a:srgbClr val="000000"/>
                           </a:solidFill>
                           <a:effectLst/>
-                          <a:latin typeface="Arial"/>
+                          <a:latin typeface="+mn-lt"/>
                           <a:ea typeface="Times New Roman"/>
                           <a:cs typeface="Arial"/>
                         </a:rPr>
                         <a:t>US014 – Print Program of Studies</a:t>
                       </a:r>
-                      <a:endParaRPr lang="en-US" sz="1400" b="1" dirty="0">
+                      <a:endParaRPr lang="en-US" sz="1300" b="1" dirty="0">
                         <a:solidFill>
                           <a:srgbClr val="000000"/>
                         </a:solidFill>
                         <a:effectLst/>
-                        <a:latin typeface="Times New Roman"/>
+                        <a:latin typeface="+mn-lt"/>
                         <a:ea typeface="Arial"/>
                         <a:cs typeface="Arial"/>
                       </a:endParaRPr>
@@ -10988,23 +13618,47 @@
                         </a:spcAft>
                       </a:pPr>
                       <a:r>
-                        <a:rPr lang="en-US" sz="1100">
+                        <a:rPr lang="en-US" sz="1300" dirty="0">
                           <a:solidFill>
                             <a:srgbClr val="000000"/>
                           </a:solidFill>
                           <a:effectLst/>
-                          <a:latin typeface="Arial"/>
+                          <a:latin typeface="+mn-lt"/>
                           <a:ea typeface="Times New Roman"/>
                           <a:cs typeface="Arial"/>
                         </a:rPr>
-                        <a:t>US006 – Search Courses by Course Number</a:t>
+                        <a:t>US006 – Search </a:t>
                       </a:r>
-                      <a:endParaRPr lang="en-US" sz="1100">
+                      <a:r>
+                        <a:rPr lang="en-US" sz="1300" dirty="0" smtClean="0">
+                          <a:solidFill>
+                            <a:srgbClr val="000000"/>
+                          </a:solidFill>
+                          <a:effectLst/>
+                          <a:latin typeface="+mn-lt"/>
+                          <a:ea typeface="Times New Roman"/>
+                          <a:cs typeface="Arial"/>
+                        </a:rPr>
+                        <a:t>Courses by </a:t>
+                      </a:r>
+                      <a:r>
+                        <a:rPr lang="en-US" sz="1300" dirty="0">
+                          <a:solidFill>
+                            <a:srgbClr val="000000"/>
+                          </a:solidFill>
+                          <a:effectLst/>
+                          <a:latin typeface="+mn-lt"/>
+                          <a:ea typeface="Times New Roman"/>
+                          <a:cs typeface="Arial"/>
+                        </a:rPr>
+                        <a:t>Course Number</a:t>
+                      </a:r>
+                      <a:endParaRPr lang="en-US" sz="1300" dirty="0">
                         <a:solidFill>
                           <a:srgbClr val="000000"/>
                         </a:solidFill>
                         <a:effectLst/>
-                        <a:latin typeface="Times New Roman"/>
+                        <a:latin typeface="+mn-lt"/>
                         <a:ea typeface="Arial"/>
                         <a:cs typeface="Arial"/>
                       </a:endParaRPr>
@@ -11029,23 +13683,23 @@
                         </a:spcAft>
                       </a:pPr>
                       <a:r>
-                        <a:rPr lang="en-US" sz="1100" dirty="0">
+                        <a:rPr lang="en-US" sz="1300" dirty="0">
                           <a:solidFill>
                             <a:srgbClr val="000000"/>
                           </a:solidFill>
                           <a:effectLst/>
-                          <a:latin typeface="Arial"/>
+                          <a:latin typeface="+mn-lt"/>
                           <a:ea typeface="Times New Roman"/>
                           <a:cs typeface="Arial"/>
                         </a:rPr>
                         <a:t>US015 – View all Reviews for a Course</a:t>
                       </a:r>
-                      <a:endParaRPr lang="en-US" sz="1100" dirty="0">
+                      <a:endParaRPr lang="en-US" sz="1300" dirty="0">
                         <a:solidFill>
                           <a:srgbClr val="000000"/>
                         </a:solidFill>
                         <a:effectLst/>
-                        <a:latin typeface="Times New Roman"/>
+                        <a:latin typeface="+mn-lt"/>
                         <a:ea typeface="Arial"/>
                         <a:cs typeface="Arial"/>
                       </a:endParaRPr>
@@ -11072,23 +13726,23 @@
                         </a:spcAft>
                       </a:pPr>
                       <a:r>
-                        <a:rPr lang="en-US" sz="1100" dirty="0">
+                        <a:rPr lang="en-US" sz="1300" dirty="0">
                           <a:solidFill>
                             <a:srgbClr val="000000"/>
                           </a:solidFill>
                           <a:effectLst/>
-                          <a:latin typeface="Arial"/>
+                          <a:latin typeface="+mn-lt"/>
                           <a:ea typeface="Times New Roman"/>
                           <a:cs typeface="Arial"/>
                         </a:rPr>
                         <a:t>US007 – Search Courses by Day of Week and/or Time of Day</a:t>
                       </a:r>
-                      <a:endParaRPr lang="en-US" sz="1100" dirty="0">
+                      <a:endParaRPr lang="en-US" sz="1300" dirty="0">
                         <a:solidFill>
                           <a:srgbClr val="000000"/>
                         </a:solidFill>
                         <a:effectLst/>
-                        <a:latin typeface="Times New Roman"/>
+                        <a:latin typeface="+mn-lt"/>
                         <a:ea typeface="Arial"/>
                         <a:cs typeface="Arial"/>
                       </a:endParaRPr>
@@ -11113,23 +13767,23 @@
                         </a:spcAft>
                       </a:pPr>
                       <a:r>
-                        <a:rPr lang="en-US" sz="1100">
+                        <a:rPr lang="en-US" sz="1300" dirty="0">
                           <a:solidFill>
                             <a:srgbClr val="000000"/>
                           </a:solidFill>
                           <a:effectLst/>
-                          <a:latin typeface="Arial"/>
+                          <a:latin typeface="+mn-lt"/>
                           <a:ea typeface="Times New Roman"/>
                           <a:cs typeface="Arial"/>
                         </a:rPr>
                         <a:t>US016 – Post a Course Review</a:t>
                       </a:r>
-                      <a:endParaRPr lang="en-US" sz="1100">
+                      <a:endParaRPr lang="en-US" sz="1300" dirty="0">
                         <a:solidFill>
                           <a:srgbClr val="000000"/>
                         </a:solidFill>
                         <a:effectLst/>
-                        <a:latin typeface="Times New Roman"/>
+                        <a:latin typeface="+mn-lt"/>
                         <a:ea typeface="Arial"/>
                         <a:cs typeface="Arial"/>
                       </a:endParaRPr>
@@ -11156,23 +13810,23 @@
                         </a:spcAft>
                       </a:pPr>
                       <a:r>
-                        <a:rPr lang="en-US" sz="1400" b="1" dirty="0">
+                        <a:rPr lang="en-US" sz="1300" b="1" dirty="0">
                           <a:solidFill>
                             <a:srgbClr val="000000"/>
                           </a:solidFill>
                           <a:effectLst/>
-                          <a:latin typeface="Arial"/>
+                          <a:latin typeface="+mn-lt"/>
                           <a:ea typeface="Times New Roman"/>
                           <a:cs typeface="Arial"/>
                         </a:rPr>
                         <a:t>US008 – Search Courses by Pre-requisite</a:t>
                       </a:r>
-                      <a:endParaRPr lang="en-US" sz="1400" b="1" dirty="0">
+                      <a:endParaRPr lang="en-US" sz="1300" b="1" dirty="0">
                         <a:solidFill>
                           <a:srgbClr val="000000"/>
                         </a:solidFill>
                         <a:effectLst/>
-                        <a:latin typeface="Times New Roman"/>
+                        <a:latin typeface="+mn-lt"/>
                         <a:ea typeface="Arial"/>
                         <a:cs typeface="Arial"/>
                       </a:endParaRPr>
@@ -11197,23 +13851,23 @@
                         </a:spcAft>
                       </a:pPr>
                       <a:r>
-                        <a:rPr lang="en-US" sz="1100">
+                        <a:rPr lang="en-US" sz="1300" dirty="0">
                           <a:solidFill>
                             <a:srgbClr val="000000"/>
                           </a:solidFill>
                           <a:effectLst/>
-                          <a:latin typeface="Arial"/>
+                          <a:latin typeface="+mn-lt"/>
                           <a:ea typeface="Times New Roman"/>
                           <a:cs typeface="Arial"/>
                         </a:rPr>
                         <a:t>US017 – Access Contact Information</a:t>
                       </a:r>
-                      <a:endParaRPr lang="en-US" sz="1100">
+                      <a:endParaRPr lang="en-US" sz="1300" dirty="0">
                         <a:solidFill>
                           <a:srgbClr val="000000"/>
                         </a:solidFill>
                         <a:effectLst/>
-                        <a:latin typeface="Times New Roman"/>
+                        <a:latin typeface="+mn-lt"/>
                         <a:ea typeface="Arial"/>
                         <a:cs typeface="Arial"/>
                       </a:endParaRPr>
@@ -11240,23 +13894,23 @@
                         </a:spcAft>
                       </a:pPr>
                       <a:r>
-                        <a:rPr lang="en-US" sz="1400" b="1" dirty="0">
+                        <a:rPr lang="en-US" sz="1300" b="1" dirty="0">
                           <a:solidFill>
                             <a:srgbClr val="000000"/>
                           </a:solidFill>
                           <a:effectLst/>
-                          <a:latin typeface="Arial"/>
+                          <a:latin typeface="+mn-lt"/>
                           <a:ea typeface="Times New Roman"/>
                           <a:cs typeface="Arial"/>
                         </a:rPr>
                         <a:t>US009 – Search Courses by Name of Professor</a:t>
                       </a:r>
-                      <a:endParaRPr lang="en-US" sz="1400" b="1" dirty="0">
+                      <a:endParaRPr lang="en-US" sz="1300" b="1" dirty="0">
                         <a:solidFill>
                           <a:srgbClr val="000000"/>
                         </a:solidFill>
                         <a:effectLst/>
-                        <a:latin typeface="Times New Roman"/>
+                        <a:latin typeface="+mn-lt"/>
                         <a:ea typeface="Arial"/>
                         <a:cs typeface="Arial"/>
                       </a:endParaRPr>
@@ -11281,23 +13935,23 @@
                         </a:spcAft>
                       </a:pPr>
                       <a:r>
-                        <a:rPr lang="en-US" sz="1100" dirty="0">
+                        <a:rPr lang="en-US" sz="1300" dirty="0">
                           <a:solidFill>
                             <a:srgbClr val="000000"/>
                           </a:solidFill>
                           <a:effectLst/>
-                          <a:latin typeface="Arial"/>
+                          <a:latin typeface="+mn-lt"/>
                           <a:ea typeface="Times New Roman"/>
                           <a:cs typeface="Arial"/>
                         </a:rPr>
                         <a:t>US018 – Access Online Help/FAQ</a:t>
                       </a:r>
-                      <a:endParaRPr lang="en-US" sz="1100" dirty="0">
+                      <a:endParaRPr lang="en-US" sz="1300" dirty="0">
                         <a:solidFill>
                           <a:srgbClr val="000000"/>
                         </a:solidFill>
                         <a:effectLst/>
-                        <a:latin typeface="Times New Roman"/>
+                        <a:latin typeface="+mn-lt"/>
                         <a:ea typeface="Arial"/>
                         <a:cs typeface="Arial"/>
                       </a:endParaRPr>
@@ -11319,7 +13973,7 @@
         <p:spPr>
           <a:xfrm>
             <a:off x="254000" y="328092"/>
-            <a:ext cx="6908800" cy="2616101"/>
+            <a:ext cx="6908800" cy="2831544"/>
           </a:xfrm>
           <a:prstGeom prst="rect">
             <a:avLst/>
@@ -11337,11 +13991,11 @@
               <a:buChar char="§"/>
             </a:pPr>
             <a:r>
-              <a:rPr lang="en-US" sz="1600" dirty="0" smtClean="0"/>
+              <a:rPr lang="en-US" dirty="0" smtClean="0"/>
               <a:t> </a:t>
             </a:r>
             <a:r>
-              <a:rPr lang="en-US" sz="1600" b="1" dirty="0" smtClean="0">
+              <a:rPr lang="en-US" b="1" dirty="0" smtClean="0">
                 <a:solidFill>
                   <a:schemeClr val="accent1"/>
                 </a:solidFill>
@@ -11355,7 +14009,7 @@
               <a:buChar char="§"/>
             </a:pPr>
             <a:r>
-              <a:rPr lang="en-US" sz="1600" dirty="0" smtClean="0"/>
+              <a:rPr lang="en-US" dirty="0" smtClean="0"/>
               <a:t>Sign-in and Sign-out</a:t>
             </a:r>
           </a:p>
@@ -11365,7 +14019,7 @@
               <a:buChar char="§"/>
             </a:pPr>
             <a:r>
-              <a:rPr lang="en-US" sz="1600" dirty="0" smtClean="0"/>
+              <a:rPr lang="en-US" dirty="0" smtClean="0"/>
               <a:t>Core search features</a:t>
             </a:r>
           </a:p>
@@ -11375,7 +14029,7 @@
               <a:buChar char="§"/>
             </a:pPr>
             <a:r>
-              <a:rPr lang="en-US" sz="1600" dirty="0" smtClean="0"/>
+              <a:rPr lang="en-US" dirty="0" smtClean="0"/>
               <a:t>Preliminary review features</a:t>
             </a:r>
           </a:p>
@@ -11385,7 +14039,7 @@
               <a:buChar char="§"/>
             </a:pPr>
             <a:r>
-              <a:rPr lang="en-US" sz="1600" dirty="0" smtClean="0"/>
+              <a:rPr lang="en-US" dirty="0" smtClean="0"/>
               <a:t>Add course to Program of Studies</a:t>
             </a:r>
           </a:p>
@@ -11395,7 +14049,7 @@
               <a:buChar char="§"/>
             </a:pPr>
             <a:r>
-              <a:rPr lang="en-US" sz="1600" b="1" dirty="0" smtClean="0">
+              <a:rPr lang="en-US" b="1" dirty="0" smtClean="0">
                 <a:solidFill>
                   <a:schemeClr val="accent1"/>
                 </a:solidFill>
@@ -11409,7 +14063,7 @@
               <a:buChar char="§"/>
             </a:pPr>
             <a:r>
-              <a:rPr lang="en-US" sz="1600" dirty="0" smtClean="0"/>
+              <a:rPr lang="en-US" dirty="0" smtClean="0"/>
               <a:t>Full use of Program of Studies</a:t>
             </a:r>
           </a:p>
@@ -11419,7 +14073,7 @@
               <a:buChar char="§"/>
             </a:pPr>
             <a:r>
-              <a:rPr lang="en-US" sz="1600" dirty="0" smtClean="0"/>
+              <a:rPr lang="en-US" dirty="0" smtClean="0"/>
               <a:t>Advanced Search</a:t>
             </a:r>
           </a:p>
@@ -11429,7 +14083,7 @@
               <a:buChar char="§"/>
             </a:pPr>
             <a:r>
-              <a:rPr lang="en-US" sz="1600" dirty="0" smtClean="0"/>
+              <a:rPr lang="en-US" dirty="0" smtClean="0"/>
               <a:t>Advertisements</a:t>
             </a:r>
           </a:p>
@@ -11445,7 +14099,7 @@
     </p:spTree>
     <p:extLst>
       <p:ext uri="{BB962C8B-B14F-4D97-AF65-F5344CB8AC3E}">
-        <p14:creationId xmlns:p14="http://schemas.microsoft.com/office/powerpoint/2010/main" val="83792608"/>
+        <p14:creationId xmlns="" xmlns:p14="http://schemas.microsoft.com/office/powerpoint/2010/main" val="83792608"/>
       </p:ext>
     </p:extLst>
   </p:cSld>
@@ -11455,7 +14109,7 @@
   <p:timing>
     <p:tnLst>
       <p:par>
-        <p:cTn xmlns:p14="http://schemas.microsoft.com/office/powerpoint/2010/main" id="1" dur="indefinite" restart="never" nodeType="tmRoot"/>
+        <p:cTn id="1" dur="indefinite" restart="never" nodeType="tmRoot"/>
       </p:par>
     </p:tnLst>
   </p:timing>
@@ -11491,7 +14145,7 @@
         </p:nvSpPr>
         <p:spPr>
           <a:xfrm>
-            <a:off x="7382796" y="605448"/>
+            <a:off x="7289808" y="775926"/>
             <a:ext cx="2387601" cy="874493"/>
           </a:xfrm>
         </p:spPr>
@@ -11506,14 +14160,6 @@
                 </a:solidFill>
               </a:rPr>
               <a:t>Project </a:t>
-            </a:r>
-            <a:r>
-              <a:rPr lang="en-US" sz="2400" dirty="0" smtClean="0">
-                <a:solidFill>
-                  <a:srgbClr val="FFFFFF"/>
-                </a:solidFill>
-              </a:rPr>
-              <a:t/>
             </a:r>
             <a:br>
               <a:rPr lang="en-US" sz="2400" dirty="0" smtClean="0">
@@ -11538,62 +14184,258 @@
           </a:p>
         </p:txBody>
       </p:sp>
-      <p:sp>
-        <p:nvSpPr>
-          <p:cNvPr id="3" name="Content Placeholder 2"/>
-          <p:cNvSpPr>
-            <a:spLocks noGrp="1"/>
-          </p:cNvSpPr>
-          <p:nvPr>
-            <p:ph idx="1"/>
-          </p:nvPr>
+      <p:graphicFrame>
+        <p:nvGraphicFramePr>
+          <p:cNvPr id="6" name="Chart 5"/>
+          <p:cNvGraphicFramePr>
+            <a:graphicFrameLocks/>
+          </p:cNvGraphicFramePr>
+          <p:nvPr/>
+        </p:nvGraphicFramePr>
+        <p:xfrm>
+          <a:off x="241437" y="291547"/>
+          <a:ext cx="5167167" cy="2941983"/>
+        </p:xfrm>
+        <a:graphic>
+          <a:graphicData uri="http://schemas.openxmlformats.org/drawingml/2006/chart">
+            <c:chart xmlns:c="http://schemas.openxmlformats.org/drawingml/2006/chart" xmlns:r="http://schemas.openxmlformats.org/officeDocument/2006/relationships" r:id="rId3"/>
+          </a:graphicData>
+        </a:graphic>
+      </p:graphicFrame>
+      <p:graphicFrame>
+        <p:nvGraphicFramePr>
+          <p:cNvPr id="7" name="Chart 6"/>
+          <p:cNvGraphicFramePr>
+            <a:graphicFrameLocks/>
+          </p:cNvGraphicFramePr>
+          <p:nvPr/>
+        </p:nvGraphicFramePr>
+        <p:xfrm>
+          <a:off x="219281" y="3389864"/>
+          <a:ext cx="5200858" cy="3116954"/>
+        </p:xfrm>
+        <a:graphic>
+          <a:graphicData uri="http://schemas.openxmlformats.org/drawingml/2006/chart">
+            <c:chart xmlns:c="http://schemas.openxmlformats.org/drawingml/2006/chart" xmlns:r="http://schemas.openxmlformats.org/officeDocument/2006/relationships" r:id="rId4"/>
+          </a:graphicData>
+        </a:graphic>
+      </p:graphicFrame>
+      <p:sp>
+        <p:nvSpPr>
+          <p:cNvPr id="8" name="TextBox 7"/>
+          <p:cNvSpPr txBox="1"/>
+          <p:nvPr/>
         </p:nvSpPr>
         <p:spPr>
           <a:xfrm>
-            <a:off x="457199" y="1124348"/>
-            <a:ext cx="6508377" cy="5001815"/>
+            <a:off x="5512903" y="2374201"/>
+            <a:ext cx="3551583" cy="2553891"/>
           </a:xfrm>
+          <a:prstGeom prst="flowChartAlternateProcess">
+            <a:avLst/>
+          </a:prstGeom>
+          <a:ln/>
         </p:spPr>
-        <p:txBody>
-          <a:bodyPr/>
+        <p:style>
+          <a:lnRef idx="2">
+            <a:schemeClr val="accent1"/>
+          </a:lnRef>
+          <a:fillRef idx="1">
+            <a:schemeClr val="lt1"/>
+          </a:fillRef>
+          <a:effectRef idx="0">
+            <a:schemeClr val="accent1"/>
+          </a:effectRef>
+          <a:fontRef idx="minor">
+            <a:schemeClr val="dk1"/>
+          </a:fontRef>
+        </p:style>
+        <p:txBody>
+          <a:bodyPr wrap="square" rtlCol="0">
+            <a:spAutoFit/>
+          </a:bodyPr>
           <a:lstStyle/>
           <a:p>
-            <a:r>
-              <a:rPr lang="en-US" dirty="0" err="1" smtClean="0"/>
-              <a:t>Poorima</a:t>
-            </a:r>
-            <a:r>
-              <a:rPr lang="en-US" dirty="0" smtClean="0"/>
-              <a:t> &amp; Sheila</a:t>
-            </a:r>
-          </a:p>
-          <a:p>
-            <a:r>
-              <a:rPr lang="en-US" dirty="0" smtClean="0"/>
-              <a:t>PLACEHOLDERS FOR 2 BURNDOWN CHARTS and velocity estimation</a:t>
-            </a:r>
-          </a:p>
-          <a:p>
-            <a:pPr lvl="1"/>
-            <a:r>
-              <a:rPr lang="en-US" dirty="0" smtClean="0"/>
-              <a:t>Agile estimation</a:t>
-            </a:r>
-          </a:p>
-          <a:p>
-            <a:pPr lvl="1"/>
-            <a:r>
-              <a:rPr lang="en-US" dirty="0" smtClean="0"/>
-              <a:t>FP estimation</a:t>
-            </a:r>
-            <a:endParaRPr lang="en-US" dirty="0"/>
+            <a:pPr>
+              <a:buFont typeface="Arial" pitchFamily="34" charset="0"/>
+              <a:buChar char="•"/>
+            </a:pPr>
+            <a:r>
+              <a:rPr lang="en-US" sz="1600" dirty="0" smtClean="0">
+                <a:solidFill>
+                  <a:schemeClr val="tx2"/>
+                </a:solidFill>
+              </a:rPr>
+              <a:t>Can do </a:t>
+            </a:r>
+            <a:r>
+              <a:rPr lang="en-US" sz="1600" dirty="0" smtClean="0">
+                <a:solidFill>
+                  <a:schemeClr val="accent1"/>
+                </a:solidFill>
+              </a:rPr>
+              <a:t>6</a:t>
+            </a:r>
+            <a:r>
+              <a:rPr lang="en-US" sz="1600" dirty="0" smtClean="0">
+                <a:solidFill>
+                  <a:schemeClr val="tx2"/>
+                </a:solidFill>
+              </a:rPr>
+              <a:t> user stories in one iteration (3-week sprint)</a:t>
+            </a:r>
+          </a:p>
+          <a:p>
+            <a:pPr>
+              <a:buFont typeface="Arial" pitchFamily="34" charset="0"/>
+              <a:buChar char="•"/>
+            </a:pPr>
+            <a:r>
+              <a:rPr lang="en-US" sz="1600" dirty="0" smtClean="0">
+                <a:solidFill>
+                  <a:schemeClr val="tx2"/>
+                </a:solidFill>
+              </a:rPr>
+              <a:t>Sprint 2 estimation was more stable</a:t>
+            </a:r>
+          </a:p>
+          <a:p>
+            <a:pPr>
+              <a:buFont typeface="Arial" pitchFamily="34" charset="0"/>
+              <a:buChar char="•"/>
+            </a:pPr>
+            <a:r>
+              <a:rPr lang="en-US" sz="1600" dirty="0" smtClean="0">
+                <a:solidFill>
+                  <a:schemeClr val="tx2"/>
+                </a:solidFill>
+              </a:rPr>
+              <a:t>Velocity = </a:t>
+            </a:r>
+            <a:r>
+              <a:rPr lang="en-US" sz="1600" dirty="0" smtClean="0">
+                <a:solidFill>
+                  <a:schemeClr val="accent1"/>
+                </a:solidFill>
+              </a:rPr>
+              <a:t>28 story points</a:t>
+            </a:r>
+          </a:p>
+          <a:p>
+            <a:pPr>
+              <a:buFont typeface="Arial" pitchFamily="34" charset="0"/>
+              <a:buChar char="•"/>
+            </a:pPr>
+            <a:r>
+              <a:rPr lang="en-US" sz="1600" dirty="0" smtClean="0">
+                <a:solidFill>
+                  <a:schemeClr val="tx2"/>
+                </a:solidFill>
+              </a:rPr>
+              <a:t>26 story points remaining in product backlog</a:t>
+            </a:r>
+          </a:p>
+          <a:p>
+            <a:pPr>
+              <a:buFont typeface="Arial" pitchFamily="34" charset="0"/>
+              <a:buChar char="•"/>
+            </a:pPr>
+            <a:r>
+              <a:rPr lang="en-US" sz="1600" dirty="0" smtClean="0">
+                <a:solidFill>
+                  <a:schemeClr val="accent1"/>
+                </a:solidFill>
+              </a:rPr>
+              <a:t>Will most likely need one more sprint!</a:t>
+            </a:r>
+            <a:endParaRPr lang="en-US" dirty="0">
+              <a:solidFill>
+                <a:schemeClr val="tx2"/>
+              </a:solidFill>
+            </a:endParaRPr>
+          </a:p>
+        </p:txBody>
+      </p:sp>
+      <p:sp>
+        <p:nvSpPr>
+          <p:cNvPr id="11" name="Down Arrow 10"/>
+          <p:cNvSpPr/>
+          <p:nvPr/>
+        </p:nvSpPr>
+        <p:spPr>
+          <a:xfrm rot="18449052">
+            <a:off x="5628836" y="1562947"/>
+            <a:ext cx="459751" cy="781879"/>
+          </a:xfrm>
+          <a:prstGeom prst="downArrow">
+            <a:avLst/>
+          </a:prstGeom>
+        </p:spPr>
+        <p:style>
+          <a:lnRef idx="1">
+            <a:schemeClr val="accent1"/>
+          </a:lnRef>
+          <a:fillRef idx="3">
+            <a:schemeClr val="accent1"/>
+          </a:fillRef>
+          <a:effectRef idx="2">
+            <a:schemeClr val="accent1"/>
+          </a:effectRef>
+          <a:fontRef idx="minor">
+            <a:schemeClr val="lt1"/>
+          </a:fontRef>
+        </p:style>
+        <p:txBody>
+          <a:bodyPr rtlCol="0" anchor="ctr"/>
+          <a:lstStyle/>
+          <a:p>
+            <a:pPr algn="ctr"/>
+            <a:endParaRPr lang="en-US"/>
+          </a:p>
+        </p:txBody>
+      </p:sp>
+      <p:sp>
+        <p:nvSpPr>
+          <p:cNvPr id="12" name="Down Arrow 11"/>
+          <p:cNvSpPr/>
+          <p:nvPr/>
+        </p:nvSpPr>
+        <p:spPr>
+          <a:xfrm rot="13659170">
+            <a:off x="5726812" y="4970394"/>
+            <a:ext cx="459751" cy="781879"/>
+          </a:xfrm>
+          <a:prstGeom prst="downArrow">
+            <a:avLst/>
+          </a:prstGeom>
+        </p:spPr>
+        <p:style>
+          <a:lnRef idx="1">
+            <a:schemeClr val="accent1"/>
+          </a:lnRef>
+          <a:fillRef idx="3">
+            <a:schemeClr val="accent1"/>
+          </a:fillRef>
+          <a:effectRef idx="2">
+            <a:schemeClr val="accent1"/>
+          </a:effectRef>
+          <a:fontRef idx="minor">
+            <a:schemeClr val="lt1"/>
+          </a:fontRef>
+        </p:style>
+        <p:txBody>
+          <a:bodyPr rtlCol="0" anchor="ctr"/>
+          <a:lstStyle/>
+          <a:p>
+            <a:pPr algn="ctr"/>
+            <a:endParaRPr lang="en-US"/>
           </a:p>
         </p:txBody>
       </p:sp>
     </p:spTree>
     <p:extLst>
       <p:ext uri="{BB962C8B-B14F-4D97-AF65-F5344CB8AC3E}">
-        <p14:creationId xmlns:p14="http://schemas.microsoft.com/office/powerpoint/2010/main" val="1195116925"/>
+        <p14:creationId xmlns="" xmlns:p14="http://schemas.microsoft.com/office/powerpoint/2010/main" val="1195116925"/>
       </p:ext>
     </p:extLst>
   </p:cSld>
@@ -11603,7 +14445,7 @@
   <p:timing>
     <p:tnLst>
       <p:par>
-        <p:cTn xmlns:p14="http://schemas.microsoft.com/office/powerpoint/2010/main" id="1" dur="indefinite" restart="never" nodeType="tmRoot"/>
+        <p:cTn id="1" dur="indefinite" restart="never" nodeType="tmRoot"/>
       </p:par>
     </p:tnLst>
   </p:timing>

--- a/docs/Presentation_TeamGamma.pptx
+++ b/docs/Presentation_TeamGamma.pptx
@@ -121,7 +121,17 @@
 
 <file path=ppt/charts/chart1.xml><?xml version="1.0" encoding="utf-8"?>
 <c:chartSpace xmlns:c="http://schemas.openxmlformats.org/drawingml/2006/chart" xmlns:a="http://schemas.openxmlformats.org/drawingml/2006/main" xmlns:r="http://schemas.openxmlformats.org/officeDocument/2006/relationships">
+  <c:date1904 val="0"/>
   <c:lang val="en-US"/>
+  <c:roundedCorners val="0"/>
+  <mc:AlternateContent xmlns:mc="http://schemas.openxmlformats.org/markup-compatibility/2006">
+    <mc:Choice xmlns:c14="http://schemas.microsoft.com/office/drawing/2007/8/2/chart" Requires="c14">
+      <c14:style val="102"/>
+    </mc:Choice>
+    <mc:Fallback>
+      <c:style val="2"/>
+    </mc:Fallback>
+  </mc:AlternateContent>
   <c:chart>
     <c:title>
       <c:tx>
@@ -140,6 +150,7 @@
         </c:rich>
       </c:tx>
       <c:layout/>
+      <c:overlay val="0"/>
       <c:spPr>
         <a:noFill/>
         <a:ln w="25400">
@@ -147,20 +158,22 @@
         </a:ln>
       </c:spPr>
     </c:title>
+    <c:autoTitleDeleted val="0"/>
     <c:plotArea>
       <c:layout>
         <c:manualLayout>
           <c:layoutTarget val="inner"/>
           <c:xMode val="edge"/>
           <c:yMode val="edge"/>
-          <c:x val="0.12857427475030966"/>
-          <c:y val="0.13847709714251821"/>
-          <c:w val="0.8161094219658187"/>
-          <c:h val="0.7355285674036508"/>
+          <c:x val="0.12857427475031"/>
+          <c:y val="0.138477097142518"/>
+          <c:w val="0.816109421965819"/>
+          <c:h val="0.735528567403651"/>
         </c:manualLayout>
       </c:layout>
       <c:lineChart>
         <c:grouping val="standard"/>
+        <c:varyColors val="0"/>
         <c:ser>
           <c:idx val="0"/>
           <c:order val="0"/>
@@ -205,67 +218,67 @@
                 <c:formatCode>General</c:formatCode>
                 <c:ptCount val="21"/>
                 <c:pt idx="0">
-                  <c:v>1</c:v>
+                  <c:v>1.0</c:v>
                 </c:pt>
                 <c:pt idx="1">
-                  <c:v>2</c:v>
+                  <c:v>2.0</c:v>
                 </c:pt>
                 <c:pt idx="2">
-                  <c:v>3</c:v>
+                  <c:v>3.0</c:v>
                 </c:pt>
                 <c:pt idx="3">
-                  <c:v>4</c:v>
+                  <c:v>4.0</c:v>
                 </c:pt>
                 <c:pt idx="4">
-                  <c:v>5</c:v>
+                  <c:v>5.0</c:v>
                 </c:pt>
                 <c:pt idx="5">
-                  <c:v>6</c:v>
+                  <c:v>6.0</c:v>
                 </c:pt>
                 <c:pt idx="6">
-                  <c:v>7</c:v>
+                  <c:v>7.0</c:v>
                 </c:pt>
                 <c:pt idx="7">
-                  <c:v>8</c:v>
+                  <c:v>8.0</c:v>
                 </c:pt>
                 <c:pt idx="8">
-                  <c:v>9</c:v>
+                  <c:v>9.0</c:v>
                 </c:pt>
                 <c:pt idx="9">
-                  <c:v>10</c:v>
+                  <c:v>10.0</c:v>
                 </c:pt>
                 <c:pt idx="10">
-                  <c:v>11</c:v>
+                  <c:v>11.0</c:v>
                 </c:pt>
                 <c:pt idx="11">
-                  <c:v>12</c:v>
+                  <c:v>12.0</c:v>
                 </c:pt>
                 <c:pt idx="12">
-                  <c:v>13</c:v>
+                  <c:v>13.0</c:v>
                 </c:pt>
                 <c:pt idx="13">
-                  <c:v>14</c:v>
+                  <c:v>14.0</c:v>
                 </c:pt>
                 <c:pt idx="14">
-                  <c:v>15</c:v>
+                  <c:v>15.0</c:v>
                 </c:pt>
                 <c:pt idx="15">
-                  <c:v>16</c:v>
+                  <c:v>16.0</c:v>
                 </c:pt>
                 <c:pt idx="16">
-                  <c:v>17</c:v>
+                  <c:v>17.0</c:v>
                 </c:pt>
                 <c:pt idx="17">
-                  <c:v>18</c:v>
+                  <c:v>18.0</c:v>
                 </c:pt>
                 <c:pt idx="18">
-                  <c:v>19</c:v>
+                  <c:v>19.0</c:v>
                 </c:pt>
                 <c:pt idx="19">
-                  <c:v>20</c:v>
+                  <c:v>20.0</c:v>
                 </c:pt>
                 <c:pt idx="20">
-                  <c:v>21</c:v>
+                  <c:v>21.0</c:v>
                 </c:pt>
               </c:numCache>
             </c:numRef>
@@ -277,34 +290,34 @@
                 <c:formatCode>0.00</c:formatCode>
                 <c:ptCount val="21"/>
                 <c:pt idx="0">
-                  <c:v>37</c:v>
+                  <c:v>37.0</c:v>
                 </c:pt>
                 <c:pt idx="1">
-                  <c:v>35.238095238095241</c:v>
+                  <c:v>35.23809523809525</c:v>
                 </c:pt>
                 <c:pt idx="2">
-                  <c:v>33.476190476190474</c:v>
+                  <c:v>33.47619047619047</c:v>
                 </c:pt>
                 <c:pt idx="3">
-                  <c:v>31.714285714285715</c:v>
+                  <c:v>31.71428571428572</c:v>
                 </c:pt>
                 <c:pt idx="4">
-                  <c:v>29.952380952380953</c:v>
+                  <c:v>29.95238095238095</c:v>
                 </c:pt>
                 <c:pt idx="5">
                   <c:v>28.19047619047619</c:v>
                 </c:pt>
                 <c:pt idx="6">
-                  <c:v>26.428571428571431</c:v>
+                  <c:v>26.42857142857143</c:v>
                 </c:pt>
                 <c:pt idx="7">
-                  <c:v>24.666666666666668</c:v>
+                  <c:v>24.66666666666667</c:v>
                 </c:pt>
                 <c:pt idx="8">
-                  <c:v>22.904761904761905</c:v>
+                  <c:v>22.9047619047619</c:v>
                 </c:pt>
                 <c:pt idx="9">
-                  <c:v>21.142857142857142</c:v>
+                  <c:v>21.14285714285715</c:v>
                 </c:pt>
                 <c:pt idx="10">
                   <c:v>19.38095238095238</c:v>
@@ -313,35 +326,36 @@
                   <c:v>17.61904761904762</c:v>
                 </c:pt>
                 <c:pt idx="12">
-                  <c:v>15.857142857142858</c:v>
+                  <c:v>15.85714285714286</c:v>
                 </c:pt>
                 <c:pt idx="13">
-                  <c:v>14.095238095238095</c:v>
+                  <c:v>14.0952380952381</c:v>
                 </c:pt>
                 <c:pt idx="14">
-                  <c:v>12.333333333333336</c:v>
+                  <c:v>12.33333333333334</c:v>
                 </c:pt>
                 <c:pt idx="15">
-                  <c:v>10.571428571428573</c:v>
+                  <c:v>10.57142857142857</c:v>
                 </c:pt>
                 <c:pt idx="16">
-                  <c:v>8.8095238095238102</c:v>
+                  <c:v>8.80952380952381</c:v>
                 </c:pt>
                 <c:pt idx="17">
-                  <c:v>7.0476190476190474</c:v>
+                  <c:v>7.047619047619047</c:v>
                 </c:pt>
                 <c:pt idx="18">
-                  <c:v>5.2857142857142847</c:v>
+                  <c:v>5.285714285714285</c:v>
                 </c:pt>
                 <c:pt idx="19">
-                  <c:v>3.5238095238095255</c:v>
+                  <c:v>3.523809523809525</c:v>
                 </c:pt>
                 <c:pt idx="20">
-                  <c:v>1.7619047619047592</c:v>
+                  <c:v>1.761904761904759</c:v>
                 </c:pt>
               </c:numCache>
             </c:numRef>
           </c:val>
+          <c:smooth val="0"/>
         </c:ser>
         <c:ser>
           <c:idx val="1"/>
@@ -387,67 +401,67 @@
                 <c:formatCode>General</c:formatCode>
                 <c:ptCount val="21"/>
                 <c:pt idx="0">
-                  <c:v>1</c:v>
+                  <c:v>1.0</c:v>
                 </c:pt>
                 <c:pt idx="1">
-                  <c:v>2</c:v>
+                  <c:v>2.0</c:v>
                 </c:pt>
                 <c:pt idx="2">
-                  <c:v>3</c:v>
+                  <c:v>3.0</c:v>
                 </c:pt>
                 <c:pt idx="3">
-                  <c:v>4</c:v>
+                  <c:v>4.0</c:v>
                 </c:pt>
                 <c:pt idx="4">
-                  <c:v>5</c:v>
+                  <c:v>5.0</c:v>
                 </c:pt>
                 <c:pt idx="5">
-                  <c:v>6</c:v>
+                  <c:v>6.0</c:v>
                 </c:pt>
                 <c:pt idx="6">
-                  <c:v>7</c:v>
+                  <c:v>7.0</c:v>
                 </c:pt>
                 <c:pt idx="7">
-                  <c:v>8</c:v>
+                  <c:v>8.0</c:v>
                 </c:pt>
                 <c:pt idx="8">
-                  <c:v>9</c:v>
+                  <c:v>9.0</c:v>
                 </c:pt>
                 <c:pt idx="9">
-                  <c:v>10</c:v>
+                  <c:v>10.0</c:v>
                 </c:pt>
                 <c:pt idx="10">
-                  <c:v>11</c:v>
+                  <c:v>11.0</c:v>
                 </c:pt>
                 <c:pt idx="11">
-                  <c:v>12</c:v>
+                  <c:v>12.0</c:v>
                 </c:pt>
                 <c:pt idx="12">
-                  <c:v>13</c:v>
+                  <c:v>13.0</c:v>
                 </c:pt>
                 <c:pt idx="13">
-                  <c:v>14</c:v>
+                  <c:v>14.0</c:v>
                 </c:pt>
                 <c:pt idx="14">
-                  <c:v>15</c:v>
+                  <c:v>15.0</c:v>
                 </c:pt>
                 <c:pt idx="15">
-                  <c:v>16</c:v>
+                  <c:v>16.0</c:v>
                 </c:pt>
                 <c:pt idx="16">
-                  <c:v>17</c:v>
+                  <c:v>17.0</c:v>
                 </c:pt>
                 <c:pt idx="17">
-                  <c:v>18</c:v>
+                  <c:v>18.0</c:v>
                 </c:pt>
                 <c:pt idx="18">
-                  <c:v>19</c:v>
+                  <c:v>19.0</c:v>
                 </c:pt>
                 <c:pt idx="19">
-                  <c:v>20</c:v>
+                  <c:v>20.0</c:v>
                 </c:pt>
                 <c:pt idx="20">
-                  <c:v>21</c:v>
+                  <c:v>21.0</c:v>
                 </c:pt>
               </c:numCache>
             </c:numRef>
@@ -459,81 +473,92 @@
                 <c:formatCode>0.00</c:formatCode>
                 <c:ptCount val="21"/>
                 <c:pt idx="0">
-                  <c:v>37</c:v>
+                  <c:v>37.0</c:v>
                 </c:pt>
                 <c:pt idx="1">
-                  <c:v>36</c:v>
+                  <c:v>36.0</c:v>
                 </c:pt>
                 <c:pt idx="2">
-                  <c:v>35</c:v>
+                  <c:v>35.0</c:v>
                 </c:pt>
                 <c:pt idx="3">
-                  <c:v>33</c:v>
+                  <c:v>33.0</c:v>
                 </c:pt>
                 <c:pt idx="4">
-                  <c:v>38</c:v>
+                  <c:v>38.0</c:v>
                 </c:pt>
                 <c:pt idx="5">
-                  <c:v>33</c:v>
+                  <c:v>33.0</c:v>
                 </c:pt>
                 <c:pt idx="6">
-                  <c:v>29</c:v>
+                  <c:v>29.0</c:v>
                 </c:pt>
                 <c:pt idx="7">
-                  <c:v>27</c:v>
+                  <c:v>27.0</c:v>
                 </c:pt>
                 <c:pt idx="8">
-                  <c:v>27</c:v>
+                  <c:v>27.0</c:v>
                 </c:pt>
                 <c:pt idx="9">
-                  <c:v>25</c:v>
+                  <c:v>25.0</c:v>
                 </c:pt>
                 <c:pt idx="10">
-                  <c:v>23</c:v>
+                  <c:v>23.0</c:v>
                 </c:pt>
                 <c:pt idx="11">
-                  <c:v>21</c:v>
+                  <c:v>21.0</c:v>
                 </c:pt>
                 <c:pt idx="12">
-                  <c:v>17</c:v>
+                  <c:v>17.0</c:v>
                 </c:pt>
                 <c:pt idx="13">
-                  <c:v>15</c:v>
+                  <c:v>15.0</c:v>
                 </c:pt>
                 <c:pt idx="14">
-                  <c:v>12</c:v>
+                  <c:v>12.0</c:v>
                 </c:pt>
                 <c:pt idx="15">
-                  <c:v>10</c:v>
+                  <c:v>10.0</c:v>
                 </c:pt>
                 <c:pt idx="16">
-                  <c:v>7</c:v>
+                  <c:v>7.0</c:v>
                 </c:pt>
                 <c:pt idx="17">
-                  <c:v>4</c:v>
+                  <c:v>4.0</c:v>
                 </c:pt>
                 <c:pt idx="18">
-                  <c:v>1</c:v>
+                  <c:v>1.0</c:v>
                 </c:pt>
                 <c:pt idx="19">
-                  <c:v>0</c:v>
+                  <c:v>0.0</c:v>
                 </c:pt>
                 <c:pt idx="20">
-                  <c:v>0</c:v>
+                  <c:v>0.0</c:v>
                 </c:pt>
               </c:numCache>
             </c:numRef>
           </c:val>
+          <c:smooth val="0"/>
         </c:ser>
+        <c:dLbls>
+          <c:showLegendKey val="0"/>
+          <c:showVal val="0"/>
+          <c:showCatName val="0"/>
+          <c:showSerName val="0"/>
+          <c:showPercent val="0"/>
+          <c:showBubbleSize val="0"/>
+        </c:dLbls>
         <c:marker val="1"/>
-        <c:axId val="116890624"/>
-        <c:axId val="118081024"/>
+        <c:smooth val="0"/>
+        <c:axId val="-2087225096"/>
+        <c:axId val="-2108365944"/>
       </c:lineChart>
       <c:catAx>
-        <c:axId val="116890624"/>
+        <c:axId val="-2087225096"/>
         <c:scaling>
           <c:orientation val="minMax"/>
         </c:scaling>
+        <c:delete val="0"/>
         <c:axPos val="b"/>
         <c:title>
           <c:tx>
@@ -552,6 +577,7 @@
             </c:rich>
           </c:tx>
           <c:layout/>
+          <c:overlay val="0"/>
           <c:spPr>
             <a:noFill/>
             <a:ln w="25400">
@@ -560,6 +586,8 @@
           </c:spPr>
         </c:title>
         <c:numFmt formatCode="General" sourceLinked="1"/>
+        <c:majorTickMark val="out"/>
+        <c:minorTickMark val="none"/>
         <c:tickLblPos val="nextTo"/>
         <c:spPr>
           <a:ln w="3175">
@@ -579,16 +607,19 @@
             <a:endParaRPr lang="en-US"/>
           </a:p>
         </c:txPr>
-        <c:crossAx val="118081024"/>
+        <c:crossAx val="-2108365944"/>
         <c:crosses val="autoZero"/>
+        <c:auto val="0"/>
         <c:lblAlgn val="ctr"/>
         <c:lblOffset val="100"/>
+        <c:noMultiLvlLbl val="0"/>
       </c:catAx>
       <c:valAx>
-        <c:axId val="118081024"/>
+        <c:axId val="-2108365944"/>
         <c:scaling>
           <c:orientation val="minMax"/>
         </c:scaling>
+        <c:delete val="0"/>
         <c:axPos val="l"/>
         <c:majorGridlines>
           <c:spPr>
@@ -617,6 +648,7 @@
             </c:rich>
           </c:tx>
           <c:layout/>
+          <c:overlay val="0"/>
           <c:spPr>
             <a:noFill/>
             <a:ln w="25400">
@@ -625,6 +657,8 @@
           </c:spPr>
         </c:title>
         <c:numFmt formatCode="0.00" sourceLinked="1"/>
+        <c:majorTickMark val="out"/>
+        <c:minorTickMark val="none"/>
         <c:tickLblPos val="nextTo"/>
         <c:spPr>
           <a:ln w="9525">
@@ -641,7 +675,7 @@
             <a:endParaRPr lang="en-US"/>
           </a:p>
         </c:txPr>
-        <c:crossAx val="116890624"/>
+        <c:crossAx val="-2087225096"/>
         <c:crosses val="autoZero"/>
         <c:crossBetween val="between"/>
       </c:valAx>
@@ -660,12 +694,13 @@
         <c:manualLayout>
           <c:xMode val="edge"/>
           <c:yMode val="edge"/>
-          <c:x val="0.32274203640021698"/>
-          <c:y val="0.16282690960484819"/>
-          <c:w val="0.67480013709640119"/>
-          <c:h val="5.8526850766982677E-2"/>
+          <c:x val="0.322742036400217"/>
+          <c:y val="0.162826909604848"/>
+          <c:w val="0.674800137096401"/>
+          <c:h val="0.0585268507669827"/>
         </c:manualLayout>
       </c:layout>
+      <c:overlay val="0"/>
       <c:spPr>
         <a:noFill/>
         <a:ln w="25400">
@@ -673,7 +708,9 @@
         </a:ln>
       </c:spPr>
     </c:legend>
+    <c:plotVisOnly val="0"/>
     <c:dispBlanksAs val="gap"/>
+    <c:showDLblsOverMax val="0"/>
   </c:chart>
   <c:spPr>
     <a:solidFill>
@@ -686,13 +723,25 @@
       <a:prstDash val="solid"/>
     </a:ln>
   </c:spPr>
-  <c:externalData r:id="rId1"/>
+  <c:externalData r:id="rId1">
+    <c:autoUpdate val="0"/>
+  </c:externalData>
 </c:chartSpace>
 </file>
 
 <file path=ppt/charts/chart2.xml><?xml version="1.0" encoding="utf-8"?>
 <c:chartSpace xmlns:c="http://schemas.openxmlformats.org/drawingml/2006/chart" xmlns:a="http://schemas.openxmlformats.org/drawingml/2006/main" xmlns:r="http://schemas.openxmlformats.org/officeDocument/2006/relationships">
+  <c:date1904 val="0"/>
   <c:lang val="en-US"/>
+  <c:roundedCorners val="0"/>
+  <mc:AlternateContent xmlns:mc="http://schemas.openxmlformats.org/markup-compatibility/2006">
+    <mc:Choice xmlns:c14="http://schemas.microsoft.com/office/drawing/2007/8/2/chart" Requires="c14">
+      <c14:style val="102"/>
+    </mc:Choice>
+    <mc:Fallback>
+      <c:style val="2"/>
+    </mc:Fallback>
+  </mc:AlternateContent>
   <c:chart>
     <c:title>
       <c:tx>
@@ -711,6 +760,7 @@
         </c:rich>
       </c:tx>
       <c:layout/>
+      <c:overlay val="0"/>
       <c:spPr>
         <a:noFill/>
         <a:ln w="25400">
@@ -718,20 +768,22 @@
         </a:ln>
       </c:spPr>
     </c:title>
+    <c:autoTitleDeleted val="0"/>
     <c:plotArea>
       <c:layout>
         <c:manualLayout>
           <c:layoutTarget val="inner"/>
           <c:xMode val="edge"/>
           <c:yMode val="edge"/>
-          <c:x val="8.2706842827444768E-2"/>
-          <c:y val="0.17674418604651174"/>
-          <c:w val="0.89661736428843497"/>
-          <c:h val="0.59534883720930254"/>
+          <c:x val="0.0827068428274448"/>
+          <c:y val="0.176744186046512"/>
+          <c:w val="0.896617364288435"/>
+          <c:h val="0.595348837209303"/>
         </c:manualLayout>
       </c:layout>
       <c:lineChart>
         <c:grouping val="standard"/>
+        <c:varyColors val="0"/>
         <c:ser>
           <c:idx val="0"/>
           <c:order val="0"/>
@@ -776,46 +828,46 @@
                 <c:formatCode>General</c:formatCode>
                 <c:ptCount val="14"/>
                 <c:pt idx="0">
-                  <c:v>1</c:v>
+                  <c:v>1.0</c:v>
                 </c:pt>
                 <c:pt idx="1">
-                  <c:v>2</c:v>
+                  <c:v>2.0</c:v>
                 </c:pt>
                 <c:pt idx="2">
-                  <c:v>3</c:v>
+                  <c:v>3.0</c:v>
                 </c:pt>
                 <c:pt idx="3">
-                  <c:v>4</c:v>
+                  <c:v>4.0</c:v>
                 </c:pt>
                 <c:pt idx="4">
-                  <c:v>5</c:v>
+                  <c:v>5.0</c:v>
                 </c:pt>
                 <c:pt idx="5">
-                  <c:v>6</c:v>
+                  <c:v>6.0</c:v>
                 </c:pt>
                 <c:pt idx="6">
-                  <c:v>7</c:v>
+                  <c:v>7.0</c:v>
                 </c:pt>
                 <c:pt idx="7">
-                  <c:v>8</c:v>
+                  <c:v>8.0</c:v>
                 </c:pt>
                 <c:pt idx="8">
-                  <c:v>9</c:v>
+                  <c:v>9.0</c:v>
                 </c:pt>
                 <c:pt idx="9">
-                  <c:v>10</c:v>
+                  <c:v>10.0</c:v>
                 </c:pt>
                 <c:pt idx="10">
-                  <c:v>11</c:v>
+                  <c:v>11.0</c:v>
                 </c:pt>
                 <c:pt idx="11">
-                  <c:v>12</c:v>
+                  <c:v>12.0</c:v>
                 </c:pt>
                 <c:pt idx="12">
-                  <c:v>13</c:v>
+                  <c:v>13.0</c:v>
                 </c:pt>
                 <c:pt idx="13">
-                  <c:v>14</c:v>
+                  <c:v>14.0</c:v>
                 </c:pt>
               </c:numCache>
             </c:numRef>
@@ -827,50 +879,51 @@
                 <c:formatCode>General</c:formatCode>
                 <c:ptCount val="14"/>
                 <c:pt idx="0">
-                  <c:v>39</c:v>
+                  <c:v>39.0</c:v>
                 </c:pt>
                 <c:pt idx="1">
-                  <c:v>36.214285714285715</c:v>
+                  <c:v>36.21428571428572</c:v>
                 </c:pt>
                 <c:pt idx="2">
-                  <c:v>33.428571428571431</c:v>
+                  <c:v>33.42857142857143</c:v>
                 </c:pt>
                 <c:pt idx="3">
-                  <c:v>30.642857142857142</c:v>
+                  <c:v>30.64285714285715</c:v>
                 </c:pt>
                 <c:pt idx="4">
-                  <c:v>27.857142857142858</c:v>
+                  <c:v>27.85714285714285</c:v>
                 </c:pt>
                 <c:pt idx="5">
-                  <c:v>25.071428571428573</c:v>
+                  <c:v>25.07142857142857</c:v>
                 </c:pt>
                 <c:pt idx="6">
-                  <c:v>22.285714285714285</c:v>
+                  <c:v>22.28571428571428</c:v>
                 </c:pt>
                 <c:pt idx="7">
                   <c:v>19.5</c:v>
                 </c:pt>
                 <c:pt idx="8">
-                  <c:v>16.714285714285715</c:v>
+                  <c:v>16.71428571428572</c:v>
                 </c:pt>
                 <c:pt idx="9">
-                  <c:v>13.928571428571431</c:v>
+                  <c:v>13.92857142857143</c:v>
                 </c:pt>
                 <c:pt idx="10">
-                  <c:v>11.142857142857146</c:v>
+                  <c:v>11.14285714285714</c:v>
                 </c:pt>
                 <c:pt idx="11">
-                  <c:v>8.3571428571428577</c:v>
+                  <c:v>8.35714285714286</c:v>
                 </c:pt>
                 <c:pt idx="12">
-                  <c:v>5.5714285714285694</c:v>
+                  <c:v>5.57142857142857</c:v>
                 </c:pt>
                 <c:pt idx="13">
-                  <c:v>2.7857142857142847</c:v>
+                  <c:v>2.785714285714285</c:v>
                 </c:pt>
               </c:numCache>
             </c:numRef>
           </c:val>
+          <c:smooth val="0"/>
         </c:ser>
         <c:ser>
           <c:idx val="1"/>
@@ -916,46 +969,46 @@
                 <c:formatCode>General</c:formatCode>
                 <c:ptCount val="14"/>
                 <c:pt idx="0">
-                  <c:v>1</c:v>
+                  <c:v>1.0</c:v>
                 </c:pt>
                 <c:pt idx="1">
-                  <c:v>2</c:v>
+                  <c:v>2.0</c:v>
                 </c:pt>
                 <c:pt idx="2">
-                  <c:v>3</c:v>
+                  <c:v>3.0</c:v>
                 </c:pt>
                 <c:pt idx="3">
-                  <c:v>4</c:v>
+                  <c:v>4.0</c:v>
                 </c:pt>
                 <c:pt idx="4">
-                  <c:v>5</c:v>
+                  <c:v>5.0</c:v>
                 </c:pt>
                 <c:pt idx="5">
-                  <c:v>6</c:v>
+                  <c:v>6.0</c:v>
                 </c:pt>
                 <c:pt idx="6">
-                  <c:v>7</c:v>
+                  <c:v>7.0</c:v>
                 </c:pt>
                 <c:pt idx="7">
-                  <c:v>8</c:v>
+                  <c:v>8.0</c:v>
                 </c:pt>
                 <c:pt idx="8">
-                  <c:v>9</c:v>
+                  <c:v>9.0</c:v>
                 </c:pt>
                 <c:pt idx="9">
-                  <c:v>10</c:v>
+                  <c:v>10.0</c:v>
                 </c:pt>
                 <c:pt idx="10">
-                  <c:v>11</c:v>
+                  <c:v>11.0</c:v>
                 </c:pt>
                 <c:pt idx="11">
-                  <c:v>12</c:v>
+                  <c:v>12.0</c:v>
                 </c:pt>
                 <c:pt idx="12">
-                  <c:v>13</c:v>
+                  <c:v>13.0</c:v>
                 </c:pt>
                 <c:pt idx="13">
-                  <c:v>14</c:v>
+                  <c:v>14.0</c:v>
                 </c:pt>
               </c:numCache>
             </c:numRef>
@@ -967,13 +1020,13 @@
                 <c:formatCode>General</c:formatCode>
                 <c:ptCount val="14"/>
                 <c:pt idx="0">
-                  <c:v>39</c:v>
+                  <c:v>39.0</c:v>
                 </c:pt>
                 <c:pt idx="1">
-                  <c:v>37</c:v>
+                  <c:v>37.0</c:v>
                 </c:pt>
                 <c:pt idx="2">
-                  <c:v>33</c:v>
+                  <c:v>33.0</c:v>
                 </c:pt>
                 <c:pt idx="3">
                   <c:v>31.5</c:v>
@@ -982,13 +1035,13 @@
                   <c:v>29.5</c:v>
                 </c:pt>
                 <c:pt idx="5">
-                  <c:v>27</c:v>
+                  <c:v>27.0</c:v>
                 </c:pt>
                 <c:pt idx="6">
-                  <c:v>23</c:v>
+                  <c:v>23.0</c:v>
                 </c:pt>
                 <c:pt idx="7">
-                  <c:v>19</c:v>
+                  <c:v>19.0</c:v>
                 </c:pt>
                 <c:pt idx="8">
                   <c:v>19.5</c:v>
@@ -1000,27 +1053,38 @@
                   <c:v>10.5</c:v>
                 </c:pt>
                 <c:pt idx="11">
-                  <c:v>8</c:v>
+                  <c:v>8.0</c:v>
                 </c:pt>
                 <c:pt idx="12">
-                  <c:v>2</c:v>
+                  <c:v>2.0</c:v>
                 </c:pt>
                 <c:pt idx="13">
-                  <c:v>0</c:v>
+                  <c:v>0.0</c:v>
                 </c:pt>
               </c:numCache>
             </c:numRef>
           </c:val>
+          <c:smooth val="0"/>
         </c:ser>
+        <c:dLbls>
+          <c:showLegendKey val="0"/>
+          <c:showVal val="0"/>
+          <c:showCatName val="0"/>
+          <c:showSerName val="0"/>
+          <c:showPercent val="0"/>
+          <c:showBubbleSize val="0"/>
+        </c:dLbls>
         <c:marker val="1"/>
-        <c:axId val="122593664"/>
-        <c:axId val="122596352"/>
+        <c:smooth val="0"/>
+        <c:axId val="-2112691880"/>
+        <c:axId val="-2112448024"/>
       </c:lineChart>
       <c:catAx>
-        <c:axId val="122593664"/>
+        <c:axId val="-2112691880"/>
         <c:scaling>
           <c:orientation val="minMax"/>
         </c:scaling>
+        <c:delete val="0"/>
         <c:axPos val="b"/>
         <c:title>
           <c:tx>
@@ -1039,6 +1103,7 @@
             </c:rich>
           </c:tx>
           <c:layout/>
+          <c:overlay val="0"/>
           <c:spPr>
             <a:noFill/>
             <a:ln w="25400">
@@ -1047,6 +1112,8 @@
           </c:spPr>
         </c:title>
         <c:numFmt formatCode="General" sourceLinked="1"/>
+        <c:majorTickMark val="out"/>
+        <c:minorTickMark val="none"/>
         <c:tickLblPos val="nextTo"/>
         <c:spPr>
           <a:ln w="3175">
@@ -1066,16 +1133,19 @@
             <a:endParaRPr lang="en-US"/>
           </a:p>
         </c:txPr>
-        <c:crossAx val="122596352"/>
+        <c:crossAx val="-2112448024"/>
         <c:crosses val="autoZero"/>
+        <c:auto val="0"/>
         <c:lblAlgn val="ctr"/>
         <c:lblOffset val="100"/>
+        <c:noMultiLvlLbl val="0"/>
       </c:catAx>
       <c:valAx>
-        <c:axId val="122596352"/>
+        <c:axId val="-2112448024"/>
         <c:scaling>
           <c:orientation val="minMax"/>
         </c:scaling>
+        <c:delete val="0"/>
         <c:axPos val="l"/>
         <c:majorGridlines>
           <c:spPr>
@@ -1104,6 +1174,7 @@
             </c:rich>
           </c:tx>
           <c:layout/>
+          <c:overlay val="0"/>
           <c:spPr>
             <a:noFill/>
             <a:ln w="25400">
@@ -1112,6 +1183,8 @@
           </c:spPr>
         </c:title>
         <c:numFmt formatCode="General" sourceLinked="1"/>
+        <c:majorTickMark val="out"/>
+        <c:minorTickMark val="none"/>
         <c:tickLblPos val="nextTo"/>
         <c:spPr>
           <a:ln w="9525">
@@ -1128,7 +1201,7 @@
             <a:endParaRPr lang="en-US"/>
           </a:p>
         </c:txPr>
-        <c:crossAx val="122593664"/>
+        <c:crossAx val="-2112691880"/>
         <c:crosses val="autoZero"/>
         <c:crossBetween val="between"/>
       </c:valAx>
@@ -1147,14 +1220,17 @@
         <c:manualLayout>
           <c:xMode val="edge"/>
           <c:yMode val="edge"/>
-          <c:x val="0.2936936936936938"/>
-          <c:y val="0.18035428177637527"/>
-          <c:w val="0.6705068989528169"/>
-          <c:h val="5.2135193525473911E-2"/>
+          <c:x val="0.293693693693694"/>
+          <c:y val="0.180354281776375"/>
+          <c:w val="0.670506898952817"/>
+          <c:h val="0.0521351935254739"/>
         </c:manualLayout>
       </c:layout>
+      <c:overlay val="0"/>
     </c:legend>
+    <c:plotVisOnly val="0"/>
     <c:dispBlanksAs val="gap"/>
+    <c:showDLblsOverMax val="0"/>
   </c:chart>
   <c:spPr>
     <a:solidFill>
@@ -1167,7 +1243,9 @@
       <a:prstDash val="solid"/>
     </a:ln>
   </c:spPr>
-  <c:externalData r:id="rId1"/>
+  <c:externalData r:id="rId1">
+    <c:autoUpdate val="0"/>
+  </c:externalData>
 </c:chartSpace>
 </file>
 
@@ -1254,7 +1332,7 @@
             <a:fld id="{12CDBA90-CDB2-9846-BC3C-C942DFE4778C}" type="datetimeFigureOut">
               <a:rPr lang="en-US" smtClean="0"/>
               <a:pPr/>
-              <a:t>11/25/2012</a:t>
+              <a:t>11/25/12</a:t>
             </a:fld>
             <a:endParaRPr lang="en-US" dirty="0"/>
           </a:p>
@@ -1423,7 +1501,7 @@
     </p:spTree>
     <p:extLst>
       <p:ext uri="{BB962C8B-B14F-4D97-AF65-F5344CB8AC3E}">
-        <p14:creationId xmlns="" xmlns:p14="http://schemas.microsoft.com/office/powerpoint/2010/main" val="2212999972"/>
+        <p14:creationId xmlns:p14="http://schemas.microsoft.com/office/powerpoint/2010/main" val="2212999972"/>
       </p:ext>
     </p:extLst>
   </p:cSld>
@@ -1712,7 +1790,7 @@
     </p:spTree>
     <p:extLst>
       <p:ext uri="{BB962C8B-B14F-4D97-AF65-F5344CB8AC3E}">
-        <p14:creationId xmlns="" xmlns:p14="http://schemas.microsoft.com/office/powerpoint/2010/main" val="385254405"/>
+        <p14:creationId xmlns:p14="http://schemas.microsoft.com/office/powerpoint/2010/main" val="385254405"/>
       </p:ext>
     </p:extLst>
   </p:cSld>
@@ -2652,7 +2730,7 @@
             <a:fld id="{B1A24CD3-204F-4468-8EE4-28A6668D006A}" type="datetimeFigureOut">
               <a:rPr lang="en-US" smtClean="0"/>
               <a:pPr/>
-              <a:t>11/25/2012</a:t>
+              <a:t>11/25/12</a:t>
             </a:fld>
             <a:endParaRPr lang="en-US" dirty="0"/>
           </a:p>
@@ -2940,7 +3018,7 @@
             <a:fld id="{B1A24CD3-204F-4468-8EE4-28A6668D006A}" type="datetimeFigureOut">
               <a:rPr lang="en-US" smtClean="0"/>
               <a:pPr/>
-              <a:t>11/25/2012</a:t>
+              <a:t>11/25/12</a:t>
             </a:fld>
             <a:endParaRPr lang="en-US" dirty="0"/>
           </a:p>
@@ -3364,7 +3442,7 @@
             <a:fld id="{B1A24CD3-204F-4468-8EE4-28A6668D006A}" type="datetimeFigureOut">
               <a:rPr lang="en-US" smtClean="0"/>
               <a:pPr/>
-              <a:t>11/25/2012</a:t>
+              <a:t>11/25/12</a:t>
             </a:fld>
             <a:endParaRPr lang="en-US" dirty="0"/>
           </a:p>
@@ -3783,7 +3861,7 @@
             <a:fld id="{B1A24CD3-204F-4468-8EE4-28A6668D006A}" type="datetimeFigureOut">
               <a:rPr lang="en-US" smtClean="0"/>
               <a:pPr/>
-              <a:t>11/25/2012</a:t>
+              <a:t>11/25/12</a:t>
             </a:fld>
             <a:endParaRPr lang="en-US" dirty="0"/>
           </a:p>
@@ -3918,7 +3996,7 @@
             <a:fld id="{B1A24CD3-204F-4468-8EE4-28A6668D006A}" type="datetimeFigureOut">
               <a:rPr lang="en-US" smtClean="0"/>
               <a:pPr/>
-              <a:t>11/25/2012</a:t>
+              <a:t>11/25/12</a:t>
             </a:fld>
             <a:endParaRPr lang="en-US" dirty="0"/>
           </a:p>
@@ -4242,7 +4320,7 @@
             <a:fld id="{B1A24CD3-204F-4468-8EE4-28A6668D006A}" type="datetimeFigureOut">
               <a:rPr lang="en-US" smtClean="0"/>
               <a:pPr/>
-              <a:t>11/25/2012</a:t>
+              <a:t>11/25/12</a:t>
             </a:fld>
             <a:endParaRPr lang="en-US" dirty="0"/>
           </a:p>
@@ -4488,7 +4566,7 @@
             <a:fld id="{B1A24CD3-204F-4468-8EE4-28A6668D006A}" type="datetimeFigureOut">
               <a:rPr lang="en-US" smtClean="0"/>
               <a:pPr/>
-              <a:t>11/25/2012</a:t>
+              <a:t>11/25/12</a:t>
             </a:fld>
             <a:endParaRPr lang="en-US" dirty="0"/>
           </a:p>
@@ -4828,7 +4906,7 @@
             <a:fld id="{B1A24CD3-204F-4468-8EE4-28A6668D006A}" type="datetimeFigureOut">
               <a:rPr lang="en-US" smtClean="0"/>
               <a:pPr/>
-              <a:t>11/25/2012</a:t>
+              <a:t>11/25/12</a:t>
             </a:fld>
             <a:endParaRPr lang="en-US" dirty="0"/>
           </a:p>
@@ -5130,7 +5208,7 @@
             <a:fld id="{B1A24CD3-204F-4468-8EE4-28A6668D006A}" type="datetimeFigureOut">
               <a:rPr lang="en-US" smtClean="0"/>
               <a:pPr/>
-              <a:t>11/25/2012</a:t>
+              <a:t>11/25/12</a:t>
             </a:fld>
             <a:endParaRPr lang="en-US" dirty="0"/>
           </a:p>
@@ -5539,7 +5617,7 @@
             <a:fld id="{B1A24CD3-204F-4468-8EE4-28A6668D006A}" type="datetimeFigureOut">
               <a:rPr lang="en-US" smtClean="0"/>
               <a:pPr/>
-              <a:t>11/25/2012</a:t>
+              <a:t>11/25/12</a:t>
             </a:fld>
             <a:endParaRPr lang="en-US" dirty="0"/>
           </a:p>
@@ -5763,7 +5841,7 @@
             <a:fld id="{B1A24CD3-204F-4468-8EE4-28A6668D006A}" type="datetimeFigureOut">
               <a:rPr lang="en-US" smtClean="0"/>
               <a:pPr/>
-              <a:t>11/25/2012</a:t>
+              <a:t>11/25/12</a:t>
             </a:fld>
             <a:endParaRPr lang="en-US" dirty="0"/>
           </a:p>
@@ -5982,7 +6060,7 @@
             <a:fld id="{B1A24CD3-204F-4468-8EE4-28A6668D006A}" type="datetimeFigureOut">
               <a:rPr lang="en-US" smtClean="0"/>
               <a:pPr/>
-              <a:t>11/25/2012</a:t>
+              <a:t>11/25/12</a:t>
             </a:fld>
             <a:endParaRPr lang="en-US" dirty="0"/>
           </a:p>
@@ -6289,7 +6367,7 @@
             <a:fld id="{B1A24CD3-204F-4468-8EE4-28A6668D006A}" type="datetimeFigureOut">
               <a:rPr lang="en-US" smtClean="0"/>
               <a:pPr/>
-              <a:t>11/25/2012</a:t>
+              <a:t>11/25/12</a:t>
             </a:fld>
             <a:endParaRPr lang="en-US" dirty="0"/>
           </a:p>
@@ -6618,7 +6696,7 @@
             <a:fld id="{B1A24CD3-204F-4468-8EE4-28A6668D006A}" type="datetimeFigureOut">
               <a:rPr lang="en-US" smtClean="0"/>
               <a:pPr/>
-              <a:t>11/25/2012</a:t>
+              <a:t>11/25/12</a:t>
             </a:fld>
             <a:endParaRPr lang="en-US" dirty="0"/>
           </a:p>
@@ -6955,7 +7033,7 @@
             <a:fld id="{B1A24CD3-204F-4468-8EE4-28A6668D006A}" type="datetimeFigureOut">
               <a:rPr lang="en-US" smtClean="0"/>
               <a:pPr/>
-              <a:t>11/25/2012</a:t>
+              <a:t>11/25/12</a:t>
             </a:fld>
             <a:endParaRPr lang="en-US" dirty="0"/>
           </a:p>
@@ -7581,7 +7659,7 @@
             <a:fld id="{B1A24CD3-204F-4468-8EE4-28A6668D006A}" type="datetimeFigureOut">
               <a:rPr lang="en-US" smtClean="0"/>
               <a:pPr/>
-              <a:t>11/25/2012</a:t>
+              <a:t>11/25/12</a:t>
             </a:fld>
             <a:endParaRPr lang="en-US" dirty="0"/>
           </a:p>
@@ -8070,7 +8148,7 @@
             <a:fld id="{B1A24CD3-204F-4468-8EE4-28A6668D006A}" type="datetimeFigureOut">
               <a:rPr lang="en-US" smtClean="0"/>
               <a:pPr/>
-              <a:t>11/25/2012</a:t>
+              <a:t>11/25/12</a:t>
             </a:fld>
             <a:endParaRPr lang="en-US" dirty="0"/>
           </a:p>
@@ -8320,7 +8398,7 @@
             <a:fld id="{B1A24CD3-204F-4468-8EE4-28A6668D006A}" type="datetimeFigureOut">
               <a:rPr lang="en-US" smtClean="0"/>
               <a:pPr/>
-              <a:t>11/25/2012</a:t>
+              <a:t>11/25/12</a:t>
             </a:fld>
             <a:endParaRPr lang="en-US" dirty="0"/>
           </a:p>
@@ -8618,7 +8696,7 @@
             <a:fld id="{B1A24CD3-204F-4468-8EE4-28A6668D006A}" type="datetimeFigureOut">
               <a:rPr lang="en-US" smtClean="0"/>
               <a:pPr/>
-              <a:t>11/25/2012</a:t>
+              <a:t>11/25/12</a:t>
             </a:fld>
             <a:endParaRPr lang="en-US" dirty="0"/>
           </a:p>
@@ -9132,7 +9210,7 @@
     </p:spTree>
     <p:extLst>
       <p:ext uri="{BB962C8B-B14F-4D97-AF65-F5344CB8AC3E}">
-        <p14:creationId xmlns="" xmlns:p14="http://schemas.microsoft.com/office/powerpoint/2010/main" val="3291486969"/>
+        <p14:creationId xmlns:p14="http://schemas.microsoft.com/office/powerpoint/2010/main" val="3291486969"/>
       </p:ext>
     </p:extLst>
   </p:cSld>
@@ -9142,7 +9220,7 @@
   <p:timing>
     <p:tnLst>
       <p:par>
-        <p:cTn id="1" dur="indefinite" restart="never" nodeType="tmRoot"/>
+        <p:cTn xmlns:p14="http://schemas.microsoft.com/office/powerpoint/2010/main" id="1" dur="indefinite" restart="never" nodeType="tmRoot"/>
       </p:par>
     </p:tnLst>
   </p:timing>
@@ -9328,7 +9406,7 @@
     </p:spTree>
     <p:extLst>
       <p:ext uri="{BB962C8B-B14F-4D97-AF65-F5344CB8AC3E}">
-        <p14:creationId xmlns="" xmlns:p14="http://schemas.microsoft.com/office/powerpoint/2010/main" val="3853707377"/>
+        <p14:creationId xmlns:p14="http://schemas.microsoft.com/office/powerpoint/2010/main" val="3853707377"/>
       </p:ext>
     </p:extLst>
   </p:cSld>
@@ -9338,7 +9416,7 @@
   <p:timing>
     <p:tnLst>
       <p:par>
-        <p:cTn id="1" dur="indefinite" restart="never" nodeType="tmRoot"/>
+        <p:cTn xmlns:p14="http://schemas.microsoft.com/office/powerpoint/2010/main" id="1" dur="indefinite" restart="never" nodeType="tmRoot"/>
       </p:par>
     </p:tnLst>
   </p:timing>
@@ -9470,7 +9548,7 @@
     </p:spTree>
     <p:extLst>
       <p:ext uri="{BB962C8B-B14F-4D97-AF65-F5344CB8AC3E}">
-        <p14:creationId xmlns="" xmlns:p14="http://schemas.microsoft.com/office/powerpoint/2010/main" val="1633817389"/>
+        <p14:creationId xmlns:p14="http://schemas.microsoft.com/office/powerpoint/2010/main" val="1633817389"/>
       </p:ext>
     </p:extLst>
   </p:cSld>
@@ -9480,7 +9558,7 @@
   <p:timing>
     <p:tnLst>
       <p:par>
-        <p:cTn id="1" dur="indefinite" restart="never" nodeType="tmRoot"/>
+        <p:cTn xmlns:p14="http://schemas.microsoft.com/office/powerpoint/2010/main" id="1" dur="indefinite" restart="never" nodeType="tmRoot"/>
       </p:par>
     </p:tnLst>
   </p:timing>
@@ -9568,7 +9646,7 @@
         <p:spPr>
           <a:xfrm>
             <a:off x="255720" y="338668"/>
-            <a:ext cx="7012900" cy="2172057"/>
+            <a:ext cx="7179785" cy="2172057"/>
           </a:xfrm>
         </p:spPr>
         <p:txBody>
@@ -9578,32 +9656,45 @@
           <a:lstStyle/>
           <a:p>
             <a:r>
-              <a:rPr lang="en-US" sz="1700" dirty="0" smtClean="0"/>
-              <a:t>Re-conceptualization of the ‘classic’ course </a:t>
-            </a:r>
-            <a:r>
-              <a:rPr lang="en-US" sz="1700" dirty="0" smtClean="0"/>
-              <a:t>planning system</a:t>
+              <a:rPr lang="en-US" sz="1700" b="1" dirty="0">
+                <a:solidFill>
+                  <a:schemeClr val="accent1"/>
+                </a:solidFill>
+              </a:rPr>
+              <a:t>Concept</a:t>
+            </a:r>
+          </a:p>
+          <a:p>
+            <a:pPr marL="685800" lvl="1">
+              <a:buClr>
+                <a:schemeClr val="accent1"/>
+              </a:buClr>
+            </a:pPr>
+            <a:r>
+              <a:rPr lang="en-US" sz="1700" dirty="0"/>
+              <a:t>Re-conceptualization of the ‘classic’ course planning system</a:t>
             </a:r>
             <a:endParaRPr lang="en-US" sz="1700" dirty="0"/>
           </a:p>
           <a:p>
-            <a:r>
-              <a:rPr lang="en-US" sz="1700" dirty="0" smtClean="0"/>
-              <a:t>One-stop course planning system for ambitious and </a:t>
-            </a:r>
-            <a:r>
-              <a:rPr lang="en-US" sz="1700" dirty="0" smtClean="0"/>
-              <a:t>strategically </a:t>
-            </a:r>
-            <a:r>
-              <a:rPr lang="en-US" sz="1700" dirty="0" smtClean="0"/>
-              <a:t>focused student</a:t>
-            </a:r>
-          </a:p>
-          <a:p>
-            <a:r>
-              <a:rPr lang="en-US" sz="1700" dirty="0" smtClean="0"/>
+            <a:pPr marL="685800" lvl="1">
+              <a:buClr>
+                <a:schemeClr val="accent1"/>
+              </a:buClr>
+            </a:pPr>
+            <a:r>
+              <a:rPr lang="en-US" sz="1700" dirty="0"/>
+              <a:t>One-stop course planning system for ambitious and strategically focused student</a:t>
+            </a:r>
+          </a:p>
+          <a:p>
+            <a:pPr marL="685800" lvl="1">
+              <a:buClr>
+                <a:schemeClr val="accent1"/>
+              </a:buClr>
+            </a:pPr>
+            <a:r>
+              <a:rPr lang="en-US" sz="1700" dirty="0"/>
               <a:t>Aimed to help SCU students balance all their responsibilities through planning tools</a:t>
             </a:r>
           </a:p>
@@ -9639,7 +9730,7 @@
           <a:blip r:embed="rId3" cstate="print">
             <a:extLst>
               <a:ext uri="{28A0092B-C50C-407E-A947-70E740481C1C}">
-                <a14:useLocalDpi xmlns="" xmlns:a14="http://schemas.microsoft.com/office/drawing/2010/main" val="0"/>
+                <a14:useLocalDpi xmlns:a14="http://schemas.microsoft.com/office/drawing/2010/main" val="0"/>
               </a:ext>
             </a:extLst>
           </a:blip>
@@ -9648,8 +9739,8 @@
         </p:blipFill>
         <p:spPr>
           <a:xfrm>
-            <a:off x="767159" y="2231756"/>
-            <a:ext cx="6083091" cy="1962908"/>
+            <a:off x="767159" y="2510724"/>
+            <a:ext cx="6083091" cy="1683939"/>
           </a:xfrm>
           <a:prstGeom prst="rect">
             <a:avLst/>
@@ -9931,7 +10022,7 @@
     </p:spTree>
     <p:extLst>
       <p:ext uri="{BB962C8B-B14F-4D97-AF65-F5344CB8AC3E}">
-        <p14:creationId xmlns="" xmlns:p14="http://schemas.microsoft.com/office/powerpoint/2010/main" val="1668180396"/>
+        <p14:creationId xmlns:p14="http://schemas.microsoft.com/office/powerpoint/2010/main" val="1668180396"/>
       </p:ext>
     </p:extLst>
   </p:cSld>
@@ -9941,7 +10032,7 @@
   <p:timing>
     <p:tnLst>
       <p:par>
-        <p:cTn id="1" dur="indefinite" restart="never" nodeType="tmRoot"/>
+        <p:cTn xmlns:p14="http://schemas.microsoft.com/office/powerpoint/2010/main" id="1" dur="indefinite" restart="never" nodeType="tmRoot"/>
       </p:par>
     </p:tnLst>
   </p:timing>
@@ -9994,7 +10085,7 @@
     </p:spTree>
     <p:extLst>
       <p:ext uri="{BB962C8B-B14F-4D97-AF65-F5344CB8AC3E}">
-        <p14:creationId xmlns="" xmlns:p14="http://schemas.microsoft.com/office/powerpoint/2010/main" val="928388685"/>
+        <p14:creationId xmlns:p14="http://schemas.microsoft.com/office/powerpoint/2010/main" val="928388685"/>
       </p:ext>
     </p:extLst>
   </p:cSld>
@@ -10004,7 +10095,7 @@
   <p:timing>
     <p:tnLst>
       <p:par>
-        <p:cTn id="1" dur="indefinite" restart="never" nodeType="tmRoot"/>
+        <p:cTn xmlns:p14="http://schemas.microsoft.com/office/powerpoint/2010/main" id="1" dur="indefinite" restart="never" nodeType="tmRoot"/>
       </p:par>
     </p:tnLst>
   </p:timing>
@@ -10089,14 +10180,14 @@
             <p:ph idx="1"/>
             <p:extLst>
               <p:ext uri="{D42A27DB-BD31-4B8C-83A1-F6EECF244321}">
-                <p14:modId xmlns="" xmlns:p14="http://schemas.microsoft.com/office/powerpoint/2010/main" val="3988399231"/>
+                <p14:modId xmlns:p14="http://schemas.microsoft.com/office/powerpoint/2010/main" val="3988399231"/>
               </p:ext>
             </p:extLst>
           </p:nvPr>
         </p:nvGraphicFramePr>
         <p:xfrm>
           <a:off x="244243" y="213699"/>
-          <a:ext cx="6874902" cy="6454500"/>
+          <a:ext cx="6874902" cy="6473232"/>
         </p:xfrm>
         <a:graphic>
           <a:graphicData uri="http://schemas.openxmlformats.org/drawingml/2006/table">
@@ -11255,7 +11346,7 @@
     </p:spTree>
     <p:extLst>
       <p:ext uri="{BB962C8B-B14F-4D97-AF65-F5344CB8AC3E}">
-        <p14:creationId xmlns="" xmlns:p14="http://schemas.microsoft.com/office/powerpoint/2010/main" val="1530510290"/>
+        <p14:creationId xmlns:p14="http://schemas.microsoft.com/office/powerpoint/2010/main" val="1530510290"/>
       </p:ext>
     </p:extLst>
   </p:cSld>
@@ -11265,7 +11356,7 @@
   <p:timing>
     <p:tnLst>
       <p:par>
-        <p:cTn id="1" dur="indefinite" restart="never" nodeType="tmRoot"/>
+        <p:cTn xmlns:p14="http://schemas.microsoft.com/office/powerpoint/2010/main" id="1" dur="indefinite" restart="never" nodeType="tmRoot"/>
       </p:par>
     </p:tnLst>
   </p:timing>
@@ -11354,7 +11445,7 @@
     </p:spTree>
     <p:extLst>
       <p:ext uri="{BB962C8B-B14F-4D97-AF65-F5344CB8AC3E}">
-        <p14:creationId xmlns="" xmlns:p14="http://schemas.microsoft.com/office/powerpoint/2010/main" val="1138632541"/>
+        <p14:creationId xmlns:p14="http://schemas.microsoft.com/office/powerpoint/2010/main" val="1138632541"/>
       </p:ext>
     </p:extLst>
   </p:cSld>
@@ -11364,7 +11455,7 @@
   <p:timing>
     <p:tnLst>
       <p:par>
-        <p:cTn id="1" dur="indefinite" restart="never" nodeType="tmRoot"/>
+        <p:cTn xmlns:p14="http://schemas.microsoft.com/office/powerpoint/2010/main" id="1" dur="indefinite" restart="never" nodeType="tmRoot"/>
       </p:par>
     </p:tnLst>
   </p:timing>
@@ -11613,7 +11704,7 @@
             <p:ph idx="1"/>
             <p:extLst>
               <p:ext uri="{D42A27DB-BD31-4B8C-83A1-F6EECF244321}">
-                <p14:modId xmlns="" xmlns:p14="http://schemas.microsoft.com/office/powerpoint/2010/main" val="2952445889"/>
+                <p14:modId xmlns:p14="http://schemas.microsoft.com/office/powerpoint/2010/main" val="2263006737"/>
               </p:ext>
             </p:extLst>
           </p:nvPr>
@@ -12251,6 +12342,18 @@
                         </a:spcAft>
                       </a:pPr>
                       <a:r>
+                        <a:rPr lang="en-US" sz="1600" dirty="0" err="1" smtClean="0">
+                          <a:solidFill>
+                            <a:srgbClr val="000000"/>
+                          </a:solidFill>
+                          <a:effectLst/>
+                          <a:latin typeface="+mn-lt"/>
+                          <a:ea typeface="Arial"/>
+                          <a:cs typeface="Arial"/>
+                        </a:rPr>
+                        <a:t>Poornima</a:t>
+                      </a:r>
+                      <a:r>
                         <a:rPr lang="en-US" sz="1600" dirty="0" smtClean="0">
                           <a:solidFill>
                             <a:srgbClr val="000000"/>
@@ -12260,7 +12363,7 @@
                           <a:ea typeface="Arial"/>
                           <a:cs typeface="Arial"/>
                         </a:rPr>
-                        <a:t>Shradha</a:t>
+                        <a:t>, Shradha</a:t>
                       </a:r>
                       <a:endParaRPr lang="en-US" sz="1600" dirty="0">
                         <a:solidFill>
@@ -13006,7 +13109,7 @@
     </p:spTree>
     <p:extLst>
       <p:ext uri="{BB962C8B-B14F-4D97-AF65-F5344CB8AC3E}">
-        <p14:creationId xmlns="" xmlns:p14="http://schemas.microsoft.com/office/powerpoint/2010/main" val="1418101890"/>
+        <p14:creationId xmlns:p14="http://schemas.microsoft.com/office/powerpoint/2010/main" val="1418101890"/>
       </p:ext>
     </p:extLst>
   </p:cSld>
@@ -13016,7 +13119,7 @@
   <p:timing>
     <p:tnLst>
       <p:par>
-        <p:cTn id="1" dur="indefinite" restart="never" nodeType="tmRoot"/>
+        <p:cTn xmlns:p14="http://schemas.microsoft.com/office/powerpoint/2010/main" id="1" dur="indefinite" restart="never" nodeType="tmRoot"/>
       </p:par>
     </p:tnLst>
   </p:timing>
@@ -13068,14 +13171,6 @@
               </a:rPr>
               <a:t>Current </a:t>
             </a:r>
-            <a:r>
-              <a:rPr lang="en-US" sz="2400" dirty="0" smtClean="0">
-                <a:solidFill>
-                  <a:srgbClr val="FFFFFF"/>
-                </a:solidFill>
-              </a:rPr>
-              <a:t/>
-            </a:r>
             <a:br>
               <a:rPr lang="en-US" sz="2400" dirty="0" smtClean="0">
                 <a:solidFill>
@@ -13124,14 +13219,14 @@
             <p:ph idx="1"/>
             <p:extLst>
               <p:ext uri="{D42A27DB-BD31-4B8C-83A1-F6EECF244321}">
-                <p14:modId xmlns="" xmlns:p14="http://schemas.microsoft.com/office/powerpoint/2010/main" val="2952445889"/>
+                <p14:modId xmlns:p14="http://schemas.microsoft.com/office/powerpoint/2010/main" val="2952445889"/>
               </p:ext>
             </p:extLst>
           </p:nvPr>
         </p:nvGraphicFramePr>
         <p:xfrm>
           <a:off x="254000" y="2944678"/>
-          <a:ext cx="8686799" cy="3194090"/>
+          <a:ext cx="8686799" cy="3235365"/>
         </p:xfrm>
         <a:graphic>
           <a:graphicData uri="http://schemas.openxmlformats.org/drawingml/2006/table">
@@ -14099,7 +14194,7 @@
     </p:spTree>
     <p:extLst>
       <p:ext uri="{BB962C8B-B14F-4D97-AF65-F5344CB8AC3E}">
-        <p14:creationId xmlns="" xmlns:p14="http://schemas.microsoft.com/office/powerpoint/2010/main" val="83792608"/>
+        <p14:creationId xmlns:p14="http://schemas.microsoft.com/office/powerpoint/2010/main" val="83792608"/>
       </p:ext>
     </p:extLst>
   </p:cSld>
@@ -14109,7 +14204,7 @@
   <p:timing>
     <p:tnLst>
       <p:par>
-        <p:cTn id="1" dur="indefinite" restart="never" nodeType="tmRoot"/>
+        <p:cTn xmlns:p14="http://schemas.microsoft.com/office/powerpoint/2010/main" id="1" dur="indefinite" restart="never" nodeType="tmRoot"/>
       </p:par>
     </p:tnLst>
   </p:timing>
@@ -14435,7 +14530,7 @@
     </p:spTree>
     <p:extLst>
       <p:ext uri="{BB962C8B-B14F-4D97-AF65-F5344CB8AC3E}">
-        <p14:creationId xmlns="" xmlns:p14="http://schemas.microsoft.com/office/powerpoint/2010/main" val="1195116925"/>
+        <p14:creationId xmlns:p14="http://schemas.microsoft.com/office/powerpoint/2010/main" val="1195116925"/>
       </p:ext>
     </p:extLst>
   </p:cSld>
@@ -14445,7 +14540,7 @@
   <p:timing>
     <p:tnLst>
       <p:par>
-        <p:cTn id="1" dur="indefinite" restart="never" nodeType="tmRoot"/>
+        <p:cTn xmlns:p14="http://schemas.microsoft.com/office/powerpoint/2010/main" id="1" dur="indefinite" restart="never" nodeType="tmRoot"/>
       </p:par>
     </p:tnLst>
   </p:timing>

--- a/docs/Presentation_TeamGamma.pptx
+++ b/docs/Presentation_TeamGamma.pptx
@@ -11,8 +11,8 @@
     <p:sldId id="256" r:id="rId2"/>
     <p:sldId id="257" r:id="rId3"/>
     <p:sldId id="258" r:id="rId4"/>
-    <p:sldId id="267" r:id="rId5"/>
-    <p:sldId id="259" r:id="rId6"/>
+    <p:sldId id="259" r:id="rId5"/>
+    <p:sldId id="267" r:id="rId6"/>
     <p:sldId id="260" r:id="rId7"/>
     <p:sldId id="264" r:id="rId8"/>
     <p:sldId id="261" r:id="rId9"/>
@@ -121,17 +121,7 @@
 
 <file path=ppt/charts/chart1.xml><?xml version="1.0" encoding="utf-8"?>
 <c:chartSpace xmlns:c="http://schemas.openxmlformats.org/drawingml/2006/chart" xmlns:a="http://schemas.openxmlformats.org/drawingml/2006/main" xmlns:r="http://schemas.openxmlformats.org/officeDocument/2006/relationships">
-  <c:date1904 val="0"/>
   <c:lang val="en-US"/>
-  <c:roundedCorners val="0"/>
-  <mc:AlternateContent xmlns:mc="http://schemas.openxmlformats.org/markup-compatibility/2006">
-    <mc:Choice xmlns:c14="http://schemas.microsoft.com/office/drawing/2007/8/2/chart" Requires="c14">
-      <c14:style val="102"/>
-    </mc:Choice>
-    <mc:Fallback>
-      <c:style val="2"/>
-    </mc:Fallback>
-  </mc:AlternateContent>
   <c:chart>
     <c:title>
       <c:tx>
@@ -149,8 +139,6 @@
           </a:p>
         </c:rich>
       </c:tx>
-      <c:layout/>
-      <c:overlay val="0"/>
       <c:spPr>
         <a:noFill/>
         <a:ln w="25400">
@@ -158,7 +146,6 @@
         </a:ln>
       </c:spPr>
     </c:title>
-    <c:autoTitleDeleted val="0"/>
     <c:plotArea>
       <c:layout>
         <c:manualLayout>
@@ -166,14 +153,13 @@
           <c:xMode val="edge"/>
           <c:yMode val="edge"/>
           <c:x val="0.12857427475031"/>
-          <c:y val="0.138477097142518"/>
-          <c:w val="0.816109421965819"/>
-          <c:h val="0.735528567403651"/>
+          <c:y val="0.13847709714251807"/>
+          <c:w val="0.81610942196581904"/>
+          <c:h val="0.73552856740365102"/>
         </c:manualLayout>
       </c:layout>
       <c:lineChart>
         <c:grouping val="standard"/>
-        <c:varyColors val="0"/>
         <c:ser>
           <c:idx val="0"/>
           <c:order val="0"/>
@@ -218,67 +204,67 @@
                 <c:formatCode>General</c:formatCode>
                 <c:ptCount val="21"/>
                 <c:pt idx="0">
-                  <c:v>1.0</c:v>
+                  <c:v>1</c:v>
                 </c:pt>
                 <c:pt idx="1">
-                  <c:v>2.0</c:v>
+                  <c:v>2</c:v>
                 </c:pt>
                 <c:pt idx="2">
-                  <c:v>3.0</c:v>
+                  <c:v>3</c:v>
                 </c:pt>
                 <c:pt idx="3">
-                  <c:v>4.0</c:v>
+                  <c:v>4</c:v>
                 </c:pt>
                 <c:pt idx="4">
-                  <c:v>5.0</c:v>
+                  <c:v>5</c:v>
                 </c:pt>
                 <c:pt idx="5">
-                  <c:v>6.0</c:v>
+                  <c:v>6</c:v>
                 </c:pt>
                 <c:pt idx="6">
-                  <c:v>7.0</c:v>
+                  <c:v>7</c:v>
                 </c:pt>
                 <c:pt idx="7">
-                  <c:v>8.0</c:v>
+                  <c:v>8</c:v>
                 </c:pt>
                 <c:pt idx="8">
-                  <c:v>9.0</c:v>
+                  <c:v>9</c:v>
                 </c:pt>
                 <c:pt idx="9">
-                  <c:v>10.0</c:v>
+                  <c:v>10</c:v>
                 </c:pt>
                 <c:pt idx="10">
-                  <c:v>11.0</c:v>
+                  <c:v>11</c:v>
                 </c:pt>
                 <c:pt idx="11">
-                  <c:v>12.0</c:v>
+                  <c:v>12</c:v>
                 </c:pt>
                 <c:pt idx="12">
-                  <c:v>13.0</c:v>
+                  <c:v>13</c:v>
                 </c:pt>
                 <c:pt idx="13">
-                  <c:v>14.0</c:v>
+                  <c:v>14</c:v>
                 </c:pt>
                 <c:pt idx="14">
-                  <c:v>15.0</c:v>
+                  <c:v>15</c:v>
                 </c:pt>
                 <c:pt idx="15">
-                  <c:v>16.0</c:v>
+                  <c:v>16</c:v>
                 </c:pt>
                 <c:pt idx="16">
-                  <c:v>17.0</c:v>
+                  <c:v>17</c:v>
                 </c:pt>
                 <c:pt idx="17">
-                  <c:v>18.0</c:v>
+                  <c:v>18</c:v>
                 </c:pt>
                 <c:pt idx="18">
-                  <c:v>19.0</c:v>
+                  <c:v>19</c:v>
                 </c:pt>
                 <c:pt idx="19">
-                  <c:v>20.0</c:v>
+                  <c:v>20</c:v>
                 </c:pt>
                 <c:pt idx="20">
-                  <c:v>21.0</c:v>
+                  <c:v>21</c:v>
                 </c:pt>
               </c:numCache>
             </c:numRef>
@@ -290,72 +276,71 @@
                 <c:formatCode>0.00</c:formatCode>
                 <c:ptCount val="21"/>
                 <c:pt idx="0">
-                  <c:v>37.0</c:v>
+                  <c:v>37</c:v>
                 </c:pt>
                 <c:pt idx="1">
-                  <c:v>35.23809523809525</c:v>
+                  <c:v>35.238095238095276</c:v>
                 </c:pt>
                 <c:pt idx="2">
-                  <c:v>33.47619047619047</c:v>
+                  <c:v>33.476190476190453</c:v>
                 </c:pt>
                 <c:pt idx="3">
-                  <c:v>31.71428571428572</c:v>
+                  <c:v>31.714285714285737</c:v>
                 </c:pt>
                 <c:pt idx="4">
-                  <c:v>29.95238095238095</c:v>
+                  <c:v>29.952380952380931</c:v>
                 </c:pt>
                 <c:pt idx="5">
                   <c:v>28.19047619047619</c:v>
                 </c:pt>
                 <c:pt idx="6">
-                  <c:v>26.42857142857143</c:v>
+                  <c:v>26.428571428571427</c:v>
                 </c:pt>
                 <c:pt idx="7">
-                  <c:v>24.66666666666667</c:v>
+                  <c:v>24.666666666666671</c:v>
                 </c:pt>
                 <c:pt idx="8">
-                  <c:v>22.9047619047619</c:v>
+                  <c:v>22.904761904761884</c:v>
                 </c:pt>
                 <c:pt idx="9">
-                  <c:v>21.14285714285715</c:v>
+                  <c:v>21.14285714285716</c:v>
                 </c:pt>
                 <c:pt idx="10">
                   <c:v>19.38095238095238</c:v>
                 </c:pt>
                 <c:pt idx="11">
-                  <c:v>17.61904761904762</c:v>
+                  <c:v>17.619047619047631</c:v>
                 </c:pt>
                 <c:pt idx="12">
-                  <c:v>15.85714285714286</c:v>
+                  <c:v>15.85714285714287</c:v>
                 </c:pt>
                 <c:pt idx="13">
                   <c:v>14.0952380952381</c:v>
                 </c:pt>
                 <c:pt idx="14">
-                  <c:v>12.33333333333334</c:v>
+                  <c:v>12.333333333333345</c:v>
                 </c:pt>
                 <c:pt idx="15">
-                  <c:v>10.57142857142857</c:v>
+                  <c:v>10.571428571428569</c:v>
                 </c:pt>
                 <c:pt idx="16">
-                  <c:v>8.80952380952381</c:v>
+                  <c:v>8.8095238095238155</c:v>
                 </c:pt>
                 <c:pt idx="17">
-                  <c:v>7.047619047619047</c:v>
+                  <c:v>7.0476190476190466</c:v>
                 </c:pt>
                 <c:pt idx="18">
-                  <c:v>5.285714285714285</c:v>
+                  <c:v>5.2857142857142874</c:v>
                 </c:pt>
                 <c:pt idx="19">
-                  <c:v>3.523809523809525</c:v>
+                  <c:v>3.5238095238095237</c:v>
                 </c:pt>
                 <c:pt idx="20">
-                  <c:v>1.761904761904759</c:v>
+                  <c:v>1.7619047619047596</c:v>
                 </c:pt>
               </c:numCache>
             </c:numRef>
           </c:val>
-          <c:smooth val="0"/>
         </c:ser>
         <c:ser>
           <c:idx val="1"/>
@@ -401,67 +386,67 @@
                 <c:formatCode>General</c:formatCode>
                 <c:ptCount val="21"/>
                 <c:pt idx="0">
-                  <c:v>1.0</c:v>
+                  <c:v>1</c:v>
                 </c:pt>
                 <c:pt idx="1">
-                  <c:v>2.0</c:v>
+                  <c:v>2</c:v>
                 </c:pt>
                 <c:pt idx="2">
-                  <c:v>3.0</c:v>
+                  <c:v>3</c:v>
                 </c:pt>
                 <c:pt idx="3">
-                  <c:v>4.0</c:v>
+                  <c:v>4</c:v>
                 </c:pt>
                 <c:pt idx="4">
-                  <c:v>5.0</c:v>
+                  <c:v>5</c:v>
                 </c:pt>
                 <c:pt idx="5">
-                  <c:v>6.0</c:v>
+                  <c:v>6</c:v>
                 </c:pt>
                 <c:pt idx="6">
-                  <c:v>7.0</c:v>
+                  <c:v>7</c:v>
                 </c:pt>
                 <c:pt idx="7">
-                  <c:v>8.0</c:v>
+                  <c:v>8</c:v>
                 </c:pt>
                 <c:pt idx="8">
-                  <c:v>9.0</c:v>
+                  <c:v>9</c:v>
                 </c:pt>
                 <c:pt idx="9">
-                  <c:v>10.0</c:v>
+                  <c:v>10</c:v>
                 </c:pt>
                 <c:pt idx="10">
-                  <c:v>11.0</c:v>
+                  <c:v>11</c:v>
                 </c:pt>
                 <c:pt idx="11">
-                  <c:v>12.0</c:v>
+                  <c:v>12</c:v>
                 </c:pt>
                 <c:pt idx="12">
-                  <c:v>13.0</c:v>
+                  <c:v>13</c:v>
                 </c:pt>
                 <c:pt idx="13">
-                  <c:v>14.0</c:v>
+                  <c:v>14</c:v>
                 </c:pt>
                 <c:pt idx="14">
-                  <c:v>15.0</c:v>
+                  <c:v>15</c:v>
                 </c:pt>
                 <c:pt idx="15">
-                  <c:v>16.0</c:v>
+                  <c:v>16</c:v>
                 </c:pt>
                 <c:pt idx="16">
-                  <c:v>17.0</c:v>
+                  <c:v>17</c:v>
                 </c:pt>
                 <c:pt idx="17">
-                  <c:v>18.0</c:v>
+                  <c:v>18</c:v>
                 </c:pt>
                 <c:pt idx="18">
-                  <c:v>19.0</c:v>
+                  <c:v>19</c:v>
                 </c:pt>
                 <c:pt idx="19">
-                  <c:v>20.0</c:v>
+                  <c:v>20</c:v>
                 </c:pt>
                 <c:pt idx="20">
-                  <c:v>21.0</c:v>
+                  <c:v>21</c:v>
                 </c:pt>
               </c:numCache>
             </c:numRef>
@@ -473,92 +458,81 @@
                 <c:formatCode>0.00</c:formatCode>
                 <c:ptCount val="21"/>
                 <c:pt idx="0">
-                  <c:v>37.0</c:v>
+                  <c:v>37</c:v>
                 </c:pt>
                 <c:pt idx="1">
-                  <c:v>36.0</c:v>
+                  <c:v>36</c:v>
                 </c:pt>
                 <c:pt idx="2">
-                  <c:v>35.0</c:v>
+                  <c:v>35</c:v>
                 </c:pt>
                 <c:pt idx="3">
-                  <c:v>33.0</c:v>
+                  <c:v>33</c:v>
                 </c:pt>
                 <c:pt idx="4">
-                  <c:v>38.0</c:v>
+                  <c:v>38</c:v>
                 </c:pt>
                 <c:pt idx="5">
-                  <c:v>33.0</c:v>
+                  <c:v>33</c:v>
                 </c:pt>
                 <c:pt idx="6">
-                  <c:v>29.0</c:v>
+                  <c:v>29</c:v>
                 </c:pt>
                 <c:pt idx="7">
-                  <c:v>27.0</c:v>
+                  <c:v>27</c:v>
                 </c:pt>
                 <c:pt idx="8">
-                  <c:v>27.0</c:v>
+                  <c:v>27</c:v>
                 </c:pt>
                 <c:pt idx="9">
-                  <c:v>25.0</c:v>
+                  <c:v>25</c:v>
                 </c:pt>
                 <c:pt idx="10">
-                  <c:v>23.0</c:v>
+                  <c:v>23</c:v>
                 </c:pt>
                 <c:pt idx="11">
-                  <c:v>21.0</c:v>
+                  <c:v>21</c:v>
                 </c:pt>
                 <c:pt idx="12">
-                  <c:v>17.0</c:v>
+                  <c:v>17</c:v>
                 </c:pt>
                 <c:pt idx="13">
-                  <c:v>15.0</c:v>
+                  <c:v>15</c:v>
                 </c:pt>
                 <c:pt idx="14">
-                  <c:v>12.0</c:v>
+                  <c:v>12</c:v>
                 </c:pt>
                 <c:pt idx="15">
-                  <c:v>10.0</c:v>
+                  <c:v>10</c:v>
                 </c:pt>
                 <c:pt idx="16">
-                  <c:v>7.0</c:v>
+                  <c:v>7</c:v>
                 </c:pt>
                 <c:pt idx="17">
-                  <c:v>4.0</c:v>
+                  <c:v>4</c:v>
                 </c:pt>
                 <c:pt idx="18">
-                  <c:v>1.0</c:v>
+                  <c:v>1</c:v>
                 </c:pt>
                 <c:pt idx="19">
-                  <c:v>0.0</c:v>
+                  <c:v>0</c:v>
                 </c:pt>
                 <c:pt idx="20">
-                  <c:v>0.0</c:v>
+                  <c:v>0</c:v>
                 </c:pt>
               </c:numCache>
             </c:numRef>
           </c:val>
-          <c:smooth val="0"/>
         </c:ser>
-        <c:dLbls>
-          <c:showLegendKey val="0"/>
-          <c:showVal val="0"/>
-          <c:showCatName val="0"/>
-          <c:showSerName val="0"/>
-          <c:showPercent val="0"/>
-          <c:showBubbleSize val="0"/>
-        </c:dLbls>
         <c:marker val="1"/>
-        <c:smooth val="0"/>
-        <c:axId val="-2087225096"/>
-        <c:axId val="-2108365944"/>
+        <c:axId val="73970432"/>
+        <c:axId val="73972736"/>
       </c:lineChart>
       <c:catAx>
-        <c:axId val="-2087225096"/>
+        <c:axId val="73970432"/>
         <c:scaling>
           <c:orientation val="minMax"/>
         </c:scaling>
-        <c:delete val="0"/>
         <c:axPos val="b"/>
         <c:title>
           <c:tx>
@@ -576,8 +550,6 @@
               </a:p>
             </c:rich>
           </c:tx>
-          <c:layout/>
-          <c:overlay val="0"/>
           <c:spPr>
             <a:noFill/>
             <a:ln w="25400">
@@ -586,8 +558,6 @@
           </c:spPr>
         </c:title>
         <c:numFmt formatCode="General" sourceLinked="1"/>
-        <c:majorTickMark val="out"/>
-        <c:minorTickMark val="none"/>
         <c:tickLblPos val="nextTo"/>
         <c:spPr>
           <a:ln w="3175">
@@ -607,19 +577,16 @@
             <a:endParaRPr lang="en-US"/>
           </a:p>
         </c:txPr>
-        <c:crossAx val="-2108365944"/>
+        <c:crossAx val="73972736"/>
         <c:crosses val="autoZero"/>
-        <c:auto val="0"/>
         <c:lblAlgn val="ctr"/>
         <c:lblOffset val="100"/>
-        <c:noMultiLvlLbl val="0"/>
       </c:catAx>
       <c:valAx>
-        <c:axId val="-2108365944"/>
+        <c:axId val="73972736"/>
         <c:scaling>
           <c:orientation val="minMax"/>
         </c:scaling>
-        <c:delete val="0"/>
         <c:axPos val="l"/>
         <c:majorGridlines>
           <c:spPr>
@@ -647,8 +614,6 @@
               </a:p>
             </c:rich>
           </c:tx>
-          <c:layout/>
-          <c:overlay val="0"/>
           <c:spPr>
             <a:noFill/>
             <a:ln w="25400">
@@ -657,8 +622,6 @@
           </c:spPr>
         </c:title>
         <c:numFmt formatCode="0.00" sourceLinked="1"/>
-        <c:majorTickMark val="out"/>
-        <c:minorTickMark val="none"/>
         <c:tickLblPos val="nextTo"/>
         <c:spPr>
           <a:ln w="9525">
@@ -675,7 +638,7 @@
             <a:endParaRPr lang="en-US"/>
           </a:p>
         </c:txPr>
-        <c:crossAx val="-2087225096"/>
+        <c:crossAx val="73970432"/>
         <c:crosses val="autoZero"/>
         <c:crossBetween val="between"/>
       </c:valAx>
@@ -694,13 +657,12 @@
         <c:manualLayout>
           <c:xMode val="edge"/>
           <c:yMode val="edge"/>
-          <c:x val="0.322742036400217"/>
+          <c:x val="0.32274203640021693"/>
           <c:y val="0.162826909604848"/>
-          <c:w val="0.674800137096401"/>
-          <c:h val="0.0585268507669827"/>
+          <c:w val="0.67480013709640163"/>
+          <c:h val="5.8526850766982705E-2"/>
         </c:manualLayout>
       </c:layout>
-      <c:overlay val="0"/>
       <c:spPr>
         <a:noFill/>
         <a:ln w="25400">
@@ -708,9 +670,7 @@
         </a:ln>
       </c:spPr>
     </c:legend>
-    <c:plotVisOnly val="0"/>
     <c:dispBlanksAs val="gap"/>
-    <c:showDLblsOverMax val="0"/>
   </c:chart>
   <c:spPr>
     <a:solidFill>
@@ -723,25 +683,13 @@
       <a:prstDash val="solid"/>
     </a:ln>
   </c:spPr>
-  <c:externalData r:id="rId1">
-    <c:autoUpdate val="0"/>
-  </c:externalData>
+  <c:externalData r:id="rId1"/>
 </c:chartSpace>
 </file>
 
 <file path=ppt/charts/chart2.xml><?xml version="1.0" encoding="utf-8"?>
 <c:chartSpace xmlns:c="http://schemas.openxmlformats.org/drawingml/2006/chart" xmlns:a="http://schemas.openxmlformats.org/drawingml/2006/main" xmlns:r="http://schemas.openxmlformats.org/officeDocument/2006/relationships">
-  <c:date1904 val="0"/>
   <c:lang val="en-US"/>
-  <c:roundedCorners val="0"/>
-  <mc:AlternateContent xmlns:mc="http://schemas.openxmlformats.org/markup-compatibility/2006">
-    <mc:Choice xmlns:c14="http://schemas.microsoft.com/office/drawing/2007/8/2/chart" Requires="c14">
-      <c14:style val="102"/>
-    </mc:Choice>
-    <mc:Fallback>
-      <c:style val="2"/>
-    </mc:Fallback>
-  </mc:AlternateContent>
   <c:chart>
     <c:title>
       <c:tx>
@@ -759,8 +707,6 @@
           </a:p>
         </c:rich>
       </c:tx>
-      <c:layout/>
-      <c:overlay val="0"/>
       <c:spPr>
         <a:noFill/>
         <a:ln w="25400">
@@ -768,22 +714,20 @@
         </a:ln>
       </c:spPr>
     </c:title>
-    <c:autoTitleDeleted val="0"/>
     <c:plotArea>
       <c:layout>
         <c:manualLayout>
           <c:layoutTarget val="inner"/>
           <c:xMode val="edge"/>
           <c:yMode val="edge"/>
-          <c:x val="0.0827068428274448"/>
-          <c:y val="0.176744186046512"/>
-          <c:w val="0.896617364288435"/>
-          <c:h val="0.595348837209303"/>
+          <c:x val="8.2706842827444851E-2"/>
+          <c:y val="0.17674418604651213"/>
+          <c:w val="0.89661736428843497"/>
+          <c:h val="0.59534883720930332"/>
         </c:manualLayout>
       </c:layout>
       <c:lineChart>
         <c:grouping val="standard"/>
-        <c:varyColors val="0"/>
         <c:ser>
           <c:idx val="0"/>
           <c:order val="0"/>
@@ -828,46 +772,46 @@
                 <c:formatCode>General</c:formatCode>
                 <c:ptCount val="14"/>
                 <c:pt idx="0">
-                  <c:v>1.0</c:v>
+                  <c:v>1</c:v>
                 </c:pt>
                 <c:pt idx="1">
-                  <c:v>2.0</c:v>
+                  <c:v>2</c:v>
                 </c:pt>
                 <c:pt idx="2">
-                  <c:v>3.0</c:v>
+                  <c:v>3</c:v>
                 </c:pt>
                 <c:pt idx="3">
-                  <c:v>4.0</c:v>
+                  <c:v>4</c:v>
                 </c:pt>
                 <c:pt idx="4">
-                  <c:v>5.0</c:v>
+                  <c:v>5</c:v>
                 </c:pt>
                 <c:pt idx="5">
-                  <c:v>6.0</c:v>
+                  <c:v>6</c:v>
                 </c:pt>
                 <c:pt idx="6">
-                  <c:v>7.0</c:v>
+                  <c:v>7</c:v>
                 </c:pt>
                 <c:pt idx="7">
-                  <c:v>8.0</c:v>
+                  <c:v>8</c:v>
                 </c:pt>
                 <c:pt idx="8">
-                  <c:v>9.0</c:v>
+                  <c:v>9</c:v>
                 </c:pt>
                 <c:pt idx="9">
-                  <c:v>10.0</c:v>
+                  <c:v>10</c:v>
                 </c:pt>
                 <c:pt idx="10">
-                  <c:v>11.0</c:v>
+                  <c:v>11</c:v>
                 </c:pt>
                 <c:pt idx="11">
-                  <c:v>12.0</c:v>
+                  <c:v>12</c:v>
                 </c:pt>
                 <c:pt idx="12">
-                  <c:v>13.0</c:v>
+                  <c:v>13</c:v>
                 </c:pt>
                 <c:pt idx="13">
-                  <c:v>14.0</c:v>
+                  <c:v>14</c:v>
                 </c:pt>
               </c:numCache>
             </c:numRef>
@@ -879,51 +823,50 @@
                 <c:formatCode>General</c:formatCode>
                 <c:ptCount val="14"/>
                 <c:pt idx="0">
-                  <c:v>39.0</c:v>
+                  <c:v>39</c:v>
                 </c:pt>
                 <c:pt idx="1">
-                  <c:v>36.21428571428572</c:v>
+                  <c:v>36.214285714285722</c:v>
                 </c:pt>
                 <c:pt idx="2">
-                  <c:v>33.42857142857143</c:v>
+                  <c:v>33.428571428571459</c:v>
                 </c:pt>
                 <c:pt idx="3">
-                  <c:v>30.64285714285715</c:v>
+                  <c:v>30.64285714285716</c:v>
                 </c:pt>
                 <c:pt idx="4">
-                  <c:v>27.85714285714285</c:v>
+                  <c:v>27.85714285714284</c:v>
                 </c:pt>
                 <c:pt idx="5">
-                  <c:v>25.07142857142857</c:v>
+                  <c:v>25.071428571428569</c:v>
                 </c:pt>
                 <c:pt idx="6">
-                  <c:v>22.28571428571428</c:v>
+                  <c:v>22.28571428571426</c:v>
                 </c:pt>
                 <c:pt idx="7">
                   <c:v>19.5</c:v>
                 </c:pt>
                 <c:pt idx="8">
-                  <c:v>16.71428571428572</c:v>
+                  <c:v>16.714285714285737</c:v>
                 </c:pt>
                 <c:pt idx="9">
-                  <c:v>13.92857142857143</c:v>
+                  <c:v>13.92857142857142</c:v>
                 </c:pt>
                 <c:pt idx="10">
-                  <c:v>11.14285714285714</c:v>
+                  <c:v>11.142857142857135</c:v>
                 </c:pt>
                 <c:pt idx="11">
-                  <c:v>8.35714285714286</c:v>
+                  <c:v>8.3571428571428683</c:v>
                 </c:pt>
                 <c:pt idx="12">
-                  <c:v>5.57142857142857</c:v>
+                  <c:v>5.5714285714285703</c:v>
                 </c:pt>
                 <c:pt idx="13">
-                  <c:v>2.785714285714285</c:v>
+                  <c:v>2.7857142857142851</c:v>
                 </c:pt>
               </c:numCache>
             </c:numRef>
           </c:val>
-          <c:smooth val="0"/>
         </c:ser>
         <c:ser>
           <c:idx val="1"/>
@@ -969,46 +912,46 @@
                 <c:formatCode>General</c:formatCode>
                 <c:ptCount val="14"/>
                 <c:pt idx="0">
-                  <c:v>1.0</c:v>
+                  <c:v>1</c:v>
                 </c:pt>
                 <c:pt idx="1">
-                  <c:v>2.0</c:v>
+                  <c:v>2</c:v>
                 </c:pt>
                 <c:pt idx="2">
-                  <c:v>3.0</c:v>
+                  <c:v>3</c:v>
                 </c:pt>
                 <c:pt idx="3">
-                  <c:v>4.0</c:v>
+                  <c:v>4</c:v>
                 </c:pt>
                 <c:pt idx="4">
-                  <c:v>5.0</c:v>
+                  <c:v>5</c:v>
                 </c:pt>
                 <c:pt idx="5">
-                  <c:v>6.0</c:v>
+                  <c:v>6</c:v>
                 </c:pt>
                 <c:pt idx="6">
-                  <c:v>7.0</c:v>
+                  <c:v>7</c:v>
                 </c:pt>
                 <c:pt idx="7">
-                  <c:v>8.0</c:v>
+                  <c:v>8</c:v>
                 </c:pt>
                 <c:pt idx="8">
-                  <c:v>9.0</c:v>
+                  <c:v>9</c:v>
                 </c:pt>
                 <c:pt idx="9">
-                  <c:v>10.0</c:v>
+                  <c:v>10</c:v>
                 </c:pt>
                 <c:pt idx="10">
-                  <c:v>11.0</c:v>
+                  <c:v>11</c:v>
                 </c:pt>
                 <c:pt idx="11">
-                  <c:v>12.0</c:v>
+                  <c:v>12</c:v>
                 </c:pt>
                 <c:pt idx="12">
-                  <c:v>13.0</c:v>
+                  <c:v>13</c:v>
                 </c:pt>
                 <c:pt idx="13">
-                  <c:v>14.0</c:v>
+                  <c:v>14</c:v>
                 </c:pt>
               </c:numCache>
             </c:numRef>
@@ -1020,13 +963,13 @@
                 <c:formatCode>General</c:formatCode>
                 <c:ptCount val="14"/>
                 <c:pt idx="0">
-                  <c:v>39.0</c:v>
+                  <c:v>39</c:v>
                 </c:pt>
                 <c:pt idx="1">
-                  <c:v>37.0</c:v>
+                  <c:v>37</c:v>
                 </c:pt>
                 <c:pt idx="2">
-                  <c:v>33.0</c:v>
+                  <c:v>33</c:v>
                 </c:pt>
                 <c:pt idx="3">
                   <c:v>31.5</c:v>
@@ -1035,13 +978,13 @@
                   <c:v>29.5</c:v>
                 </c:pt>
                 <c:pt idx="5">
-                  <c:v>27.0</c:v>
+                  <c:v>27</c:v>
                 </c:pt>
                 <c:pt idx="6">
-                  <c:v>23.0</c:v>
+                  <c:v>23</c:v>
                 </c:pt>
                 <c:pt idx="7">
-                  <c:v>19.0</c:v>
+                  <c:v>19</c:v>
                 </c:pt>
                 <c:pt idx="8">
                   <c:v>19.5</c:v>
@@ -1053,38 +996,27 @@
                   <c:v>10.5</c:v>
                 </c:pt>
                 <c:pt idx="11">
-                  <c:v>8.0</c:v>
+                  <c:v>8</c:v>
                 </c:pt>
                 <c:pt idx="12">
-                  <c:v>2.0</c:v>
+                  <c:v>2</c:v>
                 </c:pt>
                 <c:pt idx="13">
-                  <c:v>0.0</c:v>
+                  <c:v>0</c:v>
                 </c:pt>
               </c:numCache>
             </c:numRef>
           </c:val>
-          <c:smooth val="0"/>
         </c:ser>
-        <c:dLbls>
-          <c:showLegendKey val="0"/>
-          <c:showVal val="0"/>
-          <c:showCatName val="0"/>
-          <c:showSerName val="0"/>
-          <c:showPercent val="0"/>
-          <c:showBubbleSize val="0"/>
-        </c:dLbls>
         <c:marker val="1"/>
-        <c:smooth val="0"/>
-        <c:axId val="-2112691880"/>
-        <c:axId val="-2112448024"/>
+        <c:axId val="75163520"/>
+        <c:axId val="78729600"/>
       </c:lineChart>
       <c:catAx>
-        <c:axId val="-2112691880"/>
+        <c:axId val="75163520"/>
         <c:scaling>
           <c:orientation val="minMax"/>
         </c:scaling>
-        <c:delete val="0"/>
         <c:axPos val="b"/>
         <c:title>
           <c:tx>
@@ -1102,8 +1034,6 @@
               </a:p>
             </c:rich>
           </c:tx>
-          <c:layout/>
-          <c:overlay val="0"/>
           <c:spPr>
             <a:noFill/>
             <a:ln w="25400">
@@ -1112,8 +1042,6 @@
           </c:spPr>
         </c:title>
         <c:numFmt formatCode="General" sourceLinked="1"/>
-        <c:majorTickMark val="out"/>
-        <c:minorTickMark val="none"/>
         <c:tickLblPos val="nextTo"/>
         <c:spPr>
           <a:ln w="3175">
@@ -1133,19 +1061,16 @@
             <a:endParaRPr lang="en-US"/>
           </a:p>
         </c:txPr>
-        <c:crossAx val="-2112448024"/>
+        <c:crossAx val="78729600"/>
         <c:crosses val="autoZero"/>
-        <c:auto val="0"/>
         <c:lblAlgn val="ctr"/>
         <c:lblOffset val="100"/>
-        <c:noMultiLvlLbl val="0"/>
       </c:catAx>
       <c:valAx>
-        <c:axId val="-2112448024"/>
+        <c:axId val="78729600"/>
         <c:scaling>
           <c:orientation val="minMax"/>
         </c:scaling>
-        <c:delete val="0"/>
         <c:axPos val="l"/>
         <c:majorGridlines>
           <c:spPr>
@@ -1173,8 +1098,6 @@
               </a:p>
             </c:rich>
           </c:tx>
-          <c:layout/>
-          <c:overlay val="0"/>
           <c:spPr>
             <a:noFill/>
             <a:ln w="25400">
@@ -1183,8 +1106,6 @@
           </c:spPr>
         </c:title>
         <c:numFmt formatCode="General" sourceLinked="1"/>
-        <c:majorTickMark val="out"/>
-        <c:minorTickMark val="none"/>
         <c:tickLblPos val="nextTo"/>
         <c:spPr>
           <a:ln w="9525">
@@ -1201,7 +1122,7 @@
             <a:endParaRPr lang="en-US"/>
           </a:p>
         </c:txPr>
-        <c:crossAx val="-2112691880"/>
+        <c:crossAx val="75163520"/>
         <c:crosses val="autoZero"/>
         <c:crossBetween val="between"/>
       </c:valAx>
@@ -1220,17 +1141,14 @@
         <c:manualLayout>
           <c:xMode val="edge"/>
           <c:yMode val="edge"/>
-          <c:x val="0.293693693693694"/>
-          <c:y val="0.180354281776375"/>
-          <c:w val="0.670506898952817"/>
-          <c:h val="0.0521351935254739"/>
+          <c:x val="0.29369369369369402"/>
+          <c:y val="0.18035428177637516"/>
+          <c:w val="0.67050689895281701"/>
+          <c:h val="5.2135193525473911E-2"/>
         </c:manualLayout>
       </c:layout>
-      <c:overlay val="0"/>
     </c:legend>
-    <c:plotVisOnly val="0"/>
     <c:dispBlanksAs val="gap"/>
-    <c:showDLblsOverMax val="0"/>
   </c:chart>
   <c:spPr>
     <a:solidFill>
@@ -1243,9 +1161,7 @@
       <a:prstDash val="solid"/>
     </a:ln>
   </c:spPr>
-  <c:externalData r:id="rId1">
-    <c:autoUpdate val="0"/>
-  </c:externalData>
+  <c:externalData r:id="rId1"/>
 </c:chartSpace>
 </file>
 
@@ -1332,7 +1248,7 @@
             <a:fld id="{12CDBA90-CDB2-9846-BC3C-C942DFE4778C}" type="datetimeFigureOut">
               <a:rPr lang="en-US" smtClean="0"/>
               <a:pPr/>
-              <a:t>11/25/12</a:t>
+              <a:t>11/28/2012</a:t>
             </a:fld>
             <a:endParaRPr lang="en-US" dirty="0"/>
           </a:p>
@@ -1501,7 +1417,7 @@
     </p:spTree>
     <p:extLst>
       <p:ext uri="{BB962C8B-B14F-4D97-AF65-F5344CB8AC3E}">
-        <p14:creationId xmlns:p14="http://schemas.microsoft.com/office/powerpoint/2010/main" val="2212999972"/>
+        <p14:creationId xmlns:p14="http://schemas.microsoft.com/office/powerpoint/2010/main" xmlns="" val="2212999972"/>
       </p:ext>
     </p:extLst>
   </p:cSld>
@@ -1790,7 +1706,7 @@
     </p:spTree>
     <p:extLst>
       <p:ext uri="{BB962C8B-B14F-4D97-AF65-F5344CB8AC3E}">
-        <p14:creationId xmlns:p14="http://schemas.microsoft.com/office/powerpoint/2010/main" val="385254405"/>
+        <p14:creationId xmlns:p14="http://schemas.microsoft.com/office/powerpoint/2010/main" xmlns="" val="385254405"/>
       </p:ext>
     </p:extLst>
   </p:cSld>
@@ -1848,7 +1764,7 @@
           <a:p>
             <a:r>
               <a:rPr lang="en-US" dirty="0" smtClean="0"/>
-              <a:t>Team</a:t>
+              <a:t>Sheila</a:t>
             </a:r>
             <a:endParaRPr lang="en-US" dirty="0"/>
           </a:p>
@@ -1934,7 +1850,7 @@
           <a:p>
             <a:r>
               <a:rPr lang="en-US" dirty="0" smtClean="0"/>
-              <a:t>Sheila</a:t>
+              <a:t>Team</a:t>
             </a:r>
             <a:endParaRPr lang="en-US" dirty="0"/>
           </a:p>
@@ -2730,7 +2646,7 @@
             <a:fld id="{B1A24CD3-204F-4468-8EE4-28A6668D006A}" type="datetimeFigureOut">
               <a:rPr lang="en-US" smtClean="0"/>
               <a:pPr/>
-              <a:t>11/25/12</a:t>
+              <a:t>11/28/2012</a:t>
             </a:fld>
             <a:endParaRPr lang="en-US" dirty="0"/>
           </a:p>
@@ -3018,7 +2934,7 @@
             <a:fld id="{B1A24CD3-204F-4468-8EE4-28A6668D006A}" type="datetimeFigureOut">
               <a:rPr lang="en-US" smtClean="0"/>
               <a:pPr/>
-              <a:t>11/25/12</a:t>
+              <a:t>11/28/2012</a:t>
             </a:fld>
             <a:endParaRPr lang="en-US" dirty="0"/>
           </a:p>
@@ -3442,7 +3358,7 @@
             <a:fld id="{B1A24CD3-204F-4468-8EE4-28A6668D006A}" type="datetimeFigureOut">
               <a:rPr lang="en-US" smtClean="0"/>
               <a:pPr/>
-              <a:t>11/25/12</a:t>
+              <a:t>11/28/2012</a:t>
             </a:fld>
             <a:endParaRPr lang="en-US" dirty="0"/>
           </a:p>
@@ -3861,7 +3777,7 @@
             <a:fld id="{B1A24CD3-204F-4468-8EE4-28A6668D006A}" type="datetimeFigureOut">
               <a:rPr lang="en-US" smtClean="0"/>
               <a:pPr/>
-              <a:t>11/25/12</a:t>
+              <a:t>11/28/2012</a:t>
             </a:fld>
             <a:endParaRPr lang="en-US" dirty="0"/>
           </a:p>
@@ -3996,7 +3912,7 @@
             <a:fld id="{B1A24CD3-204F-4468-8EE4-28A6668D006A}" type="datetimeFigureOut">
               <a:rPr lang="en-US" smtClean="0"/>
               <a:pPr/>
-              <a:t>11/25/12</a:t>
+              <a:t>11/28/2012</a:t>
             </a:fld>
             <a:endParaRPr lang="en-US" dirty="0"/>
           </a:p>
@@ -4320,7 +4236,7 @@
             <a:fld id="{B1A24CD3-204F-4468-8EE4-28A6668D006A}" type="datetimeFigureOut">
               <a:rPr lang="en-US" smtClean="0"/>
               <a:pPr/>
-              <a:t>11/25/12</a:t>
+              <a:t>11/28/2012</a:t>
             </a:fld>
             <a:endParaRPr lang="en-US" dirty="0"/>
           </a:p>
@@ -4566,7 +4482,7 @@
             <a:fld id="{B1A24CD3-204F-4468-8EE4-28A6668D006A}" type="datetimeFigureOut">
               <a:rPr lang="en-US" smtClean="0"/>
               <a:pPr/>
-              <a:t>11/25/12</a:t>
+              <a:t>11/28/2012</a:t>
             </a:fld>
             <a:endParaRPr lang="en-US" dirty="0"/>
           </a:p>
@@ -4906,7 +4822,7 @@
             <a:fld id="{B1A24CD3-204F-4468-8EE4-28A6668D006A}" type="datetimeFigureOut">
               <a:rPr lang="en-US" smtClean="0"/>
               <a:pPr/>
-              <a:t>11/25/12</a:t>
+              <a:t>11/28/2012</a:t>
             </a:fld>
             <a:endParaRPr lang="en-US" dirty="0"/>
           </a:p>
@@ -5208,7 +5124,7 @@
             <a:fld id="{B1A24CD3-204F-4468-8EE4-28A6668D006A}" type="datetimeFigureOut">
               <a:rPr lang="en-US" smtClean="0"/>
               <a:pPr/>
-              <a:t>11/25/12</a:t>
+              <a:t>11/28/2012</a:t>
             </a:fld>
             <a:endParaRPr lang="en-US" dirty="0"/>
           </a:p>
@@ -5617,7 +5533,7 @@
             <a:fld id="{B1A24CD3-204F-4468-8EE4-28A6668D006A}" type="datetimeFigureOut">
               <a:rPr lang="en-US" smtClean="0"/>
               <a:pPr/>
-              <a:t>11/25/12</a:t>
+              <a:t>11/28/2012</a:t>
             </a:fld>
             <a:endParaRPr lang="en-US" dirty="0"/>
           </a:p>
@@ -5841,7 +5757,7 @@
             <a:fld id="{B1A24CD3-204F-4468-8EE4-28A6668D006A}" type="datetimeFigureOut">
               <a:rPr lang="en-US" smtClean="0"/>
               <a:pPr/>
-              <a:t>11/25/12</a:t>
+              <a:t>11/28/2012</a:t>
             </a:fld>
             <a:endParaRPr lang="en-US" dirty="0"/>
           </a:p>
@@ -6060,7 +5976,7 @@
             <a:fld id="{B1A24CD3-204F-4468-8EE4-28A6668D006A}" type="datetimeFigureOut">
               <a:rPr lang="en-US" smtClean="0"/>
               <a:pPr/>
-              <a:t>11/25/12</a:t>
+              <a:t>11/28/2012</a:t>
             </a:fld>
             <a:endParaRPr lang="en-US" dirty="0"/>
           </a:p>
@@ -6367,7 +6283,7 @@
             <a:fld id="{B1A24CD3-204F-4468-8EE4-28A6668D006A}" type="datetimeFigureOut">
               <a:rPr lang="en-US" smtClean="0"/>
               <a:pPr/>
-              <a:t>11/25/12</a:t>
+              <a:t>11/28/2012</a:t>
             </a:fld>
             <a:endParaRPr lang="en-US" dirty="0"/>
           </a:p>
@@ -6696,7 +6612,7 @@
             <a:fld id="{B1A24CD3-204F-4468-8EE4-28A6668D006A}" type="datetimeFigureOut">
               <a:rPr lang="en-US" smtClean="0"/>
               <a:pPr/>
-              <a:t>11/25/12</a:t>
+              <a:t>11/28/2012</a:t>
             </a:fld>
             <a:endParaRPr lang="en-US" dirty="0"/>
           </a:p>
@@ -7033,7 +6949,7 @@
             <a:fld id="{B1A24CD3-204F-4468-8EE4-28A6668D006A}" type="datetimeFigureOut">
               <a:rPr lang="en-US" smtClean="0"/>
               <a:pPr/>
-              <a:t>11/25/12</a:t>
+              <a:t>11/28/2012</a:t>
             </a:fld>
             <a:endParaRPr lang="en-US" dirty="0"/>
           </a:p>
@@ -7659,7 +7575,7 @@
             <a:fld id="{B1A24CD3-204F-4468-8EE4-28A6668D006A}" type="datetimeFigureOut">
               <a:rPr lang="en-US" smtClean="0"/>
               <a:pPr/>
-              <a:t>11/25/12</a:t>
+              <a:t>11/28/2012</a:t>
             </a:fld>
             <a:endParaRPr lang="en-US" dirty="0"/>
           </a:p>
@@ -8148,7 +8064,7 @@
             <a:fld id="{B1A24CD3-204F-4468-8EE4-28A6668D006A}" type="datetimeFigureOut">
               <a:rPr lang="en-US" smtClean="0"/>
               <a:pPr/>
-              <a:t>11/25/12</a:t>
+              <a:t>11/28/2012</a:t>
             </a:fld>
             <a:endParaRPr lang="en-US" dirty="0"/>
           </a:p>
@@ -8398,7 +8314,7 @@
             <a:fld id="{B1A24CD3-204F-4468-8EE4-28A6668D006A}" type="datetimeFigureOut">
               <a:rPr lang="en-US" smtClean="0"/>
               <a:pPr/>
-              <a:t>11/25/12</a:t>
+              <a:t>11/28/2012</a:t>
             </a:fld>
             <a:endParaRPr lang="en-US" dirty="0"/>
           </a:p>
@@ -8696,7 +8612,7 @@
             <a:fld id="{B1A24CD3-204F-4468-8EE4-28A6668D006A}" type="datetimeFigureOut">
               <a:rPr lang="en-US" smtClean="0"/>
               <a:pPr/>
-              <a:t>11/25/12</a:t>
+              <a:t>11/28/2012</a:t>
             </a:fld>
             <a:endParaRPr lang="en-US" dirty="0"/>
           </a:p>
@@ -9210,7 +9126,7 @@
     </p:spTree>
     <p:extLst>
       <p:ext uri="{BB962C8B-B14F-4D97-AF65-F5344CB8AC3E}">
-        <p14:creationId xmlns:p14="http://schemas.microsoft.com/office/powerpoint/2010/main" val="3291486969"/>
+        <p14:creationId xmlns:p14="http://schemas.microsoft.com/office/powerpoint/2010/main" xmlns="" val="3291486969"/>
       </p:ext>
     </p:extLst>
   </p:cSld>
@@ -9220,7 +9136,7 @@
   <p:timing>
     <p:tnLst>
       <p:par>
-        <p:cTn xmlns:p14="http://schemas.microsoft.com/office/powerpoint/2010/main" id="1" dur="indefinite" restart="never" nodeType="tmRoot"/>
+        <p:cTn id="1" dur="indefinite" restart="never" nodeType="tmRoot"/>
       </p:par>
     </p:tnLst>
   </p:timing>
@@ -9406,7 +9322,7 @@
     </p:spTree>
     <p:extLst>
       <p:ext uri="{BB962C8B-B14F-4D97-AF65-F5344CB8AC3E}">
-        <p14:creationId xmlns:p14="http://schemas.microsoft.com/office/powerpoint/2010/main" val="3853707377"/>
+        <p14:creationId xmlns:p14="http://schemas.microsoft.com/office/powerpoint/2010/main" xmlns="" val="3853707377"/>
       </p:ext>
     </p:extLst>
   </p:cSld>
@@ -9416,7 +9332,7 @@
   <p:timing>
     <p:tnLst>
       <p:par>
-        <p:cTn xmlns:p14="http://schemas.microsoft.com/office/powerpoint/2010/main" id="1" dur="indefinite" restart="never" nodeType="tmRoot"/>
+        <p:cTn id="1" dur="indefinite" restart="never" nodeType="tmRoot"/>
       </p:par>
     </p:tnLst>
   </p:timing>
@@ -9504,13 +9420,13 @@
           <a:p>
             <a:r>
               <a:rPr lang="en-US" dirty="0" smtClean="0"/>
+              <a:t>Implemented User Stories</a:t>
+            </a:r>
+          </a:p>
+          <a:p>
+            <a:r>
+              <a:rPr lang="en-US" dirty="0" smtClean="0"/>
               <a:t>Demo</a:t>
-            </a:r>
-          </a:p>
-          <a:p>
-            <a:r>
-              <a:rPr lang="en-US" dirty="0" smtClean="0"/>
-              <a:t>Implemented User Stories</a:t>
             </a:r>
           </a:p>
           <a:p>
@@ -9548,7 +9464,7 @@
     </p:spTree>
     <p:extLst>
       <p:ext uri="{BB962C8B-B14F-4D97-AF65-F5344CB8AC3E}">
-        <p14:creationId xmlns:p14="http://schemas.microsoft.com/office/powerpoint/2010/main" val="1633817389"/>
+        <p14:creationId xmlns:p14="http://schemas.microsoft.com/office/powerpoint/2010/main" xmlns="" val="1633817389"/>
       </p:ext>
     </p:extLst>
   </p:cSld>
@@ -9558,7 +9474,7 @@
   <p:timing>
     <p:tnLst>
       <p:par>
-        <p:cTn xmlns:p14="http://schemas.microsoft.com/office/powerpoint/2010/main" id="1" dur="indefinite" restart="never" nodeType="tmRoot"/>
+        <p:cTn id="1" dur="indefinite" restart="never" nodeType="tmRoot"/>
       </p:par>
     </p:tnLst>
   </p:timing>
@@ -9674,7 +9590,6 @@
               <a:rPr lang="en-US" sz="1700" dirty="0"/>
               <a:t>Re-conceptualization of the ‘classic’ course planning system</a:t>
             </a:r>
-            <a:endParaRPr lang="en-US" sz="1700" dirty="0"/>
           </a:p>
           <a:p>
             <a:pPr marL="685800" lvl="1">
@@ -9730,7 +9645,7 @@
           <a:blip r:embed="rId3" cstate="print">
             <a:extLst>
               <a:ext uri="{28A0092B-C50C-407E-A947-70E740481C1C}">
-                <a14:useLocalDpi xmlns:a14="http://schemas.microsoft.com/office/drawing/2010/main" val="0"/>
+                <a14:useLocalDpi xmlns:a14="http://schemas.microsoft.com/office/drawing/2010/main" xmlns="" val="0"/>
               </a:ext>
             </a:extLst>
           </a:blip>
@@ -10022,7 +9937,7 @@
     </p:spTree>
     <p:extLst>
       <p:ext uri="{BB962C8B-B14F-4D97-AF65-F5344CB8AC3E}">
-        <p14:creationId xmlns:p14="http://schemas.microsoft.com/office/powerpoint/2010/main" val="1668180396"/>
+        <p14:creationId xmlns:p14="http://schemas.microsoft.com/office/powerpoint/2010/main" xmlns="" val="1668180396"/>
       </p:ext>
     </p:extLst>
   </p:cSld>
@@ -10032,7 +9947,7 @@
   <p:timing>
     <p:tnLst>
       <p:par>
-        <p:cTn xmlns:p14="http://schemas.microsoft.com/office/powerpoint/2010/main" id="1" dur="indefinite" restart="never" nodeType="tmRoot"/>
+        <p:cTn id="1" dur="indefinite" restart="never" nodeType="tmRoot"/>
       </p:par>
     </p:tnLst>
   </p:timing>
@@ -10056,69 +9971,6 @@
           <a:chExt cx="0" cy="0"/>
         </a:xfrm>
       </p:grpSpPr>
-      <p:pic>
-        <p:nvPicPr>
-          <p:cNvPr id="14338" name="Picture 2" descr="http://1.bp.blogspot.com/-WDaDuF-55Ts/UEeR4724BXI/AAAAAAAAA-A/yEgGwYCJ-3w/s1600/demo.jpg"/>
-          <p:cNvPicPr>
-            <a:picLocks noChangeAspect="1" noChangeArrowheads="1"/>
-          </p:cNvPicPr>
-          <p:nvPr/>
-        </p:nvPicPr>
-        <p:blipFill>
-          <a:blip r:embed="rId3" cstate="print"/>
-          <a:srcRect/>
-          <a:stretch>
-            <a:fillRect/>
-          </a:stretch>
-        </p:blipFill>
-        <p:spPr bwMode="auto">
-          <a:xfrm>
-            <a:off x="1255954" y="1557497"/>
-            <a:ext cx="5361823" cy="3866441"/>
-          </a:xfrm>
-          <a:prstGeom prst="rect">
-            <a:avLst/>
-          </a:prstGeom>
-          <a:noFill/>
-        </p:spPr>
-      </p:pic>
-    </p:spTree>
-    <p:extLst>
-      <p:ext uri="{BB962C8B-B14F-4D97-AF65-F5344CB8AC3E}">
-        <p14:creationId xmlns:p14="http://schemas.microsoft.com/office/powerpoint/2010/main" val="928388685"/>
-      </p:ext>
-    </p:extLst>
-  </p:cSld>
-  <p:clrMapOvr>
-    <a:masterClrMapping/>
-  </p:clrMapOvr>
-  <p:timing>
-    <p:tnLst>
-      <p:par>
-        <p:cTn xmlns:p14="http://schemas.microsoft.com/office/powerpoint/2010/main" id="1" dur="indefinite" restart="never" nodeType="tmRoot"/>
-      </p:par>
-    </p:tnLst>
-  </p:timing>
-</p:sld>
-</file>
-
-<file path=ppt/slides/slide5.xml><?xml version="1.0" encoding="utf-8"?>
-<p:sld xmlns:a="http://schemas.openxmlformats.org/drawingml/2006/main" xmlns:r="http://schemas.openxmlformats.org/officeDocument/2006/relationships" xmlns:p="http://schemas.openxmlformats.org/presentationml/2006/main">
-  <p:cSld>
-    <p:spTree>
-      <p:nvGrpSpPr>
-        <p:cNvPr id="1" name=""/>
-        <p:cNvGrpSpPr/>
-        <p:nvPr/>
-      </p:nvGrpSpPr>
-      <p:grpSpPr>
-        <a:xfrm>
-          <a:off x="0" y="0"/>
-          <a:ext cx="0" cy="0"/>
-          <a:chOff x="0" y="0"/>
-          <a:chExt cx="0" cy="0"/>
-        </a:xfrm>
-      </p:grpSpPr>
       <p:sp>
         <p:nvSpPr>
           <p:cNvPr id="2" name="Title 1"/>
@@ -10146,6 +9998,14 @@
                 </a:solidFill>
               </a:rPr>
               <a:t>User </a:t>
+            </a:r>
+            <a:r>
+              <a:rPr lang="en-US" sz="2400" dirty="0" smtClean="0">
+                <a:solidFill>
+                  <a:srgbClr val="FFFFFF"/>
+                </a:solidFill>
+              </a:rPr>
+              <a:t/>
             </a:r>
             <a:br>
               <a:rPr lang="en-US" sz="2400" dirty="0" smtClean="0">
@@ -10180,7 +10040,7 @@
             <p:ph idx="1"/>
             <p:extLst>
               <p:ext uri="{D42A27DB-BD31-4B8C-83A1-F6EECF244321}">
-                <p14:modId xmlns:p14="http://schemas.microsoft.com/office/powerpoint/2010/main" val="3988399231"/>
+                <p14:modId xmlns:p14="http://schemas.microsoft.com/office/powerpoint/2010/main" xmlns="" val="3988399231"/>
               </p:ext>
             </p:extLst>
           </p:nvPr>
@@ -11346,7 +11206,7 @@
     </p:spTree>
     <p:extLst>
       <p:ext uri="{BB962C8B-B14F-4D97-AF65-F5344CB8AC3E}">
-        <p14:creationId xmlns:p14="http://schemas.microsoft.com/office/powerpoint/2010/main" val="1530510290"/>
+        <p14:creationId xmlns:p14="http://schemas.microsoft.com/office/powerpoint/2010/main" xmlns="" val="1530510290"/>
       </p:ext>
     </p:extLst>
   </p:cSld>
@@ -11356,7 +11216,70 @@
   <p:timing>
     <p:tnLst>
       <p:par>
-        <p:cTn xmlns:p14="http://schemas.microsoft.com/office/powerpoint/2010/main" id="1" dur="indefinite" restart="never" nodeType="tmRoot"/>
+        <p:cTn id="1" dur="indefinite" restart="never" nodeType="tmRoot"/>
+      </p:par>
+    </p:tnLst>
+  </p:timing>
+</p:sld>
+</file>
+
+<file path=ppt/slides/slide5.xml><?xml version="1.0" encoding="utf-8"?>
+<p:sld xmlns:a="http://schemas.openxmlformats.org/drawingml/2006/main" xmlns:r="http://schemas.openxmlformats.org/officeDocument/2006/relationships" xmlns:p="http://schemas.openxmlformats.org/presentationml/2006/main">
+  <p:cSld>
+    <p:spTree>
+      <p:nvGrpSpPr>
+        <p:cNvPr id="1" name=""/>
+        <p:cNvGrpSpPr/>
+        <p:nvPr/>
+      </p:nvGrpSpPr>
+      <p:grpSpPr>
+        <a:xfrm>
+          <a:off x="0" y="0"/>
+          <a:ext cx="0" cy="0"/>
+          <a:chOff x="0" y="0"/>
+          <a:chExt cx="0" cy="0"/>
+        </a:xfrm>
+      </p:grpSpPr>
+      <p:pic>
+        <p:nvPicPr>
+          <p:cNvPr id="14338" name="Picture 2" descr="http://1.bp.blogspot.com/-WDaDuF-55Ts/UEeR4724BXI/AAAAAAAAA-A/yEgGwYCJ-3w/s1600/demo.jpg"/>
+          <p:cNvPicPr>
+            <a:picLocks noChangeAspect="1" noChangeArrowheads="1"/>
+          </p:cNvPicPr>
+          <p:nvPr/>
+        </p:nvPicPr>
+        <p:blipFill>
+          <a:blip r:embed="rId3" cstate="print"/>
+          <a:srcRect/>
+          <a:stretch>
+            <a:fillRect/>
+          </a:stretch>
+        </p:blipFill>
+        <p:spPr bwMode="auto">
+          <a:xfrm>
+            <a:off x="1255954" y="1557497"/>
+            <a:ext cx="5361823" cy="3866441"/>
+          </a:xfrm>
+          <a:prstGeom prst="rect">
+            <a:avLst/>
+          </a:prstGeom>
+          <a:noFill/>
+        </p:spPr>
+      </p:pic>
+    </p:spTree>
+    <p:extLst>
+      <p:ext uri="{BB962C8B-B14F-4D97-AF65-F5344CB8AC3E}">
+        <p14:creationId xmlns:p14="http://schemas.microsoft.com/office/powerpoint/2010/main" xmlns="" val="928388685"/>
+      </p:ext>
+    </p:extLst>
+  </p:cSld>
+  <p:clrMapOvr>
+    <a:masterClrMapping/>
+  </p:clrMapOvr>
+  <p:timing>
+    <p:tnLst>
+      <p:par>
+        <p:cTn id="1" dur="indefinite" restart="never" nodeType="tmRoot"/>
       </p:par>
     </p:tnLst>
   </p:timing>
@@ -11418,7 +11341,7 @@
       </p:sp>
       <p:pic>
         <p:nvPicPr>
-          <p:cNvPr id="10244" name="Picture 4" descr="C:\poori\scu\courses\fall2\sw_engr\project\Component Diagram.jpg"/>
+          <p:cNvPr id="1026" name="Picture 2" descr="C:\poori\scu\courses\fall2\sw_engr\project\Component Diagram.jpg"/>
           <p:cNvPicPr>
             <a:picLocks noChangeAspect="1" noChangeArrowheads="1"/>
           </p:cNvPicPr>
@@ -11433,8 +11356,8 @@
         </p:blipFill>
         <p:spPr bwMode="auto">
           <a:xfrm>
-            <a:off x="-80963" y="-53008"/>
-            <a:ext cx="7444740" cy="7132320"/>
+            <a:off x="1" y="72570"/>
+            <a:ext cx="7384923" cy="6954012"/>
           </a:xfrm>
           <a:prstGeom prst="rect">
             <a:avLst/>
@@ -11445,7 +11368,7 @@
     </p:spTree>
     <p:extLst>
       <p:ext uri="{BB962C8B-B14F-4D97-AF65-F5344CB8AC3E}">
-        <p14:creationId xmlns:p14="http://schemas.microsoft.com/office/powerpoint/2010/main" val="1138632541"/>
+        <p14:creationId xmlns:p14="http://schemas.microsoft.com/office/powerpoint/2010/main" xmlns="" val="1138632541"/>
       </p:ext>
     </p:extLst>
   </p:cSld>
@@ -11455,7 +11378,7 @@
   <p:timing>
     <p:tnLst>
       <p:par>
-        <p:cTn xmlns:p14="http://schemas.microsoft.com/office/powerpoint/2010/main" id="1" dur="indefinite" restart="never" nodeType="tmRoot"/>
+        <p:cTn id="1" dur="indefinite" restart="never" nodeType="tmRoot"/>
       </p:par>
     </p:tnLst>
   </p:timing>
@@ -11704,7 +11627,7 @@
             <p:ph idx="1"/>
             <p:extLst>
               <p:ext uri="{D42A27DB-BD31-4B8C-83A1-F6EECF244321}">
-                <p14:modId xmlns:p14="http://schemas.microsoft.com/office/powerpoint/2010/main" val="2263006737"/>
+                <p14:modId xmlns:p14="http://schemas.microsoft.com/office/powerpoint/2010/main" xmlns="" val="2263006737"/>
               </p:ext>
             </p:extLst>
           </p:nvPr>
@@ -13109,7 +13032,7 @@
     </p:spTree>
     <p:extLst>
       <p:ext uri="{BB962C8B-B14F-4D97-AF65-F5344CB8AC3E}">
-        <p14:creationId xmlns:p14="http://schemas.microsoft.com/office/powerpoint/2010/main" val="1418101890"/>
+        <p14:creationId xmlns:p14="http://schemas.microsoft.com/office/powerpoint/2010/main" xmlns="" val="1418101890"/>
       </p:ext>
     </p:extLst>
   </p:cSld>
@@ -13119,7 +13042,7 @@
   <p:timing>
     <p:tnLst>
       <p:par>
-        <p:cTn xmlns:p14="http://schemas.microsoft.com/office/powerpoint/2010/main" id="1" dur="indefinite" restart="never" nodeType="tmRoot"/>
+        <p:cTn id="1" dur="indefinite" restart="never" nodeType="tmRoot"/>
       </p:par>
     </p:tnLst>
   </p:timing>
@@ -13219,7 +13142,7 @@
             <p:ph idx="1"/>
             <p:extLst>
               <p:ext uri="{D42A27DB-BD31-4B8C-83A1-F6EECF244321}">
-                <p14:modId xmlns:p14="http://schemas.microsoft.com/office/powerpoint/2010/main" val="2952445889"/>
+                <p14:modId xmlns:p14="http://schemas.microsoft.com/office/powerpoint/2010/main" xmlns="" val="2952445889"/>
               </p:ext>
             </p:extLst>
           </p:nvPr>
@@ -14194,7 +14117,7 @@
     </p:spTree>
     <p:extLst>
       <p:ext uri="{BB962C8B-B14F-4D97-AF65-F5344CB8AC3E}">
-        <p14:creationId xmlns:p14="http://schemas.microsoft.com/office/powerpoint/2010/main" val="83792608"/>
+        <p14:creationId xmlns:p14="http://schemas.microsoft.com/office/powerpoint/2010/main" xmlns="" val="83792608"/>
       </p:ext>
     </p:extLst>
   </p:cSld>
@@ -14204,7 +14127,7 @@
   <p:timing>
     <p:tnLst>
       <p:par>
-        <p:cTn xmlns:p14="http://schemas.microsoft.com/office/powerpoint/2010/main" id="1" dur="indefinite" restart="never" nodeType="tmRoot"/>
+        <p:cTn id="1" dur="indefinite" restart="never" nodeType="tmRoot"/>
       </p:par>
     </p:tnLst>
   </p:timing>
@@ -14530,7 +14453,7 @@
     </p:spTree>
     <p:extLst>
       <p:ext uri="{BB962C8B-B14F-4D97-AF65-F5344CB8AC3E}">
-        <p14:creationId xmlns:p14="http://schemas.microsoft.com/office/powerpoint/2010/main" val="1195116925"/>
+        <p14:creationId xmlns:p14="http://schemas.microsoft.com/office/powerpoint/2010/main" xmlns="" val="1195116925"/>
       </p:ext>
     </p:extLst>
   </p:cSld>
@@ -14540,7 +14463,7 @@
   <p:timing>
     <p:tnLst>
       <p:par>
-        <p:cTn xmlns:p14="http://schemas.microsoft.com/office/powerpoint/2010/main" id="1" dur="indefinite" restart="never" nodeType="tmRoot"/>
+        <p:cTn id="1" dur="indefinite" restart="never" nodeType="tmRoot"/>
       </p:par>
     </p:tnLst>
   </p:timing>

--- a/docs/Presentation_TeamGamma.pptx
+++ b/docs/Presentation_TeamGamma.pptx
@@ -139,6 +139,7 @@
           </a:p>
         </c:rich>
       </c:tx>
+      <c:layout/>
       <c:spPr>
         <a:noFill/>
         <a:ln w="25400">
@@ -153,7 +154,7 @@
           <c:xMode val="edge"/>
           <c:yMode val="edge"/>
           <c:x val="0.12857427475031"/>
-          <c:y val="0.13847709714251807"/>
+          <c:y val="0.1384770971425181"/>
           <c:w val="0.81610942196581904"/>
           <c:h val="0.73552856740365102"/>
         </c:manualLayout>
@@ -279,16 +280,16 @@
                   <c:v>37</c:v>
                 </c:pt>
                 <c:pt idx="1">
-                  <c:v>35.238095238095276</c:v>
+                  <c:v>35.238095238095291</c:v>
                 </c:pt>
                 <c:pt idx="2">
-                  <c:v>33.476190476190453</c:v>
+                  <c:v>33.476190476190446</c:v>
                 </c:pt>
                 <c:pt idx="3">
-                  <c:v>31.714285714285737</c:v>
+                  <c:v>31.71428571428574</c:v>
                 </c:pt>
                 <c:pt idx="4">
-                  <c:v>29.952380952380931</c:v>
+                  <c:v>29.952380952380924</c:v>
                 </c:pt>
                 <c:pt idx="5">
                   <c:v>28.19047619047619</c:v>
@@ -300,10 +301,10 @@
                   <c:v>24.666666666666671</c:v>
                 </c:pt>
                 <c:pt idx="8">
-                  <c:v>22.904761904761884</c:v>
+                  <c:v>22.90476190476188</c:v>
                 </c:pt>
                 <c:pt idx="9">
-                  <c:v>21.14285714285716</c:v>
+                  <c:v>21.142857142857164</c:v>
                 </c:pt>
                 <c:pt idx="10">
                   <c:v>19.38095238095238</c:v>
@@ -312,19 +313,19 @@
                   <c:v>17.619047619047631</c:v>
                 </c:pt>
                 <c:pt idx="12">
-                  <c:v>15.85714285714287</c:v>
+                  <c:v>15.857142857142872</c:v>
                 </c:pt>
                 <c:pt idx="13">
                   <c:v>14.0952380952381</c:v>
                 </c:pt>
                 <c:pt idx="14">
-                  <c:v>12.333333333333345</c:v>
+                  <c:v>12.333333333333346</c:v>
                 </c:pt>
                 <c:pt idx="15">
                   <c:v>10.571428571428569</c:v>
                 </c:pt>
                 <c:pt idx="16">
-                  <c:v>8.8095238095238155</c:v>
+                  <c:v>8.8095238095238173</c:v>
                 </c:pt>
                 <c:pt idx="17">
                   <c:v>7.0476190476190466</c:v>
@@ -336,7 +337,7 @@
                   <c:v>3.5238095238095237</c:v>
                 </c:pt>
                 <c:pt idx="20">
-                  <c:v>1.7619047619047596</c:v>
+                  <c:v>1.7619047619047599</c:v>
                 </c:pt>
               </c:numCache>
             </c:numRef>
@@ -525,11 +526,11 @@
           </c:val>
         </c:ser>
         <c:marker val="1"/>
-        <c:axId val="73970432"/>
-        <c:axId val="73972736"/>
+        <c:axId val="77579008"/>
+        <c:axId val="77581312"/>
       </c:lineChart>
       <c:catAx>
-        <c:axId val="73970432"/>
+        <c:axId val="77579008"/>
         <c:scaling>
           <c:orientation val="minMax"/>
         </c:scaling>
@@ -550,6 +551,7 @@
               </a:p>
             </c:rich>
           </c:tx>
+          <c:layout/>
           <c:spPr>
             <a:noFill/>
             <a:ln w="25400">
@@ -577,13 +579,13 @@
             <a:endParaRPr lang="en-US"/>
           </a:p>
         </c:txPr>
-        <c:crossAx val="73972736"/>
+        <c:crossAx val="77581312"/>
         <c:crosses val="autoZero"/>
         <c:lblAlgn val="ctr"/>
         <c:lblOffset val="100"/>
       </c:catAx>
       <c:valAx>
-        <c:axId val="73972736"/>
+        <c:axId val="77581312"/>
         <c:scaling>
           <c:orientation val="minMax"/>
         </c:scaling>
@@ -614,6 +616,7 @@
               </a:p>
             </c:rich>
           </c:tx>
+          <c:layout/>
           <c:spPr>
             <a:noFill/>
             <a:ln w="25400">
@@ -638,7 +641,7 @@
             <a:endParaRPr lang="en-US"/>
           </a:p>
         </c:txPr>
-        <c:crossAx val="73970432"/>
+        <c:crossAx val="77579008"/>
         <c:crosses val="autoZero"/>
         <c:crossBetween val="between"/>
       </c:valAx>
@@ -659,7 +662,7 @@
           <c:yMode val="edge"/>
           <c:x val="0.32274203640021693"/>
           <c:y val="0.162826909604848"/>
-          <c:w val="0.67480013709640163"/>
+          <c:w val="0.67480013709640174"/>
           <c:h val="5.8526850766982705E-2"/>
         </c:manualLayout>
       </c:layout>
@@ -707,6 +710,7 @@
           </a:p>
         </c:rich>
       </c:tx>
+      <c:layout/>
       <c:spPr>
         <a:noFill/>
         <a:ln w="25400">
@@ -720,10 +724,10 @@
           <c:layoutTarget val="inner"/>
           <c:xMode val="edge"/>
           <c:yMode val="edge"/>
-          <c:x val="8.2706842827444851E-2"/>
-          <c:y val="0.17674418604651213"/>
+          <c:x val="8.2706842827444879E-2"/>
+          <c:y val="0.17674418604651218"/>
           <c:w val="0.89661736428843497"/>
-          <c:h val="0.59534883720930332"/>
+          <c:h val="0.59534883720930343"/>
         </c:manualLayout>
       </c:layout>
       <c:lineChart>
@@ -829,34 +833,34 @@
                   <c:v>36.214285714285722</c:v>
                 </c:pt>
                 <c:pt idx="2">
-                  <c:v>33.428571428571459</c:v>
+                  <c:v>33.428571428571466</c:v>
                 </c:pt>
                 <c:pt idx="3">
-                  <c:v>30.64285714285716</c:v>
+                  <c:v>30.642857142857164</c:v>
                 </c:pt>
                 <c:pt idx="4">
-                  <c:v>27.85714285714284</c:v>
+                  <c:v>27.857142857142836</c:v>
                 </c:pt>
                 <c:pt idx="5">
                   <c:v>25.071428571428569</c:v>
                 </c:pt>
                 <c:pt idx="6">
-                  <c:v>22.28571428571426</c:v>
+                  <c:v>22.285714285714253</c:v>
                 </c:pt>
                 <c:pt idx="7">
                   <c:v>19.5</c:v>
                 </c:pt>
                 <c:pt idx="8">
-                  <c:v>16.714285714285737</c:v>
+                  <c:v>16.71428571428574</c:v>
                 </c:pt>
                 <c:pt idx="9">
-                  <c:v>13.92857142857142</c:v>
+                  <c:v>13.928571428571416</c:v>
                 </c:pt>
                 <c:pt idx="10">
-                  <c:v>11.142857142857135</c:v>
+                  <c:v>11.142857142857133</c:v>
                 </c:pt>
                 <c:pt idx="11">
-                  <c:v>8.3571428571428683</c:v>
+                  <c:v>8.3571428571428719</c:v>
                 </c:pt>
                 <c:pt idx="12">
                   <c:v>5.5714285714285703</c:v>
@@ -1009,11 +1013,11 @@
           </c:val>
         </c:ser>
         <c:marker val="1"/>
-        <c:axId val="75163520"/>
-        <c:axId val="78729600"/>
+        <c:axId val="77649792"/>
+        <c:axId val="78528896"/>
       </c:lineChart>
       <c:catAx>
-        <c:axId val="75163520"/>
+        <c:axId val="77649792"/>
         <c:scaling>
           <c:orientation val="minMax"/>
         </c:scaling>
@@ -1034,6 +1038,7 @@
               </a:p>
             </c:rich>
           </c:tx>
+          <c:layout/>
           <c:spPr>
             <a:noFill/>
             <a:ln w="25400">
@@ -1061,13 +1066,13 @@
             <a:endParaRPr lang="en-US"/>
           </a:p>
         </c:txPr>
-        <c:crossAx val="78729600"/>
+        <c:crossAx val="78528896"/>
         <c:crosses val="autoZero"/>
         <c:lblAlgn val="ctr"/>
         <c:lblOffset val="100"/>
       </c:catAx>
       <c:valAx>
-        <c:axId val="78729600"/>
+        <c:axId val="78528896"/>
         <c:scaling>
           <c:orientation val="minMax"/>
         </c:scaling>
@@ -1098,6 +1103,7 @@
               </a:p>
             </c:rich>
           </c:tx>
+          <c:layout/>
           <c:spPr>
             <a:noFill/>
             <a:ln w="25400">
@@ -1122,7 +1128,7 @@
             <a:endParaRPr lang="en-US"/>
           </a:p>
         </c:txPr>
-        <c:crossAx val="75163520"/>
+        <c:crossAx val="77649792"/>
         <c:crosses val="autoZero"/>
         <c:crossBetween val="between"/>
       </c:valAx>
@@ -1142,7 +1148,7 @@
           <c:xMode val="edge"/>
           <c:yMode val="edge"/>
           <c:x val="0.29369369369369402"/>
-          <c:y val="0.18035428177637516"/>
+          <c:y val="0.18035428177637522"/>
           <c:w val="0.67050689895281701"/>
           <c:h val="5.2135193525473911E-2"/>
         </c:manualLayout>
@@ -1417,7 +1423,7 @@
     </p:spTree>
     <p:extLst>
       <p:ext uri="{BB962C8B-B14F-4D97-AF65-F5344CB8AC3E}">
-        <p14:creationId xmlns:p14="http://schemas.microsoft.com/office/powerpoint/2010/main" xmlns="" val="2212999972"/>
+        <p14:creationId xmlns="" xmlns:p14="http://schemas.microsoft.com/office/powerpoint/2010/main" val="2212999972"/>
       </p:ext>
     </p:extLst>
   </p:cSld>
@@ -1706,7 +1712,7 @@
     </p:spTree>
     <p:extLst>
       <p:ext uri="{BB962C8B-B14F-4D97-AF65-F5344CB8AC3E}">
-        <p14:creationId xmlns:p14="http://schemas.microsoft.com/office/powerpoint/2010/main" xmlns="" val="385254405"/>
+        <p14:creationId xmlns="" xmlns:p14="http://schemas.microsoft.com/office/powerpoint/2010/main" val="385254405"/>
       </p:ext>
     </p:extLst>
   </p:cSld>
@@ -9126,7 +9132,7 @@
     </p:spTree>
     <p:extLst>
       <p:ext uri="{BB962C8B-B14F-4D97-AF65-F5344CB8AC3E}">
-        <p14:creationId xmlns:p14="http://schemas.microsoft.com/office/powerpoint/2010/main" xmlns="" val="3291486969"/>
+        <p14:creationId xmlns="" xmlns:p14="http://schemas.microsoft.com/office/powerpoint/2010/main" val="3291486969"/>
       </p:ext>
     </p:extLst>
   </p:cSld>
@@ -9322,7 +9328,7 @@
     </p:spTree>
     <p:extLst>
       <p:ext uri="{BB962C8B-B14F-4D97-AF65-F5344CB8AC3E}">
-        <p14:creationId xmlns:p14="http://schemas.microsoft.com/office/powerpoint/2010/main" xmlns="" val="3853707377"/>
+        <p14:creationId xmlns="" xmlns:p14="http://schemas.microsoft.com/office/powerpoint/2010/main" val="3853707377"/>
       </p:ext>
     </p:extLst>
   </p:cSld>
@@ -9464,7 +9470,7 @@
     </p:spTree>
     <p:extLst>
       <p:ext uri="{BB962C8B-B14F-4D97-AF65-F5344CB8AC3E}">
-        <p14:creationId xmlns:p14="http://schemas.microsoft.com/office/powerpoint/2010/main" xmlns="" val="1633817389"/>
+        <p14:creationId xmlns="" xmlns:p14="http://schemas.microsoft.com/office/powerpoint/2010/main" val="1633817389"/>
       </p:ext>
     </p:extLst>
   </p:cSld>
@@ -9645,7 +9651,7 @@
           <a:blip r:embed="rId3" cstate="print">
             <a:extLst>
               <a:ext uri="{28A0092B-C50C-407E-A947-70E740481C1C}">
-                <a14:useLocalDpi xmlns:a14="http://schemas.microsoft.com/office/drawing/2010/main" xmlns="" val="0"/>
+                <a14:useLocalDpi xmlns="" xmlns:a14="http://schemas.microsoft.com/office/drawing/2010/main" val="0"/>
               </a:ext>
             </a:extLst>
           </a:blip>
@@ -9937,7 +9943,7 @@
     </p:spTree>
     <p:extLst>
       <p:ext uri="{BB962C8B-B14F-4D97-AF65-F5344CB8AC3E}">
-        <p14:creationId xmlns:p14="http://schemas.microsoft.com/office/powerpoint/2010/main" xmlns="" val="1668180396"/>
+        <p14:creationId xmlns="" xmlns:p14="http://schemas.microsoft.com/office/powerpoint/2010/main" val="1668180396"/>
       </p:ext>
     </p:extLst>
   </p:cSld>
@@ -9999,14 +10005,6 @@
               </a:rPr>
               <a:t>User </a:t>
             </a:r>
-            <a:r>
-              <a:rPr lang="en-US" sz="2400" dirty="0" smtClean="0">
-                <a:solidFill>
-                  <a:srgbClr val="FFFFFF"/>
-                </a:solidFill>
-              </a:rPr>
-              <a:t/>
-            </a:r>
             <a:br>
               <a:rPr lang="en-US" sz="2400" dirty="0" smtClean="0">
                 <a:solidFill>
@@ -10040,7 +10038,7 @@
             <p:ph idx="1"/>
             <p:extLst>
               <p:ext uri="{D42A27DB-BD31-4B8C-83A1-F6EECF244321}">
-                <p14:modId xmlns:p14="http://schemas.microsoft.com/office/powerpoint/2010/main" xmlns="" val="3988399231"/>
+                <p14:modId xmlns="" xmlns:p14="http://schemas.microsoft.com/office/powerpoint/2010/main" val="3988399231"/>
               </p:ext>
             </p:extLst>
           </p:nvPr>
@@ -11206,7 +11204,7 @@
     </p:spTree>
     <p:extLst>
       <p:ext uri="{BB962C8B-B14F-4D97-AF65-F5344CB8AC3E}">
-        <p14:creationId xmlns:p14="http://schemas.microsoft.com/office/powerpoint/2010/main" xmlns="" val="1530510290"/>
+        <p14:creationId xmlns="" xmlns:p14="http://schemas.microsoft.com/office/powerpoint/2010/main" val="1530510290"/>
       </p:ext>
     </p:extLst>
   </p:cSld>
@@ -11269,7 +11267,7 @@
     </p:spTree>
     <p:extLst>
       <p:ext uri="{BB962C8B-B14F-4D97-AF65-F5344CB8AC3E}">
-        <p14:creationId xmlns:p14="http://schemas.microsoft.com/office/powerpoint/2010/main" xmlns="" val="928388685"/>
+        <p14:creationId xmlns="" xmlns:p14="http://schemas.microsoft.com/office/powerpoint/2010/main" val="928388685"/>
       </p:ext>
     </p:extLst>
   </p:cSld>
@@ -11341,7 +11339,7 @@
       </p:sp>
       <p:pic>
         <p:nvPicPr>
-          <p:cNvPr id="1026" name="Picture 2" descr="C:\poori\scu\courses\fall2\sw_engr\project\Component Diagram.jpg"/>
+          <p:cNvPr id="3" name="Picture 2" descr="C:\poori\scu\courses\fall2\sw_engr\project\Component Diagram.jpg"/>
           <p:cNvPicPr>
             <a:picLocks noChangeAspect="1" noChangeArrowheads="1"/>
           </p:cNvPicPr>
@@ -11356,8 +11354,8 @@
         </p:blipFill>
         <p:spPr bwMode="auto">
           <a:xfrm>
-            <a:off x="1" y="72570"/>
-            <a:ext cx="7384923" cy="6954012"/>
+            <a:off x="38156" y="159654"/>
+            <a:ext cx="7277608" cy="6644132"/>
           </a:xfrm>
           <a:prstGeom prst="rect">
             <a:avLst/>
@@ -11368,7 +11366,7 @@
     </p:spTree>
     <p:extLst>
       <p:ext uri="{BB962C8B-B14F-4D97-AF65-F5344CB8AC3E}">
-        <p14:creationId xmlns:p14="http://schemas.microsoft.com/office/powerpoint/2010/main" xmlns="" val="1138632541"/>
+        <p14:creationId xmlns="" xmlns:p14="http://schemas.microsoft.com/office/powerpoint/2010/main" val="1138632541"/>
       </p:ext>
     </p:extLst>
   </p:cSld>
@@ -11627,7 +11625,7 @@
             <p:ph idx="1"/>
             <p:extLst>
               <p:ext uri="{D42A27DB-BD31-4B8C-83A1-F6EECF244321}">
-                <p14:modId xmlns:p14="http://schemas.microsoft.com/office/powerpoint/2010/main" xmlns="" val="2263006737"/>
+                <p14:modId xmlns="" xmlns:p14="http://schemas.microsoft.com/office/powerpoint/2010/main" val="2263006737"/>
               </p:ext>
             </p:extLst>
           </p:nvPr>
@@ -13032,7 +13030,7 @@
     </p:spTree>
     <p:extLst>
       <p:ext uri="{BB962C8B-B14F-4D97-AF65-F5344CB8AC3E}">
-        <p14:creationId xmlns:p14="http://schemas.microsoft.com/office/powerpoint/2010/main" xmlns="" val="1418101890"/>
+        <p14:creationId xmlns="" xmlns:p14="http://schemas.microsoft.com/office/powerpoint/2010/main" val="1418101890"/>
       </p:ext>
     </p:extLst>
   </p:cSld>
@@ -13142,7 +13140,7 @@
             <p:ph idx="1"/>
             <p:extLst>
               <p:ext uri="{D42A27DB-BD31-4B8C-83A1-F6EECF244321}">
-                <p14:modId xmlns:p14="http://schemas.microsoft.com/office/powerpoint/2010/main" xmlns="" val="2952445889"/>
+                <p14:modId xmlns="" xmlns:p14="http://schemas.microsoft.com/office/powerpoint/2010/main" val="2952445889"/>
               </p:ext>
             </p:extLst>
           </p:nvPr>
@@ -14117,7 +14115,7 @@
     </p:spTree>
     <p:extLst>
       <p:ext uri="{BB962C8B-B14F-4D97-AF65-F5344CB8AC3E}">
-        <p14:creationId xmlns:p14="http://schemas.microsoft.com/office/powerpoint/2010/main" xmlns="" val="83792608"/>
+        <p14:creationId xmlns="" xmlns:p14="http://schemas.microsoft.com/office/powerpoint/2010/main" val="83792608"/>
       </p:ext>
     </p:extLst>
   </p:cSld>
@@ -14453,7 +14451,7 @@
     </p:spTree>
     <p:extLst>
       <p:ext uri="{BB962C8B-B14F-4D97-AF65-F5344CB8AC3E}">
-        <p14:creationId xmlns:p14="http://schemas.microsoft.com/office/powerpoint/2010/main" xmlns="" val="1195116925"/>
+        <p14:creationId xmlns="" xmlns:p14="http://schemas.microsoft.com/office/powerpoint/2010/main" val="1195116925"/>
       </p:ext>
     </p:extLst>
   </p:cSld>

--- a/docs/Presentation_TeamGamma.pptx
+++ b/docs/Presentation_TeamGamma.pptx
@@ -154,7 +154,7 @@
           <c:xMode val="edge"/>
           <c:yMode val="edge"/>
           <c:x val="0.12857427475031"/>
-          <c:y val="0.1384770971425181"/>
+          <c:y val="0.13847709714251813"/>
           <c:w val="0.81610942196581904"/>
           <c:h val="0.73552856740365102"/>
         </c:manualLayout>
@@ -280,16 +280,16 @@
                   <c:v>37</c:v>
                 </c:pt>
                 <c:pt idx="1">
-                  <c:v>35.238095238095291</c:v>
+                  <c:v>35.238095238095305</c:v>
                 </c:pt>
                 <c:pt idx="2">
                   <c:v>33.476190476190446</c:v>
                 </c:pt>
                 <c:pt idx="3">
-                  <c:v>31.71428571428574</c:v>
+                  <c:v>31.714285714285744</c:v>
                 </c:pt>
                 <c:pt idx="4">
-                  <c:v>29.952380952380924</c:v>
+                  <c:v>29.952380952380921</c:v>
                 </c:pt>
                 <c:pt idx="5">
                   <c:v>28.19047619047619</c:v>
@@ -301,10 +301,10 @@
                   <c:v>24.666666666666671</c:v>
                 </c:pt>
                 <c:pt idx="8">
-                  <c:v>22.90476190476188</c:v>
+                  <c:v>22.904761904761877</c:v>
                 </c:pt>
                 <c:pt idx="9">
-                  <c:v>21.142857142857164</c:v>
+                  <c:v>21.142857142857167</c:v>
                 </c:pt>
                 <c:pt idx="10">
                   <c:v>19.38095238095238</c:v>
@@ -313,7 +313,7 @@
                   <c:v>17.619047619047631</c:v>
                 </c:pt>
                 <c:pt idx="12">
-                  <c:v>15.857142857142872</c:v>
+                  <c:v>15.857142857142874</c:v>
                 </c:pt>
                 <c:pt idx="13">
                   <c:v>14.0952380952381</c:v>
@@ -325,7 +325,7 @@
                   <c:v>10.571428571428569</c:v>
                 </c:pt>
                 <c:pt idx="16">
-                  <c:v>8.8095238095238173</c:v>
+                  <c:v>8.8095238095238191</c:v>
                 </c:pt>
                 <c:pt idx="17">
                   <c:v>7.0476190476190466</c:v>
@@ -337,7 +337,7 @@
                   <c:v>3.5238095238095237</c:v>
                 </c:pt>
                 <c:pt idx="20">
-                  <c:v>1.7619047619047599</c:v>
+                  <c:v>1.7619047619047601</c:v>
                 </c:pt>
               </c:numCache>
             </c:numRef>
@@ -526,11 +526,11 @@
           </c:val>
         </c:ser>
         <c:marker val="1"/>
-        <c:axId val="77579008"/>
-        <c:axId val="77581312"/>
+        <c:axId val="75555584"/>
+        <c:axId val="75557888"/>
       </c:lineChart>
       <c:catAx>
-        <c:axId val="77579008"/>
+        <c:axId val="75555584"/>
         <c:scaling>
           <c:orientation val="minMax"/>
         </c:scaling>
@@ -579,13 +579,13 @@
             <a:endParaRPr lang="en-US"/>
           </a:p>
         </c:txPr>
-        <c:crossAx val="77581312"/>
+        <c:crossAx val="75557888"/>
         <c:crosses val="autoZero"/>
         <c:lblAlgn val="ctr"/>
         <c:lblOffset val="100"/>
       </c:catAx>
       <c:valAx>
-        <c:axId val="77581312"/>
+        <c:axId val="75557888"/>
         <c:scaling>
           <c:orientation val="minMax"/>
         </c:scaling>
@@ -641,7 +641,7 @@
             <a:endParaRPr lang="en-US"/>
           </a:p>
         </c:txPr>
-        <c:crossAx val="77579008"/>
+        <c:crossAx val="75555584"/>
         <c:crosses val="autoZero"/>
         <c:crossBetween val="between"/>
       </c:valAx>
@@ -662,7 +662,7 @@
           <c:yMode val="edge"/>
           <c:x val="0.32274203640021693"/>
           <c:y val="0.162826909604848"/>
-          <c:w val="0.67480013709640174"/>
+          <c:w val="0.67480013709640185"/>
           <c:h val="5.8526850766982705E-2"/>
         </c:manualLayout>
       </c:layout>
@@ -724,10 +724,10 @@
           <c:layoutTarget val="inner"/>
           <c:xMode val="edge"/>
           <c:yMode val="edge"/>
-          <c:x val="8.2706842827444879E-2"/>
-          <c:y val="0.17674418604651218"/>
+          <c:x val="8.2706842827444907E-2"/>
+          <c:y val="0.17674418604651224"/>
           <c:w val="0.89661736428843497"/>
-          <c:h val="0.59534883720930343"/>
+          <c:h val="0.59534883720930354"/>
         </c:manualLayout>
       </c:layout>
       <c:lineChart>
@@ -833,34 +833,34 @@
                   <c:v>36.214285714285722</c:v>
                 </c:pt>
                 <c:pt idx="2">
-                  <c:v>33.428571428571466</c:v>
+                  <c:v>33.428571428571473</c:v>
                 </c:pt>
                 <c:pt idx="3">
-                  <c:v>30.642857142857164</c:v>
+                  <c:v>30.642857142857167</c:v>
                 </c:pt>
                 <c:pt idx="4">
-                  <c:v>27.857142857142836</c:v>
+                  <c:v>27.857142857142833</c:v>
                 </c:pt>
                 <c:pt idx="5">
                   <c:v>25.071428571428569</c:v>
                 </c:pt>
                 <c:pt idx="6">
-                  <c:v>22.285714285714253</c:v>
+                  <c:v>22.285714285714246</c:v>
                 </c:pt>
                 <c:pt idx="7">
                   <c:v>19.5</c:v>
                 </c:pt>
                 <c:pt idx="8">
-                  <c:v>16.71428571428574</c:v>
+                  <c:v>16.714285714285744</c:v>
                 </c:pt>
                 <c:pt idx="9">
-                  <c:v>13.928571428571416</c:v>
+                  <c:v>13.928571428571413</c:v>
                 </c:pt>
                 <c:pt idx="10">
-                  <c:v>11.142857142857133</c:v>
+                  <c:v>11.142857142857132</c:v>
                 </c:pt>
                 <c:pt idx="11">
-                  <c:v>8.3571428571428719</c:v>
+                  <c:v>8.3571428571428754</c:v>
                 </c:pt>
                 <c:pt idx="12">
                   <c:v>5.5714285714285703</c:v>
@@ -1013,11 +1013,11 @@
           </c:val>
         </c:ser>
         <c:marker val="1"/>
-        <c:axId val="77649792"/>
-        <c:axId val="78528896"/>
+        <c:axId val="78915456"/>
+        <c:axId val="78930304"/>
       </c:lineChart>
       <c:catAx>
-        <c:axId val="77649792"/>
+        <c:axId val="78915456"/>
         <c:scaling>
           <c:orientation val="minMax"/>
         </c:scaling>
@@ -1066,13 +1066,13 @@
             <a:endParaRPr lang="en-US"/>
           </a:p>
         </c:txPr>
-        <c:crossAx val="78528896"/>
+        <c:crossAx val="78930304"/>
         <c:crosses val="autoZero"/>
         <c:lblAlgn val="ctr"/>
         <c:lblOffset val="100"/>
       </c:catAx>
       <c:valAx>
-        <c:axId val="78528896"/>
+        <c:axId val="78930304"/>
         <c:scaling>
           <c:orientation val="minMax"/>
         </c:scaling>
@@ -1128,7 +1128,7 @@
             <a:endParaRPr lang="en-US"/>
           </a:p>
         </c:txPr>
-        <c:crossAx val="77649792"/>
+        <c:crossAx val="78915456"/>
         <c:crosses val="autoZero"/>
         <c:crossBetween val="between"/>
       </c:valAx>
@@ -1148,7 +1148,7 @@
           <c:xMode val="edge"/>
           <c:yMode val="edge"/>
           <c:x val="0.29369369369369402"/>
-          <c:y val="0.18035428177637522"/>
+          <c:y val="0.18035428177637527"/>
           <c:w val="0.67050689895281701"/>
           <c:h val="5.2135193525473911E-2"/>
         </c:manualLayout>
@@ -1254,7 +1254,7 @@
             <a:fld id="{12CDBA90-CDB2-9846-BC3C-C942DFE4778C}" type="datetimeFigureOut">
               <a:rPr lang="en-US" smtClean="0"/>
               <a:pPr/>
-              <a:t>11/28/2012</a:t>
+              <a:t>11/29/2012</a:t>
             </a:fld>
             <a:endParaRPr lang="en-US" dirty="0"/>
           </a:p>
@@ -1423,7 +1423,7 @@
     </p:spTree>
     <p:extLst>
       <p:ext uri="{BB962C8B-B14F-4D97-AF65-F5344CB8AC3E}">
-        <p14:creationId xmlns="" xmlns:p14="http://schemas.microsoft.com/office/powerpoint/2010/main" val="2212999972"/>
+        <p14:creationId xmlns:p14="http://schemas.microsoft.com/office/powerpoint/2010/main" xmlns="" val="2212999972"/>
       </p:ext>
     </p:extLst>
   </p:cSld>
@@ -1712,7 +1712,7 @@
     </p:spTree>
     <p:extLst>
       <p:ext uri="{BB962C8B-B14F-4D97-AF65-F5344CB8AC3E}">
-        <p14:creationId xmlns="" xmlns:p14="http://schemas.microsoft.com/office/powerpoint/2010/main" val="385254405"/>
+        <p14:creationId xmlns:p14="http://schemas.microsoft.com/office/powerpoint/2010/main" xmlns="" val="385254405"/>
       </p:ext>
     </p:extLst>
   </p:cSld>
@@ -2652,7 +2652,7 @@
             <a:fld id="{B1A24CD3-204F-4468-8EE4-28A6668D006A}" type="datetimeFigureOut">
               <a:rPr lang="en-US" smtClean="0"/>
               <a:pPr/>
-              <a:t>11/28/2012</a:t>
+              <a:t>11/29/2012</a:t>
             </a:fld>
             <a:endParaRPr lang="en-US" dirty="0"/>
           </a:p>
@@ -2940,7 +2940,7 @@
             <a:fld id="{B1A24CD3-204F-4468-8EE4-28A6668D006A}" type="datetimeFigureOut">
               <a:rPr lang="en-US" smtClean="0"/>
               <a:pPr/>
-              <a:t>11/28/2012</a:t>
+              <a:t>11/29/2012</a:t>
             </a:fld>
             <a:endParaRPr lang="en-US" dirty="0"/>
           </a:p>
@@ -3364,7 +3364,7 @@
             <a:fld id="{B1A24CD3-204F-4468-8EE4-28A6668D006A}" type="datetimeFigureOut">
               <a:rPr lang="en-US" smtClean="0"/>
               <a:pPr/>
-              <a:t>11/28/2012</a:t>
+              <a:t>11/29/2012</a:t>
             </a:fld>
             <a:endParaRPr lang="en-US" dirty="0"/>
           </a:p>
@@ -3783,7 +3783,7 @@
             <a:fld id="{B1A24CD3-204F-4468-8EE4-28A6668D006A}" type="datetimeFigureOut">
               <a:rPr lang="en-US" smtClean="0"/>
               <a:pPr/>
-              <a:t>11/28/2012</a:t>
+              <a:t>11/29/2012</a:t>
             </a:fld>
             <a:endParaRPr lang="en-US" dirty="0"/>
           </a:p>
@@ -3918,7 +3918,7 @@
             <a:fld id="{B1A24CD3-204F-4468-8EE4-28A6668D006A}" type="datetimeFigureOut">
               <a:rPr lang="en-US" smtClean="0"/>
               <a:pPr/>
-              <a:t>11/28/2012</a:t>
+              <a:t>11/29/2012</a:t>
             </a:fld>
             <a:endParaRPr lang="en-US" dirty="0"/>
           </a:p>
@@ -4242,7 +4242,7 @@
             <a:fld id="{B1A24CD3-204F-4468-8EE4-28A6668D006A}" type="datetimeFigureOut">
               <a:rPr lang="en-US" smtClean="0"/>
               <a:pPr/>
-              <a:t>11/28/2012</a:t>
+              <a:t>11/29/2012</a:t>
             </a:fld>
             <a:endParaRPr lang="en-US" dirty="0"/>
           </a:p>
@@ -4488,7 +4488,7 @@
             <a:fld id="{B1A24CD3-204F-4468-8EE4-28A6668D006A}" type="datetimeFigureOut">
               <a:rPr lang="en-US" smtClean="0"/>
               <a:pPr/>
-              <a:t>11/28/2012</a:t>
+              <a:t>11/29/2012</a:t>
             </a:fld>
             <a:endParaRPr lang="en-US" dirty="0"/>
           </a:p>
@@ -4828,7 +4828,7 @@
             <a:fld id="{B1A24CD3-204F-4468-8EE4-28A6668D006A}" type="datetimeFigureOut">
               <a:rPr lang="en-US" smtClean="0"/>
               <a:pPr/>
-              <a:t>11/28/2012</a:t>
+              <a:t>11/29/2012</a:t>
             </a:fld>
             <a:endParaRPr lang="en-US" dirty="0"/>
           </a:p>
@@ -5130,7 +5130,7 @@
             <a:fld id="{B1A24CD3-204F-4468-8EE4-28A6668D006A}" type="datetimeFigureOut">
               <a:rPr lang="en-US" smtClean="0"/>
               <a:pPr/>
-              <a:t>11/28/2012</a:t>
+              <a:t>11/29/2012</a:t>
             </a:fld>
             <a:endParaRPr lang="en-US" dirty="0"/>
           </a:p>
@@ -5539,7 +5539,7 @@
             <a:fld id="{B1A24CD3-204F-4468-8EE4-28A6668D006A}" type="datetimeFigureOut">
               <a:rPr lang="en-US" smtClean="0"/>
               <a:pPr/>
-              <a:t>11/28/2012</a:t>
+              <a:t>11/29/2012</a:t>
             </a:fld>
             <a:endParaRPr lang="en-US" dirty="0"/>
           </a:p>
@@ -5763,7 +5763,7 @@
             <a:fld id="{B1A24CD3-204F-4468-8EE4-28A6668D006A}" type="datetimeFigureOut">
               <a:rPr lang="en-US" smtClean="0"/>
               <a:pPr/>
-              <a:t>11/28/2012</a:t>
+              <a:t>11/29/2012</a:t>
             </a:fld>
             <a:endParaRPr lang="en-US" dirty="0"/>
           </a:p>
@@ -5982,7 +5982,7 @@
             <a:fld id="{B1A24CD3-204F-4468-8EE4-28A6668D006A}" type="datetimeFigureOut">
               <a:rPr lang="en-US" smtClean="0"/>
               <a:pPr/>
-              <a:t>11/28/2012</a:t>
+              <a:t>11/29/2012</a:t>
             </a:fld>
             <a:endParaRPr lang="en-US" dirty="0"/>
           </a:p>
@@ -6289,7 +6289,7 @@
             <a:fld id="{B1A24CD3-204F-4468-8EE4-28A6668D006A}" type="datetimeFigureOut">
               <a:rPr lang="en-US" smtClean="0"/>
               <a:pPr/>
-              <a:t>11/28/2012</a:t>
+              <a:t>11/29/2012</a:t>
             </a:fld>
             <a:endParaRPr lang="en-US" dirty="0"/>
           </a:p>
@@ -6618,7 +6618,7 @@
             <a:fld id="{B1A24CD3-204F-4468-8EE4-28A6668D006A}" type="datetimeFigureOut">
               <a:rPr lang="en-US" smtClean="0"/>
               <a:pPr/>
-              <a:t>11/28/2012</a:t>
+              <a:t>11/29/2012</a:t>
             </a:fld>
             <a:endParaRPr lang="en-US" dirty="0"/>
           </a:p>
@@ -6955,7 +6955,7 @@
             <a:fld id="{B1A24CD3-204F-4468-8EE4-28A6668D006A}" type="datetimeFigureOut">
               <a:rPr lang="en-US" smtClean="0"/>
               <a:pPr/>
-              <a:t>11/28/2012</a:t>
+              <a:t>11/29/2012</a:t>
             </a:fld>
             <a:endParaRPr lang="en-US" dirty="0"/>
           </a:p>
@@ -7581,7 +7581,7 @@
             <a:fld id="{B1A24CD3-204F-4468-8EE4-28A6668D006A}" type="datetimeFigureOut">
               <a:rPr lang="en-US" smtClean="0"/>
               <a:pPr/>
-              <a:t>11/28/2012</a:t>
+              <a:t>11/29/2012</a:t>
             </a:fld>
             <a:endParaRPr lang="en-US" dirty="0"/>
           </a:p>
@@ -8070,7 +8070,7 @@
             <a:fld id="{B1A24CD3-204F-4468-8EE4-28A6668D006A}" type="datetimeFigureOut">
               <a:rPr lang="en-US" smtClean="0"/>
               <a:pPr/>
-              <a:t>11/28/2012</a:t>
+              <a:t>11/29/2012</a:t>
             </a:fld>
             <a:endParaRPr lang="en-US" dirty="0"/>
           </a:p>
@@ -8320,7 +8320,7 @@
             <a:fld id="{B1A24CD3-204F-4468-8EE4-28A6668D006A}" type="datetimeFigureOut">
               <a:rPr lang="en-US" smtClean="0"/>
               <a:pPr/>
-              <a:t>11/28/2012</a:t>
+              <a:t>11/29/2012</a:t>
             </a:fld>
             <a:endParaRPr lang="en-US" dirty="0"/>
           </a:p>
@@ -8618,7 +8618,7 @@
             <a:fld id="{B1A24CD3-204F-4468-8EE4-28A6668D006A}" type="datetimeFigureOut">
               <a:rPr lang="en-US" smtClean="0"/>
               <a:pPr/>
-              <a:t>11/28/2012</a:t>
+              <a:t>11/29/2012</a:t>
             </a:fld>
             <a:endParaRPr lang="en-US" dirty="0"/>
           </a:p>
@@ -9132,7 +9132,7 @@
     </p:spTree>
     <p:extLst>
       <p:ext uri="{BB962C8B-B14F-4D97-AF65-F5344CB8AC3E}">
-        <p14:creationId xmlns="" xmlns:p14="http://schemas.microsoft.com/office/powerpoint/2010/main" val="3291486969"/>
+        <p14:creationId xmlns:p14="http://schemas.microsoft.com/office/powerpoint/2010/main" xmlns="" val="3291486969"/>
       </p:ext>
     </p:extLst>
   </p:cSld>
@@ -9260,15 +9260,12 @@
           <a:p>
             <a:pPr lvl="1"/>
             <a:r>
-              <a:rPr lang="en-US" dirty="0"/>
-              <a:t>Hibernate for Object-Relational Mapping</a:t>
-            </a:r>
-          </a:p>
-          <a:p>
-            <a:pPr lvl="1"/>
-            <a:r>
               <a:rPr lang="en-US" dirty="0" smtClean="0"/>
-              <a:t>High (re)learning curve</a:t>
+              <a:t>High </a:t>
+            </a:r>
+            <a:r>
+              <a:rPr lang="en-US" dirty="0" smtClean="0"/>
+              <a:t>(re)learning curve</a:t>
             </a:r>
           </a:p>
           <a:p>
@@ -9328,7 +9325,7 @@
     </p:spTree>
     <p:extLst>
       <p:ext uri="{BB962C8B-B14F-4D97-AF65-F5344CB8AC3E}">
-        <p14:creationId xmlns="" xmlns:p14="http://schemas.microsoft.com/office/powerpoint/2010/main" val="3853707377"/>
+        <p14:creationId xmlns:p14="http://schemas.microsoft.com/office/powerpoint/2010/main" xmlns="" val="3853707377"/>
       </p:ext>
     </p:extLst>
   </p:cSld>
@@ -9470,7 +9467,7 @@
     </p:spTree>
     <p:extLst>
       <p:ext uri="{BB962C8B-B14F-4D97-AF65-F5344CB8AC3E}">
-        <p14:creationId xmlns="" xmlns:p14="http://schemas.microsoft.com/office/powerpoint/2010/main" val="1633817389"/>
+        <p14:creationId xmlns:p14="http://schemas.microsoft.com/office/powerpoint/2010/main" xmlns="" val="1633817389"/>
       </p:ext>
     </p:extLst>
   </p:cSld>
@@ -9651,7 +9648,7 @@
           <a:blip r:embed="rId3" cstate="print">
             <a:extLst>
               <a:ext uri="{28A0092B-C50C-407E-A947-70E740481C1C}">
-                <a14:useLocalDpi xmlns="" xmlns:a14="http://schemas.microsoft.com/office/drawing/2010/main" val="0"/>
+                <a14:useLocalDpi xmlns:a14="http://schemas.microsoft.com/office/drawing/2010/main" xmlns="" val="0"/>
               </a:ext>
             </a:extLst>
           </a:blip>
@@ -9943,7 +9940,7 @@
     </p:spTree>
     <p:extLst>
       <p:ext uri="{BB962C8B-B14F-4D97-AF65-F5344CB8AC3E}">
-        <p14:creationId xmlns="" xmlns:p14="http://schemas.microsoft.com/office/powerpoint/2010/main" val="1668180396"/>
+        <p14:creationId xmlns:p14="http://schemas.microsoft.com/office/powerpoint/2010/main" xmlns="" val="1668180396"/>
       </p:ext>
     </p:extLst>
   </p:cSld>
@@ -10038,7 +10035,7 @@
             <p:ph idx="1"/>
             <p:extLst>
               <p:ext uri="{D42A27DB-BD31-4B8C-83A1-F6EECF244321}">
-                <p14:modId xmlns="" xmlns:p14="http://schemas.microsoft.com/office/powerpoint/2010/main" val="3988399231"/>
+                <p14:modId xmlns:p14="http://schemas.microsoft.com/office/powerpoint/2010/main" xmlns="" val="3988399231"/>
               </p:ext>
             </p:extLst>
           </p:nvPr>
@@ -11204,7 +11201,7 @@
     </p:spTree>
     <p:extLst>
       <p:ext uri="{BB962C8B-B14F-4D97-AF65-F5344CB8AC3E}">
-        <p14:creationId xmlns="" xmlns:p14="http://schemas.microsoft.com/office/powerpoint/2010/main" val="1530510290"/>
+        <p14:creationId xmlns:p14="http://schemas.microsoft.com/office/powerpoint/2010/main" xmlns="" val="1530510290"/>
       </p:ext>
     </p:extLst>
   </p:cSld>
@@ -11267,7 +11264,7 @@
     </p:spTree>
     <p:extLst>
       <p:ext uri="{BB962C8B-B14F-4D97-AF65-F5344CB8AC3E}">
-        <p14:creationId xmlns="" xmlns:p14="http://schemas.microsoft.com/office/powerpoint/2010/main" val="928388685"/>
+        <p14:creationId xmlns:p14="http://schemas.microsoft.com/office/powerpoint/2010/main" xmlns="" val="928388685"/>
       </p:ext>
     </p:extLst>
   </p:cSld>
@@ -11366,7 +11363,7 @@
     </p:spTree>
     <p:extLst>
       <p:ext uri="{BB962C8B-B14F-4D97-AF65-F5344CB8AC3E}">
-        <p14:creationId xmlns="" xmlns:p14="http://schemas.microsoft.com/office/powerpoint/2010/main" val="1138632541"/>
+        <p14:creationId xmlns:p14="http://schemas.microsoft.com/office/powerpoint/2010/main" xmlns="" val="1138632541"/>
       </p:ext>
     </p:extLst>
   </p:cSld>
@@ -11625,7 +11622,7 @@
             <p:ph idx="1"/>
             <p:extLst>
               <p:ext uri="{D42A27DB-BD31-4B8C-83A1-F6EECF244321}">
-                <p14:modId xmlns="" xmlns:p14="http://schemas.microsoft.com/office/powerpoint/2010/main" val="2263006737"/>
+                <p14:modId xmlns:p14="http://schemas.microsoft.com/office/powerpoint/2010/main" xmlns="" val="2263006737"/>
               </p:ext>
             </p:extLst>
           </p:nvPr>
@@ -13030,7 +13027,7 @@
     </p:spTree>
     <p:extLst>
       <p:ext uri="{BB962C8B-B14F-4D97-AF65-F5344CB8AC3E}">
-        <p14:creationId xmlns="" xmlns:p14="http://schemas.microsoft.com/office/powerpoint/2010/main" val="1418101890"/>
+        <p14:creationId xmlns:p14="http://schemas.microsoft.com/office/powerpoint/2010/main" xmlns="" val="1418101890"/>
       </p:ext>
     </p:extLst>
   </p:cSld>
@@ -13140,7 +13137,7 @@
             <p:ph idx="1"/>
             <p:extLst>
               <p:ext uri="{D42A27DB-BD31-4B8C-83A1-F6EECF244321}">
-                <p14:modId xmlns="" xmlns:p14="http://schemas.microsoft.com/office/powerpoint/2010/main" val="2952445889"/>
+                <p14:modId xmlns:p14="http://schemas.microsoft.com/office/powerpoint/2010/main" xmlns="" val="2952445889"/>
               </p:ext>
             </p:extLst>
           </p:nvPr>
@@ -14115,7 +14112,7 @@
     </p:spTree>
     <p:extLst>
       <p:ext uri="{BB962C8B-B14F-4D97-AF65-F5344CB8AC3E}">
-        <p14:creationId xmlns="" xmlns:p14="http://schemas.microsoft.com/office/powerpoint/2010/main" val="83792608"/>
+        <p14:creationId xmlns:p14="http://schemas.microsoft.com/office/powerpoint/2010/main" xmlns="" val="83792608"/>
       </p:ext>
     </p:extLst>
   </p:cSld>
@@ -14451,7 +14448,7 @@
     </p:spTree>
     <p:extLst>
       <p:ext uri="{BB962C8B-B14F-4D97-AF65-F5344CB8AC3E}">
-        <p14:creationId xmlns="" xmlns:p14="http://schemas.microsoft.com/office/powerpoint/2010/main" val="1195116925"/>
+        <p14:creationId xmlns:p14="http://schemas.microsoft.com/office/powerpoint/2010/main" xmlns="" val="1195116925"/>
       </p:ext>
     </p:extLst>
   </p:cSld>

--- a/docs/Presentation_TeamGamma.pptx
+++ b/docs/Presentation_TeamGamma.pptx
@@ -154,7 +154,7 @@
           <c:xMode val="edge"/>
           <c:yMode val="edge"/>
           <c:x val="0.12857427475031"/>
-          <c:y val="0.13847709714251813"/>
+          <c:y val="0.1384770971425181"/>
           <c:w val="0.81610942196581904"/>
           <c:h val="0.73552856740365102"/>
         </c:manualLayout>
@@ -280,16 +280,16 @@
                   <c:v>37</c:v>
                 </c:pt>
                 <c:pt idx="1">
-                  <c:v>35.238095238095305</c:v>
+                  <c:v>35.238095238095291</c:v>
                 </c:pt>
                 <c:pt idx="2">
                   <c:v>33.476190476190446</c:v>
                 </c:pt>
                 <c:pt idx="3">
-                  <c:v>31.714285714285744</c:v>
+                  <c:v>31.71428571428574</c:v>
                 </c:pt>
                 <c:pt idx="4">
-                  <c:v>29.952380952380921</c:v>
+                  <c:v>29.952380952380924</c:v>
                 </c:pt>
                 <c:pt idx="5">
                   <c:v>28.19047619047619</c:v>
@@ -301,10 +301,10 @@
                   <c:v>24.666666666666671</c:v>
                 </c:pt>
                 <c:pt idx="8">
-                  <c:v>22.904761904761877</c:v>
+                  <c:v>22.90476190476188</c:v>
                 </c:pt>
                 <c:pt idx="9">
-                  <c:v>21.142857142857167</c:v>
+                  <c:v>21.142857142857164</c:v>
                 </c:pt>
                 <c:pt idx="10">
                   <c:v>19.38095238095238</c:v>
@@ -313,7 +313,7 @@
                   <c:v>17.619047619047631</c:v>
                 </c:pt>
                 <c:pt idx="12">
-                  <c:v>15.857142857142874</c:v>
+                  <c:v>15.857142857142872</c:v>
                 </c:pt>
                 <c:pt idx="13">
                   <c:v>14.0952380952381</c:v>
@@ -325,7 +325,7 @@
                   <c:v>10.571428571428569</c:v>
                 </c:pt>
                 <c:pt idx="16">
-                  <c:v>8.8095238095238191</c:v>
+                  <c:v>8.8095238095238173</c:v>
                 </c:pt>
                 <c:pt idx="17">
                   <c:v>7.0476190476190466</c:v>
@@ -337,7 +337,7 @@
                   <c:v>3.5238095238095237</c:v>
                 </c:pt>
                 <c:pt idx="20">
-                  <c:v>1.7619047619047601</c:v>
+                  <c:v>1.7619047619047599</c:v>
                 </c:pt>
               </c:numCache>
             </c:numRef>
@@ -526,11 +526,11 @@
           </c:val>
         </c:ser>
         <c:marker val="1"/>
-        <c:axId val="75555584"/>
-        <c:axId val="75557888"/>
+        <c:axId val="77579008"/>
+        <c:axId val="77581312"/>
       </c:lineChart>
       <c:catAx>
-        <c:axId val="75555584"/>
+        <c:axId val="77579008"/>
         <c:scaling>
           <c:orientation val="minMax"/>
         </c:scaling>
@@ -579,13 +579,13 @@
             <a:endParaRPr lang="en-US"/>
           </a:p>
         </c:txPr>
-        <c:crossAx val="75557888"/>
+        <c:crossAx val="77581312"/>
         <c:crosses val="autoZero"/>
         <c:lblAlgn val="ctr"/>
         <c:lblOffset val="100"/>
       </c:catAx>
       <c:valAx>
-        <c:axId val="75557888"/>
+        <c:axId val="77581312"/>
         <c:scaling>
           <c:orientation val="minMax"/>
         </c:scaling>
@@ -641,7 +641,7 @@
             <a:endParaRPr lang="en-US"/>
           </a:p>
         </c:txPr>
-        <c:crossAx val="75555584"/>
+        <c:crossAx val="77579008"/>
         <c:crosses val="autoZero"/>
         <c:crossBetween val="between"/>
       </c:valAx>
@@ -662,7 +662,7 @@
           <c:yMode val="edge"/>
           <c:x val="0.32274203640021693"/>
           <c:y val="0.162826909604848"/>
-          <c:w val="0.67480013709640185"/>
+          <c:w val="0.67480013709640174"/>
           <c:h val="5.8526850766982705E-2"/>
         </c:manualLayout>
       </c:layout>
@@ -724,10 +724,10 @@
           <c:layoutTarget val="inner"/>
           <c:xMode val="edge"/>
           <c:yMode val="edge"/>
-          <c:x val="8.2706842827444907E-2"/>
-          <c:y val="0.17674418604651224"/>
+          <c:x val="8.2706842827444879E-2"/>
+          <c:y val="0.17674418604651218"/>
           <c:w val="0.89661736428843497"/>
-          <c:h val="0.59534883720930354"/>
+          <c:h val="0.59534883720930343"/>
         </c:manualLayout>
       </c:layout>
       <c:lineChart>
@@ -833,34 +833,34 @@
                   <c:v>36.214285714285722</c:v>
                 </c:pt>
                 <c:pt idx="2">
-                  <c:v>33.428571428571473</c:v>
+                  <c:v>33.428571428571466</c:v>
                 </c:pt>
                 <c:pt idx="3">
-                  <c:v>30.642857142857167</c:v>
+                  <c:v>30.642857142857164</c:v>
                 </c:pt>
                 <c:pt idx="4">
-                  <c:v>27.857142857142833</c:v>
+                  <c:v>27.857142857142836</c:v>
                 </c:pt>
                 <c:pt idx="5">
                   <c:v>25.071428571428569</c:v>
                 </c:pt>
                 <c:pt idx="6">
-                  <c:v>22.285714285714246</c:v>
+                  <c:v>22.285714285714253</c:v>
                 </c:pt>
                 <c:pt idx="7">
                   <c:v>19.5</c:v>
                 </c:pt>
                 <c:pt idx="8">
-                  <c:v>16.714285714285744</c:v>
+                  <c:v>16.71428571428574</c:v>
                 </c:pt>
                 <c:pt idx="9">
-                  <c:v>13.928571428571413</c:v>
+                  <c:v>13.928571428571416</c:v>
                 </c:pt>
                 <c:pt idx="10">
-                  <c:v>11.142857142857132</c:v>
+                  <c:v>11.142857142857133</c:v>
                 </c:pt>
                 <c:pt idx="11">
-                  <c:v>8.3571428571428754</c:v>
+                  <c:v>8.3571428571428719</c:v>
                 </c:pt>
                 <c:pt idx="12">
                   <c:v>5.5714285714285703</c:v>
@@ -1013,11 +1013,11 @@
           </c:val>
         </c:ser>
         <c:marker val="1"/>
-        <c:axId val="78915456"/>
-        <c:axId val="78930304"/>
+        <c:axId val="77649792"/>
+        <c:axId val="78528896"/>
       </c:lineChart>
       <c:catAx>
-        <c:axId val="78915456"/>
+        <c:axId val="77649792"/>
         <c:scaling>
           <c:orientation val="minMax"/>
         </c:scaling>
@@ -1066,13 +1066,13 @@
             <a:endParaRPr lang="en-US"/>
           </a:p>
         </c:txPr>
-        <c:crossAx val="78930304"/>
+        <c:crossAx val="78528896"/>
         <c:crosses val="autoZero"/>
         <c:lblAlgn val="ctr"/>
         <c:lblOffset val="100"/>
       </c:catAx>
       <c:valAx>
-        <c:axId val="78930304"/>
+        <c:axId val="78528896"/>
         <c:scaling>
           <c:orientation val="minMax"/>
         </c:scaling>
@@ -1128,7 +1128,7 @@
             <a:endParaRPr lang="en-US"/>
           </a:p>
         </c:txPr>
-        <c:crossAx val="78915456"/>
+        <c:crossAx val="77649792"/>
         <c:crosses val="autoZero"/>
         <c:crossBetween val="between"/>
       </c:valAx>
@@ -1148,7 +1148,7 @@
           <c:xMode val="edge"/>
           <c:yMode val="edge"/>
           <c:x val="0.29369369369369402"/>
-          <c:y val="0.18035428177637527"/>
+          <c:y val="0.18035428177637522"/>
           <c:w val="0.67050689895281701"/>
           <c:h val="5.2135193525473911E-2"/>
         </c:manualLayout>
@@ -1254,7 +1254,7 @@
             <a:fld id="{12CDBA90-CDB2-9846-BC3C-C942DFE4778C}" type="datetimeFigureOut">
               <a:rPr lang="en-US" smtClean="0"/>
               <a:pPr/>
-              <a:t>11/29/2012</a:t>
+              <a:t>11/28/2012</a:t>
             </a:fld>
             <a:endParaRPr lang="en-US" dirty="0"/>
           </a:p>
@@ -1423,7 +1423,7 @@
     </p:spTree>
     <p:extLst>
       <p:ext uri="{BB962C8B-B14F-4D97-AF65-F5344CB8AC3E}">
-        <p14:creationId xmlns:p14="http://schemas.microsoft.com/office/powerpoint/2010/main" xmlns="" val="2212999972"/>
+        <p14:creationId xmlns="" xmlns:p14="http://schemas.microsoft.com/office/powerpoint/2010/main" val="2212999972"/>
       </p:ext>
     </p:extLst>
   </p:cSld>
@@ -1712,7 +1712,7 @@
     </p:spTree>
     <p:extLst>
       <p:ext uri="{BB962C8B-B14F-4D97-AF65-F5344CB8AC3E}">
-        <p14:creationId xmlns:p14="http://schemas.microsoft.com/office/powerpoint/2010/main" xmlns="" val="385254405"/>
+        <p14:creationId xmlns="" xmlns:p14="http://schemas.microsoft.com/office/powerpoint/2010/main" val="385254405"/>
       </p:ext>
     </p:extLst>
   </p:cSld>
@@ -2652,7 +2652,7 @@
             <a:fld id="{B1A24CD3-204F-4468-8EE4-28A6668D006A}" type="datetimeFigureOut">
               <a:rPr lang="en-US" smtClean="0"/>
               <a:pPr/>
-              <a:t>11/29/2012</a:t>
+              <a:t>11/28/2012</a:t>
             </a:fld>
             <a:endParaRPr lang="en-US" dirty="0"/>
           </a:p>
@@ -2940,7 +2940,7 @@
             <a:fld id="{B1A24CD3-204F-4468-8EE4-28A6668D006A}" type="datetimeFigureOut">
               <a:rPr lang="en-US" smtClean="0"/>
               <a:pPr/>
-              <a:t>11/29/2012</a:t>
+              <a:t>11/28/2012</a:t>
             </a:fld>
             <a:endParaRPr lang="en-US" dirty="0"/>
           </a:p>
@@ -3364,7 +3364,7 @@
             <a:fld id="{B1A24CD3-204F-4468-8EE4-28A6668D006A}" type="datetimeFigureOut">
               <a:rPr lang="en-US" smtClean="0"/>
               <a:pPr/>
-              <a:t>11/29/2012</a:t>
+              <a:t>11/28/2012</a:t>
             </a:fld>
             <a:endParaRPr lang="en-US" dirty="0"/>
           </a:p>
@@ -3783,7 +3783,7 @@
             <a:fld id="{B1A24CD3-204F-4468-8EE4-28A6668D006A}" type="datetimeFigureOut">
               <a:rPr lang="en-US" smtClean="0"/>
               <a:pPr/>
-              <a:t>11/29/2012</a:t>
+              <a:t>11/28/2012</a:t>
             </a:fld>
             <a:endParaRPr lang="en-US" dirty="0"/>
           </a:p>
@@ -3918,7 +3918,7 @@
             <a:fld id="{B1A24CD3-204F-4468-8EE4-28A6668D006A}" type="datetimeFigureOut">
               <a:rPr lang="en-US" smtClean="0"/>
               <a:pPr/>
-              <a:t>11/29/2012</a:t>
+              <a:t>11/28/2012</a:t>
             </a:fld>
             <a:endParaRPr lang="en-US" dirty="0"/>
           </a:p>
@@ -4242,7 +4242,7 @@
             <a:fld id="{B1A24CD3-204F-4468-8EE4-28A6668D006A}" type="datetimeFigureOut">
               <a:rPr lang="en-US" smtClean="0"/>
               <a:pPr/>
-              <a:t>11/29/2012</a:t>
+              <a:t>11/28/2012</a:t>
             </a:fld>
             <a:endParaRPr lang="en-US" dirty="0"/>
           </a:p>
@@ -4488,7 +4488,7 @@
             <a:fld id="{B1A24CD3-204F-4468-8EE4-28A6668D006A}" type="datetimeFigureOut">
               <a:rPr lang="en-US" smtClean="0"/>
               <a:pPr/>
-              <a:t>11/29/2012</a:t>
+              <a:t>11/28/2012</a:t>
             </a:fld>
             <a:endParaRPr lang="en-US" dirty="0"/>
           </a:p>
@@ -4828,7 +4828,7 @@
             <a:fld id="{B1A24CD3-204F-4468-8EE4-28A6668D006A}" type="datetimeFigureOut">
               <a:rPr lang="en-US" smtClean="0"/>
               <a:pPr/>
-              <a:t>11/29/2012</a:t>
+              <a:t>11/28/2012</a:t>
             </a:fld>
             <a:endParaRPr lang="en-US" dirty="0"/>
           </a:p>
@@ -5130,7 +5130,7 @@
             <a:fld id="{B1A24CD3-204F-4468-8EE4-28A6668D006A}" type="datetimeFigureOut">
               <a:rPr lang="en-US" smtClean="0"/>
               <a:pPr/>
-              <a:t>11/29/2012</a:t>
+              <a:t>11/28/2012</a:t>
             </a:fld>
             <a:endParaRPr lang="en-US" dirty="0"/>
           </a:p>
@@ -5539,7 +5539,7 @@
             <a:fld id="{B1A24CD3-204F-4468-8EE4-28A6668D006A}" type="datetimeFigureOut">
               <a:rPr lang="en-US" smtClean="0"/>
               <a:pPr/>
-              <a:t>11/29/2012</a:t>
+              <a:t>11/28/2012</a:t>
             </a:fld>
             <a:endParaRPr lang="en-US" dirty="0"/>
           </a:p>
@@ -5763,7 +5763,7 @@
             <a:fld id="{B1A24CD3-204F-4468-8EE4-28A6668D006A}" type="datetimeFigureOut">
               <a:rPr lang="en-US" smtClean="0"/>
               <a:pPr/>
-              <a:t>11/29/2012</a:t>
+              <a:t>11/28/2012</a:t>
             </a:fld>
             <a:endParaRPr lang="en-US" dirty="0"/>
           </a:p>
@@ -5982,7 +5982,7 @@
             <a:fld id="{B1A24CD3-204F-4468-8EE4-28A6668D006A}" type="datetimeFigureOut">
               <a:rPr lang="en-US" smtClean="0"/>
               <a:pPr/>
-              <a:t>11/29/2012</a:t>
+              <a:t>11/28/2012</a:t>
             </a:fld>
             <a:endParaRPr lang="en-US" dirty="0"/>
           </a:p>
@@ -6289,7 +6289,7 @@
             <a:fld id="{B1A24CD3-204F-4468-8EE4-28A6668D006A}" type="datetimeFigureOut">
               <a:rPr lang="en-US" smtClean="0"/>
               <a:pPr/>
-              <a:t>11/29/2012</a:t>
+              <a:t>11/28/2012</a:t>
             </a:fld>
             <a:endParaRPr lang="en-US" dirty="0"/>
           </a:p>
@@ -6618,7 +6618,7 @@
             <a:fld id="{B1A24CD3-204F-4468-8EE4-28A6668D006A}" type="datetimeFigureOut">
               <a:rPr lang="en-US" smtClean="0"/>
               <a:pPr/>
-              <a:t>11/29/2012</a:t>
+              <a:t>11/28/2012</a:t>
             </a:fld>
             <a:endParaRPr lang="en-US" dirty="0"/>
           </a:p>
@@ -6955,7 +6955,7 @@
             <a:fld id="{B1A24CD3-204F-4468-8EE4-28A6668D006A}" type="datetimeFigureOut">
               <a:rPr lang="en-US" smtClean="0"/>
               <a:pPr/>
-              <a:t>11/29/2012</a:t>
+              <a:t>11/28/2012</a:t>
             </a:fld>
             <a:endParaRPr lang="en-US" dirty="0"/>
           </a:p>
@@ -7581,7 +7581,7 @@
             <a:fld id="{B1A24CD3-204F-4468-8EE4-28A6668D006A}" type="datetimeFigureOut">
               <a:rPr lang="en-US" smtClean="0"/>
               <a:pPr/>
-              <a:t>11/29/2012</a:t>
+              <a:t>11/28/2012</a:t>
             </a:fld>
             <a:endParaRPr lang="en-US" dirty="0"/>
           </a:p>
@@ -8070,7 +8070,7 @@
             <a:fld id="{B1A24CD3-204F-4468-8EE4-28A6668D006A}" type="datetimeFigureOut">
               <a:rPr lang="en-US" smtClean="0"/>
               <a:pPr/>
-              <a:t>11/29/2012</a:t>
+              <a:t>11/28/2012</a:t>
             </a:fld>
             <a:endParaRPr lang="en-US" dirty="0"/>
           </a:p>
@@ -8320,7 +8320,7 @@
             <a:fld id="{B1A24CD3-204F-4468-8EE4-28A6668D006A}" type="datetimeFigureOut">
               <a:rPr lang="en-US" smtClean="0"/>
               <a:pPr/>
-              <a:t>11/29/2012</a:t>
+              <a:t>11/28/2012</a:t>
             </a:fld>
             <a:endParaRPr lang="en-US" dirty="0"/>
           </a:p>
@@ -8618,7 +8618,7 @@
             <a:fld id="{B1A24CD3-204F-4468-8EE4-28A6668D006A}" type="datetimeFigureOut">
               <a:rPr lang="en-US" smtClean="0"/>
               <a:pPr/>
-              <a:t>11/29/2012</a:t>
+              <a:t>11/28/2012</a:t>
             </a:fld>
             <a:endParaRPr lang="en-US" dirty="0"/>
           </a:p>
@@ -9132,7 +9132,7 @@
     </p:spTree>
     <p:extLst>
       <p:ext uri="{BB962C8B-B14F-4D97-AF65-F5344CB8AC3E}">
-        <p14:creationId xmlns:p14="http://schemas.microsoft.com/office/powerpoint/2010/main" xmlns="" val="3291486969"/>
+        <p14:creationId xmlns="" xmlns:p14="http://schemas.microsoft.com/office/powerpoint/2010/main" val="3291486969"/>
       </p:ext>
     </p:extLst>
   </p:cSld>
@@ -9260,12 +9260,15 @@
           <a:p>
             <a:pPr lvl="1"/>
             <a:r>
+              <a:rPr lang="en-US" dirty="0"/>
+              <a:t>Hibernate for Object-Relational Mapping</a:t>
+            </a:r>
+          </a:p>
+          <a:p>
+            <a:pPr lvl="1"/>
+            <a:r>
               <a:rPr lang="en-US" dirty="0" smtClean="0"/>
-              <a:t>High </a:t>
-            </a:r>
-            <a:r>
-              <a:rPr lang="en-US" dirty="0" smtClean="0"/>
-              <a:t>(re)learning curve</a:t>
+              <a:t>High (re)learning curve</a:t>
             </a:r>
           </a:p>
           <a:p>
@@ -9325,7 +9328,7 @@
     </p:spTree>
     <p:extLst>
       <p:ext uri="{BB962C8B-B14F-4D97-AF65-F5344CB8AC3E}">
-        <p14:creationId xmlns:p14="http://schemas.microsoft.com/office/powerpoint/2010/main" xmlns="" val="3853707377"/>
+        <p14:creationId xmlns="" xmlns:p14="http://schemas.microsoft.com/office/powerpoint/2010/main" val="3853707377"/>
       </p:ext>
     </p:extLst>
   </p:cSld>
@@ -9467,7 +9470,7 @@
     </p:spTree>
     <p:extLst>
       <p:ext uri="{BB962C8B-B14F-4D97-AF65-F5344CB8AC3E}">
-        <p14:creationId xmlns:p14="http://schemas.microsoft.com/office/powerpoint/2010/main" xmlns="" val="1633817389"/>
+        <p14:creationId xmlns="" xmlns:p14="http://schemas.microsoft.com/office/powerpoint/2010/main" val="1633817389"/>
       </p:ext>
     </p:extLst>
   </p:cSld>
@@ -9648,7 +9651,7 @@
           <a:blip r:embed="rId3" cstate="print">
             <a:extLst>
               <a:ext uri="{28A0092B-C50C-407E-A947-70E740481C1C}">
-                <a14:useLocalDpi xmlns:a14="http://schemas.microsoft.com/office/drawing/2010/main" xmlns="" val="0"/>
+                <a14:useLocalDpi xmlns="" xmlns:a14="http://schemas.microsoft.com/office/drawing/2010/main" val="0"/>
               </a:ext>
             </a:extLst>
           </a:blip>
@@ -9940,7 +9943,7 @@
     </p:spTree>
     <p:extLst>
       <p:ext uri="{BB962C8B-B14F-4D97-AF65-F5344CB8AC3E}">
-        <p14:creationId xmlns:p14="http://schemas.microsoft.com/office/powerpoint/2010/main" xmlns="" val="1668180396"/>
+        <p14:creationId xmlns="" xmlns:p14="http://schemas.microsoft.com/office/powerpoint/2010/main" val="1668180396"/>
       </p:ext>
     </p:extLst>
   </p:cSld>
@@ -10035,7 +10038,7 @@
             <p:ph idx="1"/>
             <p:extLst>
               <p:ext uri="{D42A27DB-BD31-4B8C-83A1-F6EECF244321}">
-                <p14:modId xmlns:p14="http://schemas.microsoft.com/office/powerpoint/2010/main" xmlns="" val="3988399231"/>
+                <p14:modId xmlns="" xmlns:p14="http://schemas.microsoft.com/office/powerpoint/2010/main" val="3988399231"/>
               </p:ext>
             </p:extLst>
           </p:nvPr>
@@ -11201,7 +11204,7 @@
     </p:spTree>
     <p:extLst>
       <p:ext uri="{BB962C8B-B14F-4D97-AF65-F5344CB8AC3E}">
-        <p14:creationId xmlns:p14="http://schemas.microsoft.com/office/powerpoint/2010/main" xmlns="" val="1530510290"/>
+        <p14:creationId xmlns="" xmlns:p14="http://schemas.microsoft.com/office/powerpoint/2010/main" val="1530510290"/>
       </p:ext>
     </p:extLst>
   </p:cSld>
@@ -11264,7 +11267,7 @@
     </p:spTree>
     <p:extLst>
       <p:ext uri="{BB962C8B-B14F-4D97-AF65-F5344CB8AC3E}">
-        <p14:creationId xmlns:p14="http://schemas.microsoft.com/office/powerpoint/2010/main" xmlns="" val="928388685"/>
+        <p14:creationId xmlns="" xmlns:p14="http://schemas.microsoft.com/office/powerpoint/2010/main" val="928388685"/>
       </p:ext>
     </p:extLst>
   </p:cSld>
@@ -11363,7 +11366,7 @@
     </p:spTree>
     <p:extLst>
       <p:ext uri="{BB962C8B-B14F-4D97-AF65-F5344CB8AC3E}">
-        <p14:creationId xmlns:p14="http://schemas.microsoft.com/office/powerpoint/2010/main" xmlns="" val="1138632541"/>
+        <p14:creationId xmlns="" xmlns:p14="http://schemas.microsoft.com/office/powerpoint/2010/main" val="1138632541"/>
       </p:ext>
     </p:extLst>
   </p:cSld>
@@ -11622,7 +11625,7 @@
             <p:ph idx="1"/>
             <p:extLst>
               <p:ext uri="{D42A27DB-BD31-4B8C-83A1-F6EECF244321}">
-                <p14:modId xmlns:p14="http://schemas.microsoft.com/office/powerpoint/2010/main" xmlns="" val="2263006737"/>
+                <p14:modId xmlns="" xmlns:p14="http://schemas.microsoft.com/office/powerpoint/2010/main" val="2263006737"/>
               </p:ext>
             </p:extLst>
           </p:nvPr>
@@ -13027,7 +13030,7 @@
     </p:spTree>
     <p:extLst>
       <p:ext uri="{BB962C8B-B14F-4D97-AF65-F5344CB8AC3E}">
-        <p14:creationId xmlns:p14="http://schemas.microsoft.com/office/powerpoint/2010/main" xmlns="" val="1418101890"/>
+        <p14:creationId xmlns="" xmlns:p14="http://schemas.microsoft.com/office/powerpoint/2010/main" val="1418101890"/>
       </p:ext>
     </p:extLst>
   </p:cSld>
@@ -13137,7 +13140,7 @@
             <p:ph idx="1"/>
             <p:extLst>
               <p:ext uri="{D42A27DB-BD31-4B8C-83A1-F6EECF244321}">
-                <p14:modId xmlns:p14="http://schemas.microsoft.com/office/powerpoint/2010/main" xmlns="" val="2952445889"/>
+                <p14:modId xmlns="" xmlns:p14="http://schemas.microsoft.com/office/powerpoint/2010/main" val="2952445889"/>
               </p:ext>
             </p:extLst>
           </p:nvPr>
@@ -14112,7 +14115,7 @@
     </p:spTree>
     <p:extLst>
       <p:ext uri="{BB962C8B-B14F-4D97-AF65-F5344CB8AC3E}">
-        <p14:creationId xmlns:p14="http://schemas.microsoft.com/office/powerpoint/2010/main" xmlns="" val="83792608"/>
+        <p14:creationId xmlns="" xmlns:p14="http://schemas.microsoft.com/office/powerpoint/2010/main" val="83792608"/>
       </p:ext>
     </p:extLst>
   </p:cSld>
@@ -14448,7 +14451,7 @@
     </p:spTree>
     <p:extLst>
       <p:ext uri="{BB962C8B-B14F-4D97-AF65-F5344CB8AC3E}">
-        <p14:creationId xmlns:p14="http://schemas.microsoft.com/office/powerpoint/2010/main" xmlns="" val="1195116925"/>
+        <p14:creationId xmlns="" xmlns:p14="http://schemas.microsoft.com/office/powerpoint/2010/main" val="1195116925"/>
       </p:ext>
     </p:extLst>
   </p:cSld>
